--- a/Vortrag/hsem.pptx
+++ b/Vortrag/hsem.pptx
@@ -5,13 +5,22 @@
     <p:sldMasterId id="2147483648" r:id="rId1"/>
   </p:sldMasterIdLst>
   <p:sldIdLst>
-    <p:sldId id="257" r:id="rId2"/>
-    <p:sldId id="263" r:id="rId3"/>
-    <p:sldId id="262" r:id="rId4"/>
-    <p:sldId id="259" r:id="rId5"/>
-    <p:sldId id="261" r:id="rId6"/>
-    <p:sldId id="260" r:id="rId7"/>
-    <p:sldId id="258" r:id="rId8"/>
+    <p:sldId id="264" r:id="rId2"/>
+    <p:sldId id="257" r:id="rId3"/>
+    <p:sldId id="263" r:id="rId4"/>
+    <p:sldId id="262" r:id="rId5"/>
+    <p:sldId id="259" r:id="rId6"/>
+    <p:sldId id="261" r:id="rId7"/>
+    <p:sldId id="260" r:id="rId8"/>
+    <p:sldId id="267" r:id="rId9"/>
+    <p:sldId id="266" r:id="rId10"/>
+    <p:sldId id="268" r:id="rId11"/>
+    <p:sldId id="269" r:id="rId12"/>
+    <p:sldId id="270" r:id="rId13"/>
+    <p:sldId id="271" r:id="rId14"/>
+    <p:sldId id="272" r:id="rId15"/>
+    <p:sldId id="273" r:id="rId16"/>
+    <p:sldId id="258" r:id="rId17"/>
   </p:sldIdLst>
   <p:sldSz cx="12192000" cy="6858000"/>
   <p:notesSz cx="6858000" cy="9144000"/>
@@ -110,6 +119,11 @@
       </a:defRPr>
     </a:lvl9pPr>
   </p:defaultTextStyle>
+  <p:extLst>
+    <p:ext uri="{EFAFB233-063F-42B5-8137-9DF3F51BA10A}">
+      <p15:sldGuideLst xmlns:p15="http://schemas.microsoft.com/office/powerpoint/2012/main"/>
+    </p:ext>
+  </p:extLst>
 </p:presentation>
 </file>
 
@@ -2985,11 +2999,7 @@
           <a:bodyPr/>
           <a:lstStyle/>
           <a:p>
-            <a:r>
-              <a:rPr lang="de-DE" dirty="0" smtClean="0"/>
-              <a:t>Agenten und Simulation von AL</a:t>
-            </a:r>
-            <a:endParaRPr lang="de-DE" dirty="0"/>
+            <a:endParaRPr lang="de-DE"/>
           </a:p>
         </p:txBody>
       </p:sp>
@@ -3008,60 +3018,1853 @@
           <a:bodyPr/>
           <a:lstStyle/>
           <a:p>
-            <a:pPr>
-              <a:buFont typeface="Wingdings" panose="05000000000000000000" pitchFamily="2" charset="2"/>
-              <a:buChar char="§"/>
-            </a:pPr>
-            <a:r>
-              <a:rPr lang="de-DE" dirty="0" smtClean="0"/>
-              <a:t>Exkurs: </a:t>
-            </a:r>
-            <a:r>
-              <a:rPr lang="de-DE" dirty="0" err="1" smtClean="0"/>
-              <a:t>Hierarchical</a:t>
-            </a:r>
-            <a:r>
-              <a:rPr lang="de-DE" dirty="0" smtClean="0"/>
-              <a:t> Temporal Memory</a:t>
-            </a:r>
-          </a:p>
-          <a:p>
-            <a:pPr>
-              <a:buFont typeface="Wingdings" panose="05000000000000000000" pitchFamily="2" charset="2"/>
-              <a:buChar char="§"/>
-            </a:pPr>
-            <a:r>
-              <a:rPr lang="de-DE" dirty="0" smtClean="0"/>
-              <a:t>Exkurs: Simulation von Anwendungslandschaften</a:t>
-            </a:r>
-          </a:p>
-          <a:p>
-            <a:pPr>
-              <a:buFont typeface="Wingdings" panose="05000000000000000000" pitchFamily="2" charset="2"/>
-              <a:buChar char="§"/>
-            </a:pPr>
-            <a:r>
-              <a:rPr lang="de-DE" dirty="0" smtClean="0"/>
-              <a:t>Problem Statement</a:t>
-            </a:r>
-          </a:p>
-          <a:p>
-            <a:pPr>
-              <a:buFont typeface="Wingdings" panose="05000000000000000000" pitchFamily="2" charset="2"/>
-              <a:buChar char="§"/>
-            </a:pPr>
-            <a:r>
-              <a:rPr lang="de-DE" dirty="0" smtClean="0"/>
-              <a:t>Roadmap</a:t>
-            </a:r>
-            <a:endParaRPr lang="de-DE" dirty="0"/>
+            <a:endParaRPr lang="de-DE"/>
           </a:p>
         </p:txBody>
       </p:sp>
     </p:spTree>
     <p:extLst>
       <p:ext uri="{BB962C8B-B14F-4D97-AF65-F5344CB8AC3E}">
-        <p14:creationId xmlns:p14="http://schemas.microsoft.com/office/powerpoint/2010/main" val="2839277671"/>
+        <p14:creationId xmlns:p14="http://schemas.microsoft.com/office/powerpoint/2010/main" val="2660602573"/>
+      </p:ext>
+    </p:extLst>
+  </p:cSld>
+  <p:clrMapOvr>
+    <a:masterClrMapping/>
+  </p:clrMapOvr>
+</p:sld>
+</file>
+
+<file path=ppt/slides/slide10.xml><?xml version="1.0" encoding="utf-8"?>
+<p:sld xmlns:a="http://schemas.openxmlformats.org/drawingml/2006/main" xmlns:r="http://schemas.openxmlformats.org/officeDocument/2006/relationships" xmlns:p="http://schemas.openxmlformats.org/presentationml/2006/main">
+  <p:cSld>
+    <p:bg>
+      <p:bgPr>
+        <a:solidFill>
+          <a:schemeClr val="bg1"/>
+        </a:solidFill>
+        <a:effectLst/>
+      </p:bgPr>
+    </p:bg>
+    <p:spTree>
+      <p:nvGrpSpPr>
+        <p:cNvPr id="1" name=""/>
+        <p:cNvGrpSpPr/>
+        <p:nvPr/>
+      </p:nvGrpSpPr>
+      <p:grpSpPr>
+        <a:xfrm>
+          <a:off x="0" y="0"/>
+          <a:ext cx="0" cy="0"/>
+          <a:chOff x="0" y="0"/>
+          <a:chExt cx="0" cy="0"/>
+        </a:xfrm>
+      </p:grpSpPr>
+      <p:pic>
+        <p:nvPicPr>
+          <p:cNvPr id="2" name="Picture 1"/>
+          <p:cNvPicPr>
+            <a:picLocks noChangeAspect="1"/>
+          </p:cNvPicPr>
+          <p:nvPr/>
+        </p:nvPicPr>
+        <p:blipFill>
+          <a:blip r:embed="rId2">
+            <a:extLst>
+              <a:ext uri="{28A0092B-C50C-407E-A947-70E740481C1C}">
+                <a14:useLocalDpi xmlns:a14="http://schemas.microsoft.com/office/drawing/2010/main" val="0"/>
+              </a:ext>
+            </a:extLst>
+          </a:blip>
+          <a:stretch>
+            <a:fillRect/>
+          </a:stretch>
+        </p:blipFill>
+        <p:spPr>
+          <a:xfrm>
+            <a:off x="2684516" y="171289"/>
+            <a:ext cx="6523629" cy="6553417"/>
+          </a:xfrm>
+          <a:prstGeom prst="rect">
+            <a:avLst/>
+          </a:prstGeom>
+        </p:spPr>
+      </p:pic>
+    </p:spTree>
+    <p:extLst>
+      <p:ext uri="{BB962C8B-B14F-4D97-AF65-F5344CB8AC3E}">
+        <p14:creationId xmlns:p14="http://schemas.microsoft.com/office/powerpoint/2010/main" val="2014092846"/>
+      </p:ext>
+    </p:extLst>
+  </p:cSld>
+  <p:clrMapOvr>
+    <a:masterClrMapping/>
+  </p:clrMapOvr>
+</p:sld>
+</file>
+
+<file path=ppt/slides/slide11.xml><?xml version="1.0" encoding="utf-8"?>
+<p:sld xmlns:a="http://schemas.openxmlformats.org/drawingml/2006/main" xmlns:r="http://schemas.openxmlformats.org/officeDocument/2006/relationships" xmlns:p="http://schemas.openxmlformats.org/presentationml/2006/main">
+  <p:cSld>
+    <p:spTree>
+      <p:nvGrpSpPr>
+        <p:cNvPr id="1" name=""/>
+        <p:cNvGrpSpPr/>
+        <p:nvPr/>
+      </p:nvGrpSpPr>
+      <p:grpSpPr>
+        <a:xfrm>
+          <a:off x="0" y="0"/>
+          <a:ext cx="0" cy="0"/>
+          <a:chOff x="0" y="0"/>
+          <a:chExt cx="0" cy="0"/>
+        </a:xfrm>
+      </p:grpSpPr>
+      <p:sp>
+        <p:nvSpPr>
+          <p:cNvPr id="5" name="Rectangle 4"/>
+          <p:cNvSpPr/>
+          <p:nvPr/>
+        </p:nvSpPr>
+        <p:spPr>
+          <a:xfrm>
+            <a:off x="306051" y="4590879"/>
+            <a:ext cx="2715904" cy="1105469"/>
+          </a:xfrm>
+          <a:prstGeom prst="rect">
+            <a:avLst/>
+          </a:prstGeom>
+          <a:noFill/>
+          <a:ln w="57150"/>
+        </p:spPr>
+        <p:style>
+          <a:lnRef idx="2">
+            <a:schemeClr val="accent1">
+              <a:shade val="50000"/>
+            </a:schemeClr>
+          </a:lnRef>
+          <a:fillRef idx="1">
+            <a:schemeClr val="accent1"/>
+          </a:fillRef>
+          <a:effectRef idx="0">
+            <a:schemeClr val="accent1"/>
+          </a:effectRef>
+          <a:fontRef idx="minor">
+            <a:schemeClr val="lt1"/>
+          </a:fontRef>
+        </p:style>
+        <p:txBody>
+          <a:bodyPr rtlCol="0" anchor="ctr"/>
+          <a:lstStyle/>
+          <a:p>
+            <a:pPr algn="ctr"/>
+            <a:r>
+              <a:rPr lang="de-DE" sz="2400" dirty="0" smtClean="0">
+                <a:solidFill>
+                  <a:schemeClr val="tx1"/>
+                </a:solidFill>
+              </a:rPr>
+              <a:t>Region</a:t>
+            </a:r>
+            <a:endParaRPr lang="de-DE" dirty="0">
+              <a:solidFill>
+                <a:schemeClr val="tx1"/>
+              </a:solidFill>
+            </a:endParaRPr>
+          </a:p>
+        </p:txBody>
+      </p:sp>
+      <p:cxnSp>
+        <p:nvCxnSpPr>
+          <p:cNvPr id="7" name="Straight Arrow Connector 6"/>
+          <p:cNvCxnSpPr>
+            <a:stCxn id="23" idx="2"/>
+            <a:endCxn id="20" idx="0"/>
+          </p:cNvCxnSpPr>
+          <p:nvPr/>
+        </p:nvCxnSpPr>
+        <p:spPr>
+          <a:xfrm flipH="1">
+            <a:off x="3096791" y="2259726"/>
+            <a:ext cx="1637732" cy="570931"/>
+          </a:xfrm>
+          <a:prstGeom prst="straightConnector1">
+            <a:avLst/>
+          </a:prstGeom>
+          <a:ln w="57150">
+            <a:headEnd type="triangle" w="med" len="med"/>
+            <a:tailEnd type="triangle" w="med" len="med"/>
+          </a:ln>
+        </p:spPr>
+        <p:style>
+          <a:lnRef idx="1">
+            <a:schemeClr val="accent1"/>
+          </a:lnRef>
+          <a:fillRef idx="0">
+            <a:schemeClr val="accent1"/>
+          </a:fillRef>
+          <a:effectRef idx="0">
+            <a:schemeClr val="accent1"/>
+          </a:effectRef>
+          <a:fontRef idx="minor">
+            <a:schemeClr val="tx1"/>
+          </a:fontRef>
+        </p:style>
+      </p:cxnSp>
+      <p:sp>
+        <p:nvSpPr>
+          <p:cNvPr id="17" name="Rectangle 16"/>
+          <p:cNvSpPr/>
+          <p:nvPr/>
+        </p:nvSpPr>
+        <p:spPr>
+          <a:xfrm>
+            <a:off x="3300939" y="4590877"/>
+            <a:ext cx="2715904" cy="1105469"/>
+          </a:xfrm>
+          <a:prstGeom prst="rect">
+            <a:avLst/>
+          </a:prstGeom>
+          <a:noFill/>
+          <a:ln w="57150"/>
+        </p:spPr>
+        <p:style>
+          <a:lnRef idx="2">
+            <a:schemeClr val="accent1">
+              <a:shade val="50000"/>
+            </a:schemeClr>
+          </a:lnRef>
+          <a:fillRef idx="1">
+            <a:schemeClr val="accent1"/>
+          </a:fillRef>
+          <a:effectRef idx="0">
+            <a:schemeClr val="accent1"/>
+          </a:effectRef>
+          <a:fontRef idx="minor">
+            <a:schemeClr val="lt1"/>
+          </a:fontRef>
+        </p:style>
+        <p:txBody>
+          <a:bodyPr rtlCol="0" anchor="ctr"/>
+          <a:lstStyle/>
+          <a:p>
+            <a:pPr algn="ctr"/>
+            <a:r>
+              <a:rPr lang="de-DE" sz="2400" dirty="0" smtClean="0">
+                <a:solidFill>
+                  <a:schemeClr val="tx1"/>
+                </a:solidFill>
+              </a:rPr>
+              <a:t>Region</a:t>
+            </a:r>
+            <a:endParaRPr lang="de-DE" dirty="0">
+              <a:solidFill>
+                <a:schemeClr val="tx1"/>
+              </a:solidFill>
+            </a:endParaRPr>
+          </a:p>
+        </p:txBody>
+      </p:sp>
+      <p:sp>
+        <p:nvSpPr>
+          <p:cNvPr id="18" name="Rectangle 17"/>
+          <p:cNvSpPr/>
+          <p:nvPr/>
+        </p:nvSpPr>
+        <p:spPr>
+          <a:xfrm>
+            <a:off x="6295827" y="4590877"/>
+            <a:ext cx="2715904" cy="1105469"/>
+          </a:xfrm>
+          <a:prstGeom prst="rect">
+            <a:avLst/>
+          </a:prstGeom>
+          <a:noFill/>
+          <a:ln w="57150"/>
+        </p:spPr>
+        <p:style>
+          <a:lnRef idx="2">
+            <a:schemeClr val="accent1">
+              <a:shade val="50000"/>
+            </a:schemeClr>
+          </a:lnRef>
+          <a:fillRef idx="1">
+            <a:schemeClr val="accent1"/>
+          </a:fillRef>
+          <a:effectRef idx="0">
+            <a:schemeClr val="accent1"/>
+          </a:effectRef>
+          <a:fontRef idx="minor">
+            <a:schemeClr val="lt1"/>
+          </a:fontRef>
+        </p:style>
+        <p:txBody>
+          <a:bodyPr rtlCol="0" anchor="ctr"/>
+          <a:lstStyle/>
+          <a:p>
+            <a:pPr algn="ctr"/>
+            <a:r>
+              <a:rPr lang="de-DE" sz="2400" dirty="0" smtClean="0">
+                <a:solidFill>
+                  <a:schemeClr val="tx1"/>
+                </a:solidFill>
+              </a:rPr>
+              <a:t>Region</a:t>
+            </a:r>
+            <a:endParaRPr lang="de-DE" dirty="0">
+              <a:solidFill>
+                <a:schemeClr val="tx1"/>
+              </a:solidFill>
+            </a:endParaRPr>
+          </a:p>
+        </p:txBody>
+      </p:sp>
+      <p:sp>
+        <p:nvSpPr>
+          <p:cNvPr id="19" name="Rectangle 18"/>
+          <p:cNvSpPr/>
+          <p:nvPr/>
+        </p:nvSpPr>
+        <p:spPr>
+          <a:xfrm>
+            <a:off x="9291511" y="4590876"/>
+            <a:ext cx="2715904" cy="1105469"/>
+          </a:xfrm>
+          <a:prstGeom prst="rect">
+            <a:avLst/>
+          </a:prstGeom>
+          <a:noFill/>
+          <a:ln w="57150"/>
+        </p:spPr>
+        <p:style>
+          <a:lnRef idx="2">
+            <a:schemeClr val="accent1">
+              <a:shade val="50000"/>
+            </a:schemeClr>
+          </a:lnRef>
+          <a:fillRef idx="1">
+            <a:schemeClr val="accent1"/>
+          </a:fillRef>
+          <a:effectRef idx="0">
+            <a:schemeClr val="accent1"/>
+          </a:effectRef>
+          <a:fontRef idx="minor">
+            <a:schemeClr val="lt1"/>
+          </a:fontRef>
+        </p:style>
+        <p:txBody>
+          <a:bodyPr rtlCol="0" anchor="ctr"/>
+          <a:lstStyle/>
+          <a:p>
+            <a:pPr algn="ctr"/>
+            <a:r>
+              <a:rPr lang="de-DE" sz="2400" dirty="0" smtClean="0">
+                <a:solidFill>
+                  <a:schemeClr val="tx1"/>
+                </a:solidFill>
+              </a:rPr>
+              <a:t>Region</a:t>
+            </a:r>
+            <a:endParaRPr lang="de-DE" dirty="0">
+              <a:solidFill>
+                <a:schemeClr val="tx1"/>
+              </a:solidFill>
+            </a:endParaRPr>
+          </a:p>
+        </p:txBody>
+      </p:sp>
+      <p:sp>
+        <p:nvSpPr>
+          <p:cNvPr id="20" name="Rectangle 19"/>
+          <p:cNvSpPr/>
+          <p:nvPr/>
+        </p:nvSpPr>
+        <p:spPr>
+          <a:xfrm>
+            <a:off x="1738839" y="2830657"/>
+            <a:ext cx="2715904" cy="1105469"/>
+          </a:xfrm>
+          <a:prstGeom prst="rect">
+            <a:avLst/>
+          </a:prstGeom>
+          <a:noFill/>
+          <a:ln w="57150"/>
+        </p:spPr>
+        <p:style>
+          <a:lnRef idx="2">
+            <a:schemeClr val="accent1">
+              <a:shade val="50000"/>
+            </a:schemeClr>
+          </a:lnRef>
+          <a:fillRef idx="1">
+            <a:schemeClr val="accent1"/>
+          </a:fillRef>
+          <a:effectRef idx="0">
+            <a:schemeClr val="accent1"/>
+          </a:effectRef>
+          <a:fontRef idx="minor">
+            <a:schemeClr val="lt1"/>
+          </a:fontRef>
+        </p:style>
+        <p:txBody>
+          <a:bodyPr rtlCol="0" anchor="ctr"/>
+          <a:lstStyle/>
+          <a:p>
+            <a:pPr algn="ctr"/>
+            <a:r>
+              <a:rPr lang="de-DE" sz="2400" dirty="0" smtClean="0">
+                <a:solidFill>
+                  <a:schemeClr val="tx1"/>
+                </a:solidFill>
+              </a:rPr>
+              <a:t>Region</a:t>
+            </a:r>
+            <a:endParaRPr lang="de-DE" dirty="0">
+              <a:solidFill>
+                <a:schemeClr val="tx1"/>
+              </a:solidFill>
+            </a:endParaRPr>
+          </a:p>
+        </p:txBody>
+      </p:sp>
+      <p:sp>
+        <p:nvSpPr>
+          <p:cNvPr id="21" name="Rectangle 20"/>
+          <p:cNvSpPr/>
+          <p:nvPr/>
+        </p:nvSpPr>
+        <p:spPr>
+          <a:xfrm>
+            <a:off x="4733727" y="2830657"/>
+            <a:ext cx="2715904" cy="1105469"/>
+          </a:xfrm>
+          <a:prstGeom prst="rect">
+            <a:avLst/>
+          </a:prstGeom>
+          <a:noFill/>
+          <a:ln w="57150"/>
+        </p:spPr>
+        <p:style>
+          <a:lnRef idx="2">
+            <a:schemeClr val="accent1">
+              <a:shade val="50000"/>
+            </a:schemeClr>
+          </a:lnRef>
+          <a:fillRef idx="1">
+            <a:schemeClr val="accent1"/>
+          </a:fillRef>
+          <a:effectRef idx="0">
+            <a:schemeClr val="accent1"/>
+          </a:effectRef>
+          <a:fontRef idx="minor">
+            <a:schemeClr val="lt1"/>
+          </a:fontRef>
+        </p:style>
+        <p:txBody>
+          <a:bodyPr rtlCol="0" anchor="ctr"/>
+          <a:lstStyle/>
+          <a:p>
+            <a:pPr algn="ctr"/>
+            <a:r>
+              <a:rPr lang="de-DE" sz="2400" dirty="0" smtClean="0">
+                <a:solidFill>
+                  <a:schemeClr val="tx1"/>
+                </a:solidFill>
+              </a:rPr>
+              <a:t>Region</a:t>
+            </a:r>
+            <a:endParaRPr lang="de-DE" dirty="0">
+              <a:solidFill>
+                <a:schemeClr val="tx1"/>
+              </a:solidFill>
+            </a:endParaRPr>
+          </a:p>
+        </p:txBody>
+      </p:sp>
+      <p:sp>
+        <p:nvSpPr>
+          <p:cNvPr id="22" name="Rectangle 21"/>
+          <p:cNvSpPr/>
+          <p:nvPr/>
+        </p:nvSpPr>
+        <p:spPr>
+          <a:xfrm>
+            <a:off x="7729411" y="2830656"/>
+            <a:ext cx="2715904" cy="1105469"/>
+          </a:xfrm>
+          <a:prstGeom prst="rect">
+            <a:avLst/>
+          </a:prstGeom>
+          <a:noFill/>
+          <a:ln w="57150"/>
+        </p:spPr>
+        <p:style>
+          <a:lnRef idx="2">
+            <a:schemeClr val="accent1">
+              <a:shade val="50000"/>
+            </a:schemeClr>
+          </a:lnRef>
+          <a:fillRef idx="1">
+            <a:schemeClr val="accent1"/>
+          </a:fillRef>
+          <a:effectRef idx="0">
+            <a:schemeClr val="accent1"/>
+          </a:effectRef>
+          <a:fontRef idx="minor">
+            <a:schemeClr val="lt1"/>
+          </a:fontRef>
+        </p:style>
+        <p:txBody>
+          <a:bodyPr rtlCol="0" anchor="ctr"/>
+          <a:lstStyle/>
+          <a:p>
+            <a:pPr algn="ctr"/>
+            <a:r>
+              <a:rPr lang="de-DE" sz="2400" dirty="0" smtClean="0">
+                <a:solidFill>
+                  <a:schemeClr val="tx1"/>
+                </a:solidFill>
+              </a:rPr>
+              <a:t>Region</a:t>
+            </a:r>
+            <a:endParaRPr lang="de-DE" dirty="0">
+              <a:solidFill>
+                <a:schemeClr val="tx1"/>
+              </a:solidFill>
+            </a:endParaRPr>
+          </a:p>
+        </p:txBody>
+      </p:sp>
+      <p:sp>
+        <p:nvSpPr>
+          <p:cNvPr id="23" name="Rectangle 22"/>
+          <p:cNvSpPr/>
+          <p:nvPr/>
+        </p:nvSpPr>
+        <p:spPr>
+          <a:xfrm>
+            <a:off x="3376571" y="1154257"/>
+            <a:ext cx="2715904" cy="1105469"/>
+          </a:xfrm>
+          <a:prstGeom prst="rect">
+            <a:avLst/>
+          </a:prstGeom>
+          <a:noFill/>
+          <a:ln w="57150"/>
+        </p:spPr>
+        <p:style>
+          <a:lnRef idx="2">
+            <a:schemeClr val="accent1">
+              <a:shade val="50000"/>
+            </a:schemeClr>
+          </a:lnRef>
+          <a:fillRef idx="1">
+            <a:schemeClr val="accent1"/>
+          </a:fillRef>
+          <a:effectRef idx="0">
+            <a:schemeClr val="accent1"/>
+          </a:effectRef>
+          <a:fontRef idx="minor">
+            <a:schemeClr val="lt1"/>
+          </a:fontRef>
+        </p:style>
+        <p:txBody>
+          <a:bodyPr rtlCol="0" anchor="ctr"/>
+          <a:lstStyle/>
+          <a:p>
+            <a:pPr algn="ctr"/>
+            <a:r>
+              <a:rPr lang="de-DE" sz="2400" dirty="0" smtClean="0">
+                <a:solidFill>
+                  <a:schemeClr val="tx1"/>
+                </a:solidFill>
+              </a:rPr>
+              <a:t>Region</a:t>
+            </a:r>
+            <a:endParaRPr lang="de-DE" dirty="0">
+              <a:solidFill>
+                <a:schemeClr val="tx1"/>
+              </a:solidFill>
+            </a:endParaRPr>
+          </a:p>
+        </p:txBody>
+      </p:sp>
+      <p:sp>
+        <p:nvSpPr>
+          <p:cNvPr id="24" name="Rectangle 23"/>
+          <p:cNvSpPr/>
+          <p:nvPr/>
+        </p:nvSpPr>
+        <p:spPr>
+          <a:xfrm>
+            <a:off x="6371459" y="1154257"/>
+            <a:ext cx="2715904" cy="1105469"/>
+          </a:xfrm>
+          <a:prstGeom prst="rect">
+            <a:avLst/>
+          </a:prstGeom>
+          <a:noFill/>
+          <a:ln w="57150"/>
+        </p:spPr>
+        <p:style>
+          <a:lnRef idx="2">
+            <a:schemeClr val="accent1">
+              <a:shade val="50000"/>
+            </a:schemeClr>
+          </a:lnRef>
+          <a:fillRef idx="1">
+            <a:schemeClr val="accent1"/>
+          </a:fillRef>
+          <a:effectRef idx="0">
+            <a:schemeClr val="accent1"/>
+          </a:effectRef>
+          <a:fontRef idx="minor">
+            <a:schemeClr val="lt1"/>
+          </a:fontRef>
+        </p:style>
+        <p:txBody>
+          <a:bodyPr rtlCol="0" anchor="ctr"/>
+          <a:lstStyle/>
+          <a:p>
+            <a:pPr algn="ctr"/>
+            <a:r>
+              <a:rPr lang="de-DE" sz="2400" dirty="0" smtClean="0">
+                <a:solidFill>
+                  <a:schemeClr val="tx1"/>
+                </a:solidFill>
+              </a:rPr>
+              <a:t>Region</a:t>
+            </a:r>
+            <a:endParaRPr lang="de-DE" dirty="0">
+              <a:solidFill>
+                <a:schemeClr val="tx1"/>
+              </a:solidFill>
+            </a:endParaRPr>
+          </a:p>
+        </p:txBody>
+      </p:sp>
+      <p:cxnSp>
+        <p:nvCxnSpPr>
+          <p:cNvPr id="27" name="Straight Arrow Connector 26"/>
+          <p:cNvCxnSpPr>
+            <a:stCxn id="23" idx="2"/>
+            <a:endCxn id="21" idx="0"/>
+          </p:cNvCxnSpPr>
+          <p:nvPr/>
+        </p:nvCxnSpPr>
+        <p:spPr>
+          <a:xfrm>
+            <a:off x="4734523" y="2259726"/>
+            <a:ext cx="1357156" cy="570931"/>
+          </a:xfrm>
+          <a:prstGeom prst="straightConnector1">
+            <a:avLst/>
+          </a:prstGeom>
+          <a:ln w="57150">
+            <a:headEnd type="triangle" w="med" len="med"/>
+            <a:tailEnd type="triangle" w="med" len="med"/>
+          </a:ln>
+        </p:spPr>
+        <p:style>
+          <a:lnRef idx="1">
+            <a:schemeClr val="accent1"/>
+          </a:lnRef>
+          <a:fillRef idx="0">
+            <a:schemeClr val="accent1"/>
+          </a:fillRef>
+          <a:effectRef idx="0">
+            <a:schemeClr val="accent1"/>
+          </a:effectRef>
+          <a:fontRef idx="minor">
+            <a:schemeClr val="tx1"/>
+          </a:fontRef>
+        </p:style>
+      </p:cxnSp>
+      <p:cxnSp>
+        <p:nvCxnSpPr>
+          <p:cNvPr id="30" name="Straight Arrow Connector 29"/>
+          <p:cNvCxnSpPr>
+            <a:stCxn id="24" idx="2"/>
+            <a:endCxn id="21" idx="0"/>
+          </p:cNvCxnSpPr>
+          <p:nvPr/>
+        </p:nvCxnSpPr>
+        <p:spPr>
+          <a:xfrm flipH="1">
+            <a:off x="6091679" y="2259726"/>
+            <a:ext cx="1637732" cy="570931"/>
+          </a:xfrm>
+          <a:prstGeom prst="straightConnector1">
+            <a:avLst/>
+          </a:prstGeom>
+          <a:ln w="57150">
+            <a:headEnd type="triangle" w="med" len="med"/>
+            <a:tailEnd type="triangle" w="med" len="med"/>
+          </a:ln>
+        </p:spPr>
+        <p:style>
+          <a:lnRef idx="1">
+            <a:schemeClr val="accent1"/>
+          </a:lnRef>
+          <a:fillRef idx="0">
+            <a:schemeClr val="accent1"/>
+          </a:fillRef>
+          <a:effectRef idx="0">
+            <a:schemeClr val="accent1"/>
+          </a:effectRef>
+          <a:fontRef idx="minor">
+            <a:schemeClr val="tx1"/>
+          </a:fontRef>
+        </p:style>
+      </p:cxnSp>
+      <p:cxnSp>
+        <p:nvCxnSpPr>
+          <p:cNvPr id="33" name="Straight Arrow Connector 32"/>
+          <p:cNvCxnSpPr>
+            <a:stCxn id="24" idx="2"/>
+            <a:endCxn id="22" idx="0"/>
+          </p:cNvCxnSpPr>
+          <p:nvPr/>
+        </p:nvCxnSpPr>
+        <p:spPr>
+          <a:xfrm>
+            <a:off x="7729411" y="2259726"/>
+            <a:ext cx="1357952" cy="570930"/>
+          </a:xfrm>
+          <a:prstGeom prst="straightConnector1">
+            <a:avLst/>
+          </a:prstGeom>
+          <a:ln w="57150">
+            <a:headEnd type="triangle" w="med" len="med"/>
+            <a:tailEnd type="triangle" w="med" len="med"/>
+          </a:ln>
+        </p:spPr>
+        <p:style>
+          <a:lnRef idx="1">
+            <a:schemeClr val="accent1"/>
+          </a:lnRef>
+          <a:fillRef idx="0">
+            <a:schemeClr val="accent1"/>
+          </a:fillRef>
+          <a:effectRef idx="0">
+            <a:schemeClr val="accent1"/>
+          </a:effectRef>
+          <a:fontRef idx="minor">
+            <a:schemeClr val="tx1"/>
+          </a:fontRef>
+        </p:style>
+      </p:cxnSp>
+      <p:cxnSp>
+        <p:nvCxnSpPr>
+          <p:cNvPr id="36" name="Straight Arrow Connector 35"/>
+          <p:cNvCxnSpPr>
+            <a:stCxn id="20" idx="2"/>
+            <a:endCxn id="17" idx="0"/>
+          </p:cNvCxnSpPr>
+          <p:nvPr/>
+        </p:nvCxnSpPr>
+        <p:spPr>
+          <a:xfrm>
+            <a:off x="3096791" y="3936126"/>
+            <a:ext cx="1562100" cy="654751"/>
+          </a:xfrm>
+          <a:prstGeom prst="straightConnector1">
+            <a:avLst/>
+          </a:prstGeom>
+          <a:ln w="57150">
+            <a:headEnd type="triangle" w="med" len="med"/>
+            <a:tailEnd type="triangle" w="med" len="med"/>
+          </a:ln>
+        </p:spPr>
+        <p:style>
+          <a:lnRef idx="1">
+            <a:schemeClr val="accent1"/>
+          </a:lnRef>
+          <a:fillRef idx="0">
+            <a:schemeClr val="accent1"/>
+          </a:fillRef>
+          <a:effectRef idx="0">
+            <a:schemeClr val="accent1"/>
+          </a:effectRef>
+          <a:fontRef idx="minor">
+            <a:schemeClr val="tx1"/>
+          </a:fontRef>
+        </p:style>
+      </p:cxnSp>
+      <p:cxnSp>
+        <p:nvCxnSpPr>
+          <p:cNvPr id="39" name="Straight Arrow Connector 38"/>
+          <p:cNvCxnSpPr>
+            <a:stCxn id="20" idx="2"/>
+            <a:endCxn id="5" idx="0"/>
+          </p:cNvCxnSpPr>
+          <p:nvPr/>
+        </p:nvCxnSpPr>
+        <p:spPr>
+          <a:xfrm flipH="1">
+            <a:off x="1664003" y="3936126"/>
+            <a:ext cx="1432788" cy="654753"/>
+          </a:xfrm>
+          <a:prstGeom prst="straightConnector1">
+            <a:avLst/>
+          </a:prstGeom>
+          <a:ln w="57150">
+            <a:headEnd type="triangle" w="med" len="med"/>
+            <a:tailEnd type="triangle" w="med" len="med"/>
+          </a:ln>
+        </p:spPr>
+        <p:style>
+          <a:lnRef idx="1">
+            <a:schemeClr val="accent1"/>
+          </a:lnRef>
+          <a:fillRef idx="0">
+            <a:schemeClr val="accent1"/>
+          </a:fillRef>
+          <a:effectRef idx="0">
+            <a:schemeClr val="accent1"/>
+          </a:effectRef>
+          <a:fontRef idx="minor">
+            <a:schemeClr val="tx1"/>
+          </a:fontRef>
+        </p:style>
+      </p:cxnSp>
+      <p:cxnSp>
+        <p:nvCxnSpPr>
+          <p:cNvPr id="42" name="Straight Arrow Connector 41"/>
+          <p:cNvCxnSpPr>
+            <a:stCxn id="21" idx="2"/>
+            <a:endCxn id="17" idx="0"/>
+          </p:cNvCxnSpPr>
+          <p:nvPr/>
+        </p:nvCxnSpPr>
+        <p:spPr>
+          <a:xfrm flipH="1">
+            <a:off x="4658891" y="3936126"/>
+            <a:ext cx="1432788" cy="654751"/>
+          </a:xfrm>
+          <a:prstGeom prst="straightConnector1">
+            <a:avLst/>
+          </a:prstGeom>
+          <a:ln w="57150">
+            <a:headEnd type="triangle" w="med" len="med"/>
+            <a:tailEnd type="triangle" w="med" len="med"/>
+          </a:ln>
+        </p:spPr>
+        <p:style>
+          <a:lnRef idx="1">
+            <a:schemeClr val="accent1"/>
+          </a:lnRef>
+          <a:fillRef idx="0">
+            <a:schemeClr val="accent1"/>
+          </a:fillRef>
+          <a:effectRef idx="0">
+            <a:schemeClr val="accent1"/>
+          </a:effectRef>
+          <a:fontRef idx="minor">
+            <a:schemeClr val="tx1"/>
+          </a:fontRef>
+        </p:style>
+      </p:cxnSp>
+      <p:cxnSp>
+        <p:nvCxnSpPr>
+          <p:cNvPr id="45" name="Straight Arrow Connector 44"/>
+          <p:cNvCxnSpPr>
+            <a:stCxn id="21" idx="2"/>
+            <a:endCxn id="18" idx="0"/>
+          </p:cNvCxnSpPr>
+          <p:nvPr/>
+        </p:nvCxnSpPr>
+        <p:spPr>
+          <a:xfrm>
+            <a:off x="6091679" y="3936126"/>
+            <a:ext cx="1562100" cy="654751"/>
+          </a:xfrm>
+          <a:prstGeom prst="straightConnector1">
+            <a:avLst/>
+          </a:prstGeom>
+          <a:ln w="57150">
+            <a:headEnd type="triangle" w="med" len="med"/>
+            <a:tailEnd type="triangle" w="med" len="med"/>
+          </a:ln>
+        </p:spPr>
+        <p:style>
+          <a:lnRef idx="1">
+            <a:schemeClr val="accent1"/>
+          </a:lnRef>
+          <a:fillRef idx="0">
+            <a:schemeClr val="accent1"/>
+          </a:fillRef>
+          <a:effectRef idx="0">
+            <a:schemeClr val="accent1"/>
+          </a:effectRef>
+          <a:fontRef idx="minor">
+            <a:schemeClr val="tx1"/>
+          </a:fontRef>
+        </p:style>
+      </p:cxnSp>
+      <p:cxnSp>
+        <p:nvCxnSpPr>
+          <p:cNvPr id="48" name="Straight Arrow Connector 47"/>
+          <p:cNvCxnSpPr>
+            <a:stCxn id="22" idx="2"/>
+            <a:endCxn id="19" idx="0"/>
+          </p:cNvCxnSpPr>
+          <p:nvPr/>
+        </p:nvCxnSpPr>
+        <p:spPr>
+          <a:xfrm>
+            <a:off x="9087363" y="3936125"/>
+            <a:ext cx="1562100" cy="654751"/>
+          </a:xfrm>
+          <a:prstGeom prst="straightConnector1">
+            <a:avLst/>
+          </a:prstGeom>
+          <a:ln w="57150">
+            <a:headEnd type="triangle" w="med" len="med"/>
+            <a:tailEnd type="triangle" w="med" len="med"/>
+          </a:ln>
+        </p:spPr>
+        <p:style>
+          <a:lnRef idx="1">
+            <a:schemeClr val="accent1"/>
+          </a:lnRef>
+          <a:fillRef idx="0">
+            <a:schemeClr val="accent1"/>
+          </a:fillRef>
+          <a:effectRef idx="0">
+            <a:schemeClr val="accent1"/>
+          </a:effectRef>
+          <a:fontRef idx="minor">
+            <a:schemeClr val="tx1"/>
+          </a:fontRef>
+        </p:style>
+      </p:cxnSp>
+      <p:cxnSp>
+        <p:nvCxnSpPr>
+          <p:cNvPr id="51" name="Straight Arrow Connector 50"/>
+          <p:cNvCxnSpPr>
+            <a:stCxn id="18" idx="0"/>
+            <a:endCxn id="22" idx="2"/>
+          </p:cNvCxnSpPr>
+          <p:nvPr/>
+        </p:nvCxnSpPr>
+        <p:spPr>
+          <a:xfrm flipV="1">
+            <a:off x="7653779" y="3936125"/>
+            <a:ext cx="1433584" cy="654752"/>
+          </a:xfrm>
+          <a:prstGeom prst="straightConnector1">
+            <a:avLst/>
+          </a:prstGeom>
+          <a:ln w="57150">
+            <a:headEnd type="triangle" w="med" len="med"/>
+            <a:tailEnd type="triangle" w="med" len="med"/>
+          </a:ln>
+        </p:spPr>
+        <p:style>
+          <a:lnRef idx="1">
+            <a:schemeClr val="accent1"/>
+          </a:lnRef>
+          <a:fillRef idx="0">
+            <a:schemeClr val="accent1"/>
+          </a:fillRef>
+          <a:effectRef idx="0">
+            <a:schemeClr val="accent1"/>
+          </a:effectRef>
+          <a:fontRef idx="minor">
+            <a:schemeClr val="tx1"/>
+          </a:fontRef>
+        </p:style>
+      </p:cxnSp>
+      <p:cxnSp>
+        <p:nvCxnSpPr>
+          <p:cNvPr id="54" name="Straight Arrow Connector 53"/>
+          <p:cNvCxnSpPr>
+            <a:stCxn id="5" idx="2"/>
+          </p:cNvCxnSpPr>
+          <p:nvPr/>
+        </p:nvCxnSpPr>
+        <p:spPr>
+          <a:xfrm>
+            <a:off x="1664003" y="5696348"/>
+            <a:ext cx="0" cy="872092"/>
+          </a:xfrm>
+          <a:prstGeom prst="straightConnector1">
+            <a:avLst/>
+          </a:prstGeom>
+          <a:ln w="57150">
+            <a:headEnd type="triangle" w="med" len="med"/>
+            <a:tailEnd type="triangle" w="med" len="med"/>
+          </a:ln>
+        </p:spPr>
+        <p:style>
+          <a:lnRef idx="1">
+            <a:schemeClr val="accent1"/>
+          </a:lnRef>
+          <a:fillRef idx="0">
+            <a:schemeClr val="accent1"/>
+          </a:fillRef>
+          <a:effectRef idx="0">
+            <a:schemeClr val="accent1"/>
+          </a:effectRef>
+          <a:fontRef idx="minor">
+            <a:schemeClr val="tx1"/>
+          </a:fontRef>
+        </p:style>
+      </p:cxnSp>
+      <p:cxnSp>
+        <p:nvCxnSpPr>
+          <p:cNvPr id="57" name="Straight Arrow Connector 56"/>
+          <p:cNvCxnSpPr/>
+          <p:nvPr/>
+        </p:nvCxnSpPr>
+        <p:spPr>
+          <a:xfrm>
+            <a:off x="4658891" y="5696345"/>
+            <a:ext cx="0" cy="872092"/>
+          </a:xfrm>
+          <a:prstGeom prst="straightConnector1">
+            <a:avLst/>
+          </a:prstGeom>
+          <a:ln w="57150">
+            <a:headEnd type="triangle" w="med" len="med"/>
+            <a:tailEnd type="triangle" w="med" len="med"/>
+          </a:ln>
+        </p:spPr>
+        <p:style>
+          <a:lnRef idx="1">
+            <a:schemeClr val="accent1"/>
+          </a:lnRef>
+          <a:fillRef idx="0">
+            <a:schemeClr val="accent1"/>
+          </a:fillRef>
+          <a:effectRef idx="0">
+            <a:schemeClr val="accent1"/>
+          </a:effectRef>
+          <a:fontRef idx="minor">
+            <a:schemeClr val="tx1"/>
+          </a:fontRef>
+        </p:style>
+      </p:cxnSp>
+      <p:cxnSp>
+        <p:nvCxnSpPr>
+          <p:cNvPr id="58" name="Straight Arrow Connector 57"/>
+          <p:cNvCxnSpPr/>
+          <p:nvPr/>
+        </p:nvCxnSpPr>
+        <p:spPr>
+          <a:xfrm>
+            <a:off x="7649002" y="5696345"/>
+            <a:ext cx="0" cy="872092"/>
+          </a:xfrm>
+          <a:prstGeom prst="straightConnector1">
+            <a:avLst/>
+          </a:prstGeom>
+          <a:ln w="57150">
+            <a:headEnd type="triangle" w="med" len="med"/>
+            <a:tailEnd type="triangle" w="med" len="med"/>
+          </a:ln>
+        </p:spPr>
+        <p:style>
+          <a:lnRef idx="1">
+            <a:schemeClr val="accent1"/>
+          </a:lnRef>
+          <a:fillRef idx="0">
+            <a:schemeClr val="accent1"/>
+          </a:fillRef>
+          <a:effectRef idx="0">
+            <a:schemeClr val="accent1"/>
+          </a:effectRef>
+          <a:fontRef idx="minor">
+            <a:schemeClr val="tx1"/>
+          </a:fontRef>
+        </p:style>
+      </p:cxnSp>
+      <p:cxnSp>
+        <p:nvCxnSpPr>
+          <p:cNvPr id="59" name="Straight Arrow Connector 58"/>
+          <p:cNvCxnSpPr/>
+          <p:nvPr/>
+        </p:nvCxnSpPr>
+        <p:spPr>
+          <a:xfrm>
+            <a:off x="10649463" y="5696345"/>
+            <a:ext cx="0" cy="872092"/>
+          </a:xfrm>
+          <a:prstGeom prst="straightConnector1">
+            <a:avLst/>
+          </a:prstGeom>
+          <a:ln w="57150">
+            <a:headEnd type="triangle" w="med" len="med"/>
+            <a:tailEnd type="triangle" w="med" len="med"/>
+          </a:ln>
+        </p:spPr>
+        <p:style>
+          <a:lnRef idx="1">
+            <a:schemeClr val="accent1"/>
+          </a:lnRef>
+          <a:fillRef idx="0">
+            <a:schemeClr val="accent1"/>
+          </a:fillRef>
+          <a:effectRef idx="0">
+            <a:schemeClr val="accent1"/>
+          </a:effectRef>
+          <a:fontRef idx="minor">
+            <a:schemeClr val="tx1"/>
+          </a:fontRef>
+        </p:style>
+      </p:cxnSp>
+      <p:sp>
+        <p:nvSpPr>
+          <p:cNvPr id="60" name="TextBox 59"/>
+          <p:cNvSpPr txBox="1"/>
+          <p:nvPr/>
+        </p:nvSpPr>
+        <p:spPr>
+          <a:xfrm>
+            <a:off x="132383" y="234324"/>
+            <a:ext cx="4188519" cy="461665"/>
+          </a:xfrm>
+          <a:prstGeom prst="rect">
+            <a:avLst/>
+          </a:prstGeom>
+          <a:noFill/>
+        </p:spPr>
+        <p:txBody>
+          <a:bodyPr wrap="none" rtlCol="0">
+            <a:spAutoFit/>
+          </a:bodyPr>
+          <a:lstStyle/>
+          <a:p>
+            <a:r>
+              <a:rPr lang="de-DE" sz="2400" b="1" dirty="0" smtClean="0"/>
+              <a:t>Unser Neocortex-Modell bisher</a:t>
+            </a:r>
+            <a:endParaRPr lang="de-DE" sz="2400" b="1" dirty="0"/>
+          </a:p>
+        </p:txBody>
+      </p:sp>
+    </p:spTree>
+    <p:extLst>
+      <p:ext uri="{BB962C8B-B14F-4D97-AF65-F5344CB8AC3E}">
+        <p14:creationId xmlns:p14="http://schemas.microsoft.com/office/powerpoint/2010/main" val="2326234285"/>
+      </p:ext>
+    </p:extLst>
+  </p:cSld>
+  <p:clrMapOvr>
+    <a:masterClrMapping/>
+  </p:clrMapOvr>
+</p:sld>
+</file>
+
+<file path=ppt/slides/slide12.xml><?xml version="1.0" encoding="utf-8"?>
+<p:sld xmlns:a="http://schemas.openxmlformats.org/drawingml/2006/main" xmlns:r="http://schemas.openxmlformats.org/officeDocument/2006/relationships" xmlns:p="http://schemas.openxmlformats.org/presentationml/2006/main">
+  <p:cSld>
+    <p:spTree>
+      <p:nvGrpSpPr>
+        <p:cNvPr id="1" name=""/>
+        <p:cNvGrpSpPr/>
+        <p:nvPr/>
+      </p:nvGrpSpPr>
+      <p:grpSpPr>
+        <a:xfrm>
+          <a:off x="0" y="0"/>
+          <a:ext cx="0" cy="0"/>
+          <a:chOff x="0" y="0"/>
+          <a:chExt cx="0" cy="0"/>
+        </a:xfrm>
+      </p:grpSpPr>
+      <p:pic>
+        <p:nvPicPr>
+          <p:cNvPr id="2" name="Picture 1"/>
+          <p:cNvPicPr>
+            <a:picLocks noChangeAspect="1"/>
+          </p:cNvPicPr>
+          <p:nvPr/>
+        </p:nvPicPr>
+        <p:blipFill>
+          <a:blip r:embed="rId2">
+            <a:extLst>
+              <a:ext uri="{28A0092B-C50C-407E-A947-70E740481C1C}">
+                <a14:useLocalDpi xmlns:a14="http://schemas.microsoft.com/office/drawing/2010/main" val="0"/>
+              </a:ext>
+            </a:extLst>
+          </a:blip>
+          <a:stretch>
+            <a:fillRect/>
+          </a:stretch>
+        </p:blipFill>
+        <p:spPr>
+          <a:xfrm>
+            <a:off x="5613175" y="1042235"/>
+            <a:ext cx="6578825" cy="5791200"/>
+          </a:xfrm>
+          <a:prstGeom prst="rect">
+            <a:avLst/>
+          </a:prstGeom>
+        </p:spPr>
+      </p:pic>
+      <p:sp>
+        <p:nvSpPr>
+          <p:cNvPr id="5" name="Rectangle 4"/>
+          <p:cNvSpPr/>
+          <p:nvPr/>
+        </p:nvSpPr>
+        <p:spPr>
+          <a:xfrm>
+            <a:off x="306050" y="1127761"/>
+            <a:ext cx="5226069" cy="4568588"/>
+          </a:xfrm>
+          <a:prstGeom prst="rect">
+            <a:avLst/>
+          </a:prstGeom>
+          <a:solidFill>
+            <a:schemeClr val="bg1"/>
+          </a:solidFill>
+          <a:ln w="57150"/>
+        </p:spPr>
+        <p:style>
+          <a:lnRef idx="2">
+            <a:schemeClr val="accent1">
+              <a:shade val="50000"/>
+            </a:schemeClr>
+          </a:lnRef>
+          <a:fillRef idx="1">
+            <a:schemeClr val="accent1"/>
+          </a:fillRef>
+          <a:effectRef idx="0">
+            <a:schemeClr val="accent1"/>
+          </a:effectRef>
+          <a:fontRef idx="minor">
+            <a:schemeClr val="lt1"/>
+          </a:fontRef>
+        </p:style>
+        <p:txBody>
+          <a:bodyPr rtlCol="0" anchor="ctr"/>
+          <a:lstStyle/>
+          <a:p>
+            <a:pPr algn="ctr"/>
+            <a:r>
+              <a:rPr lang="de-DE" sz="2400" dirty="0" smtClean="0">
+                <a:solidFill>
+                  <a:schemeClr val="tx1"/>
+                </a:solidFill>
+              </a:rPr>
+              <a:t>Region</a:t>
+            </a:r>
+            <a:endParaRPr lang="de-DE" dirty="0">
+              <a:solidFill>
+                <a:schemeClr val="tx1"/>
+              </a:solidFill>
+            </a:endParaRPr>
+          </a:p>
+        </p:txBody>
+      </p:sp>
+      <p:sp>
+        <p:nvSpPr>
+          <p:cNvPr id="60" name="TextBox 59"/>
+          <p:cNvSpPr txBox="1"/>
+          <p:nvPr/>
+        </p:nvSpPr>
+        <p:spPr>
+          <a:xfrm>
+            <a:off x="132383" y="234324"/>
+            <a:ext cx="3196003" cy="461665"/>
+          </a:xfrm>
+          <a:prstGeom prst="rect">
+            <a:avLst/>
+          </a:prstGeom>
+          <a:noFill/>
+        </p:spPr>
+        <p:txBody>
+          <a:bodyPr wrap="none" rtlCol="0">
+            <a:spAutoFit/>
+          </a:bodyPr>
+          <a:lstStyle/>
+          <a:p>
+            <a:r>
+              <a:rPr lang="de-DE" sz="2400" b="1" dirty="0" smtClean="0"/>
+              <a:t>Schichten im Neocortex</a:t>
+            </a:r>
+            <a:endParaRPr lang="de-DE" sz="2400" b="1" dirty="0"/>
+          </a:p>
+        </p:txBody>
+      </p:sp>
+    </p:spTree>
+    <p:extLst>
+      <p:ext uri="{BB962C8B-B14F-4D97-AF65-F5344CB8AC3E}">
+        <p14:creationId xmlns:p14="http://schemas.microsoft.com/office/powerpoint/2010/main" val="3583880921"/>
+      </p:ext>
+    </p:extLst>
+  </p:cSld>
+  <p:clrMapOvr>
+    <a:masterClrMapping/>
+  </p:clrMapOvr>
+</p:sld>
+</file>
+
+<file path=ppt/slides/slide13.xml><?xml version="1.0" encoding="utf-8"?>
+<p:sld xmlns:a="http://schemas.openxmlformats.org/drawingml/2006/main" xmlns:r="http://schemas.openxmlformats.org/officeDocument/2006/relationships" xmlns:p="http://schemas.openxmlformats.org/presentationml/2006/main">
+  <p:cSld>
+    <p:spTree>
+      <p:nvGrpSpPr>
+        <p:cNvPr id="1" name=""/>
+        <p:cNvGrpSpPr/>
+        <p:nvPr/>
+      </p:nvGrpSpPr>
+      <p:grpSpPr>
+        <a:xfrm>
+          <a:off x="0" y="0"/>
+          <a:ext cx="0" cy="0"/>
+          <a:chOff x="0" y="0"/>
+          <a:chExt cx="0" cy="0"/>
+        </a:xfrm>
+      </p:grpSpPr>
+      <p:pic>
+        <p:nvPicPr>
+          <p:cNvPr id="2" name="Picture 1"/>
+          <p:cNvPicPr>
+            <a:picLocks noChangeAspect="1"/>
+          </p:cNvPicPr>
+          <p:nvPr/>
+        </p:nvPicPr>
+        <p:blipFill>
+          <a:blip r:embed="rId2">
+            <a:extLst>
+              <a:ext uri="{28A0092B-C50C-407E-A947-70E740481C1C}">
+                <a14:useLocalDpi xmlns:a14="http://schemas.microsoft.com/office/drawing/2010/main" val="0"/>
+              </a:ext>
+            </a:extLst>
+          </a:blip>
+          <a:stretch>
+            <a:fillRect/>
+          </a:stretch>
+        </p:blipFill>
+        <p:spPr>
+          <a:xfrm>
+            <a:off x="73435" y="1066800"/>
+            <a:ext cx="6578825" cy="5791200"/>
+          </a:xfrm>
+          <a:prstGeom prst="rect">
+            <a:avLst/>
+          </a:prstGeom>
+        </p:spPr>
+      </p:pic>
+      <p:sp>
+        <p:nvSpPr>
+          <p:cNvPr id="60" name="TextBox 59"/>
+          <p:cNvSpPr txBox="1"/>
+          <p:nvPr/>
+        </p:nvSpPr>
+        <p:spPr>
+          <a:xfrm>
+            <a:off x="132383" y="234324"/>
+            <a:ext cx="3622787" cy="461665"/>
+          </a:xfrm>
+          <a:prstGeom prst="rect">
+            <a:avLst/>
+          </a:prstGeom>
+          <a:noFill/>
+        </p:spPr>
+        <p:txBody>
+          <a:bodyPr wrap="none" rtlCol="0">
+            <a:spAutoFit/>
+          </a:bodyPr>
+          <a:lstStyle/>
+          <a:p>
+            <a:r>
+              <a:rPr lang="de-DE" sz="2400" b="1" dirty="0" err="1" smtClean="0"/>
+              <a:t>Minicolumns</a:t>
+            </a:r>
+            <a:r>
+              <a:rPr lang="de-DE" sz="2400" b="1" dirty="0" smtClean="0"/>
+              <a:t> im Neocortex</a:t>
+            </a:r>
+            <a:endParaRPr lang="de-DE" sz="2400" b="1" dirty="0"/>
+          </a:p>
+        </p:txBody>
+      </p:sp>
+      <p:pic>
+        <p:nvPicPr>
+          <p:cNvPr id="3" name="Picture 2"/>
+          <p:cNvPicPr>
+            <a:picLocks noChangeAspect="1"/>
+          </p:cNvPicPr>
+          <p:nvPr/>
+        </p:nvPicPr>
+        <p:blipFill>
+          <a:blip r:embed="rId3">
+            <a:extLst>
+              <a:ext uri="{28A0092B-C50C-407E-A947-70E740481C1C}">
+                <a14:useLocalDpi xmlns:a14="http://schemas.microsoft.com/office/drawing/2010/main" val="0"/>
+              </a:ext>
+            </a:extLst>
+          </a:blip>
+          <a:stretch>
+            <a:fillRect/>
+          </a:stretch>
+        </p:blipFill>
+        <p:spPr>
+          <a:xfrm>
+            <a:off x="8136492" y="297180"/>
+            <a:ext cx="3331845" cy="6461760"/>
+          </a:xfrm>
+          <a:prstGeom prst="rect">
+            <a:avLst/>
+          </a:prstGeom>
+        </p:spPr>
+      </p:pic>
+      <p:cxnSp>
+        <p:nvCxnSpPr>
+          <p:cNvPr id="6" name="Straight Connector 5"/>
+          <p:cNvCxnSpPr/>
+          <p:nvPr/>
+        </p:nvCxnSpPr>
+        <p:spPr>
+          <a:xfrm flipV="1">
+            <a:off x="5318760" y="297180"/>
+            <a:ext cx="2804160" cy="1341120"/>
+          </a:xfrm>
+          <a:prstGeom prst="line">
+            <a:avLst/>
+          </a:prstGeom>
+          <a:ln w="28575">
+            <a:solidFill>
+              <a:schemeClr val="bg2">
+                <a:lumMod val="90000"/>
+              </a:schemeClr>
+            </a:solidFill>
+          </a:ln>
+        </p:spPr>
+        <p:style>
+          <a:lnRef idx="1">
+            <a:schemeClr val="accent1"/>
+          </a:lnRef>
+          <a:fillRef idx="0">
+            <a:schemeClr val="accent1"/>
+          </a:fillRef>
+          <a:effectRef idx="0">
+            <a:schemeClr val="accent1"/>
+          </a:effectRef>
+          <a:fontRef idx="minor">
+            <a:schemeClr val="tx1"/>
+          </a:fontRef>
+        </p:style>
+      </p:cxnSp>
+      <p:cxnSp>
+        <p:nvCxnSpPr>
+          <p:cNvPr id="8" name="Straight Connector 7"/>
+          <p:cNvCxnSpPr/>
+          <p:nvPr/>
+        </p:nvCxnSpPr>
+        <p:spPr>
+          <a:xfrm>
+            <a:off x="5303520" y="2689860"/>
+            <a:ext cx="2832972" cy="251460"/>
+          </a:xfrm>
+          <a:prstGeom prst="line">
+            <a:avLst/>
+          </a:prstGeom>
+          <a:ln w="28575">
+            <a:solidFill>
+              <a:schemeClr val="bg2">
+                <a:lumMod val="90000"/>
+              </a:schemeClr>
+            </a:solidFill>
+          </a:ln>
+        </p:spPr>
+        <p:style>
+          <a:lnRef idx="1">
+            <a:schemeClr val="accent1"/>
+          </a:lnRef>
+          <a:fillRef idx="0">
+            <a:schemeClr val="accent1"/>
+          </a:fillRef>
+          <a:effectRef idx="0">
+            <a:schemeClr val="accent1"/>
+          </a:effectRef>
+          <a:fontRef idx="minor">
+            <a:schemeClr val="tx1"/>
+          </a:fontRef>
+        </p:style>
+      </p:cxnSp>
+    </p:spTree>
+    <p:extLst>
+      <p:ext uri="{BB962C8B-B14F-4D97-AF65-F5344CB8AC3E}">
+        <p14:creationId xmlns:p14="http://schemas.microsoft.com/office/powerpoint/2010/main" val="2485494864"/>
+      </p:ext>
+    </p:extLst>
+  </p:cSld>
+  <p:clrMapOvr>
+    <a:masterClrMapping/>
+  </p:clrMapOvr>
+</p:sld>
+</file>
+
+<file path=ppt/slides/slide14.xml><?xml version="1.0" encoding="utf-8"?>
+<p:sld xmlns:a="http://schemas.openxmlformats.org/drawingml/2006/main" xmlns:r="http://schemas.openxmlformats.org/officeDocument/2006/relationships" xmlns:p="http://schemas.openxmlformats.org/presentationml/2006/main">
+  <p:cSld>
+    <p:spTree>
+      <p:nvGrpSpPr>
+        <p:cNvPr id="1" name=""/>
+        <p:cNvGrpSpPr/>
+        <p:nvPr/>
+      </p:nvGrpSpPr>
+      <p:grpSpPr>
+        <a:xfrm>
+          <a:off x="0" y="0"/>
+          <a:ext cx="0" cy="0"/>
+          <a:chOff x="0" y="0"/>
+          <a:chExt cx="0" cy="0"/>
+        </a:xfrm>
+      </p:grpSpPr>
+      <p:pic>
+        <p:nvPicPr>
+          <p:cNvPr id="3" name="Picture 2"/>
+          <p:cNvPicPr>
+            <a:picLocks noChangeAspect="1"/>
+          </p:cNvPicPr>
+          <p:nvPr/>
+        </p:nvPicPr>
+        <p:blipFill>
+          <a:blip r:embed="rId2">
+            <a:extLst>
+              <a:ext uri="{28A0092B-C50C-407E-A947-70E740481C1C}">
+                <a14:useLocalDpi xmlns:a14="http://schemas.microsoft.com/office/drawing/2010/main" val="0"/>
+              </a:ext>
+            </a:extLst>
+          </a:blip>
+          <a:stretch>
+            <a:fillRect/>
+          </a:stretch>
+        </p:blipFill>
+        <p:spPr>
+          <a:xfrm>
+            <a:off x="219312" y="234324"/>
+            <a:ext cx="3331845" cy="6461760"/>
+          </a:xfrm>
+          <a:prstGeom prst="rect">
+            <a:avLst/>
+          </a:prstGeom>
+        </p:spPr>
+      </p:pic>
+      <p:sp>
+        <p:nvSpPr>
+          <p:cNvPr id="60" name="TextBox 59"/>
+          <p:cNvSpPr txBox="1"/>
+          <p:nvPr/>
+        </p:nvSpPr>
+        <p:spPr>
+          <a:xfrm>
+            <a:off x="9558323" y="234324"/>
+            <a:ext cx="2505238" cy="461665"/>
+          </a:xfrm>
+          <a:prstGeom prst="rect">
+            <a:avLst/>
+          </a:prstGeom>
+          <a:noFill/>
+        </p:spPr>
+        <p:txBody>
+          <a:bodyPr wrap="none" rtlCol="0">
+            <a:spAutoFit/>
+          </a:bodyPr>
+          <a:lstStyle/>
+          <a:p>
+            <a:r>
+              <a:rPr lang="de-DE" sz="2400" b="1" dirty="0" err="1" smtClean="0"/>
+              <a:t>Neuronenmodelle</a:t>
+            </a:r>
+            <a:endParaRPr lang="de-DE" sz="2400" b="1" dirty="0"/>
+          </a:p>
+        </p:txBody>
+      </p:sp>
+      <p:cxnSp>
+        <p:nvCxnSpPr>
+          <p:cNvPr id="8" name="Straight Connector 7"/>
+          <p:cNvCxnSpPr/>
+          <p:nvPr/>
+        </p:nvCxnSpPr>
+        <p:spPr>
+          <a:xfrm>
+            <a:off x="5303520" y="2689860"/>
+            <a:ext cx="2832972" cy="251460"/>
+          </a:xfrm>
+          <a:prstGeom prst="line">
+            <a:avLst/>
+          </a:prstGeom>
+          <a:ln w="28575">
+            <a:solidFill>
+              <a:schemeClr val="bg2">
+                <a:lumMod val="90000"/>
+              </a:schemeClr>
+            </a:solidFill>
+          </a:ln>
+        </p:spPr>
+        <p:style>
+          <a:lnRef idx="1">
+            <a:schemeClr val="accent1"/>
+          </a:lnRef>
+          <a:fillRef idx="0">
+            <a:schemeClr val="accent1"/>
+          </a:fillRef>
+          <a:effectRef idx="0">
+            <a:schemeClr val="accent1"/>
+          </a:effectRef>
+          <a:fontRef idx="minor">
+            <a:schemeClr val="tx1"/>
+          </a:fontRef>
+        </p:style>
+      </p:cxnSp>
+      <p:pic>
+        <p:nvPicPr>
+          <p:cNvPr id="4" name="Picture 3"/>
+          <p:cNvPicPr>
+            <a:picLocks noChangeAspect="1"/>
+          </p:cNvPicPr>
+          <p:nvPr/>
+        </p:nvPicPr>
+        <p:blipFill>
+          <a:blip r:embed="rId3">
+            <a:extLst>
+              <a:ext uri="{28A0092B-C50C-407E-A947-70E740481C1C}">
+                <a14:useLocalDpi xmlns:a14="http://schemas.microsoft.com/office/drawing/2010/main" val="0"/>
+              </a:ext>
+            </a:extLst>
+          </a:blip>
+          <a:stretch>
+            <a:fillRect/>
+          </a:stretch>
+        </p:blipFill>
+        <p:spPr>
+          <a:xfrm>
+            <a:off x="5158740" y="848359"/>
+            <a:ext cx="6667500" cy="5580727"/>
+          </a:xfrm>
+          <a:prstGeom prst="rect">
+            <a:avLst/>
+          </a:prstGeom>
+        </p:spPr>
+      </p:pic>
+      <p:cxnSp>
+        <p:nvCxnSpPr>
+          <p:cNvPr id="6" name="Straight Connector 5"/>
+          <p:cNvCxnSpPr/>
+          <p:nvPr/>
+        </p:nvCxnSpPr>
+        <p:spPr>
+          <a:xfrm flipV="1">
+            <a:off x="3360420" y="4648200"/>
+            <a:ext cx="2689860" cy="205740"/>
+          </a:xfrm>
+          <a:prstGeom prst="line">
+            <a:avLst/>
+          </a:prstGeom>
+          <a:ln w="28575">
+            <a:solidFill>
+              <a:schemeClr val="bg2">
+                <a:lumMod val="90000"/>
+              </a:schemeClr>
+            </a:solidFill>
+          </a:ln>
+        </p:spPr>
+        <p:style>
+          <a:lnRef idx="1">
+            <a:schemeClr val="accent1"/>
+          </a:lnRef>
+          <a:fillRef idx="0">
+            <a:schemeClr val="accent1"/>
+          </a:fillRef>
+          <a:effectRef idx="0">
+            <a:schemeClr val="accent1"/>
+          </a:effectRef>
+          <a:fontRef idx="minor">
+            <a:schemeClr val="tx1"/>
+          </a:fontRef>
+        </p:style>
+      </p:cxnSp>
+      <p:cxnSp>
+        <p:nvCxnSpPr>
+          <p:cNvPr id="9" name="Straight Connector 8"/>
+          <p:cNvCxnSpPr/>
+          <p:nvPr/>
+        </p:nvCxnSpPr>
+        <p:spPr>
+          <a:xfrm>
+            <a:off x="3360420" y="4983480"/>
+            <a:ext cx="2545080" cy="198120"/>
+          </a:xfrm>
+          <a:prstGeom prst="line">
+            <a:avLst/>
+          </a:prstGeom>
+          <a:ln w="28575">
+            <a:solidFill>
+              <a:schemeClr val="bg2">
+                <a:lumMod val="90000"/>
+              </a:schemeClr>
+            </a:solidFill>
+          </a:ln>
+        </p:spPr>
+        <p:style>
+          <a:lnRef idx="1">
+            <a:schemeClr val="accent1"/>
+          </a:lnRef>
+          <a:fillRef idx="0">
+            <a:schemeClr val="accent1"/>
+          </a:fillRef>
+          <a:effectRef idx="0">
+            <a:schemeClr val="accent1"/>
+          </a:effectRef>
+          <a:fontRef idx="minor">
+            <a:schemeClr val="tx1"/>
+          </a:fontRef>
+        </p:style>
+      </p:cxnSp>
+      <p:sp>
+        <p:nvSpPr>
+          <p:cNvPr id="14" name="TextBox 13"/>
+          <p:cNvSpPr txBox="1"/>
+          <p:nvPr/>
+        </p:nvSpPr>
+        <p:spPr>
+          <a:xfrm>
+            <a:off x="9602919" y="695989"/>
+            <a:ext cx="2416046" cy="369332"/>
+          </a:xfrm>
+          <a:prstGeom prst="rect">
+            <a:avLst/>
+          </a:prstGeom>
+          <a:noFill/>
+        </p:spPr>
+        <p:txBody>
+          <a:bodyPr wrap="none" rtlCol="0">
+            <a:spAutoFit/>
+          </a:bodyPr>
+          <a:lstStyle/>
+          <a:p>
+            <a:r>
+              <a:rPr lang="de-DE" dirty="0" smtClean="0"/>
+              <a:t>Hawkins, Ahmad (2016)</a:t>
+            </a:r>
+            <a:endParaRPr lang="de-DE" dirty="0"/>
+          </a:p>
+        </p:txBody>
+      </p:sp>
+    </p:spTree>
+    <p:extLst>
+      <p:ext uri="{BB962C8B-B14F-4D97-AF65-F5344CB8AC3E}">
+        <p14:creationId xmlns:p14="http://schemas.microsoft.com/office/powerpoint/2010/main" val="2808089985"/>
+      </p:ext>
+    </p:extLst>
+  </p:cSld>
+  <p:clrMapOvr>
+    <a:masterClrMapping/>
+  </p:clrMapOvr>
+</p:sld>
+</file>
+
+<file path=ppt/slides/slide15.xml><?xml version="1.0" encoding="utf-8"?>
+<p:sld xmlns:a="http://schemas.openxmlformats.org/drawingml/2006/main" xmlns:r="http://schemas.openxmlformats.org/officeDocument/2006/relationships" xmlns:p="http://schemas.openxmlformats.org/presentationml/2006/main">
+  <p:cSld>
+    <p:spTree>
+      <p:nvGrpSpPr>
+        <p:cNvPr id="1" name=""/>
+        <p:cNvGrpSpPr/>
+        <p:nvPr/>
+      </p:nvGrpSpPr>
+      <p:grpSpPr>
+        <a:xfrm>
+          <a:off x="0" y="0"/>
+          <a:ext cx="0" cy="0"/>
+          <a:chOff x="0" y="0"/>
+          <a:chExt cx="0" cy="0"/>
+        </a:xfrm>
+      </p:grpSpPr>
+    </p:spTree>
+    <p:extLst>
+      <p:ext uri="{BB962C8B-B14F-4D97-AF65-F5344CB8AC3E}">
+        <p14:creationId xmlns:p14="http://schemas.microsoft.com/office/powerpoint/2010/main" val="2078687425"/>
+      </p:ext>
+    </p:extLst>
+  </p:cSld>
+  <p:clrMapOvr>
+    <a:masterClrMapping/>
+  </p:clrMapOvr>
+</p:sld>
+</file>
+
+<file path=ppt/slides/slide16.xml><?xml version="1.0" encoding="utf-8"?>
+<p:sld xmlns:a="http://schemas.openxmlformats.org/drawingml/2006/main" xmlns:r="http://schemas.openxmlformats.org/officeDocument/2006/relationships" xmlns:p="http://schemas.openxmlformats.org/presentationml/2006/main">
+  <p:cSld>
+    <p:spTree>
+      <p:nvGrpSpPr>
+        <p:cNvPr id="1" name=""/>
+        <p:cNvGrpSpPr/>
+        <p:nvPr/>
+      </p:nvGrpSpPr>
+      <p:grpSpPr>
+        <a:xfrm>
+          <a:off x="0" y="0"/>
+          <a:ext cx="0" cy="0"/>
+          <a:chOff x="0" y="0"/>
+          <a:chExt cx="0" cy="0"/>
+        </a:xfrm>
+      </p:grpSpPr>
+      <p:sp>
+        <p:nvSpPr>
+          <p:cNvPr id="3" name="Content Placeholder 2"/>
+          <p:cNvSpPr>
+            <a:spLocks noGrp="1"/>
+          </p:cNvSpPr>
+          <p:nvPr>
+            <p:ph idx="1"/>
+          </p:nvPr>
+        </p:nvSpPr>
+        <p:spPr>
+          <a:xfrm>
+            <a:off x="838200" y="450376"/>
+            <a:ext cx="10515600" cy="5726587"/>
+          </a:xfrm>
+        </p:spPr>
+        <p:txBody>
+          <a:bodyPr/>
+          <a:lstStyle/>
+          <a:p>
+            <a:pPr marL="0" indent="0">
+              <a:buNone/>
+            </a:pPr>
+            <a:r>
+              <a:rPr lang="de-DE" dirty="0" smtClean="0"/>
+              <a:t>Quellen:</a:t>
+            </a:r>
+          </a:p>
+          <a:p>
+            <a:pPr marL="0" indent="0">
+              <a:buNone/>
+            </a:pPr>
+            <a:endParaRPr lang="de-DE" dirty="0"/>
+          </a:p>
+          <a:p>
+            <a:pPr marL="0" indent="0">
+              <a:buNone/>
+            </a:pPr>
+            <a:endParaRPr lang="de-DE" dirty="0" smtClean="0"/>
+          </a:p>
+          <a:p>
+            <a:pPr marL="0" indent="0">
+              <a:buNone/>
+            </a:pPr>
+            <a:r>
+              <a:rPr lang="de-DE" dirty="0" smtClean="0"/>
+              <a:t>Weiterführende Informationen:</a:t>
+            </a:r>
+            <a:endParaRPr lang="de-DE" dirty="0"/>
+          </a:p>
+        </p:txBody>
+      </p:sp>
+    </p:spTree>
+    <p:extLst>
+      <p:ext uri="{BB962C8B-B14F-4D97-AF65-F5344CB8AC3E}">
+        <p14:creationId xmlns:p14="http://schemas.microsoft.com/office/powerpoint/2010/main" val="944380725"/>
       </p:ext>
     </p:extLst>
   </p:cSld>
@@ -3088,39 +4891,102 @@
           <a:chExt cx="0" cy="0"/>
         </a:xfrm>
       </p:grpSpPr>
-      <p:pic>
-        <p:nvPicPr>
-          <p:cNvPr id="4" name="Content Placeholder 3"/>
-          <p:cNvPicPr>
-            <a:picLocks noGrp="1" noChangeAspect="1"/>
-          </p:cNvPicPr>
+      <p:sp>
+        <p:nvSpPr>
+          <p:cNvPr id="2" name="Title 1"/>
+          <p:cNvSpPr>
+            <a:spLocks noGrp="1"/>
+          </p:cNvSpPr>
+          <p:nvPr>
+            <p:ph type="title"/>
+          </p:nvPr>
+        </p:nvSpPr>
+        <p:spPr/>
+        <p:txBody>
+          <a:bodyPr/>
+          <a:lstStyle/>
+          <a:p>
+            <a:r>
+              <a:rPr lang="de-DE" dirty="0" smtClean="0"/>
+              <a:t>Agenten und Simulation von AL</a:t>
+            </a:r>
+            <a:endParaRPr lang="de-DE" dirty="0"/>
+          </a:p>
+        </p:txBody>
+      </p:sp>
+      <p:sp>
+        <p:nvSpPr>
+          <p:cNvPr id="3" name="Content Placeholder 2"/>
+          <p:cNvSpPr>
+            <a:spLocks noGrp="1"/>
+          </p:cNvSpPr>
           <p:nvPr>
             <p:ph idx="1"/>
           </p:nvPr>
-        </p:nvPicPr>
-        <p:blipFill>
-          <a:blip r:embed="rId2">
-            <a:extLst>
-              <a:ext uri="{28A0092B-C50C-407E-A947-70E740481C1C}">
-                <a14:useLocalDpi xmlns:a14="http://schemas.microsoft.com/office/drawing/2010/main" val="0"/>
-              </a:ext>
-            </a:extLst>
-          </a:blip>
-          <a:stretch>
-            <a:fillRect/>
-          </a:stretch>
-        </p:blipFill>
-        <p:spPr>
-          <a:xfrm>
-            <a:off x="2579428" y="568729"/>
-            <a:ext cx="6298282" cy="5710591"/>
-          </a:xfrm>
-        </p:spPr>
-      </p:pic>
+        </p:nvSpPr>
+        <p:spPr/>
+        <p:txBody>
+          <a:bodyPr/>
+          <a:lstStyle/>
+          <a:p>
+            <a:pPr>
+              <a:buFont typeface="Wingdings" panose="05000000000000000000" pitchFamily="2" charset="2"/>
+              <a:buChar char="§"/>
+            </a:pPr>
+            <a:r>
+              <a:rPr lang="de-DE" dirty="0" smtClean="0"/>
+              <a:t>Exkurs: </a:t>
+            </a:r>
+            <a:r>
+              <a:rPr lang="de-DE" dirty="0" err="1" smtClean="0"/>
+              <a:t>Hierarchical</a:t>
+            </a:r>
+            <a:r>
+              <a:rPr lang="de-DE" dirty="0" smtClean="0"/>
+              <a:t> Temporal Memory</a:t>
+            </a:r>
+          </a:p>
+          <a:p>
+            <a:pPr>
+              <a:buFont typeface="Wingdings" panose="05000000000000000000" pitchFamily="2" charset="2"/>
+              <a:buChar char="§"/>
+            </a:pPr>
+            <a:r>
+              <a:rPr lang="de-DE" dirty="0" smtClean="0"/>
+              <a:t>Simulation </a:t>
+            </a:r>
+            <a:r>
+              <a:rPr lang="de-DE" dirty="0" smtClean="0"/>
+              <a:t>von Anwendungslandschaften</a:t>
+            </a:r>
+          </a:p>
+          <a:p>
+            <a:pPr>
+              <a:buFont typeface="Wingdings" panose="05000000000000000000" pitchFamily="2" charset="2"/>
+              <a:buChar char="§"/>
+            </a:pPr>
+            <a:r>
+              <a:rPr lang="de-DE" dirty="0" smtClean="0"/>
+              <a:t>Problem Statement</a:t>
+            </a:r>
+          </a:p>
+          <a:p>
+            <a:pPr>
+              <a:buFont typeface="Wingdings" panose="05000000000000000000" pitchFamily="2" charset="2"/>
+              <a:buChar char="§"/>
+            </a:pPr>
+            <a:r>
+              <a:rPr lang="de-DE" dirty="0" smtClean="0"/>
+              <a:t>Roadmap</a:t>
+            </a:r>
+            <a:endParaRPr lang="de-DE" dirty="0"/>
+          </a:p>
+        </p:txBody>
+      </p:sp>
     </p:spTree>
     <p:extLst>
       <p:ext uri="{BB962C8B-B14F-4D97-AF65-F5344CB8AC3E}">
-        <p14:creationId xmlns:p14="http://schemas.microsoft.com/office/powerpoint/2010/main" val="3477420538"/>
+        <p14:creationId xmlns:p14="http://schemas.microsoft.com/office/powerpoint/2010/main" val="2839277671"/>
       </p:ext>
     </p:extLst>
   </p:cSld>
@@ -3171,15 +5037,15 @@
         </p:blipFill>
         <p:spPr>
           <a:xfrm>
-            <a:off x="2531659" y="545910"/>
-            <a:ext cx="6869283" cy="5617405"/>
+            <a:off x="2579428" y="568729"/>
+            <a:ext cx="6298282" cy="5710591"/>
           </a:xfrm>
         </p:spPr>
       </p:pic>
     </p:spTree>
     <p:extLst>
       <p:ext uri="{BB962C8B-B14F-4D97-AF65-F5344CB8AC3E}">
-        <p14:creationId xmlns:p14="http://schemas.microsoft.com/office/powerpoint/2010/main" val="928893189"/>
+        <p14:creationId xmlns:p14="http://schemas.microsoft.com/office/powerpoint/2010/main" val="3477420538"/>
       </p:ext>
     </p:extLst>
   </p:cSld>
@@ -3235,130 +5101,10 @@
           </a:xfrm>
         </p:spPr>
       </p:pic>
-      <p:sp>
-        <p:nvSpPr>
-          <p:cNvPr id="5" name="Oval 4"/>
-          <p:cNvSpPr/>
-          <p:nvPr/>
-        </p:nvSpPr>
-        <p:spPr>
-          <a:xfrm>
-            <a:off x="4858603" y="2433389"/>
-            <a:ext cx="2661314" cy="2780056"/>
-          </a:xfrm>
-          <a:prstGeom prst="ellipse">
-            <a:avLst/>
-          </a:prstGeom>
-          <a:noFill/>
-          <a:ln w="57150">
-            <a:solidFill>
-              <a:srgbClr val="C00000"/>
-            </a:solidFill>
-          </a:ln>
-        </p:spPr>
-        <p:style>
-          <a:lnRef idx="2">
-            <a:schemeClr val="accent1">
-              <a:shade val="50000"/>
-            </a:schemeClr>
-          </a:lnRef>
-          <a:fillRef idx="1">
-            <a:schemeClr val="accent1"/>
-          </a:fillRef>
-          <a:effectRef idx="0">
-            <a:schemeClr val="accent1"/>
-          </a:effectRef>
-          <a:fontRef idx="minor">
-            <a:schemeClr val="lt1"/>
-          </a:fontRef>
-        </p:style>
-        <p:txBody>
-          <a:bodyPr rtlCol="0" anchor="ctr"/>
-          <a:lstStyle/>
-          <a:p>
-            <a:pPr algn="ctr"/>
-            <a:endParaRPr lang="de-DE"/>
-          </a:p>
-        </p:txBody>
-      </p:sp>
-      <p:cxnSp>
-        <p:nvCxnSpPr>
-          <p:cNvPr id="7" name="Straight Arrow Connector 6"/>
-          <p:cNvCxnSpPr/>
-          <p:nvPr/>
-        </p:nvCxnSpPr>
-        <p:spPr>
-          <a:xfrm flipH="1" flipV="1">
-            <a:off x="7192370" y="3882788"/>
-            <a:ext cx="2613546" cy="382137"/>
-          </a:xfrm>
-          <a:prstGeom prst="straightConnector1">
-            <a:avLst/>
-          </a:prstGeom>
-          <a:ln w="57150">
-            <a:solidFill>
-              <a:srgbClr val="C00000"/>
-            </a:solidFill>
-            <a:tailEnd type="triangle"/>
-          </a:ln>
-        </p:spPr>
-        <p:style>
-          <a:lnRef idx="1">
-            <a:schemeClr val="accent1"/>
-          </a:lnRef>
-          <a:fillRef idx="0">
-            <a:schemeClr val="accent1"/>
-          </a:fillRef>
-          <a:effectRef idx="0">
-            <a:schemeClr val="accent1"/>
-          </a:effectRef>
-          <a:fontRef idx="minor">
-            <a:schemeClr val="tx1"/>
-          </a:fontRef>
-        </p:style>
-      </p:cxnSp>
-      <p:sp>
-        <p:nvSpPr>
-          <p:cNvPr id="8" name="TextBox 7"/>
-          <p:cNvSpPr txBox="1"/>
-          <p:nvPr/>
-        </p:nvSpPr>
-        <p:spPr>
-          <a:xfrm>
-            <a:off x="9805916" y="4264925"/>
-            <a:ext cx="1908984" cy="523220"/>
-          </a:xfrm>
-          <a:prstGeom prst="rect">
-            <a:avLst/>
-          </a:prstGeom>
-          <a:noFill/>
-        </p:spPr>
-        <p:txBody>
-          <a:bodyPr wrap="none" rtlCol="0">
-            <a:spAutoFit/>
-          </a:bodyPr>
-          <a:lstStyle/>
-          <a:p>
-            <a:r>
-              <a:rPr lang="de-DE" sz="2800" b="1" dirty="0" smtClean="0">
-                <a:solidFill>
-                  <a:srgbClr val="C00000"/>
-                </a:solidFill>
-              </a:rPr>
-              <a:t>„Alle“ Tiere</a:t>
-            </a:r>
-            <a:endParaRPr lang="de-DE" sz="2800" b="1" dirty="0">
-              <a:solidFill>
-                <a:srgbClr val="C00000"/>
-              </a:solidFill>
-            </a:endParaRPr>
-          </a:p>
-        </p:txBody>
-      </p:sp>
     </p:spTree>
     <p:extLst>
       <p:ext uri="{BB962C8B-B14F-4D97-AF65-F5344CB8AC3E}">
-        <p14:creationId xmlns:p14="http://schemas.microsoft.com/office/powerpoint/2010/main" val="3484164410"/>
+        <p14:creationId xmlns:p14="http://schemas.microsoft.com/office/powerpoint/2010/main" val="928893189"/>
       </p:ext>
     </p:extLst>
   </p:cSld>
@@ -3534,133 +5280,10 @@
           </a:p>
         </p:txBody>
       </p:sp>
-      <p:sp>
-        <p:nvSpPr>
-          <p:cNvPr id="9" name="Oval 8"/>
-          <p:cNvSpPr/>
-          <p:nvPr/>
-        </p:nvSpPr>
-        <p:spPr>
-          <a:xfrm>
-            <a:off x="3719014" y="1610436"/>
-            <a:ext cx="4728949" cy="3755409"/>
-          </a:xfrm>
-          <a:prstGeom prst="ellipse">
-            <a:avLst/>
-          </a:prstGeom>
-          <a:noFill/>
-          <a:ln w="57150">
-            <a:solidFill>
-              <a:srgbClr val="002060"/>
-            </a:solidFill>
-          </a:ln>
-        </p:spPr>
-        <p:style>
-          <a:lnRef idx="2">
-            <a:schemeClr val="accent1">
-              <a:shade val="50000"/>
-            </a:schemeClr>
-          </a:lnRef>
-          <a:fillRef idx="1">
-            <a:schemeClr val="accent1"/>
-          </a:fillRef>
-          <a:effectRef idx="0">
-            <a:schemeClr val="accent1"/>
-          </a:effectRef>
-          <a:fontRef idx="minor">
-            <a:schemeClr val="lt1"/>
-          </a:fontRef>
-        </p:style>
-        <p:txBody>
-          <a:bodyPr rtlCol="0" anchor="ctr"/>
-          <a:lstStyle/>
-          <a:p>
-            <a:pPr algn="ctr"/>
-            <a:endParaRPr lang="de-DE"/>
-          </a:p>
-        </p:txBody>
-      </p:sp>
-      <p:cxnSp>
-        <p:nvCxnSpPr>
-          <p:cNvPr id="10" name="Straight Arrow Connector 9"/>
-          <p:cNvCxnSpPr/>
-          <p:nvPr/>
-        </p:nvCxnSpPr>
-        <p:spPr>
-          <a:xfrm>
-            <a:off x="2709081" y="1610436"/>
-            <a:ext cx="1944806" cy="822953"/>
-          </a:xfrm>
-          <a:prstGeom prst="straightConnector1">
-            <a:avLst/>
-          </a:prstGeom>
-          <a:ln w="57150">
-            <a:solidFill>
-              <a:srgbClr val="002060"/>
-            </a:solidFill>
-            <a:tailEnd type="triangle"/>
-          </a:ln>
-        </p:spPr>
-        <p:style>
-          <a:lnRef idx="1">
-            <a:schemeClr val="accent1"/>
-          </a:lnRef>
-          <a:fillRef idx="0">
-            <a:schemeClr val="accent1"/>
-          </a:fillRef>
-          <a:effectRef idx="0">
-            <a:schemeClr val="accent1"/>
-          </a:effectRef>
-          <a:fontRef idx="minor">
-            <a:schemeClr val="tx1"/>
-          </a:fontRef>
-        </p:style>
-      </p:cxnSp>
-      <p:sp>
-        <p:nvSpPr>
-          <p:cNvPr id="13" name="TextBox 12"/>
-          <p:cNvSpPr txBox="1"/>
-          <p:nvPr/>
-        </p:nvSpPr>
-        <p:spPr>
-          <a:xfrm>
-            <a:off x="851039" y="1087216"/>
-            <a:ext cx="1769331" cy="523220"/>
-          </a:xfrm>
-          <a:prstGeom prst="rect">
-            <a:avLst/>
-          </a:prstGeom>
-          <a:noFill/>
-          <a:ln>
-            <a:noFill/>
-          </a:ln>
-        </p:spPr>
-        <p:txBody>
-          <a:bodyPr wrap="none" rtlCol="0">
-            <a:spAutoFit/>
-          </a:bodyPr>
-          <a:lstStyle/>
-          <a:p>
-            <a:r>
-              <a:rPr lang="de-DE" sz="2800" b="1" dirty="0" smtClean="0">
-                <a:solidFill>
-                  <a:srgbClr val="002060"/>
-                </a:solidFill>
-              </a:rPr>
-              <a:t>Säugetiere</a:t>
-            </a:r>
-            <a:endParaRPr lang="de-DE" sz="2800" b="1" dirty="0">
-              <a:solidFill>
-                <a:srgbClr val="002060"/>
-              </a:solidFill>
-            </a:endParaRPr>
-          </a:p>
-        </p:txBody>
-      </p:sp>
     </p:spTree>
     <p:extLst>
       <p:ext uri="{BB962C8B-B14F-4D97-AF65-F5344CB8AC3E}">
-        <p14:creationId xmlns:p14="http://schemas.microsoft.com/office/powerpoint/2010/main" val="4050214015"/>
+        <p14:creationId xmlns:p14="http://schemas.microsoft.com/office/powerpoint/2010/main" val="3484164410"/>
       </p:ext>
     </p:extLst>
   </p:cSld>
@@ -3687,22 +5310,55 @@
           <a:chExt cx="0" cy="0"/>
         </a:xfrm>
       </p:grpSpPr>
-      <p:sp>
-        <p:nvSpPr>
-          <p:cNvPr id="5" name="Rectangle 4"/>
+      <p:pic>
+        <p:nvPicPr>
+          <p:cNvPr id="4" name="Content Placeholder 3"/>
+          <p:cNvPicPr>
+            <a:picLocks noGrp="1" noChangeAspect="1"/>
+          </p:cNvPicPr>
+          <p:nvPr>
+            <p:ph idx="1"/>
+          </p:nvPr>
+        </p:nvPicPr>
+        <p:blipFill>
+          <a:blip r:embed="rId2">
+            <a:extLst>
+              <a:ext uri="{28A0092B-C50C-407E-A947-70E740481C1C}">
+                <a14:useLocalDpi xmlns:a14="http://schemas.microsoft.com/office/drawing/2010/main" val="0"/>
+              </a:ext>
+            </a:extLst>
+          </a:blip>
+          <a:stretch>
+            <a:fillRect/>
+          </a:stretch>
+        </p:blipFill>
+        <p:spPr>
+          <a:xfrm>
+            <a:off x="2531659" y="545910"/>
+            <a:ext cx="6869283" cy="5617405"/>
+          </a:xfrm>
+        </p:spPr>
+      </p:pic>
+      <p:sp>
+        <p:nvSpPr>
+          <p:cNvPr id="5" name="Oval 4"/>
           <p:cNvSpPr/>
           <p:nvPr/>
         </p:nvSpPr>
         <p:spPr>
           <a:xfrm>
-            <a:off x="968991" y="1599062"/>
-            <a:ext cx="2715904" cy="1105469"/>
-          </a:xfrm>
-          <a:prstGeom prst="rect">
+            <a:off x="4858603" y="2433389"/>
+            <a:ext cx="2661314" cy="2780056"/>
+          </a:xfrm>
+          <a:prstGeom prst="ellipse">
             <a:avLst/>
           </a:prstGeom>
           <a:noFill/>
-          <a:ln w="57150"/>
+          <a:ln w="57150">
+            <a:solidFill>
+              <a:srgbClr val="C00000"/>
+            </a:solidFill>
+          </a:ln>
         </p:spPr>
         <p:style>
           <a:lnRef idx="2">
@@ -3725,17 +5381,79 @@
           <a:lstStyle/>
           <a:p>
             <a:pPr algn="ctr"/>
-            <a:r>
-              <a:rPr lang="de-DE" sz="2400" dirty="0" smtClean="0">
+            <a:endParaRPr lang="de-DE"/>
+          </a:p>
+        </p:txBody>
+      </p:sp>
+      <p:cxnSp>
+        <p:nvCxnSpPr>
+          <p:cNvPr id="7" name="Straight Arrow Connector 6"/>
+          <p:cNvCxnSpPr/>
+          <p:nvPr/>
+        </p:nvCxnSpPr>
+        <p:spPr>
+          <a:xfrm flipH="1" flipV="1">
+            <a:off x="7192370" y="3882788"/>
+            <a:ext cx="2613546" cy="382137"/>
+          </a:xfrm>
+          <a:prstGeom prst="straightConnector1">
+            <a:avLst/>
+          </a:prstGeom>
+          <a:ln w="57150">
+            <a:solidFill>
+              <a:srgbClr val="C00000"/>
+            </a:solidFill>
+            <a:tailEnd type="triangle"/>
+          </a:ln>
+        </p:spPr>
+        <p:style>
+          <a:lnRef idx="1">
+            <a:schemeClr val="accent1"/>
+          </a:lnRef>
+          <a:fillRef idx="0">
+            <a:schemeClr val="accent1"/>
+          </a:fillRef>
+          <a:effectRef idx="0">
+            <a:schemeClr val="accent1"/>
+          </a:effectRef>
+          <a:fontRef idx="minor">
+            <a:schemeClr val="tx1"/>
+          </a:fontRef>
+        </p:style>
+      </p:cxnSp>
+      <p:sp>
+        <p:nvSpPr>
+          <p:cNvPr id="8" name="TextBox 7"/>
+          <p:cNvSpPr txBox="1"/>
+          <p:nvPr/>
+        </p:nvSpPr>
+        <p:spPr>
+          <a:xfrm>
+            <a:off x="9805916" y="4264925"/>
+            <a:ext cx="1908984" cy="523220"/>
+          </a:xfrm>
+          <a:prstGeom prst="rect">
+            <a:avLst/>
+          </a:prstGeom>
+          <a:noFill/>
+        </p:spPr>
+        <p:txBody>
+          <a:bodyPr wrap="none" rtlCol="0">
+            <a:spAutoFit/>
+          </a:bodyPr>
+          <a:lstStyle/>
+          <a:p>
+            <a:r>
+              <a:rPr lang="de-DE" sz="2800" b="1" dirty="0" smtClean="0">
                 <a:solidFill>
-                  <a:schemeClr val="tx1"/>
+                  <a:srgbClr val="C00000"/>
                 </a:solidFill>
               </a:rPr>
-              <a:t>Hippocampus</a:t>
-            </a:r>
-            <a:endParaRPr lang="de-DE" sz="2400" dirty="0">
+              <a:t>„Alle“ Tiere</a:t>
+            </a:r>
+            <a:endParaRPr lang="de-DE" sz="2800" b="1" dirty="0">
               <a:solidFill>
-                <a:schemeClr val="tx1"/>
+                <a:srgbClr val="C00000"/>
               </a:solidFill>
             </a:endParaRPr>
           </a:p>
@@ -3743,20 +5461,24 @@
       </p:sp>
       <p:sp>
         <p:nvSpPr>
-          <p:cNvPr id="6" name="Rectangle 5"/>
+          <p:cNvPr id="9" name="Oval 8"/>
           <p:cNvSpPr/>
           <p:nvPr/>
         </p:nvSpPr>
         <p:spPr>
           <a:xfrm>
-            <a:off x="968991" y="3234519"/>
-            <a:ext cx="2715904" cy="1105469"/>
-          </a:xfrm>
-          <a:prstGeom prst="rect">
+            <a:off x="3719014" y="1610436"/>
+            <a:ext cx="4728949" cy="3755409"/>
+          </a:xfrm>
+          <a:prstGeom prst="ellipse">
             <a:avLst/>
           </a:prstGeom>
           <a:noFill/>
-          <a:ln w="57150"/>
+          <a:ln w="57150">
+            <a:solidFill>
+              <a:srgbClr val="002060"/>
+            </a:solidFill>
+          </a:ln>
         </p:spPr>
         <p:style>
           <a:lnRef idx="2">
@@ -3779,91 +5501,28 @@
           <a:lstStyle/>
           <a:p>
             <a:pPr algn="ctr"/>
-            <a:r>
-              <a:rPr lang="de-DE" sz="2400" dirty="0" smtClean="0">
-                <a:solidFill>
-                  <a:schemeClr val="tx1"/>
-                </a:solidFill>
-              </a:rPr>
-              <a:t>Thalamus</a:t>
-            </a:r>
-            <a:endParaRPr lang="de-DE" dirty="0">
-              <a:solidFill>
-                <a:schemeClr val="tx1"/>
-              </a:solidFill>
-            </a:endParaRPr>
-          </a:p>
-        </p:txBody>
-      </p:sp>
-      <p:sp>
-        <p:nvSpPr>
-          <p:cNvPr id="7" name="Rectangle 6"/>
-          <p:cNvSpPr/>
-          <p:nvPr/>
-        </p:nvSpPr>
-        <p:spPr>
-          <a:xfrm>
-            <a:off x="5898108" y="893928"/>
-            <a:ext cx="5333999" cy="4535607"/>
-          </a:xfrm>
-          <a:prstGeom prst="rect">
-            <a:avLst/>
-          </a:prstGeom>
-          <a:noFill/>
-          <a:ln w="57150"/>
-        </p:spPr>
-        <p:style>
-          <a:lnRef idx="2">
-            <a:schemeClr val="accent1">
-              <a:shade val="50000"/>
-            </a:schemeClr>
-          </a:lnRef>
-          <a:fillRef idx="1">
-            <a:schemeClr val="accent1"/>
-          </a:fillRef>
-          <a:effectRef idx="0">
-            <a:schemeClr val="accent1"/>
-          </a:effectRef>
-          <a:fontRef idx="minor">
-            <a:schemeClr val="lt1"/>
-          </a:fontRef>
-        </p:style>
-        <p:txBody>
-          <a:bodyPr rtlCol="0" anchor="ctr"/>
-          <a:lstStyle/>
-          <a:p>
-            <a:pPr algn="ctr"/>
-            <a:r>
-              <a:rPr lang="de-DE" sz="3200" dirty="0" smtClean="0">
-                <a:solidFill>
-                  <a:schemeClr val="tx1"/>
-                </a:solidFill>
-              </a:rPr>
-              <a:t>Neocortex</a:t>
-            </a:r>
-            <a:endParaRPr lang="de-DE" sz="3200" dirty="0">
-              <a:solidFill>
-                <a:schemeClr val="tx1"/>
-              </a:solidFill>
-            </a:endParaRPr>
+            <a:endParaRPr lang="de-DE"/>
           </a:p>
         </p:txBody>
       </p:sp>
       <p:cxnSp>
         <p:nvCxnSpPr>
-          <p:cNvPr id="9" name="Straight Arrow Connector 8"/>
+          <p:cNvPr id="10" name="Straight Arrow Connector 9"/>
           <p:cNvCxnSpPr/>
           <p:nvPr/>
         </p:nvCxnSpPr>
         <p:spPr>
-          <a:xfrm flipH="1">
-            <a:off x="1821976" y="4339988"/>
-            <a:ext cx="13648" cy="1173709"/>
+          <a:xfrm>
+            <a:off x="2709081" y="1610436"/>
+            <a:ext cx="1944806" cy="822953"/>
           </a:xfrm>
           <a:prstGeom prst="straightConnector1">
             <a:avLst/>
           </a:prstGeom>
           <a:ln w="57150">
+            <a:solidFill>
+              <a:srgbClr val="002060"/>
+            </a:solidFill>
             <a:tailEnd type="triangle"/>
           </a:ln>
         </p:spPr>
@@ -3882,186 +5541,24 @@
           </a:fontRef>
         </p:style>
       </p:cxnSp>
-      <p:cxnSp>
-        <p:nvCxnSpPr>
-          <p:cNvPr id="11" name="Straight Arrow Connector 10"/>
-          <p:cNvCxnSpPr/>
-          <p:nvPr/>
-        </p:nvCxnSpPr>
-        <p:spPr>
-          <a:xfrm flipV="1">
-            <a:off x="3684895" y="3548840"/>
-            <a:ext cx="2213213" cy="13226"/>
-          </a:xfrm>
-          <a:prstGeom prst="straightConnector1">
-            <a:avLst/>
-          </a:prstGeom>
-          <a:ln w="57150">
-            <a:tailEnd type="triangle"/>
+      <p:sp>
+        <p:nvSpPr>
+          <p:cNvPr id="13" name="TextBox 12"/>
+          <p:cNvSpPr txBox="1"/>
+          <p:nvPr/>
+        </p:nvSpPr>
+        <p:spPr>
+          <a:xfrm>
+            <a:off x="851039" y="1087216"/>
+            <a:ext cx="1769331" cy="523220"/>
+          </a:xfrm>
+          <a:prstGeom prst="rect">
+            <a:avLst/>
+          </a:prstGeom>
+          <a:noFill/>
+          <a:ln>
+            <a:noFill/>
           </a:ln>
-        </p:spPr>
-        <p:style>
-          <a:lnRef idx="1">
-            <a:schemeClr val="accent1"/>
-          </a:lnRef>
-          <a:fillRef idx="0">
-            <a:schemeClr val="accent1"/>
-          </a:fillRef>
-          <a:effectRef idx="0">
-            <a:schemeClr val="accent1"/>
-          </a:effectRef>
-          <a:fontRef idx="minor">
-            <a:schemeClr val="tx1"/>
-          </a:fontRef>
-        </p:style>
-      </p:cxnSp>
-      <p:cxnSp>
-        <p:nvCxnSpPr>
-          <p:cNvPr id="13" name="Straight Arrow Connector 12"/>
-          <p:cNvCxnSpPr/>
-          <p:nvPr/>
-        </p:nvCxnSpPr>
-        <p:spPr>
-          <a:xfrm flipH="1">
-            <a:off x="3684895" y="3971920"/>
-            <a:ext cx="2213213" cy="13226"/>
-          </a:xfrm>
-          <a:prstGeom prst="straightConnector1">
-            <a:avLst/>
-          </a:prstGeom>
-          <a:ln w="57150">
-            <a:tailEnd type="triangle"/>
-          </a:ln>
-        </p:spPr>
-        <p:style>
-          <a:lnRef idx="1">
-            <a:schemeClr val="accent1"/>
-          </a:lnRef>
-          <a:fillRef idx="0">
-            <a:schemeClr val="accent1"/>
-          </a:fillRef>
-          <a:effectRef idx="0">
-            <a:schemeClr val="accent1"/>
-          </a:effectRef>
-          <a:fontRef idx="minor">
-            <a:schemeClr val="tx1"/>
-          </a:fontRef>
-        </p:style>
-      </p:cxnSp>
-      <p:cxnSp>
-        <p:nvCxnSpPr>
-          <p:cNvPr id="16" name="Straight Arrow Connector 15"/>
-          <p:cNvCxnSpPr/>
-          <p:nvPr/>
-        </p:nvCxnSpPr>
-        <p:spPr>
-          <a:xfrm flipV="1">
-            <a:off x="3684895" y="1931158"/>
-            <a:ext cx="2213213" cy="6824"/>
-          </a:xfrm>
-          <a:prstGeom prst="straightConnector1">
-            <a:avLst/>
-          </a:prstGeom>
-          <a:ln w="57150">
-            <a:tailEnd type="triangle"/>
-          </a:ln>
-        </p:spPr>
-        <p:style>
-          <a:lnRef idx="1">
-            <a:schemeClr val="accent1"/>
-          </a:lnRef>
-          <a:fillRef idx="0">
-            <a:schemeClr val="accent1"/>
-          </a:fillRef>
-          <a:effectRef idx="0">
-            <a:schemeClr val="accent1"/>
-          </a:effectRef>
-          <a:fontRef idx="minor">
-            <a:schemeClr val="tx1"/>
-          </a:fontRef>
-        </p:style>
-      </p:cxnSp>
-      <p:cxnSp>
-        <p:nvCxnSpPr>
-          <p:cNvPr id="19" name="Straight Arrow Connector 18"/>
-          <p:cNvCxnSpPr/>
-          <p:nvPr/>
-        </p:nvCxnSpPr>
-        <p:spPr>
-          <a:xfrm flipH="1" flipV="1">
-            <a:off x="3684895" y="2399732"/>
-            <a:ext cx="2213213" cy="6611"/>
-          </a:xfrm>
-          <a:prstGeom prst="straightConnector1">
-            <a:avLst/>
-          </a:prstGeom>
-          <a:ln w="57150">
-            <a:tailEnd type="triangle"/>
-          </a:ln>
-        </p:spPr>
-        <p:style>
-          <a:lnRef idx="1">
-            <a:schemeClr val="accent1"/>
-          </a:lnRef>
-          <a:fillRef idx="0">
-            <a:schemeClr val="accent1"/>
-          </a:fillRef>
-          <a:effectRef idx="0">
-            <a:schemeClr val="accent1"/>
-          </a:effectRef>
-          <a:fontRef idx="minor">
-            <a:schemeClr val="tx1"/>
-          </a:fontRef>
-        </p:style>
-      </p:cxnSp>
-      <p:cxnSp>
-        <p:nvCxnSpPr>
-          <p:cNvPr id="22" name="Straight Arrow Connector 21"/>
-          <p:cNvCxnSpPr/>
-          <p:nvPr/>
-        </p:nvCxnSpPr>
-        <p:spPr>
-          <a:xfrm flipH="1" flipV="1">
-            <a:off x="2599899" y="4310416"/>
-            <a:ext cx="6824" cy="1119119"/>
-          </a:xfrm>
-          <a:prstGeom prst="straightConnector1">
-            <a:avLst/>
-          </a:prstGeom>
-          <a:ln w="57150">
-            <a:tailEnd type="triangle"/>
-          </a:ln>
-        </p:spPr>
-        <p:style>
-          <a:lnRef idx="1">
-            <a:schemeClr val="accent1"/>
-          </a:lnRef>
-          <a:fillRef idx="0">
-            <a:schemeClr val="accent1"/>
-          </a:fillRef>
-          <a:effectRef idx="0">
-            <a:schemeClr val="accent1"/>
-          </a:effectRef>
-          <a:fontRef idx="minor">
-            <a:schemeClr val="tx1"/>
-          </a:fontRef>
-        </p:style>
-      </p:cxnSp>
-      <p:sp>
-        <p:nvSpPr>
-          <p:cNvPr id="30" name="TextBox 29"/>
-          <p:cNvSpPr txBox="1"/>
-          <p:nvPr/>
-        </p:nvSpPr>
-        <p:spPr>
-          <a:xfrm>
-            <a:off x="327546" y="5581934"/>
-            <a:ext cx="1428789" cy="369332"/>
-          </a:xfrm>
-          <a:prstGeom prst="rect">
-            <a:avLst/>
-          </a:prstGeom>
-          <a:noFill/>
         </p:spPr>
         <p:txBody>
           <a:bodyPr wrap="none" rtlCol="0">
@@ -4070,112 +5567,25 @@
           <a:lstStyle/>
           <a:p>
             <a:r>
-              <a:rPr lang="de-DE" dirty="0" smtClean="0"/>
-              <a:t>Motorsignale</a:t>
-            </a:r>
-            <a:endParaRPr lang="de-DE" dirty="0"/>
-          </a:p>
-        </p:txBody>
-      </p:sp>
-      <p:sp>
-        <p:nvSpPr>
-          <p:cNvPr id="31" name="TextBox 30"/>
-          <p:cNvSpPr txBox="1"/>
-          <p:nvPr/>
-        </p:nvSpPr>
-        <p:spPr>
-          <a:xfrm>
-            <a:off x="2256106" y="5596003"/>
-            <a:ext cx="1444626" cy="369332"/>
-          </a:xfrm>
-          <a:prstGeom prst="rect">
-            <a:avLst/>
-          </a:prstGeom>
-          <a:noFill/>
-        </p:spPr>
-        <p:txBody>
-          <a:bodyPr wrap="none" rtlCol="0">
-            <a:spAutoFit/>
-          </a:bodyPr>
-          <a:lstStyle/>
-          <a:p>
-            <a:r>
-              <a:rPr lang="de-DE" dirty="0" smtClean="0"/>
-              <a:t>Sinnessignale</a:t>
-            </a:r>
-          </a:p>
-        </p:txBody>
-      </p:sp>
-      <p:sp>
-        <p:nvSpPr>
-          <p:cNvPr id="34" name="TextBox 33"/>
-          <p:cNvSpPr txBox="1"/>
-          <p:nvPr/>
-        </p:nvSpPr>
-        <p:spPr>
-          <a:xfrm>
-            <a:off x="3796352" y="2892903"/>
-            <a:ext cx="1597104" cy="646331"/>
-          </a:xfrm>
-          <a:prstGeom prst="rect">
-            <a:avLst/>
-          </a:prstGeom>
-          <a:noFill/>
-        </p:spPr>
-        <p:txBody>
-          <a:bodyPr wrap="none" rtlCol="0">
-            <a:spAutoFit/>
-          </a:bodyPr>
-          <a:lstStyle/>
-          <a:p>
-            <a:r>
-              <a:rPr lang="de-DE" dirty="0" smtClean="0"/>
-              <a:t>Motorsignale +</a:t>
-            </a:r>
-          </a:p>
-          <a:p>
-            <a:r>
-              <a:rPr lang="de-DE" dirty="0" smtClean="0"/>
-              <a:t>Sinnessignale</a:t>
-            </a:r>
-            <a:endParaRPr lang="de-DE" dirty="0"/>
-          </a:p>
-        </p:txBody>
-      </p:sp>
-      <p:sp>
-        <p:nvSpPr>
-          <p:cNvPr id="36" name="TextBox 35"/>
-          <p:cNvSpPr txBox="1"/>
-          <p:nvPr/>
-        </p:nvSpPr>
-        <p:spPr>
-          <a:xfrm>
-            <a:off x="3796352" y="4039737"/>
-            <a:ext cx="1428789" cy="369332"/>
-          </a:xfrm>
-          <a:prstGeom prst="rect">
-            <a:avLst/>
-          </a:prstGeom>
-          <a:noFill/>
-        </p:spPr>
-        <p:txBody>
-          <a:bodyPr wrap="none" rtlCol="0">
-            <a:spAutoFit/>
-          </a:bodyPr>
-          <a:lstStyle/>
-          <a:p>
-            <a:r>
-              <a:rPr lang="de-DE" dirty="0" smtClean="0"/>
-              <a:t>Motorsignale</a:t>
-            </a:r>
-            <a:endParaRPr lang="de-DE" dirty="0"/>
+              <a:rPr lang="de-DE" sz="2800" b="1" dirty="0" smtClean="0">
+                <a:solidFill>
+                  <a:srgbClr val="002060"/>
+                </a:solidFill>
+              </a:rPr>
+              <a:t>Säugetiere</a:t>
+            </a:r>
+            <a:endParaRPr lang="de-DE" sz="2800" b="1" dirty="0">
+              <a:solidFill>
+                <a:srgbClr val="002060"/>
+              </a:solidFill>
+            </a:endParaRPr>
           </a:p>
         </p:txBody>
       </p:sp>
     </p:spTree>
     <p:extLst>
       <p:ext uri="{BB962C8B-B14F-4D97-AF65-F5344CB8AC3E}">
-        <p14:creationId xmlns:p14="http://schemas.microsoft.com/office/powerpoint/2010/main" val="2789744570"/>
+        <p14:creationId xmlns:p14="http://schemas.microsoft.com/office/powerpoint/2010/main" val="4050214015"/>
       </p:ext>
     </p:extLst>
   </p:cSld>
@@ -4204,51 +5614,484 @@
       </p:grpSpPr>
       <p:sp>
         <p:nvSpPr>
-          <p:cNvPr id="3" name="Content Placeholder 2"/>
-          <p:cNvSpPr>
-            <a:spLocks noGrp="1"/>
-          </p:cNvSpPr>
-          <p:nvPr>
-            <p:ph idx="1"/>
-          </p:nvPr>
-        </p:nvSpPr>
-        <p:spPr>
-          <a:xfrm>
-            <a:off x="838200" y="450376"/>
-            <a:ext cx="10515600" cy="5726587"/>
-          </a:xfrm>
-        </p:spPr>
-        <p:txBody>
-          <a:bodyPr/>
-          <a:lstStyle/>
-          <a:p>
-            <a:pPr marL="0" indent="0">
-              <a:buNone/>
-            </a:pPr>
+          <p:cNvPr id="5" name="Rectangle 4"/>
+          <p:cNvSpPr/>
+          <p:nvPr/>
+        </p:nvSpPr>
+        <p:spPr>
+          <a:xfrm>
+            <a:off x="968991" y="1599062"/>
+            <a:ext cx="2715904" cy="1105469"/>
+          </a:xfrm>
+          <a:prstGeom prst="rect">
+            <a:avLst/>
+          </a:prstGeom>
+          <a:noFill/>
+          <a:ln w="57150"/>
+        </p:spPr>
+        <p:style>
+          <a:lnRef idx="2">
+            <a:schemeClr val="accent1">
+              <a:shade val="50000"/>
+            </a:schemeClr>
+          </a:lnRef>
+          <a:fillRef idx="1">
+            <a:schemeClr val="accent1"/>
+          </a:fillRef>
+          <a:effectRef idx="0">
+            <a:schemeClr val="accent1"/>
+          </a:effectRef>
+          <a:fontRef idx="minor">
+            <a:schemeClr val="lt1"/>
+          </a:fontRef>
+        </p:style>
+        <p:txBody>
+          <a:bodyPr rtlCol="0" anchor="ctr"/>
+          <a:lstStyle/>
+          <a:p>
+            <a:pPr algn="ctr"/>
+            <a:r>
+              <a:rPr lang="de-DE" sz="2400" dirty="0" smtClean="0">
+                <a:solidFill>
+                  <a:schemeClr val="tx1"/>
+                </a:solidFill>
+              </a:rPr>
+              <a:t>Hippocampus</a:t>
+            </a:r>
+            <a:endParaRPr lang="de-DE" sz="2400" dirty="0">
+              <a:solidFill>
+                <a:schemeClr val="tx1"/>
+              </a:solidFill>
+            </a:endParaRPr>
+          </a:p>
+        </p:txBody>
+      </p:sp>
+      <p:sp>
+        <p:nvSpPr>
+          <p:cNvPr id="6" name="Rectangle 5"/>
+          <p:cNvSpPr/>
+          <p:nvPr/>
+        </p:nvSpPr>
+        <p:spPr>
+          <a:xfrm>
+            <a:off x="968991" y="3234519"/>
+            <a:ext cx="2715904" cy="1105469"/>
+          </a:xfrm>
+          <a:prstGeom prst="rect">
+            <a:avLst/>
+          </a:prstGeom>
+          <a:noFill/>
+          <a:ln w="57150"/>
+        </p:spPr>
+        <p:style>
+          <a:lnRef idx="2">
+            <a:schemeClr val="accent1">
+              <a:shade val="50000"/>
+            </a:schemeClr>
+          </a:lnRef>
+          <a:fillRef idx="1">
+            <a:schemeClr val="accent1"/>
+          </a:fillRef>
+          <a:effectRef idx="0">
+            <a:schemeClr val="accent1"/>
+          </a:effectRef>
+          <a:fontRef idx="minor">
+            <a:schemeClr val="lt1"/>
+          </a:fontRef>
+        </p:style>
+        <p:txBody>
+          <a:bodyPr rtlCol="0" anchor="ctr"/>
+          <a:lstStyle/>
+          <a:p>
+            <a:pPr algn="ctr"/>
+            <a:r>
+              <a:rPr lang="de-DE" sz="2400" dirty="0" smtClean="0">
+                <a:solidFill>
+                  <a:schemeClr val="tx1"/>
+                </a:solidFill>
+              </a:rPr>
+              <a:t>Thalamus</a:t>
+            </a:r>
+            <a:endParaRPr lang="de-DE" dirty="0">
+              <a:solidFill>
+                <a:schemeClr val="tx1"/>
+              </a:solidFill>
+            </a:endParaRPr>
+          </a:p>
+        </p:txBody>
+      </p:sp>
+      <p:sp>
+        <p:nvSpPr>
+          <p:cNvPr id="7" name="Rectangle 6"/>
+          <p:cNvSpPr/>
+          <p:nvPr/>
+        </p:nvSpPr>
+        <p:spPr>
+          <a:xfrm>
+            <a:off x="5898108" y="893928"/>
+            <a:ext cx="5333999" cy="4535607"/>
+          </a:xfrm>
+          <a:prstGeom prst="rect">
+            <a:avLst/>
+          </a:prstGeom>
+          <a:noFill/>
+          <a:ln w="57150"/>
+        </p:spPr>
+        <p:style>
+          <a:lnRef idx="2">
+            <a:schemeClr val="accent1">
+              <a:shade val="50000"/>
+            </a:schemeClr>
+          </a:lnRef>
+          <a:fillRef idx="1">
+            <a:schemeClr val="accent1"/>
+          </a:fillRef>
+          <a:effectRef idx="0">
+            <a:schemeClr val="accent1"/>
+          </a:effectRef>
+          <a:fontRef idx="minor">
+            <a:schemeClr val="lt1"/>
+          </a:fontRef>
+        </p:style>
+        <p:txBody>
+          <a:bodyPr rtlCol="0" anchor="ctr"/>
+          <a:lstStyle/>
+          <a:p>
+            <a:pPr algn="ctr"/>
+            <a:r>
+              <a:rPr lang="de-DE" sz="3200" dirty="0" smtClean="0">
+                <a:solidFill>
+                  <a:schemeClr val="tx1"/>
+                </a:solidFill>
+              </a:rPr>
+              <a:t>Neocortex</a:t>
+            </a:r>
+            <a:endParaRPr lang="de-DE" sz="3200" dirty="0">
+              <a:solidFill>
+                <a:schemeClr val="tx1"/>
+              </a:solidFill>
+            </a:endParaRPr>
+          </a:p>
+        </p:txBody>
+      </p:sp>
+      <p:cxnSp>
+        <p:nvCxnSpPr>
+          <p:cNvPr id="9" name="Straight Arrow Connector 8"/>
+          <p:cNvCxnSpPr/>
+          <p:nvPr/>
+        </p:nvCxnSpPr>
+        <p:spPr>
+          <a:xfrm flipH="1">
+            <a:off x="1821976" y="4339988"/>
+            <a:ext cx="13648" cy="1173709"/>
+          </a:xfrm>
+          <a:prstGeom prst="straightConnector1">
+            <a:avLst/>
+          </a:prstGeom>
+          <a:ln w="57150">
+            <a:tailEnd type="triangle"/>
+          </a:ln>
+        </p:spPr>
+        <p:style>
+          <a:lnRef idx="1">
+            <a:schemeClr val="accent1"/>
+          </a:lnRef>
+          <a:fillRef idx="0">
+            <a:schemeClr val="accent1"/>
+          </a:fillRef>
+          <a:effectRef idx="0">
+            <a:schemeClr val="accent1"/>
+          </a:effectRef>
+          <a:fontRef idx="minor">
+            <a:schemeClr val="tx1"/>
+          </a:fontRef>
+        </p:style>
+      </p:cxnSp>
+      <p:cxnSp>
+        <p:nvCxnSpPr>
+          <p:cNvPr id="11" name="Straight Arrow Connector 10"/>
+          <p:cNvCxnSpPr/>
+          <p:nvPr/>
+        </p:nvCxnSpPr>
+        <p:spPr>
+          <a:xfrm flipV="1">
+            <a:off x="3684895" y="3548840"/>
+            <a:ext cx="2213213" cy="13226"/>
+          </a:xfrm>
+          <a:prstGeom prst="straightConnector1">
+            <a:avLst/>
+          </a:prstGeom>
+          <a:ln w="57150">
+            <a:tailEnd type="triangle"/>
+          </a:ln>
+        </p:spPr>
+        <p:style>
+          <a:lnRef idx="1">
+            <a:schemeClr val="accent1"/>
+          </a:lnRef>
+          <a:fillRef idx="0">
+            <a:schemeClr val="accent1"/>
+          </a:fillRef>
+          <a:effectRef idx="0">
+            <a:schemeClr val="accent1"/>
+          </a:effectRef>
+          <a:fontRef idx="minor">
+            <a:schemeClr val="tx1"/>
+          </a:fontRef>
+        </p:style>
+      </p:cxnSp>
+      <p:cxnSp>
+        <p:nvCxnSpPr>
+          <p:cNvPr id="13" name="Straight Arrow Connector 12"/>
+          <p:cNvCxnSpPr/>
+          <p:nvPr/>
+        </p:nvCxnSpPr>
+        <p:spPr>
+          <a:xfrm flipH="1">
+            <a:off x="3684895" y="3971920"/>
+            <a:ext cx="2213213" cy="13226"/>
+          </a:xfrm>
+          <a:prstGeom prst="straightConnector1">
+            <a:avLst/>
+          </a:prstGeom>
+          <a:ln w="57150">
+            <a:tailEnd type="triangle"/>
+          </a:ln>
+        </p:spPr>
+        <p:style>
+          <a:lnRef idx="1">
+            <a:schemeClr val="accent1"/>
+          </a:lnRef>
+          <a:fillRef idx="0">
+            <a:schemeClr val="accent1"/>
+          </a:fillRef>
+          <a:effectRef idx="0">
+            <a:schemeClr val="accent1"/>
+          </a:effectRef>
+          <a:fontRef idx="minor">
+            <a:schemeClr val="tx1"/>
+          </a:fontRef>
+        </p:style>
+      </p:cxnSp>
+      <p:cxnSp>
+        <p:nvCxnSpPr>
+          <p:cNvPr id="16" name="Straight Arrow Connector 15"/>
+          <p:cNvCxnSpPr/>
+          <p:nvPr/>
+        </p:nvCxnSpPr>
+        <p:spPr>
+          <a:xfrm flipV="1">
+            <a:off x="3684895" y="1931158"/>
+            <a:ext cx="2213213" cy="6824"/>
+          </a:xfrm>
+          <a:prstGeom prst="straightConnector1">
+            <a:avLst/>
+          </a:prstGeom>
+          <a:ln w="57150">
+            <a:tailEnd type="triangle"/>
+          </a:ln>
+        </p:spPr>
+        <p:style>
+          <a:lnRef idx="1">
+            <a:schemeClr val="accent1"/>
+          </a:lnRef>
+          <a:fillRef idx="0">
+            <a:schemeClr val="accent1"/>
+          </a:fillRef>
+          <a:effectRef idx="0">
+            <a:schemeClr val="accent1"/>
+          </a:effectRef>
+          <a:fontRef idx="minor">
+            <a:schemeClr val="tx1"/>
+          </a:fontRef>
+        </p:style>
+      </p:cxnSp>
+      <p:cxnSp>
+        <p:nvCxnSpPr>
+          <p:cNvPr id="19" name="Straight Arrow Connector 18"/>
+          <p:cNvCxnSpPr/>
+          <p:nvPr/>
+        </p:nvCxnSpPr>
+        <p:spPr>
+          <a:xfrm flipH="1" flipV="1">
+            <a:off x="3684895" y="2399732"/>
+            <a:ext cx="2213213" cy="6611"/>
+          </a:xfrm>
+          <a:prstGeom prst="straightConnector1">
+            <a:avLst/>
+          </a:prstGeom>
+          <a:ln w="57150">
+            <a:tailEnd type="triangle"/>
+          </a:ln>
+        </p:spPr>
+        <p:style>
+          <a:lnRef idx="1">
+            <a:schemeClr val="accent1"/>
+          </a:lnRef>
+          <a:fillRef idx="0">
+            <a:schemeClr val="accent1"/>
+          </a:fillRef>
+          <a:effectRef idx="0">
+            <a:schemeClr val="accent1"/>
+          </a:effectRef>
+          <a:fontRef idx="minor">
+            <a:schemeClr val="tx1"/>
+          </a:fontRef>
+        </p:style>
+      </p:cxnSp>
+      <p:cxnSp>
+        <p:nvCxnSpPr>
+          <p:cNvPr id="22" name="Straight Arrow Connector 21"/>
+          <p:cNvCxnSpPr/>
+          <p:nvPr/>
+        </p:nvCxnSpPr>
+        <p:spPr>
+          <a:xfrm flipH="1" flipV="1">
+            <a:off x="2599899" y="4310416"/>
+            <a:ext cx="6824" cy="1119119"/>
+          </a:xfrm>
+          <a:prstGeom prst="straightConnector1">
+            <a:avLst/>
+          </a:prstGeom>
+          <a:ln w="57150">
+            <a:tailEnd type="triangle"/>
+          </a:ln>
+        </p:spPr>
+        <p:style>
+          <a:lnRef idx="1">
+            <a:schemeClr val="accent1"/>
+          </a:lnRef>
+          <a:fillRef idx="0">
+            <a:schemeClr val="accent1"/>
+          </a:fillRef>
+          <a:effectRef idx="0">
+            <a:schemeClr val="accent1"/>
+          </a:effectRef>
+          <a:fontRef idx="minor">
+            <a:schemeClr val="tx1"/>
+          </a:fontRef>
+        </p:style>
+      </p:cxnSp>
+      <p:sp>
+        <p:nvSpPr>
+          <p:cNvPr id="30" name="TextBox 29"/>
+          <p:cNvSpPr txBox="1"/>
+          <p:nvPr/>
+        </p:nvSpPr>
+        <p:spPr>
+          <a:xfrm>
+            <a:off x="327546" y="5581934"/>
+            <a:ext cx="1428789" cy="369332"/>
+          </a:xfrm>
+          <a:prstGeom prst="rect">
+            <a:avLst/>
+          </a:prstGeom>
+          <a:noFill/>
+        </p:spPr>
+        <p:txBody>
+          <a:bodyPr wrap="none" rtlCol="0">
+            <a:spAutoFit/>
+          </a:bodyPr>
+          <a:lstStyle/>
+          <a:p>
             <a:r>
               <a:rPr lang="de-DE" dirty="0" smtClean="0"/>
-              <a:t>Quellen:</a:t>
-            </a:r>
-          </a:p>
-          <a:p>
-            <a:pPr marL="0" indent="0">
-              <a:buNone/>
-            </a:pPr>
+              <a:t>Motorsignale</a:t>
+            </a:r>
             <a:endParaRPr lang="de-DE" dirty="0"/>
           </a:p>
-          <a:p>
-            <a:pPr marL="0" indent="0">
-              <a:buNone/>
-            </a:pPr>
-            <a:endParaRPr lang="de-DE" dirty="0" smtClean="0"/>
-          </a:p>
-          <a:p>
-            <a:pPr marL="0" indent="0">
-              <a:buNone/>
-            </a:pPr>
+        </p:txBody>
+      </p:sp>
+      <p:sp>
+        <p:nvSpPr>
+          <p:cNvPr id="31" name="TextBox 30"/>
+          <p:cNvSpPr txBox="1"/>
+          <p:nvPr/>
+        </p:nvSpPr>
+        <p:spPr>
+          <a:xfrm>
+            <a:off x="2256106" y="5596003"/>
+            <a:ext cx="1444626" cy="369332"/>
+          </a:xfrm>
+          <a:prstGeom prst="rect">
+            <a:avLst/>
+          </a:prstGeom>
+          <a:noFill/>
+        </p:spPr>
+        <p:txBody>
+          <a:bodyPr wrap="none" rtlCol="0">
+            <a:spAutoFit/>
+          </a:bodyPr>
+          <a:lstStyle/>
+          <a:p>
             <a:r>
               <a:rPr lang="de-DE" dirty="0" smtClean="0"/>
-              <a:t>Weiterführende Informationen:</a:t>
+              <a:t>Sinnessignale</a:t>
+            </a:r>
+          </a:p>
+        </p:txBody>
+      </p:sp>
+      <p:sp>
+        <p:nvSpPr>
+          <p:cNvPr id="34" name="TextBox 33"/>
+          <p:cNvSpPr txBox="1"/>
+          <p:nvPr/>
+        </p:nvSpPr>
+        <p:spPr>
+          <a:xfrm>
+            <a:off x="3796352" y="2892903"/>
+            <a:ext cx="1597104" cy="646331"/>
+          </a:xfrm>
+          <a:prstGeom prst="rect">
+            <a:avLst/>
+          </a:prstGeom>
+          <a:noFill/>
+        </p:spPr>
+        <p:txBody>
+          <a:bodyPr wrap="none" rtlCol="0">
+            <a:spAutoFit/>
+          </a:bodyPr>
+          <a:lstStyle/>
+          <a:p>
+            <a:r>
+              <a:rPr lang="de-DE" dirty="0" smtClean="0"/>
+              <a:t>Motorsignale +</a:t>
+            </a:r>
+          </a:p>
+          <a:p>
+            <a:r>
+              <a:rPr lang="de-DE" dirty="0" smtClean="0"/>
+              <a:t>Sinnessignale</a:t>
+            </a:r>
+            <a:endParaRPr lang="de-DE" dirty="0"/>
+          </a:p>
+        </p:txBody>
+      </p:sp>
+      <p:sp>
+        <p:nvSpPr>
+          <p:cNvPr id="36" name="TextBox 35"/>
+          <p:cNvSpPr txBox="1"/>
+          <p:nvPr/>
+        </p:nvSpPr>
+        <p:spPr>
+          <a:xfrm>
+            <a:off x="3796352" y="4039737"/>
+            <a:ext cx="1428789" cy="369332"/>
+          </a:xfrm>
+          <a:prstGeom prst="rect">
+            <a:avLst/>
+          </a:prstGeom>
+          <a:noFill/>
+        </p:spPr>
+        <p:txBody>
+          <a:bodyPr wrap="none" rtlCol="0">
+            <a:spAutoFit/>
+          </a:bodyPr>
+          <a:lstStyle/>
+          <a:p>
+            <a:r>
+              <a:rPr lang="de-DE" dirty="0" smtClean="0"/>
+              <a:t>Motorsignale</a:t>
             </a:r>
             <a:endParaRPr lang="de-DE" dirty="0"/>
           </a:p>
@@ -4257,7 +6100,612 @@
     </p:spTree>
     <p:extLst>
       <p:ext uri="{BB962C8B-B14F-4D97-AF65-F5344CB8AC3E}">
-        <p14:creationId xmlns:p14="http://schemas.microsoft.com/office/powerpoint/2010/main" val="944380725"/>
+        <p14:creationId xmlns:p14="http://schemas.microsoft.com/office/powerpoint/2010/main" val="2789744570"/>
+      </p:ext>
+    </p:extLst>
+  </p:cSld>
+  <p:clrMapOvr>
+    <a:masterClrMapping/>
+  </p:clrMapOvr>
+</p:sld>
+</file>
+
+<file path=ppt/slides/slide8.xml><?xml version="1.0" encoding="utf-8"?>
+<p:sld xmlns:a="http://schemas.openxmlformats.org/drawingml/2006/main" xmlns:r="http://schemas.openxmlformats.org/officeDocument/2006/relationships" xmlns:p="http://schemas.openxmlformats.org/presentationml/2006/main">
+  <p:cSld>
+    <p:spTree>
+      <p:nvGrpSpPr>
+        <p:cNvPr id="1" name=""/>
+        <p:cNvGrpSpPr/>
+        <p:nvPr/>
+      </p:nvGrpSpPr>
+      <p:grpSpPr>
+        <a:xfrm>
+          <a:off x="0" y="0"/>
+          <a:ext cx="0" cy="0"/>
+          <a:chOff x="0" y="0"/>
+          <a:chExt cx="0" cy="0"/>
+        </a:xfrm>
+      </p:grpSpPr>
+      <p:sp>
+        <p:nvSpPr>
+          <p:cNvPr id="5" name="Rectangle 4"/>
+          <p:cNvSpPr/>
+          <p:nvPr/>
+        </p:nvSpPr>
+        <p:spPr>
+          <a:xfrm>
+            <a:off x="968991" y="1599062"/>
+            <a:ext cx="2715904" cy="1105469"/>
+          </a:xfrm>
+          <a:prstGeom prst="rect">
+            <a:avLst/>
+          </a:prstGeom>
+          <a:noFill/>
+          <a:ln w="57150"/>
+        </p:spPr>
+        <p:style>
+          <a:lnRef idx="2">
+            <a:schemeClr val="accent1">
+              <a:shade val="50000"/>
+            </a:schemeClr>
+          </a:lnRef>
+          <a:fillRef idx="1">
+            <a:schemeClr val="accent1"/>
+          </a:fillRef>
+          <a:effectRef idx="0">
+            <a:schemeClr val="accent1"/>
+          </a:effectRef>
+          <a:fontRef idx="minor">
+            <a:schemeClr val="lt1"/>
+          </a:fontRef>
+        </p:style>
+        <p:txBody>
+          <a:bodyPr rtlCol="0" anchor="ctr"/>
+          <a:lstStyle/>
+          <a:p>
+            <a:pPr algn="ctr"/>
+            <a:r>
+              <a:rPr lang="de-DE" sz="2400" dirty="0" smtClean="0">
+                <a:solidFill>
+                  <a:schemeClr val="tx1"/>
+                </a:solidFill>
+              </a:rPr>
+              <a:t>Hippocampus</a:t>
+            </a:r>
+            <a:endParaRPr lang="de-DE" sz="2400" dirty="0">
+              <a:solidFill>
+                <a:schemeClr val="tx1"/>
+              </a:solidFill>
+            </a:endParaRPr>
+          </a:p>
+        </p:txBody>
+      </p:sp>
+      <p:sp>
+        <p:nvSpPr>
+          <p:cNvPr id="6" name="Rectangle 5"/>
+          <p:cNvSpPr/>
+          <p:nvPr/>
+        </p:nvSpPr>
+        <p:spPr>
+          <a:xfrm>
+            <a:off x="968991" y="3234519"/>
+            <a:ext cx="2715904" cy="1105469"/>
+          </a:xfrm>
+          <a:prstGeom prst="rect">
+            <a:avLst/>
+          </a:prstGeom>
+          <a:noFill/>
+          <a:ln w="57150"/>
+        </p:spPr>
+        <p:style>
+          <a:lnRef idx="2">
+            <a:schemeClr val="accent1">
+              <a:shade val="50000"/>
+            </a:schemeClr>
+          </a:lnRef>
+          <a:fillRef idx="1">
+            <a:schemeClr val="accent1"/>
+          </a:fillRef>
+          <a:effectRef idx="0">
+            <a:schemeClr val="accent1"/>
+          </a:effectRef>
+          <a:fontRef idx="minor">
+            <a:schemeClr val="lt1"/>
+          </a:fontRef>
+        </p:style>
+        <p:txBody>
+          <a:bodyPr rtlCol="0" anchor="ctr"/>
+          <a:lstStyle/>
+          <a:p>
+            <a:pPr algn="ctr"/>
+            <a:r>
+              <a:rPr lang="de-DE" sz="2400" dirty="0" smtClean="0">
+                <a:solidFill>
+                  <a:schemeClr val="tx1"/>
+                </a:solidFill>
+              </a:rPr>
+              <a:t>Thalamus</a:t>
+            </a:r>
+            <a:endParaRPr lang="de-DE" dirty="0">
+              <a:solidFill>
+                <a:schemeClr val="tx1"/>
+              </a:solidFill>
+            </a:endParaRPr>
+          </a:p>
+        </p:txBody>
+      </p:sp>
+      <p:sp>
+        <p:nvSpPr>
+          <p:cNvPr id="7" name="Rectangle 6"/>
+          <p:cNvSpPr/>
+          <p:nvPr/>
+        </p:nvSpPr>
+        <p:spPr>
+          <a:xfrm>
+            <a:off x="5898108" y="893928"/>
+            <a:ext cx="5333999" cy="4535607"/>
+          </a:xfrm>
+          <a:prstGeom prst="rect">
+            <a:avLst/>
+          </a:prstGeom>
+          <a:noFill/>
+          <a:ln w="57150"/>
+        </p:spPr>
+        <p:style>
+          <a:lnRef idx="2">
+            <a:schemeClr val="accent1">
+              <a:shade val="50000"/>
+            </a:schemeClr>
+          </a:lnRef>
+          <a:fillRef idx="1">
+            <a:schemeClr val="accent1"/>
+          </a:fillRef>
+          <a:effectRef idx="0">
+            <a:schemeClr val="accent1"/>
+          </a:effectRef>
+          <a:fontRef idx="minor">
+            <a:schemeClr val="lt1"/>
+          </a:fontRef>
+        </p:style>
+        <p:txBody>
+          <a:bodyPr rtlCol="0" anchor="ctr"/>
+          <a:lstStyle/>
+          <a:p>
+            <a:pPr algn="ctr"/>
+            <a:r>
+              <a:rPr lang="de-DE" sz="3200" dirty="0" smtClean="0">
+                <a:solidFill>
+                  <a:schemeClr val="tx1"/>
+                </a:solidFill>
+              </a:rPr>
+              <a:t>Neocortex</a:t>
+            </a:r>
+            <a:endParaRPr lang="de-DE" sz="3200" dirty="0">
+              <a:solidFill>
+                <a:schemeClr val="tx1"/>
+              </a:solidFill>
+            </a:endParaRPr>
+          </a:p>
+        </p:txBody>
+      </p:sp>
+      <p:cxnSp>
+        <p:nvCxnSpPr>
+          <p:cNvPr id="9" name="Straight Arrow Connector 8"/>
+          <p:cNvCxnSpPr/>
+          <p:nvPr/>
+        </p:nvCxnSpPr>
+        <p:spPr>
+          <a:xfrm flipH="1">
+            <a:off x="1821976" y="4339988"/>
+            <a:ext cx="13648" cy="1173709"/>
+          </a:xfrm>
+          <a:prstGeom prst="straightConnector1">
+            <a:avLst/>
+          </a:prstGeom>
+          <a:ln w="57150">
+            <a:tailEnd type="triangle"/>
+          </a:ln>
+        </p:spPr>
+        <p:style>
+          <a:lnRef idx="1">
+            <a:schemeClr val="accent1"/>
+          </a:lnRef>
+          <a:fillRef idx="0">
+            <a:schemeClr val="accent1"/>
+          </a:fillRef>
+          <a:effectRef idx="0">
+            <a:schemeClr val="accent1"/>
+          </a:effectRef>
+          <a:fontRef idx="minor">
+            <a:schemeClr val="tx1"/>
+          </a:fontRef>
+        </p:style>
+      </p:cxnSp>
+      <p:cxnSp>
+        <p:nvCxnSpPr>
+          <p:cNvPr id="11" name="Straight Arrow Connector 10"/>
+          <p:cNvCxnSpPr/>
+          <p:nvPr/>
+        </p:nvCxnSpPr>
+        <p:spPr>
+          <a:xfrm flipV="1">
+            <a:off x="3684895" y="3548840"/>
+            <a:ext cx="2213213" cy="13226"/>
+          </a:xfrm>
+          <a:prstGeom prst="straightConnector1">
+            <a:avLst/>
+          </a:prstGeom>
+          <a:ln w="57150">
+            <a:tailEnd type="triangle"/>
+          </a:ln>
+        </p:spPr>
+        <p:style>
+          <a:lnRef idx="1">
+            <a:schemeClr val="accent1"/>
+          </a:lnRef>
+          <a:fillRef idx="0">
+            <a:schemeClr val="accent1"/>
+          </a:fillRef>
+          <a:effectRef idx="0">
+            <a:schemeClr val="accent1"/>
+          </a:effectRef>
+          <a:fontRef idx="minor">
+            <a:schemeClr val="tx1"/>
+          </a:fontRef>
+        </p:style>
+      </p:cxnSp>
+      <p:cxnSp>
+        <p:nvCxnSpPr>
+          <p:cNvPr id="13" name="Straight Arrow Connector 12"/>
+          <p:cNvCxnSpPr/>
+          <p:nvPr/>
+        </p:nvCxnSpPr>
+        <p:spPr>
+          <a:xfrm flipH="1">
+            <a:off x="3684895" y="3971920"/>
+            <a:ext cx="2213213" cy="13226"/>
+          </a:xfrm>
+          <a:prstGeom prst="straightConnector1">
+            <a:avLst/>
+          </a:prstGeom>
+          <a:ln w="57150">
+            <a:tailEnd type="triangle"/>
+          </a:ln>
+        </p:spPr>
+        <p:style>
+          <a:lnRef idx="1">
+            <a:schemeClr val="accent1"/>
+          </a:lnRef>
+          <a:fillRef idx="0">
+            <a:schemeClr val="accent1"/>
+          </a:fillRef>
+          <a:effectRef idx="0">
+            <a:schemeClr val="accent1"/>
+          </a:effectRef>
+          <a:fontRef idx="minor">
+            <a:schemeClr val="tx1"/>
+          </a:fontRef>
+        </p:style>
+      </p:cxnSp>
+      <p:cxnSp>
+        <p:nvCxnSpPr>
+          <p:cNvPr id="16" name="Straight Arrow Connector 15"/>
+          <p:cNvCxnSpPr/>
+          <p:nvPr/>
+        </p:nvCxnSpPr>
+        <p:spPr>
+          <a:xfrm flipV="1">
+            <a:off x="3684895" y="1931158"/>
+            <a:ext cx="2213213" cy="6824"/>
+          </a:xfrm>
+          <a:prstGeom prst="straightConnector1">
+            <a:avLst/>
+          </a:prstGeom>
+          <a:ln w="57150">
+            <a:tailEnd type="triangle"/>
+          </a:ln>
+        </p:spPr>
+        <p:style>
+          <a:lnRef idx="1">
+            <a:schemeClr val="accent1"/>
+          </a:lnRef>
+          <a:fillRef idx="0">
+            <a:schemeClr val="accent1"/>
+          </a:fillRef>
+          <a:effectRef idx="0">
+            <a:schemeClr val="accent1"/>
+          </a:effectRef>
+          <a:fontRef idx="minor">
+            <a:schemeClr val="tx1"/>
+          </a:fontRef>
+        </p:style>
+      </p:cxnSp>
+      <p:cxnSp>
+        <p:nvCxnSpPr>
+          <p:cNvPr id="19" name="Straight Arrow Connector 18"/>
+          <p:cNvCxnSpPr/>
+          <p:nvPr/>
+        </p:nvCxnSpPr>
+        <p:spPr>
+          <a:xfrm flipH="1" flipV="1">
+            <a:off x="3684895" y="2399732"/>
+            <a:ext cx="2213213" cy="6611"/>
+          </a:xfrm>
+          <a:prstGeom prst="straightConnector1">
+            <a:avLst/>
+          </a:prstGeom>
+          <a:ln w="57150">
+            <a:tailEnd type="triangle"/>
+          </a:ln>
+        </p:spPr>
+        <p:style>
+          <a:lnRef idx="1">
+            <a:schemeClr val="accent1"/>
+          </a:lnRef>
+          <a:fillRef idx="0">
+            <a:schemeClr val="accent1"/>
+          </a:fillRef>
+          <a:effectRef idx="0">
+            <a:schemeClr val="accent1"/>
+          </a:effectRef>
+          <a:fontRef idx="minor">
+            <a:schemeClr val="tx1"/>
+          </a:fontRef>
+        </p:style>
+      </p:cxnSp>
+      <p:cxnSp>
+        <p:nvCxnSpPr>
+          <p:cNvPr id="22" name="Straight Arrow Connector 21"/>
+          <p:cNvCxnSpPr/>
+          <p:nvPr/>
+        </p:nvCxnSpPr>
+        <p:spPr>
+          <a:xfrm flipH="1" flipV="1">
+            <a:off x="2599899" y="4310416"/>
+            <a:ext cx="6824" cy="1119119"/>
+          </a:xfrm>
+          <a:prstGeom prst="straightConnector1">
+            <a:avLst/>
+          </a:prstGeom>
+          <a:ln w="57150">
+            <a:tailEnd type="triangle"/>
+          </a:ln>
+        </p:spPr>
+        <p:style>
+          <a:lnRef idx="1">
+            <a:schemeClr val="accent1"/>
+          </a:lnRef>
+          <a:fillRef idx="0">
+            <a:schemeClr val="accent1"/>
+          </a:fillRef>
+          <a:effectRef idx="0">
+            <a:schemeClr val="accent1"/>
+          </a:effectRef>
+          <a:fontRef idx="minor">
+            <a:schemeClr val="tx1"/>
+          </a:fontRef>
+        </p:style>
+      </p:cxnSp>
+      <p:sp>
+        <p:nvSpPr>
+          <p:cNvPr id="30" name="TextBox 29"/>
+          <p:cNvSpPr txBox="1"/>
+          <p:nvPr/>
+        </p:nvSpPr>
+        <p:spPr>
+          <a:xfrm>
+            <a:off x="327546" y="5581934"/>
+            <a:ext cx="1428789" cy="369332"/>
+          </a:xfrm>
+          <a:prstGeom prst="rect">
+            <a:avLst/>
+          </a:prstGeom>
+          <a:noFill/>
+        </p:spPr>
+        <p:txBody>
+          <a:bodyPr wrap="none" rtlCol="0">
+            <a:spAutoFit/>
+          </a:bodyPr>
+          <a:lstStyle/>
+          <a:p>
+            <a:r>
+              <a:rPr lang="de-DE" dirty="0" smtClean="0"/>
+              <a:t>Motorsignale</a:t>
+            </a:r>
+            <a:endParaRPr lang="de-DE" dirty="0"/>
+          </a:p>
+        </p:txBody>
+      </p:sp>
+      <p:sp>
+        <p:nvSpPr>
+          <p:cNvPr id="31" name="TextBox 30"/>
+          <p:cNvSpPr txBox="1"/>
+          <p:nvPr/>
+        </p:nvSpPr>
+        <p:spPr>
+          <a:xfrm>
+            <a:off x="2256106" y="5596003"/>
+            <a:ext cx="1444626" cy="369332"/>
+          </a:xfrm>
+          <a:prstGeom prst="rect">
+            <a:avLst/>
+          </a:prstGeom>
+          <a:noFill/>
+        </p:spPr>
+        <p:txBody>
+          <a:bodyPr wrap="none" rtlCol="0">
+            <a:spAutoFit/>
+          </a:bodyPr>
+          <a:lstStyle/>
+          <a:p>
+            <a:r>
+              <a:rPr lang="de-DE" dirty="0" smtClean="0"/>
+              <a:t>Sinnessignale</a:t>
+            </a:r>
+          </a:p>
+        </p:txBody>
+      </p:sp>
+      <p:sp>
+        <p:nvSpPr>
+          <p:cNvPr id="34" name="TextBox 33"/>
+          <p:cNvSpPr txBox="1"/>
+          <p:nvPr/>
+        </p:nvSpPr>
+        <p:spPr>
+          <a:xfrm>
+            <a:off x="3796352" y="2892903"/>
+            <a:ext cx="1597104" cy="646331"/>
+          </a:xfrm>
+          <a:prstGeom prst="rect">
+            <a:avLst/>
+          </a:prstGeom>
+          <a:noFill/>
+        </p:spPr>
+        <p:txBody>
+          <a:bodyPr wrap="none" rtlCol="0">
+            <a:spAutoFit/>
+          </a:bodyPr>
+          <a:lstStyle/>
+          <a:p>
+            <a:r>
+              <a:rPr lang="de-DE" dirty="0" smtClean="0"/>
+              <a:t>Motorsignale +</a:t>
+            </a:r>
+          </a:p>
+          <a:p>
+            <a:r>
+              <a:rPr lang="de-DE" dirty="0" smtClean="0"/>
+              <a:t>Sinnessignale</a:t>
+            </a:r>
+            <a:endParaRPr lang="de-DE" dirty="0"/>
+          </a:p>
+        </p:txBody>
+      </p:sp>
+      <p:sp>
+        <p:nvSpPr>
+          <p:cNvPr id="36" name="TextBox 35"/>
+          <p:cNvSpPr txBox="1"/>
+          <p:nvPr/>
+        </p:nvSpPr>
+        <p:spPr>
+          <a:xfrm>
+            <a:off x="3796352" y="4039737"/>
+            <a:ext cx="1428789" cy="369332"/>
+          </a:xfrm>
+          <a:prstGeom prst="rect">
+            <a:avLst/>
+          </a:prstGeom>
+          <a:noFill/>
+        </p:spPr>
+        <p:txBody>
+          <a:bodyPr wrap="none" rtlCol="0">
+            <a:spAutoFit/>
+          </a:bodyPr>
+          <a:lstStyle/>
+          <a:p>
+            <a:r>
+              <a:rPr lang="de-DE" dirty="0" smtClean="0"/>
+              <a:t>Motorsignale</a:t>
+            </a:r>
+            <a:endParaRPr lang="de-DE" dirty="0"/>
+          </a:p>
+        </p:txBody>
+      </p:sp>
+      <p:pic>
+        <p:nvPicPr>
+          <p:cNvPr id="15" name="Picture 14"/>
+          <p:cNvPicPr>
+            <a:picLocks noChangeAspect="1"/>
+          </p:cNvPicPr>
+          <p:nvPr/>
+        </p:nvPicPr>
+        <p:blipFill>
+          <a:blip r:embed="rId2">
+            <a:extLst>
+              <a:ext uri="{28A0092B-C50C-407E-A947-70E740481C1C}">
+                <a14:useLocalDpi xmlns:a14="http://schemas.microsoft.com/office/drawing/2010/main" val="0"/>
+              </a:ext>
+            </a:extLst>
+          </a:blip>
+          <a:stretch>
+            <a:fillRect/>
+          </a:stretch>
+        </p:blipFill>
+        <p:spPr>
+          <a:xfrm>
+            <a:off x="5134849" y="1400958"/>
+            <a:ext cx="6958326" cy="3521545"/>
+          </a:xfrm>
+          <a:prstGeom prst="rect">
+            <a:avLst/>
+          </a:prstGeom>
+        </p:spPr>
+      </p:pic>
+    </p:spTree>
+    <p:extLst>
+      <p:ext uri="{BB962C8B-B14F-4D97-AF65-F5344CB8AC3E}">
+        <p14:creationId xmlns:p14="http://schemas.microsoft.com/office/powerpoint/2010/main" val="1401434168"/>
+      </p:ext>
+    </p:extLst>
+  </p:cSld>
+  <p:clrMapOvr>
+    <a:masterClrMapping/>
+  </p:clrMapOvr>
+</p:sld>
+</file>
+
+<file path=ppt/slides/slide9.xml><?xml version="1.0" encoding="utf-8"?>
+<p:sld xmlns:a="http://schemas.openxmlformats.org/drawingml/2006/main" xmlns:r="http://schemas.openxmlformats.org/officeDocument/2006/relationships" xmlns:p="http://schemas.openxmlformats.org/presentationml/2006/main">
+  <p:cSld>
+    <p:spTree>
+      <p:nvGrpSpPr>
+        <p:cNvPr id="1" name=""/>
+        <p:cNvGrpSpPr/>
+        <p:nvPr/>
+      </p:nvGrpSpPr>
+      <p:grpSpPr>
+        <a:xfrm>
+          <a:off x="0" y="0"/>
+          <a:ext cx="0" cy="0"/>
+          <a:chOff x="0" y="0"/>
+          <a:chExt cx="0" cy="0"/>
+        </a:xfrm>
+      </p:grpSpPr>
+      <p:pic>
+        <p:nvPicPr>
+          <p:cNvPr id="5" name="Picture 4"/>
+          <p:cNvPicPr>
+            <a:picLocks noChangeAspect="1"/>
+          </p:cNvPicPr>
+          <p:nvPr/>
+        </p:nvPicPr>
+        <p:blipFill>
+          <a:blip r:embed="rId2">
+            <a:extLst>
+              <a:ext uri="{28A0092B-C50C-407E-A947-70E740481C1C}">
+                <a14:useLocalDpi xmlns:a14="http://schemas.microsoft.com/office/drawing/2010/main" val="0"/>
+              </a:ext>
+            </a:extLst>
+          </a:blip>
+          <a:stretch>
+            <a:fillRect/>
+          </a:stretch>
+        </p:blipFill>
+        <p:spPr>
+          <a:xfrm>
+            <a:off x="109181" y="171417"/>
+            <a:ext cx="11948615" cy="6501552"/>
+          </a:xfrm>
+          <a:prstGeom prst="rect">
+            <a:avLst/>
+          </a:prstGeom>
+        </p:spPr>
+      </p:pic>
+    </p:spTree>
+    <p:extLst>
+      <p:ext uri="{BB962C8B-B14F-4D97-AF65-F5344CB8AC3E}">
+        <p14:creationId xmlns:p14="http://schemas.microsoft.com/office/powerpoint/2010/main" val="2518694688"/>
       </p:ext>
     </p:extLst>
   </p:cSld>

--- a/Vortrag/hsem.pptx
+++ b/Vortrag/hsem.pptx
@@ -20,7 +20,8 @@
     <p:sldId id="271" r:id="rId14"/>
     <p:sldId id="272" r:id="rId15"/>
     <p:sldId id="273" r:id="rId16"/>
-    <p:sldId id="258" r:id="rId17"/>
+    <p:sldId id="274" r:id="rId17"/>
+    <p:sldId id="258" r:id="rId18"/>
   </p:sldIdLst>
   <p:sldSz cx="12192000" cy="6858000"/>
   <p:notesSz cx="6858000" cy="9144000"/>
@@ -4779,6 +4780,3925 @@
           <a:chExt cx="0" cy="0"/>
         </a:xfrm>
       </p:grpSpPr>
+      <p:sp>
+        <p:nvSpPr>
+          <p:cNvPr id="2" name="Oval 1"/>
+          <p:cNvSpPr/>
+          <p:nvPr/>
+        </p:nvSpPr>
+        <p:spPr>
+          <a:xfrm>
+            <a:off x="634621" y="2333767"/>
+            <a:ext cx="464024" cy="464024"/>
+          </a:xfrm>
+          <a:prstGeom prst="ellipse">
+            <a:avLst/>
+          </a:prstGeom>
+          <a:noFill/>
+          <a:ln w="57150"/>
+        </p:spPr>
+        <p:style>
+          <a:lnRef idx="2">
+            <a:schemeClr val="accent1">
+              <a:shade val="50000"/>
+            </a:schemeClr>
+          </a:lnRef>
+          <a:fillRef idx="1">
+            <a:schemeClr val="accent1"/>
+          </a:fillRef>
+          <a:effectRef idx="0">
+            <a:schemeClr val="accent1"/>
+          </a:effectRef>
+          <a:fontRef idx="minor">
+            <a:schemeClr val="lt1"/>
+          </a:fontRef>
+        </p:style>
+        <p:txBody>
+          <a:bodyPr rtlCol="0" anchor="ctr"/>
+          <a:lstStyle/>
+          <a:p>
+            <a:pPr algn="ctr"/>
+            <a:r>
+              <a:rPr lang="de-DE" dirty="0" smtClean="0">
+                <a:solidFill>
+                  <a:schemeClr val="tx1"/>
+                </a:solidFill>
+              </a:rPr>
+              <a:t>A</a:t>
+            </a:r>
+            <a:endParaRPr lang="de-DE" dirty="0">
+              <a:solidFill>
+                <a:schemeClr val="tx1"/>
+              </a:solidFill>
+            </a:endParaRPr>
+          </a:p>
+        </p:txBody>
+      </p:sp>
+      <p:sp>
+        <p:nvSpPr>
+          <p:cNvPr id="3" name="Oval 2"/>
+          <p:cNvSpPr/>
+          <p:nvPr/>
+        </p:nvSpPr>
+        <p:spPr>
+          <a:xfrm>
+            <a:off x="634621" y="2895600"/>
+            <a:ext cx="464024" cy="464024"/>
+          </a:xfrm>
+          <a:prstGeom prst="ellipse">
+            <a:avLst/>
+          </a:prstGeom>
+          <a:noFill/>
+          <a:ln w="57150"/>
+        </p:spPr>
+        <p:style>
+          <a:lnRef idx="2">
+            <a:schemeClr val="accent1">
+              <a:shade val="50000"/>
+            </a:schemeClr>
+          </a:lnRef>
+          <a:fillRef idx="1">
+            <a:schemeClr val="accent1"/>
+          </a:fillRef>
+          <a:effectRef idx="0">
+            <a:schemeClr val="accent1"/>
+          </a:effectRef>
+          <a:fontRef idx="minor">
+            <a:schemeClr val="lt1"/>
+          </a:fontRef>
+        </p:style>
+        <p:txBody>
+          <a:bodyPr rtlCol="0" anchor="ctr"/>
+          <a:lstStyle/>
+          <a:p>
+            <a:pPr algn="ctr"/>
+            <a:r>
+              <a:rPr lang="de-DE" dirty="0" smtClean="0">
+                <a:solidFill>
+                  <a:schemeClr val="tx1"/>
+                </a:solidFill>
+              </a:rPr>
+              <a:t>E</a:t>
+            </a:r>
+            <a:endParaRPr lang="de-DE" dirty="0">
+              <a:solidFill>
+                <a:schemeClr val="tx1"/>
+              </a:solidFill>
+            </a:endParaRPr>
+          </a:p>
+        </p:txBody>
+      </p:sp>
+      <p:sp>
+        <p:nvSpPr>
+          <p:cNvPr id="4" name="Oval 3"/>
+          <p:cNvSpPr/>
+          <p:nvPr/>
+        </p:nvSpPr>
+        <p:spPr>
+          <a:xfrm>
+            <a:off x="634621" y="3457433"/>
+            <a:ext cx="464024" cy="464024"/>
+          </a:xfrm>
+          <a:prstGeom prst="ellipse">
+            <a:avLst/>
+          </a:prstGeom>
+          <a:noFill/>
+          <a:ln w="57150"/>
+        </p:spPr>
+        <p:style>
+          <a:lnRef idx="2">
+            <a:schemeClr val="accent1">
+              <a:shade val="50000"/>
+            </a:schemeClr>
+          </a:lnRef>
+          <a:fillRef idx="1">
+            <a:schemeClr val="accent1"/>
+          </a:fillRef>
+          <a:effectRef idx="0">
+            <a:schemeClr val="accent1"/>
+          </a:effectRef>
+          <a:fontRef idx="minor">
+            <a:schemeClr val="lt1"/>
+          </a:fontRef>
+        </p:style>
+        <p:txBody>
+          <a:bodyPr rtlCol="0" anchor="ctr"/>
+          <a:lstStyle/>
+          <a:p>
+            <a:pPr algn="ctr"/>
+            <a:r>
+              <a:rPr lang="de-DE" dirty="0" smtClean="0">
+                <a:solidFill>
+                  <a:schemeClr val="tx1"/>
+                </a:solidFill>
+              </a:rPr>
+              <a:t>I</a:t>
+            </a:r>
+            <a:endParaRPr lang="de-DE" dirty="0">
+              <a:solidFill>
+                <a:schemeClr val="tx1"/>
+              </a:solidFill>
+            </a:endParaRPr>
+          </a:p>
+        </p:txBody>
+      </p:sp>
+      <p:sp>
+        <p:nvSpPr>
+          <p:cNvPr id="5" name="Oval 4"/>
+          <p:cNvSpPr/>
+          <p:nvPr/>
+        </p:nvSpPr>
+        <p:spPr>
+          <a:xfrm>
+            <a:off x="1251045" y="2348553"/>
+            <a:ext cx="464024" cy="464024"/>
+          </a:xfrm>
+          <a:prstGeom prst="ellipse">
+            <a:avLst/>
+          </a:prstGeom>
+          <a:noFill/>
+          <a:ln w="57150"/>
+        </p:spPr>
+        <p:style>
+          <a:lnRef idx="2">
+            <a:schemeClr val="accent1">
+              <a:shade val="50000"/>
+            </a:schemeClr>
+          </a:lnRef>
+          <a:fillRef idx="1">
+            <a:schemeClr val="accent1"/>
+          </a:fillRef>
+          <a:effectRef idx="0">
+            <a:schemeClr val="accent1"/>
+          </a:effectRef>
+          <a:fontRef idx="minor">
+            <a:schemeClr val="lt1"/>
+          </a:fontRef>
+        </p:style>
+        <p:txBody>
+          <a:bodyPr rtlCol="0" anchor="ctr"/>
+          <a:lstStyle/>
+          <a:p>
+            <a:pPr algn="ctr"/>
+            <a:r>
+              <a:rPr lang="de-DE" dirty="0" smtClean="0">
+                <a:solidFill>
+                  <a:schemeClr val="tx1"/>
+                </a:solidFill>
+              </a:rPr>
+              <a:t>B</a:t>
+            </a:r>
+            <a:endParaRPr lang="de-DE" dirty="0">
+              <a:solidFill>
+                <a:schemeClr val="tx1"/>
+              </a:solidFill>
+            </a:endParaRPr>
+          </a:p>
+        </p:txBody>
+      </p:sp>
+      <p:sp>
+        <p:nvSpPr>
+          <p:cNvPr id="6" name="Oval 5"/>
+          <p:cNvSpPr/>
+          <p:nvPr/>
+        </p:nvSpPr>
+        <p:spPr>
+          <a:xfrm>
+            <a:off x="1251045" y="2895600"/>
+            <a:ext cx="464024" cy="464024"/>
+          </a:xfrm>
+          <a:prstGeom prst="ellipse">
+            <a:avLst/>
+          </a:prstGeom>
+          <a:noFill/>
+          <a:ln w="57150"/>
+        </p:spPr>
+        <p:style>
+          <a:lnRef idx="2">
+            <a:schemeClr val="accent1">
+              <a:shade val="50000"/>
+            </a:schemeClr>
+          </a:lnRef>
+          <a:fillRef idx="1">
+            <a:schemeClr val="accent1"/>
+          </a:fillRef>
+          <a:effectRef idx="0">
+            <a:schemeClr val="accent1"/>
+          </a:effectRef>
+          <a:fontRef idx="minor">
+            <a:schemeClr val="lt1"/>
+          </a:fontRef>
+        </p:style>
+        <p:txBody>
+          <a:bodyPr rtlCol="0" anchor="ctr"/>
+          <a:lstStyle/>
+          <a:p>
+            <a:pPr algn="ctr"/>
+            <a:r>
+              <a:rPr lang="de-DE" dirty="0" smtClean="0">
+                <a:solidFill>
+                  <a:schemeClr val="tx1"/>
+                </a:solidFill>
+              </a:rPr>
+              <a:t>F</a:t>
+            </a:r>
+            <a:endParaRPr lang="de-DE" dirty="0">
+              <a:solidFill>
+                <a:schemeClr val="tx1"/>
+              </a:solidFill>
+            </a:endParaRPr>
+          </a:p>
+        </p:txBody>
+      </p:sp>
+      <p:sp>
+        <p:nvSpPr>
+          <p:cNvPr id="7" name="Oval 6"/>
+          <p:cNvSpPr/>
+          <p:nvPr/>
+        </p:nvSpPr>
+        <p:spPr>
+          <a:xfrm>
+            <a:off x="1251045" y="3458571"/>
+            <a:ext cx="464024" cy="464024"/>
+          </a:xfrm>
+          <a:prstGeom prst="ellipse">
+            <a:avLst/>
+          </a:prstGeom>
+          <a:noFill/>
+          <a:ln w="57150"/>
+        </p:spPr>
+        <p:style>
+          <a:lnRef idx="2">
+            <a:schemeClr val="accent1">
+              <a:shade val="50000"/>
+            </a:schemeClr>
+          </a:lnRef>
+          <a:fillRef idx="1">
+            <a:schemeClr val="accent1"/>
+          </a:fillRef>
+          <a:effectRef idx="0">
+            <a:schemeClr val="accent1"/>
+          </a:effectRef>
+          <a:fontRef idx="minor">
+            <a:schemeClr val="lt1"/>
+          </a:fontRef>
+        </p:style>
+        <p:txBody>
+          <a:bodyPr rtlCol="0" anchor="ctr"/>
+          <a:lstStyle/>
+          <a:p>
+            <a:pPr algn="ctr"/>
+            <a:r>
+              <a:rPr lang="de-DE" dirty="0" smtClean="0">
+                <a:solidFill>
+                  <a:schemeClr val="tx1"/>
+                </a:solidFill>
+              </a:rPr>
+              <a:t>J</a:t>
+            </a:r>
+            <a:endParaRPr lang="de-DE" dirty="0">
+              <a:solidFill>
+                <a:schemeClr val="tx1"/>
+              </a:solidFill>
+            </a:endParaRPr>
+          </a:p>
+        </p:txBody>
+      </p:sp>
+      <p:sp>
+        <p:nvSpPr>
+          <p:cNvPr id="8" name="Oval 7"/>
+          <p:cNvSpPr/>
+          <p:nvPr/>
+        </p:nvSpPr>
+        <p:spPr>
+          <a:xfrm>
+            <a:off x="1835625" y="2333767"/>
+            <a:ext cx="464024" cy="464024"/>
+          </a:xfrm>
+          <a:prstGeom prst="ellipse">
+            <a:avLst/>
+          </a:prstGeom>
+          <a:noFill/>
+          <a:ln w="57150"/>
+        </p:spPr>
+        <p:style>
+          <a:lnRef idx="2">
+            <a:schemeClr val="accent1">
+              <a:shade val="50000"/>
+            </a:schemeClr>
+          </a:lnRef>
+          <a:fillRef idx="1">
+            <a:schemeClr val="accent1"/>
+          </a:fillRef>
+          <a:effectRef idx="0">
+            <a:schemeClr val="accent1"/>
+          </a:effectRef>
+          <a:fontRef idx="minor">
+            <a:schemeClr val="lt1"/>
+          </a:fontRef>
+        </p:style>
+        <p:txBody>
+          <a:bodyPr rtlCol="0" anchor="ctr"/>
+          <a:lstStyle/>
+          <a:p>
+            <a:pPr algn="ctr"/>
+            <a:r>
+              <a:rPr lang="de-DE" dirty="0" smtClean="0">
+                <a:solidFill>
+                  <a:schemeClr val="tx1"/>
+                </a:solidFill>
+              </a:rPr>
+              <a:t>C</a:t>
+            </a:r>
+            <a:endParaRPr lang="de-DE" dirty="0">
+              <a:solidFill>
+                <a:schemeClr val="tx1"/>
+              </a:solidFill>
+            </a:endParaRPr>
+          </a:p>
+        </p:txBody>
+      </p:sp>
+      <p:sp>
+        <p:nvSpPr>
+          <p:cNvPr id="9" name="Oval 8"/>
+          <p:cNvSpPr/>
+          <p:nvPr/>
+        </p:nvSpPr>
+        <p:spPr>
+          <a:xfrm>
+            <a:off x="1835625" y="2895600"/>
+            <a:ext cx="464024" cy="464024"/>
+          </a:xfrm>
+          <a:prstGeom prst="ellipse">
+            <a:avLst/>
+          </a:prstGeom>
+          <a:noFill/>
+          <a:ln w="57150"/>
+        </p:spPr>
+        <p:style>
+          <a:lnRef idx="2">
+            <a:schemeClr val="accent1">
+              <a:shade val="50000"/>
+            </a:schemeClr>
+          </a:lnRef>
+          <a:fillRef idx="1">
+            <a:schemeClr val="accent1"/>
+          </a:fillRef>
+          <a:effectRef idx="0">
+            <a:schemeClr val="accent1"/>
+          </a:effectRef>
+          <a:fontRef idx="minor">
+            <a:schemeClr val="lt1"/>
+          </a:fontRef>
+        </p:style>
+        <p:txBody>
+          <a:bodyPr rtlCol="0" anchor="ctr"/>
+          <a:lstStyle/>
+          <a:p>
+            <a:pPr algn="ctr"/>
+            <a:r>
+              <a:rPr lang="de-DE" dirty="0" smtClean="0">
+                <a:solidFill>
+                  <a:schemeClr val="tx1"/>
+                </a:solidFill>
+              </a:rPr>
+              <a:t>G</a:t>
+            </a:r>
+            <a:endParaRPr lang="de-DE" dirty="0">
+              <a:solidFill>
+                <a:schemeClr val="tx1"/>
+              </a:solidFill>
+            </a:endParaRPr>
+          </a:p>
+        </p:txBody>
+      </p:sp>
+      <p:sp>
+        <p:nvSpPr>
+          <p:cNvPr id="10" name="Oval 9"/>
+          <p:cNvSpPr/>
+          <p:nvPr/>
+        </p:nvSpPr>
+        <p:spPr>
+          <a:xfrm>
+            <a:off x="1835625" y="3457433"/>
+            <a:ext cx="464024" cy="464024"/>
+          </a:xfrm>
+          <a:prstGeom prst="ellipse">
+            <a:avLst/>
+          </a:prstGeom>
+          <a:noFill/>
+          <a:ln w="57150"/>
+        </p:spPr>
+        <p:style>
+          <a:lnRef idx="2">
+            <a:schemeClr val="accent1">
+              <a:shade val="50000"/>
+            </a:schemeClr>
+          </a:lnRef>
+          <a:fillRef idx="1">
+            <a:schemeClr val="accent1"/>
+          </a:fillRef>
+          <a:effectRef idx="0">
+            <a:schemeClr val="accent1"/>
+          </a:effectRef>
+          <a:fontRef idx="minor">
+            <a:schemeClr val="lt1"/>
+          </a:fontRef>
+        </p:style>
+        <p:txBody>
+          <a:bodyPr rtlCol="0" anchor="ctr"/>
+          <a:lstStyle/>
+          <a:p>
+            <a:pPr algn="ctr"/>
+            <a:r>
+              <a:rPr lang="de-DE" dirty="0" smtClean="0">
+                <a:solidFill>
+                  <a:schemeClr val="tx1"/>
+                </a:solidFill>
+              </a:rPr>
+              <a:t>K</a:t>
+            </a:r>
+            <a:endParaRPr lang="de-DE" dirty="0">
+              <a:solidFill>
+                <a:schemeClr val="tx1"/>
+              </a:solidFill>
+            </a:endParaRPr>
+          </a:p>
+        </p:txBody>
+      </p:sp>
+      <p:sp>
+        <p:nvSpPr>
+          <p:cNvPr id="11" name="Oval 10"/>
+          <p:cNvSpPr/>
+          <p:nvPr/>
+        </p:nvSpPr>
+        <p:spPr>
+          <a:xfrm>
+            <a:off x="2452049" y="2348553"/>
+            <a:ext cx="464024" cy="464024"/>
+          </a:xfrm>
+          <a:prstGeom prst="ellipse">
+            <a:avLst/>
+          </a:prstGeom>
+          <a:noFill/>
+          <a:ln w="57150"/>
+        </p:spPr>
+        <p:style>
+          <a:lnRef idx="2">
+            <a:schemeClr val="accent1">
+              <a:shade val="50000"/>
+            </a:schemeClr>
+          </a:lnRef>
+          <a:fillRef idx="1">
+            <a:schemeClr val="accent1"/>
+          </a:fillRef>
+          <a:effectRef idx="0">
+            <a:schemeClr val="accent1"/>
+          </a:effectRef>
+          <a:fontRef idx="minor">
+            <a:schemeClr val="lt1"/>
+          </a:fontRef>
+        </p:style>
+        <p:txBody>
+          <a:bodyPr rtlCol="0" anchor="ctr"/>
+          <a:lstStyle/>
+          <a:p>
+            <a:pPr algn="ctr"/>
+            <a:r>
+              <a:rPr lang="de-DE" dirty="0" smtClean="0">
+                <a:solidFill>
+                  <a:schemeClr val="tx1"/>
+                </a:solidFill>
+              </a:rPr>
+              <a:t>D</a:t>
+            </a:r>
+            <a:endParaRPr lang="de-DE" dirty="0">
+              <a:solidFill>
+                <a:schemeClr val="tx1"/>
+              </a:solidFill>
+            </a:endParaRPr>
+          </a:p>
+        </p:txBody>
+      </p:sp>
+      <p:sp>
+        <p:nvSpPr>
+          <p:cNvPr id="12" name="Oval 11"/>
+          <p:cNvSpPr/>
+          <p:nvPr/>
+        </p:nvSpPr>
+        <p:spPr>
+          <a:xfrm>
+            <a:off x="2452049" y="2895600"/>
+            <a:ext cx="464024" cy="464024"/>
+          </a:xfrm>
+          <a:prstGeom prst="ellipse">
+            <a:avLst/>
+          </a:prstGeom>
+          <a:noFill/>
+          <a:ln w="57150"/>
+        </p:spPr>
+        <p:style>
+          <a:lnRef idx="2">
+            <a:schemeClr val="accent1">
+              <a:shade val="50000"/>
+            </a:schemeClr>
+          </a:lnRef>
+          <a:fillRef idx="1">
+            <a:schemeClr val="accent1"/>
+          </a:fillRef>
+          <a:effectRef idx="0">
+            <a:schemeClr val="accent1"/>
+          </a:effectRef>
+          <a:fontRef idx="minor">
+            <a:schemeClr val="lt1"/>
+          </a:fontRef>
+        </p:style>
+        <p:txBody>
+          <a:bodyPr rtlCol="0" anchor="ctr"/>
+          <a:lstStyle/>
+          <a:p>
+            <a:pPr algn="ctr"/>
+            <a:r>
+              <a:rPr lang="de-DE" dirty="0" smtClean="0">
+                <a:solidFill>
+                  <a:schemeClr val="tx1"/>
+                </a:solidFill>
+              </a:rPr>
+              <a:t>H</a:t>
+            </a:r>
+            <a:endParaRPr lang="de-DE" dirty="0">
+              <a:solidFill>
+                <a:schemeClr val="tx1"/>
+              </a:solidFill>
+            </a:endParaRPr>
+          </a:p>
+        </p:txBody>
+      </p:sp>
+      <p:sp>
+        <p:nvSpPr>
+          <p:cNvPr id="13" name="Oval 12"/>
+          <p:cNvSpPr/>
+          <p:nvPr/>
+        </p:nvSpPr>
+        <p:spPr>
+          <a:xfrm>
+            <a:off x="2452049" y="3458571"/>
+            <a:ext cx="464024" cy="464024"/>
+          </a:xfrm>
+          <a:prstGeom prst="ellipse">
+            <a:avLst/>
+          </a:prstGeom>
+          <a:noFill/>
+          <a:ln w="57150"/>
+        </p:spPr>
+        <p:style>
+          <a:lnRef idx="2">
+            <a:schemeClr val="accent1">
+              <a:shade val="50000"/>
+            </a:schemeClr>
+          </a:lnRef>
+          <a:fillRef idx="1">
+            <a:schemeClr val="accent1"/>
+          </a:fillRef>
+          <a:effectRef idx="0">
+            <a:schemeClr val="accent1"/>
+          </a:effectRef>
+          <a:fontRef idx="minor">
+            <a:schemeClr val="lt1"/>
+          </a:fontRef>
+        </p:style>
+        <p:txBody>
+          <a:bodyPr rtlCol="0" anchor="ctr"/>
+          <a:lstStyle/>
+          <a:p>
+            <a:pPr algn="ctr"/>
+            <a:r>
+              <a:rPr lang="de-DE" dirty="0" smtClean="0">
+                <a:solidFill>
+                  <a:schemeClr val="tx1"/>
+                </a:solidFill>
+              </a:rPr>
+              <a:t>L</a:t>
+            </a:r>
+            <a:endParaRPr lang="de-DE" dirty="0">
+              <a:solidFill>
+                <a:schemeClr val="tx1"/>
+              </a:solidFill>
+            </a:endParaRPr>
+          </a:p>
+        </p:txBody>
+      </p:sp>
+      <p:graphicFrame>
+        <p:nvGraphicFramePr>
+          <p:cNvPr id="20" name="Table 19"/>
+          <p:cNvGraphicFramePr>
+            <a:graphicFrameLocks noGrp="1"/>
+          </p:cNvGraphicFramePr>
+          <p:nvPr>
+            <p:extLst>
+              <p:ext uri="{D42A27DB-BD31-4B8C-83A1-F6EECF244321}">
+                <p14:modId xmlns:p14="http://schemas.microsoft.com/office/powerpoint/2010/main" val="3921626113"/>
+              </p:ext>
+            </p:extLst>
+          </p:nvPr>
+        </p:nvGraphicFramePr>
+        <p:xfrm>
+          <a:off x="5970891" y="634620"/>
+          <a:ext cx="5247567" cy="5943600"/>
+        </p:xfrm>
+        <a:graphic>
+          <a:graphicData uri="http://schemas.openxmlformats.org/drawingml/2006/table">
+            <a:tbl>
+              <a:tblPr firstRow="1" bandRow="1">
+                <a:tableStyleId>{2D5ABB26-0587-4C30-8999-92F81FD0307C}</a:tableStyleId>
+              </a:tblPr>
+              <a:tblGrid>
+                <a:gridCol w="403659"/>
+                <a:gridCol w="403659"/>
+                <a:gridCol w="403659"/>
+                <a:gridCol w="403659"/>
+                <a:gridCol w="403659"/>
+                <a:gridCol w="403659"/>
+                <a:gridCol w="403659"/>
+                <a:gridCol w="403659"/>
+                <a:gridCol w="403659"/>
+                <a:gridCol w="403659"/>
+                <a:gridCol w="403659"/>
+                <a:gridCol w="403659"/>
+                <a:gridCol w="403659"/>
+              </a:tblGrid>
+              <a:tr h="447227">
+                <a:tc>
+                  <a:txBody>
+                    <a:bodyPr/>
+                    <a:lstStyle/>
+                    <a:p>
+                      <a:endParaRPr lang="de-DE" sz="2400" dirty="0">
+                        <a:solidFill>
+                          <a:schemeClr val="bg2">
+                            <a:lumMod val="75000"/>
+                          </a:schemeClr>
+                        </a:solidFill>
+                      </a:endParaRPr>
+                    </a:p>
+                  </a:txBody>
+                  <a:tcPr/>
+                </a:tc>
+                <a:tc>
+                  <a:txBody>
+                    <a:bodyPr/>
+                    <a:lstStyle/>
+                    <a:p>
+                      <a:r>
+                        <a:rPr lang="de-DE" sz="2400" dirty="0" smtClean="0">
+                          <a:solidFill>
+                            <a:schemeClr val="bg2">
+                              <a:lumMod val="75000"/>
+                            </a:schemeClr>
+                          </a:solidFill>
+                        </a:rPr>
+                        <a:t>A</a:t>
+                      </a:r>
+                      <a:endParaRPr lang="de-DE" sz="2400" dirty="0">
+                        <a:solidFill>
+                          <a:schemeClr val="bg2">
+                            <a:lumMod val="75000"/>
+                          </a:schemeClr>
+                        </a:solidFill>
+                      </a:endParaRPr>
+                    </a:p>
+                  </a:txBody>
+                  <a:tcPr/>
+                </a:tc>
+                <a:tc>
+                  <a:txBody>
+                    <a:bodyPr/>
+                    <a:lstStyle/>
+                    <a:p>
+                      <a:r>
+                        <a:rPr lang="de-DE" sz="2400" dirty="0" smtClean="0">
+                          <a:solidFill>
+                            <a:schemeClr val="bg2">
+                              <a:lumMod val="75000"/>
+                            </a:schemeClr>
+                          </a:solidFill>
+                        </a:rPr>
+                        <a:t>B</a:t>
+                      </a:r>
+                      <a:endParaRPr lang="de-DE" sz="2400" dirty="0">
+                        <a:solidFill>
+                          <a:schemeClr val="bg2">
+                            <a:lumMod val="75000"/>
+                          </a:schemeClr>
+                        </a:solidFill>
+                      </a:endParaRPr>
+                    </a:p>
+                  </a:txBody>
+                  <a:tcPr/>
+                </a:tc>
+                <a:tc>
+                  <a:txBody>
+                    <a:bodyPr/>
+                    <a:lstStyle/>
+                    <a:p>
+                      <a:r>
+                        <a:rPr lang="de-DE" sz="2400" dirty="0" smtClean="0">
+                          <a:solidFill>
+                            <a:schemeClr val="bg2">
+                              <a:lumMod val="75000"/>
+                            </a:schemeClr>
+                          </a:solidFill>
+                        </a:rPr>
+                        <a:t>C</a:t>
+                      </a:r>
+                      <a:endParaRPr lang="de-DE" sz="2400" dirty="0">
+                        <a:solidFill>
+                          <a:schemeClr val="bg2">
+                            <a:lumMod val="75000"/>
+                          </a:schemeClr>
+                        </a:solidFill>
+                      </a:endParaRPr>
+                    </a:p>
+                  </a:txBody>
+                  <a:tcPr/>
+                </a:tc>
+                <a:tc>
+                  <a:txBody>
+                    <a:bodyPr/>
+                    <a:lstStyle/>
+                    <a:p>
+                      <a:r>
+                        <a:rPr lang="de-DE" sz="2400" dirty="0" smtClean="0">
+                          <a:solidFill>
+                            <a:schemeClr val="bg2">
+                              <a:lumMod val="75000"/>
+                            </a:schemeClr>
+                          </a:solidFill>
+                        </a:rPr>
+                        <a:t>D</a:t>
+                      </a:r>
+                      <a:endParaRPr lang="de-DE" sz="2400" dirty="0">
+                        <a:solidFill>
+                          <a:schemeClr val="bg2">
+                            <a:lumMod val="75000"/>
+                          </a:schemeClr>
+                        </a:solidFill>
+                      </a:endParaRPr>
+                    </a:p>
+                  </a:txBody>
+                  <a:tcPr/>
+                </a:tc>
+                <a:tc>
+                  <a:txBody>
+                    <a:bodyPr/>
+                    <a:lstStyle/>
+                    <a:p>
+                      <a:r>
+                        <a:rPr lang="de-DE" sz="2400" dirty="0" smtClean="0">
+                          <a:solidFill>
+                            <a:schemeClr val="bg2">
+                              <a:lumMod val="75000"/>
+                            </a:schemeClr>
+                          </a:solidFill>
+                        </a:rPr>
+                        <a:t>E</a:t>
+                      </a:r>
+                      <a:endParaRPr lang="de-DE" sz="2400" dirty="0">
+                        <a:solidFill>
+                          <a:schemeClr val="bg2">
+                            <a:lumMod val="75000"/>
+                          </a:schemeClr>
+                        </a:solidFill>
+                      </a:endParaRPr>
+                    </a:p>
+                  </a:txBody>
+                  <a:tcPr/>
+                </a:tc>
+                <a:tc>
+                  <a:txBody>
+                    <a:bodyPr/>
+                    <a:lstStyle/>
+                    <a:p>
+                      <a:r>
+                        <a:rPr lang="de-DE" sz="2400" dirty="0" smtClean="0">
+                          <a:solidFill>
+                            <a:schemeClr val="bg2">
+                              <a:lumMod val="75000"/>
+                            </a:schemeClr>
+                          </a:solidFill>
+                        </a:rPr>
+                        <a:t>F</a:t>
+                      </a:r>
+                      <a:endParaRPr lang="de-DE" sz="2400" dirty="0">
+                        <a:solidFill>
+                          <a:schemeClr val="bg2">
+                            <a:lumMod val="75000"/>
+                          </a:schemeClr>
+                        </a:solidFill>
+                      </a:endParaRPr>
+                    </a:p>
+                  </a:txBody>
+                  <a:tcPr/>
+                </a:tc>
+                <a:tc>
+                  <a:txBody>
+                    <a:bodyPr/>
+                    <a:lstStyle/>
+                    <a:p>
+                      <a:r>
+                        <a:rPr lang="de-DE" sz="2400" dirty="0" smtClean="0">
+                          <a:solidFill>
+                            <a:schemeClr val="bg2">
+                              <a:lumMod val="75000"/>
+                            </a:schemeClr>
+                          </a:solidFill>
+                        </a:rPr>
+                        <a:t>G</a:t>
+                      </a:r>
+                      <a:endParaRPr lang="de-DE" sz="2400" dirty="0">
+                        <a:solidFill>
+                          <a:schemeClr val="bg2">
+                            <a:lumMod val="75000"/>
+                          </a:schemeClr>
+                        </a:solidFill>
+                      </a:endParaRPr>
+                    </a:p>
+                  </a:txBody>
+                  <a:tcPr/>
+                </a:tc>
+                <a:tc>
+                  <a:txBody>
+                    <a:bodyPr/>
+                    <a:lstStyle/>
+                    <a:p>
+                      <a:r>
+                        <a:rPr lang="de-DE" sz="2400" dirty="0" smtClean="0">
+                          <a:solidFill>
+                            <a:schemeClr val="bg2">
+                              <a:lumMod val="75000"/>
+                            </a:schemeClr>
+                          </a:solidFill>
+                        </a:rPr>
+                        <a:t>H</a:t>
+                      </a:r>
+                      <a:endParaRPr lang="de-DE" sz="2400" dirty="0">
+                        <a:solidFill>
+                          <a:schemeClr val="bg2">
+                            <a:lumMod val="75000"/>
+                          </a:schemeClr>
+                        </a:solidFill>
+                      </a:endParaRPr>
+                    </a:p>
+                  </a:txBody>
+                  <a:tcPr/>
+                </a:tc>
+                <a:tc>
+                  <a:txBody>
+                    <a:bodyPr/>
+                    <a:lstStyle/>
+                    <a:p>
+                      <a:r>
+                        <a:rPr lang="de-DE" sz="2400" dirty="0" smtClean="0">
+                          <a:solidFill>
+                            <a:schemeClr val="bg2">
+                              <a:lumMod val="75000"/>
+                            </a:schemeClr>
+                          </a:solidFill>
+                        </a:rPr>
+                        <a:t>I</a:t>
+                      </a:r>
+                      <a:endParaRPr lang="de-DE" sz="2400" dirty="0">
+                        <a:solidFill>
+                          <a:schemeClr val="bg2">
+                            <a:lumMod val="75000"/>
+                          </a:schemeClr>
+                        </a:solidFill>
+                      </a:endParaRPr>
+                    </a:p>
+                  </a:txBody>
+                  <a:tcPr/>
+                </a:tc>
+                <a:tc>
+                  <a:txBody>
+                    <a:bodyPr/>
+                    <a:lstStyle/>
+                    <a:p>
+                      <a:r>
+                        <a:rPr lang="de-DE" sz="2400" dirty="0" smtClean="0">
+                          <a:solidFill>
+                            <a:schemeClr val="bg2">
+                              <a:lumMod val="75000"/>
+                            </a:schemeClr>
+                          </a:solidFill>
+                        </a:rPr>
+                        <a:t>J</a:t>
+                      </a:r>
+                      <a:endParaRPr lang="de-DE" sz="2400" dirty="0">
+                        <a:solidFill>
+                          <a:schemeClr val="bg2">
+                            <a:lumMod val="75000"/>
+                          </a:schemeClr>
+                        </a:solidFill>
+                      </a:endParaRPr>
+                    </a:p>
+                  </a:txBody>
+                  <a:tcPr/>
+                </a:tc>
+                <a:tc>
+                  <a:txBody>
+                    <a:bodyPr/>
+                    <a:lstStyle/>
+                    <a:p>
+                      <a:r>
+                        <a:rPr lang="de-DE" sz="2400" dirty="0" smtClean="0">
+                          <a:solidFill>
+                            <a:schemeClr val="bg2">
+                              <a:lumMod val="75000"/>
+                            </a:schemeClr>
+                          </a:solidFill>
+                        </a:rPr>
+                        <a:t>K</a:t>
+                      </a:r>
+                      <a:endParaRPr lang="de-DE" sz="2400" dirty="0">
+                        <a:solidFill>
+                          <a:schemeClr val="bg2">
+                            <a:lumMod val="75000"/>
+                          </a:schemeClr>
+                        </a:solidFill>
+                      </a:endParaRPr>
+                    </a:p>
+                  </a:txBody>
+                  <a:tcPr/>
+                </a:tc>
+                <a:tc>
+                  <a:txBody>
+                    <a:bodyPr/>
+                    <a:lstStyle/>
+                    <a:p>
+                      <a:r>
+                        <a:rPr lang="de-DE" sz="2400" dirty="0" smtClean="0">
+                          <a:solidFill>
+                            <a:schemeClr val="bg2">
+                              <a:lumMod val="75000"/>
+                            </a:schemeClr>
+                          </a:solidFill>
+                        </a:rPr>
+                        <a:t>L</a:t>
+                      </a:r>
+                      <a:endParaRPr lang="de-DE" sz="2400" dirty="0">
+                        <a:solidFill>
+                          <a:schemeClr val="bg2">
+                            <a:lumMod val="75000"/>
+                          </a:schemeClr>
+                        </a:solidFill>
+                      </a:endParaRPr>
+                    </a:p>
+                  </a:txBody>
+                  <a:tcPr/>
+                </a:tc>
+              </a:tr>
+              <a:tr h="447227">
+                <a:tc>
+                  <a:txBody>
+                    <a:bodyPr/>
+                    <a:lstStyle/>
+                    <a:p>
+                      <a:r>
+                        <a:rPr lang="de-DE" sz="2400" dirty="0" smtClean="0">
+                          <a:solidFill>
+                            <a:schemeClr val="bg2">
+                              <a:lumMod val="75000"/>
+                            </a:schemeClr>
+                          </a:solidFill>
+                        </a:rPr>
+                        <a:t>A</a:t>
+                      </a:r>
+                      <a:endParaRPr lang="de-DE" sz="2400" dirty="0">
+                        <a:solidFill>
+                          <a:schemeClr val="bg2">
+                            <a:lumMod val="75000"/>
+                          </a:schemeClr>
+                        </a:solidFill>
+                      </a:endParaRPr>
+                    </a:p>
+                  </a:txBody>
+                  <a:tcPr/>
+                </a:tc>
+                <a:tc>
+                  <a:txBody>
+                    <a:bodyPr/>
+                    <a:lstStyle/>
+                    <a:p>
+                      <a:r>
+                        <a:rPr lang="de-DE" sz="2400" dirty="0" smtClean="0"/>
+                        <a:t>0</a:t>
+                      </a:r>
+                      <a:endParaRPr lang="de-DE" sz="2400" dirty="0"/>
+                    </a:p>
+                  </a:txBody>
+                  <a:tcPr/>
+                </a:tc>
+                <a:tc>
+                  <a:txBody>
+                    <a:bodyPr/>
+                    <a:lstStyle/>
+                    <a:p>
+                      <a:r>
+                        <a:rPr lang="de-DE" sz="2400" dirty="0" smtClean="0"/>
+                        <a:t>0</a:t>
+                      </a:r>
+                      <a:endParaRPr lang="de-DE" sz="2400" dirty="0"/>
+                    </a:p>
+                  </a:txBody>
+                  <a:tcPr/>
+                </a:tc>
+                <a:tc>
+                  <a:txBody>
+                    <a:bodyPr/>
+                    <a:lstStyle/>
+                    <a:p>
+                      <a:r>
+                        <a:rPr lang="de-DE" sz="2400" dirty="0" smtClean="0"/>
+                        <a:t>0</a:t>
+                      </a:r>
+                      <a:endParaRPr lang="de-DE" sz="2400" dirty="0"/>
+                    </a:p>
+                  </a:txBody>
+                  <a:tcPr/>
+                </a:tc>
+                <a:tc>
+                  <a:txBody>
+                    <a:bodyPr/>
+                    <a:lstStyle/>
+                    <a:p>
+                      <a:r>
+                        <a:rPr lang="de-DE" sz="2400" dirty="0" smtClean="0"/>
+                        <a:t>0</a:t>
+                      </a:r>
+                      <a:endParaRPr lang="de-DE" sz="2400" dirty="0"/>
+                    </a:p>
+                  </a:txBody>
+                  <a:tcPr/>
+                </a:tc>
+                <a:tc>
+                  <a:txBody>
+                    <a:bodyPr/>
+                    <a:lstStyle/>
+                    <a:p>
+                      <a:r>
+                        <a:rPr lang="de-DE" sz="2400" dirty="0" smtClean="0"/>
+                        <a:t>0</a:t>
+                      </a:r>
+                      <a:endParaRPr lang="de-DE" sz="2400" dirty="0"/>
+                    </a:p>
+                  </a:txBody>
+                  <a:tcPr/>
+                </a:tc>
+                <a:tc>
+                  <a:txBody>
+                    <a:bodyPr/>
+                    <a:lstStyle/>
+                    <a:p>
+                      <a:r>
+                        <a:rPr lang="de-DE" sz="2400" dirty="0" smtClean="0"/>
+                        <a:t>0</a:t>
+                      </a:r>
+                      <a:endParaRPr lang="de-DE" sz="2400" dirty="0"/>
+                    </a:p>
+                  </a:txBody>
+                  <a:tcPr/>
+                </a:tc>
+                <a:tc>
+                  <a:txBody>
+                    <a:bodyPr/>
+                    <a:lstStyle/>
+                    <a:p>
+                      <a:r>
+                        <a:rPr lang="de-DE" sz="2400" dirty="0" smtClean="0"/>
+                        <a:t>0</a:t>
+                      </a:r>
+                      <a:endParaRPr lang="de-DE" sz="2400" dirty="0"/>
+                    </a:p>
+                  </a:txBody>
+                  <a:tcPr/>
+                </a:tc>
+                <a:tc>
+                  <a:txBody>
+                    <a:bodyPr/>
+                    <a:lstStyle/>
+                    <a:p>
+                      <a:r>
+                        <a:rPr lang="de-DE" sz="2400" dirty="0" smtClean="0"/>
+                        <a:t>0</a:t>
+                      </a:r>
+                      <a:endParaRPr lang="de-DE" sz="2400" dirty="0"/>
+                    </a:p>
+                  </a:txBody>
+                  <a:tcPr/>
+                </a:tc>
+                <a:tc>
+                  <a:txBody>
+                    <a:bodyPr/>
+                    <a:lstStyle/>
+                    <a:p>
+                      <a:r>
+                        <a:rPr lang="de-DE" sz="2400" dirty="0" smtClean="0"/>
+                        <a:t>0</a:t>
+                      </a:r>
+                      <a:endParaRPr lang="de-DE" sz="2400" dirty="0"/>
+                    </a:p>
+                  </a:txBody>
+                  <a:tcPr/>
+                </a:tc>
+                <a:tc>
+                  <a:txBody>
+                    <a:bodyPr/>
+                    <a:lstStyle/>
+                    <a:p>
+                      <a:r>
+                        <a:rPr lang="de-DE" sz="2400" dirty="0" smtClean="0"/>
+                        <a:t>0</a:t>
+                      </a:r>
+                      <a:endParaRPr lang="de-DE" sz="2400" dirty="0"/>
+                    </a:p>
+                  </a:txBody>
+                  <a:tcPr/>
+                </a:tc>
+                <a:tc>
+                  <a:txBody>
+                    <a:bodyPr/>
+                    <a:lstStyle/>
+                    <a:p>
+                      <a:r>
+                        <a:rPr lang="de-DE" sz="2400" dirty="0" smtClean="0"/>
+                        <a:t>0</a:t>
+                      </a:r>
+                      <a:endParaRPr lang="de-DE" sz="2400" dirty="0"/>
+                    </a:p>
+                  </a:txBody>
+                  <a:tcPr/>
+                </a:tc>
+                <a:tc>
+                  <a:txBody>
+                    <a:bodyPr/>
+                    <a:lstStyle/>
+                    <a:p>
+                      <a:r>
+                        <a:rPr lang="de-DE" sz="2400" dirty="0" smtClean="0"/>
+                        <a:t>0</a:t>
+                      </a:r>
+                      <a:endParaRPr lang="de-DE" sz="2400" dirty="0"/>
+                    </a:p>
+                  </a:txBody>
+                  <a:tcPr/>
+                </a:tc>
+              </a:tr>
+              <a:tr h="447227">
+                <a:tc>
+                  <a:txBody>
+                    <a:bodyPr/>
+                    <a:lstStyle/>
+                    <a:p>
+                      <a:r>
+                        <a:rPr lang="de-DE" sz="2400" dirty="0" smtClean="0">
+                          <a:solidFill>
+                            <a:schemeClr val="bg2">
+                              <a:lumMod val="75000"/>
+                            </a:schemeClr>
+                          </a:solidFill>
+                        </a:rPr>
+                        <a:t>B</a:t>
+                      </a:r>
+                    </a:p>
+                  </a:txBody>
+                  <a:tcPr/>
+                </a:tc>
+                <a:tc>
+                  <a:txBody>
+                    <a:bodyPr/>
+                    <a:lstStyle/>
+                    <a:p>
+                      <a:r>
+                        <a:rPr lang="de-DE" sz="2400" dirty="0" smtClean="0"/>
+                        <a:t>0</a:t>
+                      </a:r>
+                      <a:endParaRPr lang="de-DE" sz="2400" dirty="0"/>
+                    </a:p>
+                  </a:txBody>
+                  <a:tcPr/>
+                </a:tc>
+                <a:tc>
+                  <a:txBody>
+                    <a:bodyPr/>
+                    <a:lstStyle/>
+                    <a:p>
+                      <a:r>
+                        <a:rPr lang="de-DE" sz="2400" dirty="0" smtClean="0"/>
+                        <a:t>0</a:t>
+                      </a:r>
+                      <a:endParaRPr lang="de-DE" sz="2400" dirty="0"/>
+                    </a:p>
+                  </a:txBody>
+                  <a:tcPr/>
+                </a:tc>
+                <a:tc>
+                  <a:txBody>
+                    <a:bodyPr/>
+                    <a:lstStyle/>
+                    <a:p>
+                      <a:r>
+                        <a:rPr lang="de-DE" sz="2400" dirty="0" smtClean="0"/>
+                        <a:t>0</a:t>
+                      </a:r>
+                      <a:endParaRPr lang="de-DE" sz="2400" dirty="0"/>
+                    </a:p>
+                  </a:txBody>
+                  <a:tcPr/>
+                </a:tc>
+                <a:tc>
+                  <a:txBody>
+                    <a:bodyPr/>
+                    <a:lstStyle/>
+                    <a:p>
+                      <a:r>
+                        <a:rPr lang="de-DE" sz="2400" dirty="0" smtClean="0"/>
+                        <a:t>0</a:t>
+                      </a:r>
+                      <a:endParaRPr lang="de-DE" sz="2400" dirty="0"/>
+                    </a:p>
+                  </a:txBody>
+                  <a:tcPr/>
+                </a:tc>
+                <a:tc>
+                  <a:txBody>
+                    <a:bodyPr/>
+                    <a:lstStyle/>
+                    <a:p>
+                      <a:r>
+                        <a:rPr lang="de-DE" sz="2400" dirty="0" smtClean="0"/>
+                        <a:t>0</a:t>
+                      </a:r>
+                      <a:endParaRPr lang="de-DE" sz="2400" dirty="0"/>
+                    </a:p>
+                  </a:txBody>
+                  <a:tcPr/>
+                </a:tc>
+                <a:tc>
+                  <a:txBody>
+                    <a:bodyPr/>
+                    <a:lstStyle/>
+                    <a:p>
+                      <a:r>
+                        <a:rPr lang="de-DE" sz="2400" dirty="0" smtClean="0"/>
+                        <a:t>0</a:t>
+                      </a:r>
+                      <a:endParaRPr lang="de-DE" sz="2400" dirty="0"/>
+                    </a:p>
+                  </a:txBody>
+                  <a:tcPr/>
+                </a:tc>
+                <a:tc>
+                  <a:txBody>
+                    <a:bodyPr/>
+                    <a:lstStyle/>
+                    <a:p>
+                      <a:r>
+                        <a:rPr lang="de-DE" sz="2400" dirty="0" smtClean="0"/>
+                        <a:t>0</a:t>
+                      </a:r>
+                      <a:endParaRPr lang="de-DE" sz="2400" dirty="0"/>
+                    </a:p>
+                  </a:txBody>
+                  <a:tcPr/>
+                </a:tc>
+                <a:tc>
+                  <a:txBody>
+                    <a:bodyPr/>
+                    <a:lstStyle/>
+                    <a:p>
+                      <a:r>
+                        <a:rPr lang="de-DE" sz="2400" dirty="0" smtClean="0"/>
+                        <a:t>0</a:t>
+                      </a:r>
+                      <a:endParaRPr lang="de-DE" sz="2400" dirty="0"/>
+                    </a:p>
+                  </a:txBody>
+                  <a:tcPr/>
+                </a:tc>
+                <a:tc>
+                  <a:txBody>
+                    <a:bodyPr/>
+                    <a:lstStyle/>
+                    <a:p>
+                      <a:r>
+                        <a:rPr lang="de-DE" sz="2400" dirty="0" smtClean="0"/>
+                        <a:t>0</a:t>
+                      </a:r>
+                      <a:endParaRPr lang="de-DE" sz="2400" dirty="0"/>
+                    </a:p>
+                  </a:txBody>
+                  <a:tcPr/>
+                </a:tc>
+                <a:tc>
+                  <a:txBody>
+                    <a:bodyPr/>
+                    <a:lstStyle/>
+                    <a:p>
+                      <a:r>
+                        <a:rPr lang="de-DE" sz="2400" dirty="0" smtClean="0"/>
+                        <a:t>0</a:t>
+                      </a:r>
+                      <a:endParaRPr lang="de-DE" sz="2400" dirty="0"/>
+                    </a:p>
+                  </a:txBody>
+                  <a:tcPr/>
+                </a:tc>
+                <a:tc>
+                  <a:txBody>
+                    <a:bodyPr/>
+                    <a:lstStyle/>
+                    <a:p>
+                      <a:r>
+                        <a:rPr lang="de-DE" sz="2400" dirty="0" smtClean="0"/>
+                        <a:t>0</a:t>
+                      </a:r>
+                      <a:endParaRPr lang="de-DE" sz="2400" dirty="0"/>
+                    </a:p>
+                  </a:txBody>
+                  <a:tcPr/>
+                </a:tc>
+                <a:tc>
+                  <a:txBody>
+                    <a:bodyPr/>
+                    <a:lstStyle/>
+                    <a:p>
+                      <a:r>
+                        <a:rPr lang="de-DE" sz="2400" dirty="0" smtClean="0"/>
+                        <a:t>0</a:t>
+                      </a:r>
+                      <a:endParaRPr lang="de-DE" sz="2400" dirty="0"/>
+                    </a:p>
+                  </a:txBody>
+                  <a:tcPr/>
+                </a:tc>
+              </a:tr>
+              <a:tr h="447227">
+                <a:tc>
+                  <a:txBody>
+                    <a:bodyPr/>
+                    <a:lstStyle/>
+                    <a:p>
+                      <a:r>
+                        <a:rPr lang="de-DE" sz="2400" dirty="0" smtClean="0">
+                          <a:solidFill>
+                            <a:schemeClr val="bg2">
+                              <a:lumMod val="75000"/>
+                            </a:schemeClr>
+                          </a:solidFill>
+                        </a:rPr>
+                        <a:t>C</a:t>
+                      </a:r>
+                      <a:endParaRPr lang="de-DE" sz="2400" dirty="0">
+                        <a:solidFill>
+                          <a:schemeClr val="bg2">
+                            <a:lumMod val="75000"/>
+                          </a:schemeClr>
+                        </a:solidFill>
+                      </a:endParaRPr>
+                    </a:p>
+                  </a:txBody>
+                  <a:tcPr/>
+                </a:tc>
+                <a:tc>
+                  <a:txBody>
+                    <a:bodyPr/>
+                    <a:lstStyle/>
+                    <a:p>
+                      <a:r>
+                        <a:rPr lang="de-DE" sz="2400" dirty="0" smtClean="0"/>
+                        <a:t>0</a:t>
+                      </a:r>
+                      <a:endParaRPr lang="de-DE" sz="2400" dirty="0"/>
+                    </a:p>
+                  </a:txBody>
+                  <a:tcPr/>
+                </a:tc>
+                <a:tc>
+                  <a:txBody>
+                    <a:bodyPr/>
+                    <a:lstStyle/>
+                    <a:p>
+                      <a:r>
+                        <a:rPr lang="de-DE" sz="2400" dirty="0" smtClean="0"/>
+                        <a:t>0</a:t>
+                      </a:r>
+                      <a:endParaRPr lang="de-DE" sz="2400" dirty="0"/>
+                    </a:p>
+                  </a:txBody>
+                  <a:tcPr/>
+                </a:tc>
+                <a:tc>
+                  <a:txBody>
+                    <a:bodyPr/>
+                    <a:lstStyle/>
+                    <a:p>
+                      <a:r>
+                        <a:rPr lang="de-DE" sz="2400" dirty="0" smtClean="0"/>
+                        <a:t>0</a:t>
+                      </a:r>
+                      <a:endParaRPr lang="de-DE" sz="2400" dirty="0"/>
+                    </a:p>
+                  </a:txBody>
+                  <a:tcPr/>
+                </a:tc>
+                <a:tc>
+                  <a:txBody>
+                    <a:bodyPr/>
+                    <a:lstStyle/>
+                    <a:p>
+                      <a:r>
+                        <a:rPr lang="de-DE" sz="2400" dirty="0" smtClean="0"/>
+                        <a:t>0</a:t>
+                      </a:r>
+                      <a:endParaRPr lang="de-DE" sz="2400" dirty="0"/>
+                    </a:p>
+                  </a:txBody>
+                  <a:tcPr/>
+                </a:tc>
+                <a:tc>
+                  <a:txBody>
+                    <a:bodyPr/>
+                    <a:lstStyle/>
+                    <a:p>
+                      <a:r>
+                        <a:rPr lang="de-DE" sz="2400" dirty="0" smtClean="0"/>
+                        <a:t>0</a:t>
+                      </a:r>
+                      <a:endParaRPr lang="de-DE" sz="2400" dirty="0"/>
+                    </a:p>
+                  </a:txBody>
+                  <a:tcPr/>
+                </a:tc>
+                <a:tc>
+                  <a:txBody>
+                    <a:bodyPr/>
+                    <a:lstStyle/>
+                    <a:p>
+                      <a:r>
+                        <a:rPr lang="de-DE" sz="2400" dirty="0" smtClean="0"/>
+                        <a:t>0</a:t>
+                      </a:r>
+                      <a:endParaRPr lang="de-DE" sz="2400" dirty="0"/>
+                    </a:p>
+                  </a:txBody>
+                  <a:tcPr/>
+                </a:tc>
+                <a:tc>
+                  <a:txBody>
+                    <a:bodyPr/>
+                    <a:lstStyle/>
+                    <a:p>
+                      <a:r>
+                        <a:rPr lang="de-DE" sz="2400" dirty="0" smtClean="0"/>
+                        <a:t>0</a:t>
+                      </a:r>
+                      <a:endParaRPr lang="de-DE" sz="2400" dirty="0"/>
+                    </a:p>
+                  </a:txBody>
+                  <a:tcPr/>
+                </a:tc>
+                <a:tc>
+                  <a:txBody>
+                    <a:bodyPr/>
+                    <a:lstStyle/>
+                    <a:p>
+                      <a:r>
+                        <a:rPr lang="de-DE" sz="2400" dirty="0" smtClean="0"/>
+                        <a:t>0</a:t>
+                      </a:r>
+                      <a:endParaRPr lang="de-DE" sz="2400" dirty="0"/>
+                    </a:p>
+                  </a:txBody>
+                  <a:tcPr/>
+                </a:tc>
+                <a:tc>
+                  <a:txBody>
+                    <a:bodyPr/>
+                    <a:lstStyle/>
+                    <a:p>
+                      <a:r>
+                        <a:rPr lang="de-DE" sz="2400" dirty="0" smtClean="0"/>
+                        <a:t>0</a:t>
+                      </a:r>
+                      <a:endParaRPr lang="de-DE" sz="2400" dirty="0"/>
+                    </a:p>
+                  </a:txBody>
+                  <a:tcPr/>
+                </a:tc>
+                <a:tc>
+                  <a:txBody>
+                    <a:bodyPr/>
+                    <a:lstStyle/>
+                    <a:p>
+                      <a:r>
+                        <a:rPr lang="de-DE" sz="2400" dirty="0" smtClean="0"/>
+                        <a:t>0</a:t>
+                      </a:r>
+                      <a:endParaRPr lang="de-DE" sz="2400" dirty="0"/>
+                    </a:p>
+                  </a:txBody>
+                  <a:tcPr/>
+                </a:tc>
+                <a:tc>
+                  <a:txBody>
+                    <a:bodyPr/>
+                    <a:lstStyle/>
+                    <a:p>
+                      <a:r>
+                        <a:rPr lang="de-DE" sz="2400" dirty="0" smtClean="0"/>
+                        <a:t>0</a:t>
+                      </a:r>
+                      <a:endParaRPr lang="de-DE" sz="2400" dirty="0"/>
+                    </a:p>
+                  </a:txBody>
+                  <a:tcPr/>
+                </a:tc>
+                <a:tc>
+                  <a:txBody>
+                    <a:bodyPr/>
+                    <a:lstStyle/>
+                    <a:p>
+                      <a:r>
+                        <a:rPr lang="de-DE" sz="2400" dirty="0" smtClean="0"/>
+                        <a:t>0</a:t>
+                      </a:r>
+                      <a:endParaRPr lang="de-DE" sz="2400" dirty="0"/>
+                    </a:p>
+                  </a:txBody>
+                  <a:tcPr/>
+                </a:tc>
+              </a:tr>
+              <a:tr h="447227">
+                <a:tc>
+                  <a:txBody>
+                    <a:bodyPr/>
+                    <a:lstStyle/>
+                    <a:p>
+                      <a:r>
+                        <a:rPr lang="de-DE" sz="2400" dirty="0" smtClean="0">
+                          <a:solidFill>
+                            <a:schemeClr val="bg2">
+                              <a:lumMod val="75000"/>
+                            </a:schemeClr>
+                          </a:solidFill>
+                        </a:rPr>
+                        <a:t>D</a:t>
+                      </a:r>
+                      <a:endParaRPr lang="de-DE" sz="2400" dirty="0">
+                        <a:solidFill>
+                          <a:schemeClr val="bg2">
+                            <a:lumMod val="75000"/>
+                          </a:schemeClr>
+                        </a:solidFill>
+                      </a:endParaRPr>
+                    </a:p>
+                  </a:txBody>
+                  <a:tcPr/>
+                </a:tc>
+                <a:tc>
+                  <a:txBody>
+                    <a:bodyPr/>
+                    <a:lstStyle/>
+                    <a:p>
+                      <a:r>
+                        <a:rPr lang="de-DE" sz="2400" dirty="0" smtClean="0"/>
+                        <a:t>0</a:t>
+                      </a:r>
+                      <a:endParaRPr lang="de-DE" sz="2400" dirty="0"/>
+                    </a:p>
+                  </a:txBody>
+                  <a:tcPr/>
+                </a:tc>
+                <a:tc>
+                  <a:txBody>
+                    <a:bodyPr/>
+                    <a:lstStyle/>
+                    <a:p>
+                      <a:r>
+                        <a:rPr lang="de-DE" sz="2400" dirty="0" smtClean="0"/>
+                        <a:t>0</a:t>
+                      </a:r>
+                      <a:endParaRPr lang="de-DE" sz="2400" dirty="0"/>
+                    </a:p>
+                  </a:txBody>
+                  <a:tcPr/>
+                </a:tc>
+                <a:tc>
+                  <a:txBody>
+                    <a:bodyPr/>
+                    <a:lstStyle/>
+                    <a:p>
+                      <a:r>
+                        <a:rPr lang="de-DE" sz="2400" dirty="0" smtClean="0"/>
+                        <a:t>0</a:t>
+                      </a:r>
+                      <a:endParaRPr lang="de-DE" sz="2400" dirty="0"/>
+                    </a:p>
+                  </a:txBody>
+                  <a:tcPr/>
+                </a:tc>
+                <a:tc>
+                  <a:txBody>
+                    <a:bodyPr/>
+                    <a:lstStyle/>
+                    <a:p>
+                      <a:r>
+                        <a:rPr lang="de-DE" sz="2400" dirty="0" smtClean="0"/>
+                        <a:t>0</a:t>
+                      </a:r>
+                      <a:endParaRPr lang="de-DE" sz="2400" dirty="0"/>
+                    </a:p>
+                  </a:txBody>
+                  <a:tcPr/>
+                </a:tc>
+                <a:tc>
+                  <a:txBody>
+                    <a:bodyPr/>
+                    <a:lstStyle/>
+                    <a:p>
+                      <a:r>
+                        <a:rPr lang="de-DE" sz="2400" dirty="0" smtClean="0"/>
+                        <a:t>0</a:t>
+                      </a:r>
+                      <a:endParaRPr lang="de-DE" sz="2400" dirty="0"/>
+                    </a:p>
+                  </a:txBody>
+                  <a:tcPr/>
+                </a:tc>
+                <a:tc>
+                  <a:txBody>
+                    <a:bodyPr/>
+                    <a:lstStyle/>
+                    <a:p>
+                      <a:r>
+                        <a:rPr lang="de-DE" sz="2400" dirty="0" smtClean="0"/>
+                        <a:t>0</a:t>
+                      </a:r>
+                      <a:endParaRPr lang="de-DE" sz="2400" dirty="0"/>
+                    </a:p>
+                  </a:txBody>
+                  <a:tcPr/>
+                </a:tc>
+                <a:tc>
+                  <a:txBody>
+                    <a:bodyPr/>
+                    <a:lstStyle/>
+                    <a:p>
+                      <a:r>
+                        <a:rPr lang="de-DE" sz="2400" dirty="0" smtClean="0"/>
+                        <a:t>0</a:t>
+                      </a:r>
+                      <a:endParaRPr lang="de-DE" sz="2400" dirty="0"/>
+                    </a:p>
+                  </a:txBody>
+                  <a:tcPr/>
+                </a:tc>
+                <a:tc>
+                  <a:txBody>
+                    <a:bodyPr/>
+                    <a:lstStyle/>
+                    <a:p>
+                      <a:r>
+                        <a:rPr lang="de-DE" sz="2400" dirty="0" smtClean="0"/>
+                        <a:t>0</a:t>
+                      </a:r>
+                      <a:endParaRPr lang="de-DE" sz="2400" dirty="0"/>
+                    </a:p>
+                  </a:txBody>
+                  <a:tcPr/>
+                </a:tc>
+                <a:tc>
+                  <a:txBody>
+                    <a:bodyPr/>
+                    <a:lstStyle/>
+                    <a:p>
+                      <a:r>
+                        <a:rPr lang="de-DE" sz="2400" dirty="0" smtClean="0"/>
+                        <a:t>0</a:t>
+                      </a:r>
+                      <a:endParaRPr lang="de-DE" sz="2400" dirty="0"/>
+                    </a:p>
+                  </a:txBody>
+                  <a:tcPr/>
+                </a:tc>
+                <a:tc>
+                  <a:txBody>
+                    <a:bodyPr/>
+                    <a:lstStyle/>
+                    <a:p>
+                      <a:r>
+                        <a:rPr lang="de-DE" sz="2400" dirty="0" smtClean="0"/>
+                        <a:t>0</a:t>
+                      </a:r>
+                      <a:endParaRPr lang="de-DE" sz="2400" dirty="0"/>
+                    </a:p>
+                  </a:txBody>
+                  <a:tcPr/>
+                </a:tc>
+                <a:tc>
+                  <a:txBody>
+                    <a:bodyPr/>
+                    <a:lstStyle/>
+                    <a:p>
+                      <a:r>
+                        <a:rPr lang="de-DE" sz="2400" dirty="0" smtClean="0"/>
+                        <a:t>0</a:t>
+                      </a:r>
+                      <a:endParaRPr lang="de-DE" sz="2400" dirty="0"/>
+                    </a:p>
+                  </a:txBody>
+                  <a:tcPr/>
+                </a:tc>
+                <a:tc>
+                  <a:txBody>
+                    <a:bodyPr/>
+                    <a:lstStyle/>
+                    <a:p>
+                      <a:r>
+                        <a:rPr lang="de-DE" sz="2400" dirty="0" smtClean="0"/>
+                        <a:t>0</a:t>
+                      </a:r>
+                      <a:endParaRPr lang="de-DE" sz="2400" dirty="0"/>
+                    </a:p>
+                  </a:txBody>
+                  <a:tcPr/>
+                </a:tc>
+              </a:tr>
+              <a:tr h="447227">
+                <a:tc>
+                  <a:txBody>
+                    <a:bodyPr/>
+                    <a:lstStyle/>
+                    <a:p>
+                      <a:r>
+                        <a:rPr lang="de-DE" sz="2400" dirty="0" smtClean="0">
+                          <a:solidFill>
+                            <a:schemeClr val="bg2">
+                              <a:lumMod val="75000"/>
+                            </a:schemeClr>
+                          </a:solidFill>
+                        </a:rPr>
+                        <a:t>E</a:t>
+                      </a:r>
+                      <a:endParaRPr lang="de-DE" sz="2400" dirty="0">
+                        <a:solidFill>
+                          <a:schemeClr val="bg2">
+                            <a:lumMod val="75000"/>
+                          </a:schemeClr>
+                        </a:solidFill>
+                      </a:endParaRPr>
+                    </a:p>
+                  </a:txBody>
+                  <a:tcPr/>
+                </a:tc>
+                <a:tc>
+                  <a:txBody>
+                    <a:bodyPr/>
+                    <a:lstStyle/>
+                    <a:p>
+                      <a:r>
+                        <a:rPr lang="de-DE" sz="2400" dirty="0" smtClean="0"/>
+                        <a:t>0</a:t>
+                      </a:r>
+                      <a:endParaRPr lang="de-DE" sz="2400" dirty="0"/>
+                    </a:p>
+                  </a:txBody>
+                  <a:tcPr/>
+                </a:tc>
+                <a:tc>
+                  <a:txBody>
+                    <a:bodyPr/>
+                    <a:lstStyle/>
+                    <a:p>
+                      <a:r>
+                        <a:rPr lang="de-DE" sz="2400" dirty="0" smtClean="0"/>
+                        <a:t>0</a:t>
+                      </a:r>
+                      <a:endParaRPr lang="de-DE" sz="2400" dirty="0"/>
+                    </a:p>
+                  </a:txBody>
+                  <a:tcPr/>
+                </a:tc>
+                <a:tc>
+                  <a:txBody>
+                    <a:bodyPr/>
+                    <a:lstStyle/>
+                    <a:p>
+                      <a:r>
+                        <a:rPr lang="de-DE" sz="2400" dirty="0" smtClean="0"/>
+                        <a:t>0</a:t>
+                      </a:r>
+                      <a:endParaRPr lang="de-DE" sz="2400" dirty="0"/>
+                    </a:p>
+                  </a:txBody>
+                  <a:tcPr/>
+                </a:tc>
+                <a:tc>
+                  <a:txBody>
+                    <a:bodyPr/>
+                    <a:lstStyle/>
+                    <a:p>
+                      <a:r>
+                        <a:rPr lang="de-DE" sz="2400" dirty="0" smtClean="0"/>
+                        <a:t>0</a:t>
+                      </a:r>
+                      <a:endParaRPr lang="de-DE" sz="2400" dirty="0"/>
+                    </a:p>
+                  </a:txBody>
+                  <a:tcPr/>
+                </a:tc>
+                <a:tc>
+                  <a:txBody>
+                    <a:bodyPr/>
+                    <a:lstStyle/>
+                    <a:p>
+                      <a:r>
+                        <a:rPr lang="de-DE" sz="2400" dirty="0" smtClean="0"/>
+                        <a:t>0</a:t>
+                      </a:r>
+                      <a:endParaRPr lang="de-DE" sz="2400" dirty="0"/>
+                    </a:p>
+                  </a:txBody>
+                  <a:tcPr/>
+                </a:tc>
+                <a:tc>
+                  <a:txBody>
+                    <a:bodyPr/>
+                    <a:lstStyle/>
+                    <a:p>
+                      <a:r>
+                        <a:rPr lang="de-DE" sz="2400" dirty="0" smtClean="0"/>
+                        <a:t>0</a:t>
+                      </a:r>
+                      <a:endParaRPr lang="de-DE" sz="2400" dirty="0"/>
+                    </a:p>
+                  </a:txBody>
+                  <a:tcPr/>
+                </a:tc>
+                <a:tc>
+                  <a:txBody>
+                    <a:bodyPr/>
+                    <a:lstStyle/>
+                    <a:p>
+                      <a:r>
+                        <a:rPr lang="de-DE" sz="2400" dirty="0" smtClean="0"/>
+                        <a:t>0</a:t>
+                      </a:r>
+                      <a:endParaRPr lang="de-DE" sz="2400" dirty="0"/>
+                    </a:p>
+                  </a:txBody>
+                  <a:tcPr/>
+                </a:tc>
+                <a:tc>
+                  <a:txBody>
+                    <a:bodyPr/>
+                    <a:lstStyle/>
+                    <a:p>
+                      <a:r>
+                        <a:rPr lang="de-DE" sz="2400" dirty="0" smtClean="0"/>
+                        <a:t>0</a:t>
+                      </a:r>
+                      <a:endParaRPr lang="de-DE" sz="2400" dirty="0"/>
+                    </a:p>
+                  </a:txBody>
+                  <a:tcPr/>
+                </a:tc>
+                <a:tc>
+                  <a:txBody>
+                    <a:bodyPr/>
+                    <a:lstStyle/>
+                    <a:p>
+                      <a:r>
+                        <a:rPr lang="de-DE" sz="2400" dirty="0" smtClean="0"/>
+                        <a:t>0</a:t>
+                      </a:r>
+                      <a:endParaRPr lang="de-DE" sz="2400" dirty="0"/>
+                    </a:p>
+                  </a:txBody>
+                  <a:tcPr/>
+                </a:tc>
+                <a:tc>
+                  <a:txBody>
+                    <a:bodyPr/>
+                    <a:lstStyle/>
+                    <a:p>
+                      <a:r>
+                        <a:rPr lang="de-DE" sz="2400" dirty="0" smtClean="0"/>
+                        <a:t>0</a:t>
+                      </a:r>
+                      <a:endParaRPr lang="de-DE" sz="2400" dirty="0"/>
+                    </a:p>
+                  </a:txBody>
+                  <a:tcPr/>
+                </a:tc>
+                <a:tc>
+                  <a:txBody>
+                    <a:bodyPr/>
+                    <a:lstStyle/>
+                    <a:p>
+                      <a:r>
+                        <a:rPr lang="de-DE" sz="2400" dirty="0" smtClean="0"/>
+                        <a:t>0</a:t>
+                      </a:r>
+                      <a:endParaRPr lang="de-DE" sz="2400" dirty="0"/>
+                    </a:p>
+                  </a:txBody>
+                  <a:tcPr/>
+                </a:tc>
+                <a:tc>
+                  <a:txBody>
+                    <a:bodyPr/>
+                    <a:lstStyle/>
+                    <a:p>
+                      <a:r>
+                        <a:rPr lang="de-DE" sz="2400" dirty="0" smtClean="0"/>
+                        <a:t>0</a:t>
+                      </a:r>
+                      <a:endParaRPr lang="de-DE" sz="2400" dirty="0"/>
+                    </a:p>
+                  </a:txBody>
+                  <a:tcPr/>
+                </a:tc>
+              </a:tr>
+              <a:tr h="447227">
+                <a:tc>
+                  <a:txBody>
+                    <a:bodyPr/>
+                    <a:lstStyle/>
+                    <a:p>
+                      <a:r>
+                        <a:rPr lang="de-DE" sz="2400" dirty="0" smtClean="0">
+                          <a:solidFill>
+                            <a:schemeClr val="bg2">
+                              <a:lumMod val="75000"/>
+                            </a:schemeClr>
+                          </a:solidFill>
+                        </a:rPr>
+                        <a:t>F</a:t>
+                      </a:r>
+                      <a:endParaRPr lang="de-DE" sz="2400" dirty="0">
+                        <a:solidFill>
+                          <a:schemeClr val="bg2">
+                            <a:lumMod val="75000"/>
+                          </a:schemeClr>
+                        </a:solidFill>
+                      </a:endParaRPr>
+                    </a:p>
+                  </a:txBody>
+                  <a:tcPr/>
+                </a:tc>
+                <a:tc>
+                  <a:txBody>
+                    <a:bodyPr/>
+                    <a:lstStyle/>
+                    <a:p>
+                      <a:r>
+                        <a:rPr lang="de-DE" sz="2400" dirty="0" smtClean="0"/>
+                        <a:t>0</a:t>
+                      </a:r>
+                      <a:endParaRPr lang="de-DE" sz="2400" dirty="0"/>
+                    </a:p>
+                  </a:txBody>
+                  <a:tcPr/>
+                </a:tc>
+                <a:tc>
+                  <a:txBody>
+                    <a:bodyPr/>
+                    <a:lstStyle/>
+                    <a:p>
+                      <a:r>
+                        <a:rPr lang="de-DE" sz="2400" dirty="0" smtClean="0"/>
+                        <a:t>0</a:t>
+                      </a:r>
+                      <a:endParaRPr lang="de-DE" sz="2400" dirty="0"/>
+                    </a:p>
+                  </a:txBody>
+                  <a:tcPr/>
+                </a:tc>
+                <a:tc>
+                  <a:txBody>
+                    <a:bodyPr/>
+                    <a:lstStyle/>
+                    <a:p>
+                      <a:r>
+                        <a:rPr lang="de-DE" sz="2400" dirty="0" smtClean="0"/>
+                        <a:t>0</a:t>
+                      </a:r>
+                      <a:endParaRPr lang="de-DE" sz="2400" dirty="0"/>
+                    </a:p>
+                  </a:txBody>
+                  <a:tcPr/>
+                </a:tc>
+                <a:tc>
+                  <a:txBody>
+                    <a:bodyPr/>
+                    <a:lstStyle/>
+                    <a:p>
+                      <a:r>
+                        <a:rPr lang="de-DE" sz="2400" dirty="0" smtClean="0"/>
+                        <a:t>0</a:t>
+                      </a:r>
+                      <a:endParaRPr lang="de-DE" sz="2400" dirty="0"/>
+                    </a:p>
+                  </a:txBody>
+                  <a:tcPr/>
+                </a:tc>
+                <a:tc>
+                  <a:txBody>
+                    <a:bodyPr/>
+                    <a:lstStyle/>
+                    <a:p>
+                      <a:r>
+                        <a:rPr lang="de-DE" sz="2400" dirty="0" smtClean="0"/>
+                        <a:t>0</a:t>
+                      </a:r>
+                      <a:endParaRPr lang="de-DE" sz="2400" dirty="0"/>
+                    </a:p>
+                  </a:txBody>
+                  <a:tcPr/>
+                </a:tc>
+                <a:tc>
+                  <a:txBody>
+                    <a:bodyPr/>
+                    <a:lstStyle/>
+                    <a:p>
+                      <a:r>
+                        <a:rPr lang="de-DE" sz="2400" dirty="0" smtClean="0"/>
+                        <a:t>0</a:t>
+                      </a:r>
+                      <a:endParaRPr lang="de-DE" sz="2400" dirty="0"/>
+                    </a:p>
+                  </a:txBody>
+                  <a:tcPr/>
+                </a:tc>
+                <a:tc>
+                  <a:txBody>
+                    <a:bodyPr/>
+                    <a:lstStyle/>
+                    <a:p>
+                      <a:r>
+                        <a:rPr lang="de-DE" sz="2400" dirty="0" smtClean="0"/>
+                        <a:t>0</a:t>
+                      </a:r>
+                      <a:endParaRPr lang="de-DE" sz="2400" dirty="0"/>
+                    </a:p>
+                  </a:txBody>
+                  <a:tcPr/>
+                </a:tc>
+                <a:tc>
+                  <a:txBody>
+                    <a:bodyPr/>
+                    <a:lstStyle/>
+                    <a:p>
+                      <a:r>
+                        <a:rPr lang="de-DE" sz="2400" dirty="0" smtClean="0"/>
+                        <a:t>0</a:t>
+                      </a:r>
+                      <a:endParaRPr lang="de-DE" sz="2400" dirty="0"/>
+                    </a:p>
+                  </a:txBody>
+                  <a:tcPr/>
+                </a:tc>
+                <a:tc>
+                  <a:txBody>
+                    <a:bodyPr/>
+                    <a:lstStyle/>
+                    <a:p>
+                      <a:r>
+                        <a:rPr lang="de-DE" sz="2400" dirty="0" smtClean="0"/>
+                        <a:t>0</a:t>
+                      </a:r>
+                      <a:endParaRPr lang="de-DE" sz="2400" dirty="0"/>
+                    </a:p>
+                  </a:txBody>
+                  <a:tcPr/>
+                </a:tc>
+                <a:tc>
+                  <a:txBody>
+                    <a:bodyPr/>
+                    <a:lstStyle/>
+                    <a:p>
+                      <a:r>
+                        <a:rPr lang="de-DE" sz="2400" dirty="0" smtClean="0"/>
+                        <a:t>0</a:t>
+                      </a:r>
+                      <a:endParaRPr lang="de-DE" sz="2400" dirty="0"/>
+                    </a:p>
+                  </a:txBody>
+                  <a:tcPr/>
+                </a:tc>
+                <a:tc>
+                  <a:txBody>
+                    <a:bodyPr/>
+                    <a:lstStyle/>
+                    <a:p>
+                      <a:r>
+                        <a:rPr lang="de-DE" sz="2400" dirty="0" smtClean="0"/>
+                        <a:t>0</a:t>
+                      </a:r>
+                      <a:endParaRPr lang="de-DE" sz="2400" dirty="0"/>
+                    </a:p>
+                  </a:txBody>
+                  <a:tcPr/>
+                </a:tc>
+                <a:tc>
+                  <a:txBody>
+                    <a:bodyPr/>
+                    <a:lstStyle/>
+                    <a:p>
+                      <a:r>
+                        <a:rPr lang="de-DE" sz="2400" dirty="0" smtClean="0"/>
+                        <a:t>0</a:t>
+                      </a:r>
+                      <a:endParaRPr lang="de-DE" sz="2400" dirty="0"/>
+                    </a:p>
+                  </a:txBody>
+                  <a:tcPr/>
+                </a:tc>
+              </a:tr>
+              <a:tr h="447227">
+                <a:tc>
+                  <a:txBody>
+                    <a:bodyPr/>
+                    <a:lstStyle/>
+                    <a:p>
+                      <a:r>
+                        <a:rPr lang="de-DE" sz="2400" dirty="0" smtClean="0">
+                          <a:solidFill>
+                            <a:schemeClr val="bg2">
+                              <a:lumMod val="75000"/>
+                            </a:schemeClr>
+                          </a:solidFill>
+                        </a:rPr>
+                        <a:t>G</a:t>
+                      </a:r>
+                      <a:endParaRPr lang="de-DE" sz="2400" dirty="0">
+                        <a:solidFill>
+                          <a:schemeClr val="bg2">
+                            <a:lumMod val="75000"/>
+                          </a:schemeClr>
+                        </a:solidFill>
+                      </a:endParaRPr>
+                    </a:p>
+                  </a:txBody>
+                  <a:tcPr/>
+                </a:tc>
+                <a:tc>
+                  <a:txBody>
+                    <a:bodyPr/>
+                    <a:lstStyle/>
+                    <a:p>
+                      <a:r>
+                        <a:rPr lang="de-DE" sz="2400" dirty="0" smtClean="0"/>
+                        <a:t>0</a:t>
+                      </a:r>
+                      <a:endParaRPr lang="de-DE" sz="2400" dirty="0"/>
+                    </a:p>
+                  </a:txBody>
+                  <a:tcPr/>
+                </a:tc>
+                <a:tc>
+                  <a:txBody>
+                    <a:bodyPr/>
+                    <a:lstStyle/>
+                    <a:p>
+                      <a:r>
+                        <a:rPr lang="de-DE" sz="2400" dirty="0" smtClean="0"/>
+                        <a:t>0</a:t>
+                      </a:r>
+                      <a:endParaRPr lang="de-DE" sz="2400" dirty="0"/>
+                    </a:p>
+                  </a:txBody>
+                  <a:tcPr/>
+                </a:tc>
+                <a:tc>
+                  <a:txBody>
+                    <a:bodyPr/>
+                    <a:lstStyle/>
+                    <a:p>
+                      <a:r>
+                        <a:rPr lang="de-DE" sz="2400" dirty="0" smtClean="0"/>
+                        <a:t>0</a:t>
+                      </a:r>
+                      <a:endParaRPr lang="de-DE" sz="2400" dirty="0"/>
+                    </a:p>
+                  </a:txBody>
+                  <a:tcPr/>
+                </a:tc>
+                <a:tc>
+                  <a:txBody>
+                    <a:bodyPr/>
+                    <a:lstStyle/>
+                    <a:p>
+                      <a:r>
+                        <a:rPr lang="de-DE" sz="2400" dirty="0" smtClean="0"/>
+                        <a:t>0</a:t>
+                      </a:r>
+                      <a:endParaRPr lang="de-DE" sz="2400" dirty="0"/>
+                    </a:p>
+                  </a:txBody>
+                  <a:tcPr/>
+                </a:tc>
+                <a:tc>
+                  <a:txBody>
+                    <a:bodyPr/>
+                    <a:lstStyle/>
+                    <a:p>
+                      <a:r>
+                        <a:rPr lang="de-DE" sz="2400" dirty="0" smtClean="0"/>
+                        <a:t>0</a:t>
+                      </a:r>
+                      <a:endParaRPr lang="de-DE" sz="2400" dirty="0"/>
+                    </a:p>
+                  </a:txBody>
+                  <a:tcPr/>
+                </a:tc>
+                <a:tc>
+                  <a:txBody>
+                    <a:bodyPr/>
+                    <a:lstStyle/>
+                    <a:p>
+                      <a:r>
+                        <a:rPr lang="de-DE" sz="2400" dirty="0" smtClean="0"/>
+                        <a:t>0</a:t>
+                      </a:r>
+                      <a:endParaRPr lang="de-DE" sz="2400" dirty="0"/>
+                    </a:p>
+                  </a:txBody>
+                  <a:tcPr/>
+                </a:tc>
+                <a:tc>
+                  <a:txBody>
+                    <a:bodyPr/>
+                    <a:lstStyle/>
+                    <a:p>
+                      <a:r>
+                        <a:rPr lang="de-DE" sz="2400" dirty="0" smtClean="0"/>
+                        <a:t>0</a:t>
+                      </a:r>
+                      <a:endParaRPr lang="de-DE" sz="2400" dirty="0"/>
+                    </a:p>
+                  </a:txBody>
+                  <a:tcPr/>
+                </a:tc>
+                <a:tc>
+                  <a:txBody>
+                    <a:bodyPr/>
+                    <a:lstStyle/>
+                    <a:p>
+                      <a:r>
+                        <a:rPr lang="de-DE" sz="2400" dirty="0" smtClean="0"/>
+                        <a:t>0</a:t>
+                      </a:r>
+                      <a:endParaRPr lang="de-DE" sz="2400" dirty="0"/>
+                    </a:p>
+                  </a:txBody>
+                  <a:tcPr/>
+                </a:tc>
+                <a:tc>
+                  <a:txBody>
+                    <a:bodyPr/>
+                    <a:lstStyle/>
+                    <a:p>
+                      <a:r>
+                        <a:rPr lang="de-DE" sz="2400" dirty="0" smtClean="0"/>
+                        <a:t>0</a:t>
+                      </a:r>
+                      <a:endParaRPr lang="de-DE" sz="2400" dirty="0"/>
+                    </a:p>
+                  </a:txBody>
+                  <a:tcPr/>
+                </a:tc>
+                <a:tc>
+                  <a:txBody>
+                    <a:bodyPr/>
+                    <a:lstStyle/>
+                    <a:p>
+                      <a:r>
+                        <a:rPr lang="de-DE" sz="2400" dirty="0" smtClean="0"/>
+                        <a:t>0</a:t>
+                      </a:r>
+                      <a:endParaRPr lang="de-DE" sz="2400" dirty="0"/>
+                    </a:p>
+                  </a:txBody>
+                  <a:tcPr/>
+                </a:tc>
+                <a:tc>
+                  <a:txBody>
+                    <a:bodyPr/>
+                    <a:lstStyle/>
+                    <a:p>
+                      <a:r>
+                        <a:rPr lang="de-DE" sz="2400" dirty="0" smtClean="0"/>
+                        <a:t>0</a:t>
+                      </a:r>
+                      <a:endParaRPr lang="de-DE" sz="2400" dirty="0"/>
+                    </a:p>
+                  </a:txBody>
+                  <a:tcPr/>
+                </a:tc>
+                <a:tc>
+                  <a:txBody>
+                    <a:bodyPr/>
+                    <a:lstStyle/>
+                    <a:p>
+                      <a:r>
+                        <a:rPr lang="de-DE" sz="2400" dirty="0" smtClean="0"/>
+                        <a:t>0</a:t>
+                      </a:r>
+                      <a:endParaRPr lang="de-DE" sz="2400" dirty="0"/>
+                    </a:p>
+                  </a:txBody>
+                  <a:tcPr/>
+                </a:tc>
+              </a:tr>
+              <a:tr h="447227">
+                <a:tc>
+                  <a:txBody>
+                    <a:bodyPr/>
+                    <a:lstStyle/>
+                    <a:p>
+                      <a:r>
+                        <a:rPr lang="de-DE" sz="2400" dirty="0" smtClean="0">
+                          <a:solidFill>
+                            <a:schemeClr val="bg2">
+                              <a:lumMod val="75000"/>
+                            </a:schemeClr>
+                          </a:solidFill>
+                        </a:rPr>
+                        <a:t>H</a:t>
+                      </a:r>
+                      <a:endParaRPr lang="de-DE" sz="2400" dirty="0">
+                        <a:solidFill>
+                          <a:schemeClr val="bg2">
+                            <a:lumMod val="75000"/>
+                          </a:schemeClr>
+                        </a:solidFill>
+                      </a:endParaRPr>
+                    </a:p>
+                  </a:txBody>
+                  <a:tcPr/>
+                </a:tc>
+                <a:tc>
+                  <a:txBody>
+                    <a:bodyPr/>
+                    <a:lstStyle/>
+                    <a:p>
+                      <a:r>
+                        <a:rPr lang="de-DE" sz="2400" dirty="0" smtClean="0"/>
+                        <a:t>0</a:t>
+                      </a:r>
+                      <a:endParaRPr lang="de-DE" sz="2400" dirty="0"/>
+                    </a:p>
+                  </a:txBody>
+                  <a:tcPr/>
+                </a:tc>
+                <a:tc>
+                  <a:txBody>
+                    <a:bodyPr/>
+                    <a:lstStyle/>
+                    <a:p>
+                      <a:r>
+                        <a:rPr lang="de-DE" sz="2400" dirty="0" smtClean="0"/>
+                        <a:t>0</a:t>
+                      </a:r>
+                      <a:endParaRPr lang="de-DE" sz="2400" dirty="0"/>
+                    </a:p>
+                  </a:txBody>
+                  <a:tcPr/>
+                </a:tc>
+                <a:tc>
+                  <a:txBody>
+                    <a:bodyPr/>
+                    <a:lstStyle/>
+                    <a:p>
+                      <a:r>
+                        <a:rPr lang="de-DE" sz="2400" dirty="0" smtClean="0"/>
+                        <a:t>0</a:t>
+                      </a:r>
+                      <a:endParaRPr lang="de-DE" sz="2400" dirty="0"/>
+                    </a:p>
+                  </a:txBody>
+                  <a:tcPr/>
+                </a:tc>
+                <a:tc>
+                  <a:txBody>
+                    <a:bodyPr/>
+                    <a:lstStyle/>
+                    <a:p>
+                      <a:r>
+                        <a:rPr lang="de-DE" sz="2400" dirty="0" smtClean="0"/>
+                        <a:t>0</a:t>
+                      </a:r>
+                      <a:endParaRPr lang="de-DE" sz="2400" dirty="0"/>
+                    </a:p>
+                  </a:txBody>
+                  <a:tcPr/>
+                </a:tc>
+                <a:tc>
+                  <a:txBody>
+                    <a:bodyPr/>
+                    <a:lstStyle/>
+                    <a:p>
+                      <a:r>
+                        <a:rPr lang="de-DE" sz="2400" dirty="0" smtClean="0"/>
+                        <a:t>0</a:t>
+                      </a:r>
+                      <a:endParaRPr lang="de-DE" sz="2400" dirty="0"/>
+                    </a:p>
+                  </a:txBody>
+                  <a:tcPr/>
+                </a:tc>
+                <a:tc>
+                  <a:txBody>
+                    <a:bodyPr/>
+                    <a:lstStyle/>
+                    <a:p>
+                      <a:r>
+                        <a:rPr lang="de-DE" sz="2400" dirty="0" smtClean="0"/>
+                        <a:t>0</a:t>
+                      </a:r>
+                      <a:endParaRPr lang="de-DE" sz="2400" dirty="0"/>
+                    </a:p>
+                  </a:txBody>
+                  <a:tcPr/>
+                </a:tc>
+                <a:tc>
+                  <a:txBody>
+                    <a:bodyPr/>
+                    <a:lstStyle/>
+                    <a:p>
+                      <a:r>
+                        <a:rPr lang="de-DE" sz="2400" dirty="0" smtClean="0"/>
+                        <a:t>0</a:t>
+                      </a:r>
+                      <a:endParaRPr lang="de-DE" sz="2400" dirty="0"/>
+                    </a:p>
+                  </a:txBody>
+                  <a:tcPr/>
+                </a:tc>
+                <a:tc>
+                  <a:txBody>
+                    <a:bodyPr/>
+                    <a:lstStyle/>
+                    <a:p>
+                      <a:r>
+                        <a:rPr lang="de-DE" sz="2400" dirty="0" smtClean="0"/>
+                        <a:t>0</a:t>
+                      </a:r>
+                      <a:endParaRPr lang="de-DE" sz="2400" dirty="0"/>
+                    </a:p>
+                  </a:txBody>
+                  <a:tcPr/>
+                </a:tc>
+                <a:tc>
+                  <a:txBody>
+                    <a:bodyPr/>
+                    <a:lstStyle/>
+                    <a:p>
+                      <a:r>
+                        <a:rPr lang="de-DE" sz="2400" dirty="0" smtClean="0"/>
+                        <a:t>0</a:t>
+                      </a:r>
+                      <a:endParaRPr lang="de-DE" sz="2400" dirty="0"/>
+                    </a:p>
+                  </a:txBody>
+                  <a:tcPr/>
+                </a:tc>
+                <a:tc>
+                  <a:txBody>
+                    <a:bodyPr/>
+                    <a:lstStyle/>
+                    <a:p>
+                      <a:r>
+                        <a:rPr lang="de-DE" sz="2400" dirty="0" smtClean="0"/>
+                        <a:t>0</a:t>
+                      </a:r>
+                      <a:endParaRPr lang="de-DE" sz="2400" dirty="0"/>
+                    </a:p>
+                  </a:txBody>
+                  <a:tcPr/>
+                </a:tc>
+                <a:tc>
+                  <a:txBody>
+                    <a:bodyPr/>
+                    <a:lstStyle/>
+                    <a:p>
+                      <a:r>
+                        <a:rPr lang="de-DE" sz="2400" dirty="0" smtClean="0"/>
+                        <a:t>0</a:t>
+                      </a:r>
+                      <a:endParaRPr lang="de-DE" sz="2400" dirty="0"/>
+                    </a:p>
+                  </a:txBody>
+                  <a:tcPr/>
+                </a:tc>
+                <a:tc>
+                  <a:txBody>
+                    <a:bodyPr/>
+                    <a:lstStyle/>
+                    <a:p>
+                      <a:r>
+                        <a:rPr lang="de-DE" sz="2400" dirty="0" smtClean="0"/>
+                        <a:t>0</a:t>
+                      </a:r>
+                      <a:endParaRPr lang="de-DE" sz="2400" dirty="0"/>
+                    </a:p>
+                  </a:txBody>
+                  <a:tcPr/>
+                </a:tc>
+              </a:tr>
+              <a:tr h="447227">
+                <a:tc>
+                  <a:txBody>
+                    <a:bodyPr/>
+                    <a:lstStyle/>
+                    <a:p>
+                      <a:r>
+                        <a:rPr lang="de-DE" sz="2400" dirty="0" smtClean="0">
+                          <a:solidFill>
+                            <a:schemeClr val="bg2">
+                              <a:lumMod val="75000"/>
+                            </a:schemeClr>
+                          </a:solidFill>
+                        </a:rPr>
+                        <a:t>I</a:t>
+                      </a:r>
+                      <a:endParaRPr lang="de-DE" sz="2400" dirty="0">
+                        <a:solidFill>
+                          <a:schemeClr val="bg2">
+                            <a:lumMod val="75000"/>
+                          </a:schemeClr>
+                        </a:solidFill>
+                      </a:endParaRPr>
+                    </a:p>
+                  </a:txBody>
+                  <a:tcPr/>
+                </a:tc>
+                <a:tc>
+                  <a:txBody>
+                    <a:bodyPr/>
+                    <a:lstStyle/>
+                    <a:p>
+                      <a:r>
+                        <a:rPr lang="de-DE" sz="2400" dirty="0" smtClean="0"/>
+                        <a:t>0</a:t>
+                      </a:r>
+                      <a:endParaRPr lang="de-DE" sz="2400" dirty="0"/>
+                    </a:p>
+                  </a:txBody>
+                  <a:tcPr/>
+                </a:tc>
+                <a:tc>
+                  <a:txBody>
+                    <a:bodyPr/>
+                    <a:lstStyle/>
+                    <a:p>
+                      <a:r>
+                        <a:rPr lang="de-DE" sz="2400" dirty="0" smtClean="0"/>
+                        <a:t>0</a:t>
+                      </a:r>
+                      <a:endParaRPr lang="de-DE" sz="2400" dirty="0"/>
+                    </a:p>
+                  </a:txBody>
+                  <a:tcPr/>
+                </a:tc>
+                <a:tc>
+                  <a:txBody>
+                    <a:bodyPr/>
+                    <a:lstStyle/>
+                    <a:p>
+                      <a:r>
+                        <a:rPr lang="de-DE" sz="2400" dirty="0" smtClean="0"/>
+                        <a:t>0</a:t>
+                      </a:r>
+                      <a:endParaRPr lang="de-DE" sz="2400" dirty="0"/>
+                    </a:p>
+                  </a:txBody>
+                  <a:tcPr/>
+                </a:tc>
+                <a:tc>
+                  <a:txBody>
+                    <a:bodyPr/>
+                    <a:lstStyle/>
+                    <a:p>
+                      <a:r>
+                        <a:rPr lang="de-DE" sz="2400" dirty="0" smtClean="0"/>
+                        <a:t>0</a:t>
+                      </a:r>
+                      <a:endParaRPr lang="de-DE" sz="2400" dirty="0"/>
+                    </a:p>
+                  </a:txBody>
+                  <a:tcPr/>
+                </a:tc>
+                <a:tc>
+                  <a:txBody>
+                    <a:bodyPr/>
+                    <a:lstStyle/>
+                    <a:p>
+                      <a:r>
+                        <a:rPr lang="de-DE" sz="2400" dirty="0" smtClean="0"/>
+                        <a:t>0</a:t>
+                      </a:r>
+                      <a:endParaRPr lang="de-DE" sz="2400" dirty="0"/>
+                    </a:p>
+                  </a:txBody>
+                  <a:tcPr/>
+                </a:tc>
+                <a:tc>
+                  <a:txBody>
+                    <a:bodyPr/>
+                    <a:lstStyle/>
+                    <a:p>
+                      <a:r>
+                        <a:rPr lang="de-DE" sz="2400" dirty="0" smtClean="0"/>
+                        <a:t>0</a:t>
+                      </a:r>
+                      <a:endParaRPr lang="de-DE" sz="2400" dirty="0"/>
+                    </a:p>
+                  </a:txBody>
+                  <a:tcPr/>
+                </a:tc>
+                <a:tc>
+                  <a:txBody>
+                    <a:bodyPr/>
+                    <a:lstStyle/>
+                    <a:p>
+                      <a:r>
+                        <a:rPr lang="de-DE" sz="2400" dirty="0" smtClean="0"/>
+                        <a:t>0</a:t>
+                      </a:r>
+                      <a:endParaRPr lang="de-DE" sz="2400" dirty="0"/>
+                    </a:p>
+                  </a:txBody>
+                  <a:tcPr/>
+                </a:tc>
+                <a:tc>
+                  <a:txBody>
+                    <a:bodyPr/>
+                    <a:lstStyle/>
+                    <a:p>
+                      <a:r>
+                        <a:rPr lang="de-DE" sz="2400" dirty="0" smtClean="0"/>
+                        <a:t>0</a:t>
+                      </a:r>
+                      <a:endParaRPr lang="de-DE" sz="2400" dirty="0"/>
+                    </a:p>
+                  </a:txBody>
+                  <a:tcPr/>
+                </a:tc>
+                <a:tc>
+                  <a:txBody>
+                    <a:bodyPr/>
+                    <a:lstStyle/>
+                    <a:p>
+                      <a:r>
+                        <a:rPr lang="de-DE" sz="2400" dirty="0" smtClean="0"/>
+                        <a:t>0</a:t>
+                      </a:r>
+                      <a:endParaRPr lang="de-DE" sz="2400" dirty="0"/>
+                    </a:p>
+                  </a:txBody>
+                  <a:tcPr/>
+                </a:tc>
+                <a:tc>
+                  <a:txBody>
+                    <a:bodyPr/>
+                    <a:lstStyle/>
+                    <a:p>
+                      <a:r>
+                        <a:rPr lang="de-DE" sz="2400" dirty="0" smtClean="0"/>
+                        <a:t>0</a:t>
+                      </a:r>
+                      <a:endParaRPr lang="de-DE" sz="2400" dirty="0"/>
+                    </a:p>
+                  </a:txBody>
+                  <a:tcPr/>
+                </a:tc>
+                <a:tc>
+                  <a:txBody>
+                    <a:bodyPr/>
+                    <a:lstStyle/>
+                    <a:p>
+                      <a:r>
+                        <a:rPr lang="de-DE" sz="2400" dirty="0" smtClean="0"/>
+                        <a:t>0</a:t>
+                      </a:r>
+                      <a:endParaRPr lang="de-DE" sz="2400" dirty="0"/>
+                    </a:p>
+                  </a:txBody>
+                  <a:tcPr/>
+                </a:tc>
+                <a:tc>
+                  <a:txBody>
+                    <a:bodyPr/>
+                    <a:lstStyle/>
+                    <a:p>
+                      <a:r>
+                        <a:rPr lang="de-DE" sz="2400" dirty="0" smtClean="0"/>
+                        <a:t>0</a:t>
+                      </a:r>
+                      <a:endParaRPr lang="de-DE" sz="2400" dirty="0"/>
+                    </a:p>
+                  </a:txBody>
+                  <a:tcPr/>
+                </a:tc>
+              </a:tr>
+              <a:tr h="447227">
+                <a:tc>
+                  <a:txBody>
+                    <a:bodyPr/>
+                    <a:lstStyle/>
+                    <a:p>
+                      <a:r>
+                        <a:rPr lang="de-DE" sz="2400" dirty="0" smtClean="0">
+                          <a:solidFill>
+                            <a:schemeClr val="bg2">
+                              <a:lumMod val="75000"/>
+                            </a:schemeClr>
+                          </a:solidFill>
+                        </a:rPr>
+                        <a:t>J</a:t>
+                      </a:r>
+                      <a:endParaRPr lang="de-DE" sz="2400" dirty="0">
+                        <a:solidFill>
+                          <a:schemeClr val="bg2">
+                            <a:lumMod val="75000"/>
+                          </a:schemeClr>
+                        </a:solidFill>
+                      </a:endParaRPr>
+                    </a:p>
+                  </a:txBody>
+                  <a:tcPr/>
+                </a:tc>
+                <a:tc>
+                  <a:txBody>
+                    <a:bodyPr/>
+                    <a:lstStyle/>
+                    <a:p>
+                      <a:r>
+                        <a:rPr lang="de-DE" sz="2400" dirty="0" smtClean="0"/>
+                        <a:t>0</a:t>
+                      </a:r>
+                      <a:endParaRPr lang="de-DE" sz="2400" dirty="0"/>
+                    </a:p>
+                  </a:txBody>
+                  <a:tcPr/>
+                </a:tc>
+                <a:tc>
+                  <a:txBody>
+                    <a:bodyPr/>
+                    <a:lstStyle/>
+                    <a:p>
+                      <a:r>
+                        <a:rPr lang="de-DE" sz="2400" dirty="0" smtClean="0"/>
+                        <a:t>0</a:t>
+                      </a:r>
+                      <a:endParaRPr lang="de-DE" sz="2400" dirty="0"/>
+                    </a:p>
+                  </a:txBody>
+                  <a:tcPr/>
+                </a:tc>
+                <a:tc>
+                  <a:txBody>
+                    <a:bodyPr/>
+                    <a:lstStyle/>
+                    <a:p>
+                      <a:r>
+                        <a:rPr lang="de-DE" sz="2400" dirty="0" smtClean="0"/>
+                        <a:t>0</a:t>
+                      </a:r>
+                      <a:endParaRPr lang="de-DE" sz="2400" dirty="0"/>
+                    </a:p>
+                  </a:txBody>
+                  <a:tcPr/>
+                </a:tc>
+                <a:tc>
+                  <a:txBody>
+                    <a:bodyPr/>
+                    <a:lstStyle/>
+                    <a:p>
+                      <a:r>
+                        <a:rPr lang="de-DE" sz="2400" dirty="0" smtClean="0"/>
+                        <a:t>0</a:t>
+                      </a:r>
+                      <a:endParaRPr lang="de-DE" sz="2400" dirty="0"/>
+                    </a:p>
+                  </a:txBody>
+                  <a:tcPr/>
+                </a:tc>
+                <a:tc>
+                  <a:txBody>
+                    <a:bodyPr/>
+                    <a:lstStyle/>
+                    <a:p>
+                      <a:r>
+                        <a:rPr lang="de-DE" sz="2400" dirty="0" smtClean="0"/>
+                        <a:t>0</a:t>
+                      </a:r>
+                      <a:endParaRPr lang="de-DE" sz="2400" dirty="0"/>
+                    </a:p>
+                  </a:txBody>
+                  <a:tcPr/>
+                </a:tc>
+                <a:tc>
+                  <a:txBody>
+                    <a:bodyPr/>
+                    <a:lstStyle/>
+                    <a:p>
+                      <a:r>
+                        <a:rPr lang="de-DE" sz="2400" dirty="0" smtClean="0"/>
+                        <a:t>0</a:t>
+                      </a:r>
+                      <a:endParaRPr lang="de-DE" sz="2400" dirty="0"/>
+                    </a:p>
+                  </a:txBody>
+                  <a:tcPr/>
+                </a:tc>
+                <a:tc>
+                  <a:txBody>
+                    <a:bodyPr/>
+                    <a:lstStyle/>
+                    <a:p>
+                      <a:r>
+                        <a:rPr lang="de-DE" sz="2400" dirty="0" smtClean="0"/>
+                        <a:t>0</a:t>
+                      </a:r>
+                      <a:endParaRPr lang="de-DE" sz="2400" dirty="0"/>
+                    </a:p>
+                  </a:txBody>
+                  <a:tcPr/>
+                </a:tc>
+                <a:tc>
+                  <a:txBody>
+                    <a:bodyPr/>
+                    <a:lstStyle/>
+                    <a:p>
+                      <a:r>
+                        <a:rPr lang="de-DE" sz="2400" dirty="0" smtClean="0"/>
+                        <a:t>0</a:t>
+                      </a:r>
+                      <a:endParaRPr lang="de-DE" sz="2400" dirty="0"/>
+                    </a:p>
+                  </a:txBody>
+                  <a:tcPr/>
+                </a:tc>
+                <a:tc>
+                  <a:txBody>
+                    <a:bodyPr/>
+                    <a:lstStyle/>
+                    <a:p>
+                      <a:r>
+                        <a:rPr lang="de-DE" sz="2400" dirty="0" smtClean="0"/>
+                        <a:t>0</a:t>
+                      </a:r>
+                      <a:endParaRPr lang="de-DE" sz="2400" dirty="0"/>
+                    </a:p>
+                  </a:txBody>
+                  <a:tcPr/>
+                </a:tc>
+                <a:tc>
+                  <a:txBody>
+                    <a:bodyPr/>
+                    <a:lstStyle/>
+                    <a:p>
+                      <a:r>
+                        <a:rPr lang="de-DE" sz="2400" dirty="0" smtClean="0"/>
+                        <a:t>0</a:t>
+                      </a:r>
+                      <a:endParaRPr lang="de-DE" sz="2400" dirty="0"/>
+                    </a:p>
+                  </a:txBody>
+                  <a:tcPr/>
+                </a:tc>
+                <a:tc>
+                  <a:txBody>
+                    <a:bodyPr/>
+                    <a:lstStyle/>
+                    <a:p>
+                      <a:r>
+                        <a:rPr lang="de-DE" sz="2400" dirty="0" smtClean="0"/>
+                        <a:t>0</a:t>
+                      </a:r>
+                      <a:endParaRPr lang="de-DE" sz="2400" dirty="0"/>
+                    </a:p>
+                  </a:txBody>
+                  <a:tcPr/>
+                </a:tc>
+                <a:tc>
+                  <a:txBody>
+                    <a:bodyPr/>
+                    <a:lstStyle/>
+                    <a:p>
+                      <a:r>
+                        <a:rPr lang="de-DE" sz="2400" dirty="0" smtClean="0"/>
+                        <a:t>0</a:t>
+                      </a:r>
+                      <a:endParaRPr lang="de-DE" sz="2400" dirty="0"/>
+                    </a:p>
+                  </a:txBody>
+                  <a:tcPr/>
+                </a:tc>
+              </a:tr>
+              <a:tr h="447227">
+                <a:tc>
+                  <a:txBody>
+                    <a:bodyPr/>
+                    <a:lstStyle/>
+                    <a:p>
+                      <a:r>
+                        <a:rPr lang="de-DE" sz="2400" dirty="0" smtClean="0">
+                          <a:solidFill>
+                            <a:schemeClr val="bg2">
+                              <a:lumMod val="75000"/>
+                            </a:schemeClr>
+                          </a:solidFill>
+                        </a:rPr>
+                        <a:t>K</a:t>
+                      </a:r>
+                      <a:endParaRPr lang="de-DE" sz="2400" dirty="0">
+                        <a:solidFill>
+                          <a:schemeClr val="bg2">
+                            <a:lumMod val="75000"/>
+                          </a:schemeClr>
+                        </a:solidFill>
+                      </a:endParaRPr>
+                    </a:p>
+                  </a:txBody>
+                  <a:tcPr/>
+                </a:tc>
+                <a:tc>
+                  <a:txBody>
+                    <a:bodyPr/>
+                    <a:lstStyle/>
+                    <a:p>
+                      <a:r>
+                        <a:rPr lang="de-DE" sz="2400" dirty="0" smtClean="0"/>
+                        <a:t>0</a:t>
+                      </a:r>
+                      <a:endParaRPr lang="de-DE" sz="2400" dirty="0"/>
+                    </a:p>
+                  </a:txBody>
+                  <a:tcPr/>
+                </a:tc>
+                <a:tc>
+                  <a:txBody>
+                    <a:bodyPr/>
+                    <a:lstStyle/>
+                    <a:p>
+                      <a:r>
+                        <a:rPr lang="de-DE" sz="2400" dirty="0" smtClean="0"/>
+                        <a:t>0</a:t>
+                      </a:r>
+                      <a:endParaRPr lang="de-DE" sz="2400" dirty="0"/>
+                    </a:p>
+                  </a:txBody>
+                  <a:tcPr/>
+                </a:tc>
+                <a:tc>
+                  <a:txBody>
+                    <a:bodyPr/>
+                    <a:lstStyle/>
+                    <a:p>
+                      <a:r>
+                        <a:rPr lang="de-DE" sz="2400" dirty="0" smtClean="0"/>
+                        <a:t>0</a:t>
+                      </a:r>
+                      <a:endParaRPr lang="de-DE" sz="2400" dirty="0"/>
+                    </a:p>
+                  </a:txBody>
+                  <a:tcPr/>
+                </a:tc>
+                <a:tc>
+                  <a:txBody>
+                    <a:bodyPr/>
+                    <a:lstStyle/>
+                    <a:p>
+                      <a:r>
+                        <a:rPr lang="de-DE" sz="2400" dirty="0" smtClean="0"/>
+                        <a:t>0</a:t>
+                      </a:r>
+                      <a:endParaRPr lang="de-DE" sz="2400" dirty="0"/>
+                    </a:p>
+                  </a:txBody>
+                  <a:tcPr/>
+                </a:tc>
+                <a:tc>
+                  <a:txBody>
+                    <a:bodyPr/>
+                    <a:lstStyle/>
+                    <a:p>
+                      <a:r>
+                        <a:rPr lang="de-DE" sz="2400" dirty="0" smtClean="0"/>
+                        <a:t>0</a:t>
+                      </a:r>
+                      <a:endParaRPr lang="de-DE" sz="2400" dirty="0"/>
+                    </a:p>
+                  </a:txBody>
+                  <a:tcPr/>
+                </a:tc>
+                <a:tc>
+                  <a:txBody>
+                    <a:bodyPr/>
+                    <a:lstStyle/>
+                    <a:p>
+                      <a:r>
+                        <a:rPr lang="de-DE" sz="2400" dirty="0" smtClean="0"/>
+                        <a:t>0</a:t>
+                      </a:r>
+                      <a:endParaRPr lang="de-DE" sz="2400" dirty="0"/>
+                    </a:p>
+                  </a:txBody>
+                  <a:tcPr/>
+                </a:tc>
+                <a:tc>
+                  <a:txBody>
+                    <a:bodyPr/>
+                    <a:lstStyle/>
+                    <a:p>
+                      <a:r>
+                        <a:rPr lang="de-DE" sz="2400" dirty="0" smtClean="0"/>
+                        <a:t>0</a:t>
+                      </a:r>
+                      <a:endParaRPr lang="de-DE" sz="2400" dirty="0"/>
+                    </a:p>
+                  </a:txBody>
+                  <a:tcPr/>
+                </a:tc>
+                <a:tc>
+                  <a:txBody>
+                    <a:bodyPr/>
+                    <a:lstStyle/>
+                    <a:p>
+                      <a:r>
+                        <a:rPr lang="de-DE" sz="2400" dirty="0" smtClean="0"/>
+                        <a:t>0</a:t>
+                      </a:r>
+                      <a:endParaRPr lang="de-DE" sz="2400" dirty="0"/>
+                    </a:p>
+                  </a:txBody>
+                  <a:tcPr/>
+                </a:tc>
+                <a:tc>
+                  <a:txBody>
+                    <a:bodyPr/>
+                    <a:lstStyle/>
+                    <a:p>
+                      <a:r>
+                        <a:rPr lang="de-DE" sz="2400" dirty="0" smtClean="0"/>
+                        <a:t>0</a:t>
+                      </a:r>
+                      <a:endParaRPr lang="de-DE" sz="2400" dirty="0"/>
+                    </a:p>
+                  </a:txBody>
+                  <a:tcPr/>
+                </a:tc>
+                <a:tc>
+                  <a:txBody>
+                    <a:bodyPr/>
+                    <a:lstStyle/>
+                    <a:p>
+                      <a:r>
+                        <a:rPr lang="de-DE" sz="2400" dirty="0" smtClean="0"/>
+                        <a:t>0</a:t>
+                      </a:r>
+                      <a:endParaRPr lang="de-DE" sz="2400" dirty="0"/>
+                    </a:p>
+                  </a:txBody>
+                  <a:tcPr/>
+                </a:tc>
+                <a:tc>
+                  <a:txBody>
+                    <a:bodyPr/>
+                    <a:lstStyle/>
+                    <a:p>
+                      <a:r>
+                        <a:rPr lang="de-DE" sz="2400" dirty="0" smtClean="0"/>
+                        <a:t>0</a:t>
+                      </a:r>
+                      <a:endParaRPr lang="de-DE" sz="2400" dirty="0"/>
+                    </a:p>
+                  </a:txBody>
+                  <a:tcPr/>
+                </a:tc>
+                <a:tc>
+                  <a:txBody>
+                    <a:bodyPr/>
+                    <a:lstStyle/>
+                    <a:p>
+                      <a:r>
+                        <a:rPr lang="de-DE" sz="2400" dirty="0" smtClean="0"/>
+                        <a:t>0</a:t>
+                      </a:r>
+                      <a:endParaRPr lang="de-DE" sz="2400" dirty="0"/>
+                    </a:p>
+                  </a:txBody>
+                  <a:tcPr/>
+                </a:tc>
+              </a:tr>
+              <a:tr h="447227">
+                <a:tc>
+                  <a:txBody>
+                    <a:bodyPr/>
+                    <a:lstStyle/>
+                    <a:p>
+                      <a:r>
+                        <a:rPr lang="de-DE" sz="2400" dirty="0" smtClean="0">
+                          <a:solidFill>
+                            <a:schemeClr val="bg2">
+                              <a:lumMod val="75000"/>
+                            </a:schemeClr>
+                          </a:solidFill>
+                        </a:rPr>
+                        <a:t>L</a:t>
+                      </a:r>
+                      <a:endParaRPr lang="de-DE" sz="2400" dirty="0">
+                        <a:solidFill>
+                          <a:schemeClr val="bg2">
+                            <a:lumMod val="75000"/>
+                          </a:schemeClr>
+                        </a:solidFill>
+                      </a:endParaRPr>
+                    </a:p>
+                  </a:txBody>
+                  <a:tcPr/>
+                </a:tc>
+                <a:tc>
+                  <a:txBody>
+                    <a:bodyPr/>
+                    <a:lstStyle/>
+                    <a:p>
+                      <a:r>
+                        <a:rPr lang="de-DE" sz="2400" dirty="0" smtClean="0"/>
+                        <a:t>0</a:t>
+                      </a:r>
+                      <a:endParaRPr lang="de-DE" sz="2400" dirty="0"/>
+                    </a:p>
+                  </a:txBody>
+                  <a:tcPr/>
+                </a:tc>
+                <a:tc>
+                  <a:txBody>
+                    <a:bodyPr/>
+                    <a:lstStyle/>
+                    <a:p>
+                      <a:r>
+                        <a:rPr lang="de-DE" sz="2400" dirty="0" smtClean="0"/>
+                        <a:t>0</a:t>
+                      </a:r>
+                      <a:endParaRPr lang="de-DE" sz="2400" dirty="0"/>
+                    </a:p>
+                  </a:txBody>
+                  <a:tcPr/>
+                </a:tc>
+                <a:tc>
+                  <a:txBody>
+                    <a:bodyPr/>
+                    <a:lstStyle/>
+                    <a:p>
+                      <a:r>
+                        <a:rPr lang="de-DE" sz="2400" dirty="0" smtClean="0"/>
+                        <a:t>0</a:t>
+                      </a:r>
+                      <a:endParaRPr lang="de-DE" sz="2400" dirty="0"/>
+                    </a:p>
+                  </a:txBody>
+                  <a:tcPr/>
+                </a:tc>
+                <a:tc>
+                  <a:txBody>
+                    <a:bodyPr/>
+                    <a:lstStyle/>
+                    <a:p>
+                      <a:r>
+                        <a:rPr lang="de-DE" sz="2400" dirty="0" smtClean="0"/>
+                        <a:t>0</a:t>
+                      </a:r>
+                      <a:endParaRPr lang="de-DE" sz="2400" dirty="0"/>
+                    </a:p>
+                  </a:txBody>
+                  <a:tcPr/>
+                </a:tc>
+                <a:tc>
+                  <a:txBody>
+                    <a:bodyPr/>
+                    <a:lstStyle/>
+                    <a:p>
+                      <a:r>
+                        <a:rPr lang="de-DE" sz="2400" dirty="0" smtClean="0"/>
+                        <a:t>0</a:t>
+                      </a:r>
+                      <a:endParaRPr lang="de-DE" sz="2400" dirty="0"/>
+                    </a:p>
+                  </a:txBody>
+                  <a:tcPr/>
+                </a:tc>
+                <a:tc>
+                  <a:txBody>
+                    <a:bodyPr/>
+                    <a:lstStyle/>
+                    <a:p>
+                      <a:r>
+                        <a:rPr lang="de-DE" sz="2400" dirty="0" smtClean="0"/>
+                        <a:t>0</a:t>
+                      </a:r>
+                      <a:endParaRPr lang="de-DE" sz="2400" dirty="0"/>
+                    </a:p>
+                  </a:txBody>
+                  <a:tcPr/>
+                </a:tc>
+                <a:tc>
+                  <a:txBody>
+                    <a:bodyPr/>
+                    <a:lstStyle/>
+                    <a:p>
+                      <a:r>
+                        <a:rPr lang="de-DE" sz="2400" dirty="0" smtClean="0"/>
+                        <a:t>0</a:t>
+                      </a:r>
+                      <a:endParaRPr lang="de-DE" sz="2400" dirty="0"/>
+                    </a:p>
+                  </a:txBody>
+                  <a:tcPr/>
+                </a:tc>
+                <a:tc>
+                  <a:txBody>
+                    <a:bodyPr/>
+                    <a:lstStyle/>
+                    <a:p>
+                      <a:r>
+                        <a:rPr lang="de-DE" sz="2400" dirty="0" smtClean="0"/>
+                        <a:t>0</a:t>
+                      </a:r>
+                      <a:endParaRPr lang="de-DE" sz="2400" dirty="0"/>
+                    </a:p>
+                  </a:txBody>
+                  <a:tcPr/>
+                </a:tc>
+                <a:tc>
+                  <a:txBody>
+                    <a:bodyPr/>
+                    <a:lstStyle/>
+                    <a:p>
+                      <a:r>
+                        <a:rPr lang="de-DE" sz="2400" dirty="0" smtClean="0"/>
+                        <a:t>0</a:t>
+                      </a:r>
+                      <a:endParaRPr lang="de-DE" sz="2400" dirty="0"/>
+                    </a:p>
+                  </a:txBody>
+                  <a:tcPr/>
+                </a:tc>
+                <a:tc>
+                  <a:txBody>
+                    <a:bodyPr/>
+                    <a:lstStyle/>
+                    <a:p>
+                      <a:r>
+                        <a:rPr lang="de-DE" sz="2400" dirty="0" smtClean="0"/>
+                        <a:t>0</a:t>
+                      </a:r>
+                      <a:endParaRPr lang="de-DE" sz="2400" dirty="0"/>
+                    </a:p>
+                  </a:txBody>
+                  <a:tcPr/>
+                </a:tc>
+                <a:tc>
+                  <a:txBody>
+                    <a:bodyPr/>
+                    <a:lstStyle/>
+                    <a:p>
+                      <a:r>
+                        <a:rPr lang="de-DE" sz="2400" dirty="0" smtClean="0"/>
+                        <a:t>0</a:t>
+                      </a:r>
+                      <a:endParaRPr lang="de-DE" sz="2400" dirty="0"/>
+                    </a:p>
+                  </a:txBody>
+                  <a:tcPr/>
+                </a:tc>
+                <a:tc>
+                  <a:txBody>
+                    <a:bodyPr/>
+                    <a:lstStyle/>
+                    <a:p>
+                      <a:r>
+                        <a:rPr lang="de-DE" sz="2400" dirty="0" smtClean="0"/>
+                        <a:t>0</a:t>
+                      </a:r>
+                      <a:endParaRPr lang="de-DE" sz="2400" dirty="0"/>
+                    </a:p>
+                  </a:txBody>
+                  <a:tcPr/>
+                </a:tc>
+              </a:tr>
+            </a:tbl>
+          </a:graphicData>
+        </a:graphic>
+      </p:graphicFrame>
+      <p:sp>
+        <p:nvSpPr>
+          <p:cNvPr id="21" name="Oval 20"/>
+          <p:cNvSpPr/>
+          <p:nvPr/>
+        </p:nvSpPr>
+        <p:spPr>
+          <a:xfrm>
+            <a:off x="634621" y="4817660"/>
+            <a:ext cx="464024" cy="464024"/>
+          </a:xfrm>
+          <a:prstGeom prst="ellipse">
+            <a:avLst/>
+          </a:prstGeom>
+          <a:noFill/>
+          <a:ln w="57150">
+            <a:solidFill>
+              <a:schemeClr val="bg2">
+                <a:lumMod val="50000"/>
+              </a:schemeClr>
+            </a:solidFill>
+          </a:ln>
+        </p:spPr>
+        <p:style>
+          <a:lnRef idx="2">
+            <a:schemeClr val="accent1">
+              <a:shade val="50000"/>
+            </a:schemeClr>
+          </a:lnRef>
+          <a:fillRef idx="1">
+            <a:schemeClr val="accent1"/>
+          </a:fillRef>
+          <a:effectRef idx="0">
+            <a:schemeClr val="accent1"/>
+          </a:effectRef>
+          <a:fontRef idx="minor">
+            <a:schemeClr val="lt1"/>
+          </a:fontRef>
+        </p:style>
+        <p:txBody>
+          <a:bodyPr rtlCol="0" anchor="ctr"/>
+          <a:lstStyle/>
+          <a:p>
+            <a:pPr algn="ctr"/>
+            <a:endParaRPr lang="de-DE"/>
+          </a:p>
+        </p:txBody>
+      </p:sp>
+      <p:sp>
+        <p:nvSpPr>
+          <p:cNvPr id="22" name="Oval 21"/>
+          <p:cNvSpPr/>
+          <p:nvPr/>
+        </p:nvSpPr>
+        <p:spPr>
+          <a:xfrm>
+            <a:off x="1251045" y="4818798"/>
+            <a:ext cx="464024" cy="464024"/>
+          </a:xfrm>
+          <a:prstGeom prst="ellipse">
+            <a:avLst/>
+          </a:prstGeom>
+          <a:noFill/>
+          <a:ln w="57150">
+            <a:solidFill>
+              <a:schemeClr val="bg2">
+                <a:lumMod val="50000"/>
+              </a:schemeClr>
+            </a:solidFill>
+          </a:ln>
+        </p:spPr>
+        <p:style>
+          <a:lnRef idx="2">
+            <a:schemeClr val="accent1">
+              <a:shade val="50000"/>
+            </a:schemeClr>
+          </a:lnRef>
+          <a:fillRef idx="1">
+            <a:schemeClr val="accent1"/>
+          </a:fillRef>
+          <a:effectRef idx="0">
+            <a:schemeClr val="accent1"/>
+          </a:effectRef>
+          <a:fontRef idx="minor">
+            <a:schemeClr val="lt1"/>
+          </a:fontRef>
+        </p:style>
+        <p:txBody>
+          <a:bodyPr rtlCol="0" anchor="ctr"/>
+          <a:lstStyle/>
+          <a:p>
+            <a:pPr algn="ctr"/>
+            <a:endParaRPr lang="de-DE"/>
+          </a:p>
+        </p:txBody>
+      </p:sp>
+      <p:sp>
+        <p:nvSpPr>
+          <p:cNvPr id="23" name="Oval 22"/>
+          <p:cNvSpPr/>
+          <p:nvPr/>
+        </p:nvSpPr>
+        <p:spPr>
+          <a:xfrm>
+            <a:off x="1835625" y="4817660"/>
+            <a:ext cx="464024" cy="464024"/>
+          </a:xfrm>
+          <a:prstGeom prst="ellipse">
+            <a:avLst/>
+          </a:prstGeom>
+          <a:noFill/>
+          <a:ln w="57150">
+            <a:solidFill>
+              <a:schemeClr val="bg2">
+                <a:lumMod val="50000"/>
+              </a:schemeClr>
+            </a:solidFill>
+          </a:ln>
+        </p:spPr>
+        <p:style>
+          <a:lnRef idx="2">
+            <a:schemeClr val="accent1">
+              <a:shade val="50000"/>
+            </a:schemeClr>
+          </a:lnRef>
+          <a:fillRef idx="1">
+            <a:schemeClr val="accent1"/>
+          </a:fillRef>
+          <a:effectRef idx="0">
+            <a:schemeClr val="accent1"/>
+          </a:effectRef>
+          <a:fontRef idx="minor">
+            <a:schemeClr val="lt1"/>
+          </a:fontRef>
+        </p:style>
+        <p:txBody>
+          <a:bodyPr rtlCol="0" anchor="ctr"/>
+          <a:lstStyle/>
+          <a:p>
+            <a:pPr algn="ctr"/>
+            <a:endParaRPr lang="de-DE"/>
+          </a:p>
+        </p:txBody>
+      </p:sp>
+      <p:sp>
+        <p:nvSpPr>
+          <p:cNvPr id="24" name="Oval 23"/>
+          <p:cNvSpPr/>
+          <p:nvPr/>
+        </p:nvSpPr>
+        <p:spPr>
+          <a:xfrm>
+            <a:off x="2452049" y="4818798"/>
+            <a:ext cx="464024" cy="464024"/>
+          </a:xfrm>
+          <a:prstGeom prst="ellipse">
+            <a:avLst/>
+          </a:prstGeom>
+          <a:noFill/>
+          <a:ln w="57150">
+            <a:solidFill>
+              <a:schemeClr val="bg2">
+                <a:lumMod val="50000"/>
+              </a:schemeClr>
+            </a:solidFill>
+          </a:ln>
+        </p:spPr>
+        <p:style>
+          <a:lnRef idx="2">
+            <a:schemeClr val="accent1">
+              <a:shade val="50000"/>
+            </a:schemeClr>
+          </a:lnRef>
+          <a:fillRef idx="1">
+            <a:schemeClr val="accent1"/>
+          </a:fillRef>
+          <a:effectRef idx="0">
+            <a:schemeClr val="accent1"/>
+          </a:effectRef>
+          <a:fontRef idx="minor">
+            <a:schemeClr val="lt1"/>
+          </a:fontRef>
+        </p:style>
+        <p:txBody>
+          <a:bodyPr rtlCol="0" anchor="ctr"/>
+          <a:lstStyle/>
+          <a:p>
+            <a:pPr algn="ctr"/>
+            <a:endParaRPr lang="de-DE"/>
+          </a:p>
+        </p:txBody>
+      </p:sp>
+      <p:cxnSp>
+        <p:nvCxnSpPr>
+          <p:cNvPr id="26" name="Straight Arrow Connector 25"/>
+          <p:cNvCxnSpPr>
+            <a:stCxn id="21" idx="0"/>
+            <a:endCxn id="4" idx="4"/>
+          </p:cNvCxnSpPr>
+          <p:nvPr/>
+        </p:nvCxnSpPr>
+        <p:spPr>
+          <a:xfrm flipV="1">
+            <a:off x="866633" y="3921457"/>
+            <a:ext cx="0" cy="896203"/>
+          </a:xfrm>
+          <a:prstGeom prst="straightConnector1">
+            <a:avLst/>
+          </a:prstGeom>
+          <a:ln w="57150">
+            <a:solidFill>
+              <a:schemeClr val="bg2">
+                <a:lumMod val="50000"/>
+              </a:schemeClr>
+            </a:solidFill>
+            <a:tailEnd type="triangle"/>
+          </a:ln>
+        </p:spPr>
+        <p:style>
+          <a:lnRef idx="1">
+            <a:schemeClr val="accent1"/>
+          </a:lnRef>
+          <a:fillRef idx="0">
+            <a:schemeClr val="accent1"/>
+          </a:fillRef>
+          <a:effectRef idx="0">
+            <a:schemeClr val="accent1"/>
+          </a:effectRef>
+          <a:fontRef idx="minor">
+            <a:schemeClr val="tx1"/>
+          </a:fontRef>
+        </p:style>
+      </p:cxnSp>
+      <p:cxnSp>
+        <p:nvCxnSpPr>
+          <p:cNvPr id="27" name="Straight Arrow Connector 26"/>
+          <p:cNvCxnSpPr>
+            <a:stCxn id="22" idx="0"/>
+            <a:endCxn id="7" idx="4"/>
+          </p:cNvCxnSpPr>
+          <p:nvPr/>
+        </p:nvCxnSpPr>
+        <p:spPr>
+          <a:xfrm flipV="1">
+            <a:off x="1483057" y="3922595"/>
+            <a:ext cx="0" cy="896203"/>
+          </a:xfrm>
+          <a:prstGeom prst="straightConnector1">
+            <a:avLst/>
+          </a:prstGeom>
+          <a:ln w="57150">
+            <a:solidFill>
+              <a:schemeClr val="bg2">
+                <a:lumMod val="50000"/>
+              </a:schemeClr>
+            </a:solidFill>
+            <a:tailEnd type="triangle"/>
+          </a:ln>
+        </p:spPr>
+        <p:style>
+          <a:lnRef idx="1">
+            <a:schemeClr val="accent1"/>
+          </a:lnRef>
+          <a:fillRef idx="0">
+            <a:schemeClr val="accent1"/>
+          </a:fillRef>
+          <a:effectRef idx="0">
+            <a:schemeClr val="accent1"/>
+          </a:effectRef>
+          <a:fontRef idx="minor">
+            <a:schemeClr val="tx1"/>
+          </a:fontRef>
+        </p:style>
+      </p:cxnSp>
+      <p:cxnSp>
+        <p:nvCxnSpPr>
+          <p:cNvPr id="30" name="Straight Arrow Connector 29"/>
+          <p:cNvCxnSpPr>
+            <a:stCxn id="23" idx="0"/>
+            <a:endCxn id="10" idx="4"/>
+          </p:cNvCxnSpPr>
+          <p:nvPr/>
+        </p:nvCxnSpPr>
+        <p:spPr>
+          <a:xfrm flipV="1">
+            <a:off x="2067637" y="3921457"/>
+            <a:ext cx="0" cy="896203"/>
+          </a:xfrm>
+          <a:prstGeom prst="straightConnector1">
+            <a:avLst/>
+          </a:prstGeom>
+          <a:ln w="57150">
+            <a:solidFill>
+              <a:schemeClr val="bg2">
+                <a:lumMod val="50000"/>
+              </a:schemeClr>
+            </a:solidFill>
+            <a:tailEnd type="triangle"/>
+          </a:ln>
+        </p:spPr>
+        <p:style>
+          <a:lnRef idx="1">
+            <a:schemeClr val="accent1"/>
+          </a:lnRef>
+          <a:fillRef idx="0">
+            <a:schemeClr val="accent1"/>
+          </a:fillRef>
+          <a:effectRef idx="0">
+            <a:schemeClr val="accent1"/>
+          </a:effectRef>
+          <a:fontRef idx="minor">
+            <a:schemeClr val="tx1"/>
+          </a:fontRef>
+        </p:style>
+      </p:cxnSp>
+      <p:cxnSp>
+        <p:nvCxnSpPr>
+          <p:cNvPr id="33" name="Straight Arrow Connector 32"/>
+          <p:cNvCxnSpPr>
+            <a:stCxn id="24" idx="0"/>
+            <a:endCxn id="13" idx="4"/>
+          </p:cNvCxnSpPr>
+          <p:nvPr/>
+        </p:nvCxnSpPr>
+        <p:spPr>
+          <a:xfrm flipV="1">
+            <a:off x="2684061" y="3922595"/>
+            <a:ext cx="0" cy="896203"/>
+          </a:xfrm>
+          <a:prstGeom prst="straightConnector1">
+            <a:avLst/>
+          </a:prstGeom>
+          <a:ln w="57150">
+            <a:solidFill>
+              <a:schemeClr val="bg2">
+                <a:lumMod val="50000"/>
+              </a:schemeClr>
+            </a:solidFill>
+            <a:tailEnd type="triangle"/>
+          </a:ln>
+        </p:spPr>
+        <p:style>
+          <a:lnRef idx="1">
+            <a:schemeClr val="accent1"/>
+          </a:lnRef>
+          <a:fillRef idx="0">
+            <a:schemeClr val="accent1"/>
+          </a:fillRef>
+          <a:effectRef idx="0">
+            <a:schemeClr val="accent1"/>
+          </a:effectRef>
+          <a:fontRef idx="minor">
+            <a:schemeClr val="tx1"/>
+          </a:fontRef>
+        </p:style>
+      </p:cxnSp>
+      <p:sp>
+        <p:nvSpPr>
+          <p:cNvPr id="36" name="Oval 35"/>
+          <p:cNvSpPr/>
+          <p:nvPr/>
+        </p:nvSpPr>
+        <p:spPr>
+          <a:xfrm>
+            <a:off x="852983" y="725606"/>
+            <a:ext cx="464024" cy="464024"/>
+          </a:xfrm>
+          <a:prstGeom prst="ellipse">
+            <a:avLst/>
+          </a:prstGeom>
+          <a:solidFill>
+            <a:srgbClr val="FF0000"/>
+          </a:solidFill>
+          <a:ln w="57150"/>
+        </p:spPr>
+        <p:style>
+          <a:lnRef idx="2">
+            <a:schemeClr val="accent1">
+              <a:shade val="50000"/>
+            </a:schemeClr>
+          </a:lnRef>
+          <a:fillRef idx="1">
+            <a:schemeClr val="accent1"/>
+          </a:fillRef>
+          <a:effectRef idx="0">
+            <a:schemeClr val="accent1"/>
+          </a:effectRef>
+          <a:fontRef idx="minor">
+            <a:schemeClr val="lt1"/>
+          </a:fontRef>
+        </p:style>
+        <p:txBody>
+          <a:bodyPr rtlCol="0" anchor="ctr"/>
+          <a:lstStyle/>
+          <a:p>
+            <a:pPr algn="ctr"/>
+            <a:endParaRPr lang="de-DE" dirty="0">
+              <a:solidFill>
+                <a:schemeClr val="tx1"/>
+              </a:solidFill>
+            </a:endParaRPr>
+          </a:p>
+        </p:txBody>
+      </p:sp>
+      <p:sp>
+        <p:nvSpPr>
+          <p:cNvPr id="37" name="Oval 36"/>
+          <p:cNvSpPr/>
+          <p:nvPr/>
+        </p:nvSpPr>
+        <p:spPr>
+          <a:xfrm>
+            <a:off x="852983" y="1297676"/>
+            <a:ext cx="464024" cy="464024"/>
+          </a:xfrm>
+          <a:prstGeom prst="ellipse">
+            <a:avLst/>
+          </a:prstGeom>
+          <a:solidFill>
+            <a:srgbClr val="FFFF00"/>
+          </a:solidFill>
+          <a:ln w="57150"/>
+        </p:spPr>
+        <p:style>
+          <a:lnRef idx="2">
+            <a:schemeClr val="accent1">
+              <a:shade val="50000"/>
+            </a:schemeClr>
+          </a:lnRef>
+          <a:fillRef idx="1">
+            <a:schemeClr val="accent1"/>
+          </a:fillRef>
+          <a:effectRef idx="0">
+            <a:schemeClr val="accent1"/>
+          </a:effectRef>
+          <a:fontRef idx="minor">
+            <a:schemeClr val="lt1"/>
+          </a:fontRef>
+        </p:style>
+        <p:txBody>
+          <a:bodyPr rtlCol="0" anchor="ctr"/>
+          <a:lstStyle/>
+          <a:p>
+            <a:pPr algn="ctr"/>
+            <a:endParaRPr lang="de-DE" dirty="0">
+              <a:solidFill>
+                <a:schemeClr val="tx1"/>
+              </a:solidFill>
+            </a:endParaRPr>
+          </a:p>
+        </p:txBody>
+      </p:sp>
+      <p:sp>
+        <p:nvSpPr>
+          <p:cNvPr id="38" name="TextBox 37"/>
+          <p:cNvSpPr txBox="1"/>
+          <p:nvPr/>
+        </p:nvSpPr>
+        <p:spPr>
+          <a:xfrm>
+            <a:off x="1629130" y="772952"/>
+            <a:ext cx="707245" cy="369332"/>
+          </a:xfrm>
+          <a:prstGeom prst="rect">
+            <a:avLst/>
+          </a:prstGeom>
+          <a:noFill/>
+        </p:spPr>
+        <p:txBody>
+          <a:bodyPr wrap="none" rtlCol="0">
+            <a:spAutoFit/>
+          </a:bodyPr>
+          <a:lstStyle/>
+          <a:p>
+            <a:r>
+              <a:rPr lang="de-DE" dirty="0" err="1" smtClean="0"/>
+              <a:t>Firing</a:t>
+            </a:r>
+            <a:endParaRPr lang="de-DE" dirty="0"/>
+          </a:p>
+        </p:txBody>
+      </p:sp>
+      <p:sp>
+        <p:nvSpPr>
+          <p:cNvPr id="39" name="TextBox 38"/>
+          <p:cNvSpPr txBox="1"/>
+          <p:nvPr/>
+        </p:nvSpPr>
+        <p:spPr>
+          <a:xfrm>
+            <a:off x="1629130" y="1294348"/>
+            <a:ext cx="1115562" cy="369332"/>
+          </a:xfrm>
+          <a:prstGeom prst="rect">
+            <a:avLst/>
+          </a:prstGeom>
+          <a:noFill/>
+        </p:spPr>
+        <p:txBody>
+          <a:bodyPr wrap="none" rtlCol="0">
+            <a:spAutoFit/>
+          </a:bodyPr>
+          <a:lstStyle/>
+          <a:p>
+            <a:r>
+              <a:rPr lang="de-DE" dirty="0" err="1" smtClean="0"/>
+              <a:t>Predictive</a:t>
+            </a:r>
+            <a:endParaRPr lang="de-DE" dirty="0"/>
+          </a:p>
+        </p:txBody>
+      </p:sp>
+      <p:sp>
+        <p:nvSpPr>
+          <p:cNvPr id="40" name="Rectangle 39"/>
+          <p:cNvSpPr/>
+          <p:nvPr/>
+        </p:nvSpPr>
+        <p:spPr>
+          <a:xfrm>
+            <a:off x="573206" y="566382"/>
+            <a:ext cx="2627194" cy="1303361"/>
+          </a:xfrm>
+          <a:prstGeom prst="rect">
+            <a:avLst/>
+          </a:prstGeom>
+          <a:noFill/>
+        </p:spPr>
+        <p:style>
+          <a:lnRef idx="2">
+            <a:schemeClr val="accent1">
+              <a:shade val="50000"/>
+            </a:schemeClr>
+          </a:lnRef>
+          <a:fillRef idx="1">
+            <a:schemeClr val="accent1"/>
+          </a:fillRef>
+          <a:effectRef idx="0">
+            <a:schemeClr val="accent1"/>
+          </a:effectRef>
+          <a:fontRef idx="minor">
+            <a:schemeClr val="lt1"/>
+          </a:fontRef>
+        </p:style>
+        <p:txBody>
+          <a:bodyPr rtlCol="0" anchor="ctr"/>
+          <a:lstStyle/>
+          <a:p>
+            <a:pPr algn="ctr"/>
+            <a:endParaRPr lang="de-DE"/>
+          </a:p>
+        </p:txBody>
+      </p:sp>
     </p:spTree>
     <p:extLst>
       <p:ext uri="{BB962C8B-B14F-4D97-AF65-F5344CB8AC3E}">
@@ -4811,6 +8731,177 @@
       </p:grpSpPr>
       <p:sp>
         <p:nvSpPr>
+          <p:cNvPr id="2" name="Title 1"/>
+          <p:cNvSpPr>
+            <a:spLocks noGrp="1"/>
+          </p:cNvSpPr>
+          <p:nvPr>
+            <p:ph type="title"/>
+          </p:nvPr>
+        </p:nvSpPr>
+        <p:spPr>
+          <a:xfrm>
+            <a:off x="67101" y="133114"/>
+            <a:ext cx="7534701" cy="603866"/>
+          </a:xfrm>
+        </p:spPr>
+        <p:txBody>
+          <a:bodyPr>
+            <a:normAutofit/>
+          </a:bodyPr>
+          <a:lstStyle/>
+          <a:p>
+            <a:r>
+              <a:rPr lang="de-DE" sz="2800" dirty="0" smtClean="0"/>
+              <a:t>Repräsentation von Ereignissen</a:t>
+            </a:r>
+            <a:endParaRPr lang="de-DE" sz="2800" dirty="0"/>
+          </a:p>
+        </p:txBody>
+      </p:sp>
+      <p:pic>
+        <p:nvPicPr>
+          <p:cNvPr id="4" name="Neurons firing in the auditory cortex of the brain">
+            <a:hlinkClick r:id="" action="ppaction://media"/>
+          </p:cNvPr>
+          <p:cNvPicPr>
+            <a:picLocks noGrp="1" noChangeAspect="1"/>
+          </p:cNvPicPr>
+          <p:nvPr>
+            <p:ph idx="1"/>
+            <a:videoFile r:link="rId2"/>
+            <p:extLst>
+              <p:ext uri="{DAA4B4D4-6D71-4841-9C94-3DE7FCFB9230}">
+                <p14:media xmlns:p14="http://schemas.microsoft.com/office/powerpoint/2010/main" r:embed="rId1"/>
+              </p:ext>
+            </p:extLst>
+          </p:nvPr>
+        </p:nvPicPr>
+        <p:blipFill>
+          <a:blip r:embed="rId4"/>
+          <a:stretch>
+            <a:fillRect/>
+          </a:stretch>
+        </p:blipFill>
+        <p:spPr>
+          <a:xfrm>
+            <a:off x="3370995" y="943046"/>
+            <a:ext cx="5445457" cy="5445457"/>
+          </a:xfrm>
+        </p:spPr>
+      </p:pic>
+    </p:spTree>
+    <p:extLst>
+      <p:ext uri="{BB962C8B-B14F-4D97-AF65-F5344CB8AC3E}">
+        <p14:creationId xmlns:p14="http://schemas.microsoft.com/office/powerpoint/2010/main" val="1560971738"/>
+      </p:ext>
+    </p:extLst>
+  </p:cSld>
+  <p:clrMapOvr>
+    <a:masterClrMapping/>
+  </p:clrMapOvr>
+  <p:timing>
+    <p:tnLst>
+      <p:par>
+        <p:cTn id="1" dur="indefinite" restart="never" nodeType="tmRoot">
+          <p:childTnLst>
+            <p:seq concurrent="1" nextAc="seek">
+              <p:cTn id="2" restart="whenNotActive" fill="hold" evtFilter="cancelBubble" nodeType="interactiveSeq">
+                <p:stCondLst>
+                  <p:cond evt="onClick" delay="0">
+                    <p:tgtEl>
+                      <p:spTgt spid="4"/>
+                    </p:tgtEl>
+                  </p:cond>
+                </p:stCondLst>
+                <p:endSync evt="end" delay="0">
+                  <p:rtn val="all"/>
+                </p:endSync>
+                <p:childTnLst>
+                  <p:par>
+                    <p:cTn id="3" fill="hold">
+                      <p:stCondLst>
+                        <p:cond delay="0"/>
+                      </p:stCondLst>
+                      <p:childTnLst>
+                        <p:par>
+                          <p:cTn id="4" fill="hold">
+                            <p:stCondLst>
+                              <p:cond delay="0"/>
+                            </p:stCondLst>
+                            <p:childTnLst>
+                              <p:par>
+                                <p:cTn id="5" presetID="2" presetClass="mediacall" presetSubtype="0" fill="hold" nodeType="clickEffect">
+                                  <p:stCondLst>
+                                    <p:cond delay="0"/>
+                                  </p:stCondLst>
+                                  <p:childTnLst>
+                                    <p:cmd type="call" cmd="togglePause">
+                                      <p:cBhvr>
+                                        <p:cTn id="6" dur="1" fill="hold"/>
+                                        <p:tgtEl>
+                                          <p:spTgt spid="4"/>
+                                        </p:tgtEl>
+                                      </p:cBhvr>
+                                    </p:cmd>
+                                  </p:childTnLst>
+                                </p:cTn>
+                              </p:par>
+                            </p:childTnLst>
+                          </p:cTn>
+                        </p:par>
+                      </p:childTnLst>
+                    </p:cTn>
+                  </p:par>
+                </p:childTnLst>
+              </p:cTn>
+              <p:nextCondLst>
+                <p:cond evt="onClick" delay="0">
+                  <p:tgtEl>
+                    <p:spTgt spid="4"/>
+                  </p:tgtEl>
+                </p:cond>
+              </p:nextCondLst>
+            </p:seq>
+            <p:video>
+              <p:cMediaNode vol="80000">
+                <p:cTn id="7" fill="hold" display="0">
+                  <p:stCondLst>
+                    <p:cond delay="indefinite"/>
+                  </p:stCondLst>
+                </p:cTn>
+                <p:tgtEl>
+                  <p:spTgt spid="4"/>
+                </p:tgtEl>
+              </p:cMediaNode>
+            </p:video>
+          </p:childTnLst>
+        </p:cTn>
+      </p:par>
+    </p:tnLst>
+  </p:timing>
+</p:sld>
+</file>
+
+<file path=ppt/slides/slide17.xml><?xml version="1.0" encoding="utf-8"?>
+<p:sld xmlns:a="http://schemas.openxmlformats.org/drawingml/2006/main" xmlns:r="http://schemas.openxmlformats.org/officeDocument/2006/relationships" xmlns:p="http://schemas.openxmlformats.org/presentationml/2006/main">
+  <p:cSld>
+    <p:spTree>
+      <p:nvGrpSpPr>
+        <p:cNvPr id="1" name=""/>
+        <p:cNvGrpSpPr/>
+        <p:nvPr/>
+      </p:nvGrpSpPr>
+      <p:grpSpPr>
+        <a:xfrm>
+          <a:off x="0" y="0"/>
+          <a:ext cx="0" cy="0"/>
+          <a:chOff x="0" y="0"/>
+          <a:chExt cx="0" cy="0"/>
+        </a:xfrm>
+      </p:grpSpPr>
+      <p:sp>
+        <p:nvSpPr>
           <p:cNvPr id="3" name="Content Placeholder 2"/>
           <p:cNvSpPr>
             <a:spLocks noGrp="1"/>
@@ -4953,11 +9044,7 @@
             </a:pPr>
             <a:r>
               <a:rPr lang="de-DE" dirty="0" smtClean="0"/>
-              <a:t>Simulation </a:t>
-            </a:r>
-            <a:r>
-              <a:rPr lang="de-DE" dirty="0" smtClean="0"/>
-              <a:t>von Anwendungslandschaften</a:t>
+              <a:t>Simulation von Anwendungslandschaften</a:t>
             </a:r>
           </a:p>
           <a:p>

--- a/Vortrag/hsem.pptx
+++ b/Vortrag/hsem.pptx
@@ -19,18 +19,31 @@
     <p:sldId id="270" r:id="rId13"/>
     <p:sldId id="271" r:id="rId14"/>
     <p:sldId id="272" r:id="rId15"/>
-    <p:sldId id="274" r:id="rId16"/>
-    <p:sldId id="273" r:id="rId17"/>
-    <p:sldId id="280" r:id="rId18"/>
-    <p:sldId id="277" r:id="rId19"/>
-    <p:sldId id="276" r:id="rId20"/>
-    <p:sldId id="278" r:id="rId21"/>
-    <p:sldId id="275" r:id="rId22"/>
-    <p:sldId id="279" r:id="rId23"/>
-    <p:sldId id="281" r:id="rId24"/>
-    <p:sldId id="283" r:id="rId25"/>
-    <p:sldId id="258" r:id="rId26"/>
-    <p:sldId id="282" r:id="rId27"/>
+    <p:sldId id="289" r:id="rId16"/>
+    <p:sldId id="274" r:id="rId17"/>
+    <p:sldId id="273" r:id="rId18"/>
+    <p:sldId id="280" r:id="rId19"/>
+    <p:sldId id="277" r:id="rId20"/>
+    <p:sldId id="276" r:id="rId21"/>
+    <p:sldId id="278" r:id="rId22"/>
+    <p:sldId id="275" r:id="rId23"/>
+    <p:sldId id="279" r:id="rId24"/>
+    <p:sldId id="281" r:id="rId25"/>
+    <p:sldId id="283" r:id="rId26"/>
+    <p:sldId id="284" r:id="rId27"/>
+    <p:sldId id="286" r:id="rId28"/>
+    <p:sldId id="287" r:id="rId29"/>
+    <p:sldId id="285" r:id="rId30"/>
+    <p:sldId id="288" r:id="rId31"/>
+    <p:sldId id="290" r:id="rId32"/>
+    <p:sldId id="291" r:id="rId33"/>
+    <p:sldId id="292" r:id="rId34"/>
+    <p:sldId id="294" r:id="rId35"/>
+    <p:sldId id="293" r:id="rId36"/>
+    <p:sldId id="295" r:id="rId37"/>
+    <p:sldId id="296" r:id="rId38"/>
+    <p:sldId id="258" r:id="rId39"/>
+    <p:sldId id="282" r:id="rId40"/>
   </p:sldIdLst>
   <p:sldSz cx="12192000" cy="6858000"/>
   <p:notesSz cx="6858000" cy="9144000"/>
@@ -3100,6 +3113,40 @@
           </a:prstGeom>
         </p:spPr>
       </p:pic>
+      <p:sp>
+        <p:nvSpPr>
+          <p:cNvPr id="3" name="TextBox 2"/>
+          <p:cNvSpPr txBox="1"/>
+          <p:nvPr/>
+        </p:nvSpPr>
+        <p:spPr>
+          <a:xfrm>
+            <a:off x="8748215" y="6355374"/>
+            <a:ext cx="2419252" cy="369332"/>
+          </a:xfrm>
+          <a:prstGeom prst="rect">
+            <a:avLst/>
+          </a:prstGeom>
+          <a:noFill/>
+        </p:spPr>
+        <p:txBody>
+          <a:bodyPr wrap="none" rtlCol="0">
+            <a:spAutoFit/>
+          </a:bodyPr>
+          <a:lstStyle/>
+          <a:p>
+            <a:r>
+              <a:rPr lang="de-DE" dirty="0" err="1" smtClean="0"/>
+              <a:t>Modha</a:t>
+            </a:r>
+            <a:r>
+              <a:rPr lang="de-DE" dirty="0" smtClean="0"/>
+              <a:t> und Singh, 2010</a:t>
+            </a:r>
+            <a:endParaRPr lang="de-DE" dirty="0"/>
+          </a:p>
+        </p:txBody>
+      </p:sp>
     </p:spTree>
     <p:extLst>
       <p:ext uri="{BB962C8B-B14F-4D97-AF65-F5344CB8AC3E}">
@@ -4300,6 +4347,40 @@
           </a:p>
         </p:txBody>
       </p:sp>
+      <p:sp>
+        <p:nvSpPr>
+          <p:cNvPr id="6" name="TextBox 5"/>
+          <p:cNvSpPr txBox="1"/>
+          <p:nvPr/>
+        </p:nvSpPr>
+        <p:spPr>
+          <a:xfrm>
+            <a:off x="5613175" y="6399957"/>
+            <a:ext cx="1837747" cy="369332"/>
+          </a:xfrm>
+          <a:prstGeom prst="rect">
+            <a:avLst/>
+          </a:prstGeom>
+          <a:noFill/>
+        </p:spPr>
+        <p:txBody>
+          <a:bodyPr wrap="none" rtlCol="0">
+            <a:spAutoFit/>
+          </a:bodyPr>
+          <a:lstStyle/>
+          <a:p>
+            <a:r>
+              <a:rPr lang="de-DE" dirty="0" err="1" smtClean="0"/>
+              <a:t>Allene</a:t>
+            </a:r>
+            <a:r>
+              <a:rPr lang="de-DE" dirty="0" smtClean="0"/>
+              <a:t> et Al. 2015</a:t>
+            </a:r>
+            <a:endParaRPr lang="de-DE" dirty="0"/>
+          </a:p>
+        </p:txBody>
+      </p:sp>
     </p:spTree>
     <p:extLst>
       <p:ext uri="{BB962C8B-B14F-4D97-AF65-F5344CB8AC3E}">
@@ -4498,6 +4579,72 @@
           </a:fontRef>
         </p:style>
       </p:cxnSp>
+      <p:sp>
+        <p:nvSpPr>
+          <p:cNvPr id="4" name="Rectangle 3"/>
+          <p:cNvSpPr/>
+          <p:nvPr/>
+        </p:nvSpPr>
+        <p:spPr>
+          <a:xfrm>
+            <a:off x="9000495" y="0"/>
+            <a:ext cx="3137590" cy="369332"/>
+          </a:xfrm>
+          <a:prstGeom prst="rect">
+            <a:avLst/>
+          </a:prstGeom>
+        </p:spPr>
+        <p:txBody>
+          <a:bodyPr wrap="none">
+            <a:spAutoFit/>
+          </a:bodyPr>
+          <a:lstStyle/>
+          <a:p>
+            <a:r>
+              <a:rPr lang="de-DE" dirty="0" err="1"/>
+              <a:t>Buxhoeveden</a:t>
+            </a:r>
+            <a:r>
+              <a:rPr lang="de-DE" dirty="0"/>
+              <a:t> &amp; Casanova 2002</a:t>
+            </a:r>
+          </a:p>
+        </p:txBody>
+      </p:sp>
+      <p:sp>
+        <p:nvSpPr>
+          <p:cNvPr id="5" name="TextBox 4"/>
+          <p:cNvSpPr txBox="1"/>
+          <p:nvPr/>
+        </p:nvSpPr>
+        <p:spPr>
+          <a:xfrm>
+            <a:off x="132383" y="6488668"/>
+            <a:ext cx="1837747" cy="369332"/>
+          </a:xfrm>
+          <a:prstGeom prst="rect">
+            <a:avLst/>
+          </a:prstGeom>
+          <a:noFill/>
+        </p:spPr>
+        <p:txBody>
+          <a:bodyPr wrap="none" rtlCol="0">
+            <a:spAutoFit/>
+          </a:bodyPr>
+          <a:lstStyle/>
+          <a:p>
+            <a:r>
+              <a:rPr lang="de-DE" dirty="0" err="1" smtClean="0"/>
+              <a:t>Allene</a:t>
+            </a:r>
+            <a:r>
+              <a:rPr lang="de-DE" dirty="0" smtClean="0"/>
+              <a:t> et Al. 2015</a:t>
+            </a:r>
+            <a:endParaRPr lang="de-DE" dirty="0"/>
+          </a:p>
+        </p:txBody>
+      </p:sp>
     </p:spTree>
     <p:extLst>
       <p:ext uri="{BB962C8B-B14F-4D97-AF65-F5344CB8AC3E}">
@@ -4791,6 +4938,193 @@
       </p:grpSpPr>
       <p:sp>
         <p:nvSpPr>
+          <p:cNvPr id="60" name="TextBox 59"/>
+          <p:cNvSpPr txBox="1"/>
+          <p:nvPr/>
+        </p:nvSpPr>
+        <p:spPr>
+          <a:xfrm>
+            <a:off x="9558323" y="234324"/>
+            <a:ext cx="2505238" cy="461665"/>
+          </a:xfrm>
+          <a:prstGeom prst="rect">
+            <a:avLst/>
+          </a:prstGeom>
+          <a:noFill/>
+        </p:spPr>
+        <p:txBody>
+          <a:bodyPr wrap="none" rtlCol="0">
+            <a:spAutoFit/>
+          </a:bodyPr>
+          <a:lstStyle/>
+          <a:p>
+            <a:r>
+              <a:rPr lang="de-DE" sz="2400" b="1" dirty="0" err="1" smtClean="0"/>
+              <a:t>Neuronenmodelle</a:t>
+            </a:r>
+            <a:endParaRPr lang="de-DE" sz="2400" b="1" dirty="0"/>
+          </a:p>
+        </p:txBody>
+      </p:sp>
+      <p:cxnSp>
+        <p:nvCxnSpPr>
+          <p:cNvPr id="8" name="Straight Connector 7"/>
+          <p:cNvCxnSpPr/>
+          <p:nvPr/>
+        </p:nvCxnSpPr>
+        <p:spPr>
+          <a:xfrm>
+            <a:off x="5303520" y="2689860"/>
+            <a:ext cx="2832972" cy="251460"/>
+          </a:xfrm>
+          <a:prstGeom prst="line">
+            <a:avLst/>
+          </a:prstGeom>
+          <a:ln w="28575">
+            <a:solidFill>
+              <a:schemeClr val="bg2">
+                <a:lumMod val="90000"/>
+              </a:schemeClr>
+            </a:solidFill>
+          </a:ln>
+        </p:spPr>
+        <p:style>
+          <a:lnRef idx="1">
+            <a:schemeClr val="accent1"/>
+          </a:lnRef>
+          <a:fillRef idx="0">
+            <a:schemeClr val="accent1"/>
+          </a:fillRef>
+          <a:effectRef idx="0">
+            <a:schemeClr val="accent1"/>
+          </a:effectRef>
+          <a:fontRef idx="minor">
+            <a:schemeClr val="tx1"/>
+          </a:fontRef>
+        </p:style>
+      </p:cxnSp>
+      <p:pic>
+        <p:nvPicPr>
+          <p:cNvPr id="4" name="Picture 3"/>
+          <p:cNvPicPr>
+            <a:picLocks noChangeAspect="1"/>
+          </p:cNvPicPr>
+          <p:nvPr/>
+        </p:nvPicPr>
+        <p:blipFill>
+          <a:blip r:embed="rId2">
+            <a:extLst>
+              <a:ext uri="{28A0092B-C50C-407E-A947-70E740481C1C}">
+                <a14:useLocalDpi xmlns:a14="http://schemas.microsoft.com/office/drawing/2010/main" val="0"/>
+              </a:ext>
+            </a:extLst>
+          </a:blip>
+          <a:stretch>
+            <a:fillRect/>
+          </a:stretch>
+        </p:blipFill>
+        <p:spPr>
+          <a:xfrm>
+            <a:off x="5158740" y="848359"/>
+            <a:ext cx="6667500" cy="5580727"/>
+          </a:xfrm>
+          <a:prstGeom prst="rect">
+            <a:avLst/>
+          </a:prstGeom>
+        </p:spPr>
+      </p:pic>
+      <p:sp>
+        <p:nvSpPr>
+          <p:cNvPr id="14" name="TextBox 13"/>
+          <p:cNvSpPr txBox="1"/>
+          <p:nvPr/>
+        </p:nvSpPr>
+        <p:spPr>
+          <a:xfrm>
+            <a:off x="9602919" y="695989"/>
+            <a:ext cx="2416046" cy="369332"/>
+          </a:xfrm>
+          <a:prstGeom prst="rect">
+            <a:avLst/>
+          </a:prstGeom>
+          <a:noFill/>
+        </p:spPr>
+        <p:txBody>
+          <a:bodyPr wrap="none" rtlCol="0">
+            <a:spAutoFit/>
+          </a:bodyPr>
+          <a:lstStyle/>
+          <a:p>
+            <a:r>
+              <a:rPr lang="de-DE" dirty="0" smtClean="0"/>
+              <a:t>Hawkins, Ahmad (2016)</a:t>
+            </a:r>
+            <a:endParaRPr lang="de-DE" dirty="0"/>
+          </a:p>
+        </p:txBody>
+      </p:sp>
+      <p:pic>
+        <p:nvPicPr>
+          <p:cNvPr id="2" name="Picture 1"/>
+          <p:cNvPicPr>
+            <a:picLocks noChangeAspect="1"/>
+          </p:cNvPicPr>
+          <p:nvPr/>
+        </p:nvPicPr>
+        <p:blipFill>
+          <a:blip r:embed="rId3">
+            <a:extLst>
+              <a:ext uri="{28A0092B-C50C-407E-A947-70E740481C1C}">
+                <a14:useLocalDpi xmlns:a14="http://schemas.microsoft.com/office/drawing/2010/main" val="0"/>
+              </a:ext>
+            </a:extLst>
+          </a:blip>
+          <a:stretch>
+            <a:fillRect/>
+          </a:stretch>
+        </p:blipFill>
+        <p:spPr>
+          <a:xfrm>
+            <a:off x="874981" y="874059"/>
+            <a:ext cx="3044952" cy="5266944"/>
+          </a:xfrm>
+          <a:prstGeom prst="rect">
+            <a:avLst/>
+          </a:prstGeom>
+        </p:spPr>
+      </p:pic>
+    </p:spTree>
+    <p:extLst>
+      <p:ext uri="{BB962C8B-B14F-4D97-AF65-F5344CB8AC3E}">
+        <p14:creationId xmlns:p14="http://schemas.microsoft.com/office/powerpoint/2010/main" val="344919615"/>
+      </p:ext>
+    </p:extLst>
+  </p:cSld>
+  <p:clrMapOvr>
+    <a:masterClrMapping/>
+  </p:clrMapOvr>
+</p:sld>
+</file>
+
+<file path=ppt/slides/slide16.xml><?xml version="1.0" encoding="utf-8"?>
+<p:sld xmlns:a="http://schemas.openxmlformats.org/drawingml/2006/main" xmlns:r="http://schemas.openxmlformats.org/officeDocument/2006/relationships" xmlns:p="http://schemas.openxmlformats.org/presentationml/2006/main">
+  <p:cSld>
+    <p:spTree>
+      <p:nvGrpSpPr>
+        <p:cNvPr id="1" name=""/>
+        <p:cNvGrpSpPr/>
+        <p:nvPr/>
+      </p:nvGrpSpPr>
+      <p:grpSpPr>
+        <a:xfrm>
+          <a:off x="0" y="0"/>
+          <a:ext cx="0" cy="0"/>
+          <a:chOff x="0" y="0"/>
+          <a:chExt cx="0" cy="0"/>
+        </a:xfrm>
+      </p:grpSpPr>
+      <p:sp>
+        <p:nvSpPr>
           <p:cNvPr id="2" name="Title 1"/>
           <p:cNvSpPr>
             <a:spLocks noGrp="1"/>
@@ -4822,6 +5156,10 @@
             <a:r>
               <a:rPr lang="de-DE" sz="2800" dirty="0" err="1" smtClean="0"/>
               <a:t>Representations</a:t>
+            </a:r>
+            <a:r>
+              <a:rPr lang="de-DE" sz="2800" dirty="0" smtClean="0"/>
+              <a:t> (SDRs)</a:t>
             </a:r>
             <a:endParaRPr lang="de-DE" sz="2800" dirty="0"/>
           </a:p>
@@ -4858,6 +5196,34 @@
           </a:xfrm>
         </p:spPr>
       </p:pic>
+      <p:sp>
+        <p:nvSpPr>
+          <p:cNvPr id="3" name="Rectangle 2"/>
+          <p:cNvSpPr/>
+          <p:nvPr/>
+        </p:nvSpPr>
+        <p:spPr>
+          <a:xfrm>
+            <a:off x="7165462" y="6388503"/>
+            <a:ext cx="4889672" cy="369332"/>
+          </a:xfrm>
+          <a:prstGeom prst="rect">
+            <a:avLst/>
+          </a:prstGeom>
+        </p:spPr>
+        <p:txBody>
+          <a:bodyPr wrap="none">
+            <a:spAutoFit/>
+          </a:bodyPr>
+          <a:lstStyle/>
+          <a:p>
+            <a:r>
+              <a:rPr lang="de-DE" dirty="0"/>
+              <a:t>https://www.youtube.com/watch?v=kQxsTyNKtqg</a:t>
+            </a:r>
+          </a:p>
+        </p:txBody>
+      </p:sp>
     </p:spTree>
     <p:extLst>
       <p:ext uri="{BB962C8B-B14F-4D97-AF65-F5344CB8AC3E}">
@@ -4951,7 +5317,7 @@
 </p:sld>
 </file>
 
-<file path=ppt/slides/slide16.xml><?xml version="1.0" encoding="utf-8"?>
+<file path=ppt/slides/slide17.xml><?xml version="1.0" encoding="utf-8"?>
 <p:sld xmlns:a="http://schemas.openxmlformats.org/drawingml/2006/main" xmlns:r="http://schemas.openxmlformats.org/officeDocument/2006/relationships" xmlns:p="http://schemas.openxmlformats.org/presentationml/2006/main">
   <p:cSld>
     <p:spTree>
@@ -8976,7 +9342,7 @@
 </p:sld>
 </file>
 
-<file path=ppt/slides/slide17.xml><?xml version="1.0" encoding="utf-8"?>
+<file path=ppt/slides/slide18.xml><?xml version="1.0" encoding="utf-8"?>
 <p:sld xmlns:a="http://schemas.openxmlformats.org/drawingml/2006/main" xmlns:r="http://schemas.openxmlformats.org/officeDocument/2006/relationships" xmlns:p="http://schemas.openxmlformats.org/presentationml/2006/main">
   <p:cSld>
     <p:spTree>
@@ -13115,7 +13481,7 @@
 </p:sld>
 </file>
 
-<file path=ppt/slides/slide18.xml><?xml version="1.0" encoding="utf-8"?>
+<file path=ppt/slides/slide19.xml><?xml version="1.0" encoding="utf-8"?>
 <p:sld xmlns:a="http://schemas.openxmlformats.org/drawingml/2006/main" xmlns:r="http://schemas.openxmlformats.org/officeDocument/2006/relationships" xmlns:p="http://schemas.openxmlformats.org/presentationml/2006/main">
   <p:cSld>
     <p:spTree>
@@ -17148,7 +17514,130 @@
 </p:sld>
 </file>
 
-<file path=ppt/slides/slide19.xml><?xml version="1.0" encoding="utf-8"?>
+<file path=ppt/slides/slide2.xml><?xml version="1.0" encoding="utf-8"?>
+<p:sld xmlns:a="http://schemas.openxmlformats.org/drawingml/2006/main" xmlns:r="http://schemas.openxmlformats.org/officeDocument/2006/relationships" xmlns:p="http://schemas.openxmlformats.org/presentationml/2006/main">
+  <p:cSld>
+    <p:spTree>
+      <p:nvGrpSpPr>
+        <p:cNvPr id="1" name=""/>
+        <p:cNvGrpSpPr/>
+        <p:nvPr/>
+      </p:nvGrpSpPr>
+      <p:grpSpPr>
+        <a:xfrm>
+          <a:off x="0" y="0"/>
+          <a:ext cx="0" cy="0"/>
+          <a:chOff x="0" y="0"/>
+          <a:chExt cx="0" cy="0"/>
+        </a:xfrm>
+      </p:grpSpPr>
+      <p:sp>
+        <p:nvSpPr>
+          <p:cNvPr id="2" name="Title 1"/>
+          <p:cNvSpPr>
+            <a:spLocks noGrp="1"/>
+          </p:cNvSpPr>
+          <p:nvPr>
+            <p:ph type="title"/>
+          </p:nvPr>
+        </p:nvSpPr>
+        <p:spPr/>
+        <p:txBody>
+          <a:bodyPr/>
+          <a:lstStyle/>
+          <a:p>
+            <a:r>
+              <a:rPr lang="de-DE" dirty="0" smtClean="0"/>
+              <a:t>Agenten und Simulation von AL</a:t>
+            </a:r>
+            <a:endParaRPr lang="de-DE" dirty="0"/>
+          </a:p>
+        </p:txBody>
+      </p:sp>
+      <p:sp>
+        <p:nvSpPr>
+          <p:cNvPr id="3" name="Content Placeholder 2"/>
+          <p:cNvSpPr>
+            <a:spLocks noGrp="1"/>
+          </p:cNvSpPr>
+          <p:nvPr>
+            <p:ph idx="1"/>
+          </p:nvPr>
+        </p:nvSpPr>
+        <p:spPr/>
+        <p:txBody>
+          <a:bodyPr/>
+          <a:lstStyle/>
+          <a:p>
+            <a:pPr>
+              <a:buFont typeface="Wingdings" panose="05000000000000000000" pitchFamily="2" charset="2"/>
+              <a:buChar char="§"/>
+            </a:pPr>
+            <a:r>
+              <a:rPr lang="de-DE" dirty="0" smtClean="0"/>
+              <a:t>Exkurs: </a:t>
+            </a:r>
+            <a:r>
+              <a:rPr lang="de-DE" dirty="0" err="1" smtClean="0"/>
+              <a:t>Hierarchical</a:t>
+            </a:r>
+            <a:r>
+              <a:rPr lang="de-DE" dirty="0" smtClean="0"/>
+              <a:t> Temporal </a:t>
+            </a:r>
+            <a:r>
+              <a:rPr lang="de-DE" dirty="0" smtClean="0"/>
+              <a:t>Memory (HTM)</a:t>
+            </a:r>
+            <a:endParaRPr lang="de-DE" dirty="0" smtClean="0"/>
+          </a:p>
+          <a:p>
+            <a:pPr>
+              <a:buFont typeface="Wingdings" panose="05000000000000000000" pitchFamily="2" charset="2"/>
+              <a:buChar char="§"/>
+            </a:pPr>
+            <a:r>
+              <a:rPr lang="de-DE" dirty="0" smtClean="0"/>
+              <a:t>Simulation von Anwendungslandschaften</a:t>
+            </a:r>
+          </a:p>
+          <a:p>
+            <a:pPr>
+              <a:buFont typeface="Wingdings" panose="05000000000000000000" pitchFamily="2" charset="2"/>
+              <a:buChar char="§"/>
+            </a:pPr>
+            <a:r>
+              <a:rPr lang="de-DE" dirty="0" smtClean="0"/>
+              <a:t>Problem Statement</a:t>
+            </a:r>
+          </a:p>
+          <a:p>
+            <a:pPr>
+              <a:buFont typeface="Wingdings" panose="05000000000000000000" pitchFamily="2" charset="2"/>
+              <a:buChar char="§"/>
+            </a:pPr>
+            <a:r>
+              <a:rPr lang="de-DE" dirty="0" smtClean="0"/>
+              <a:t>Roadmap</a:t>
+            </a:r>
+            <a:endParaRPr lang="de-DE" dirty="0"/>
+          </a:p>
+        </p:txBody>
+      </p:sp>
+    </p:spTree>
+    <p:extLst>
+      <p:ext uri="{BB962C8B-B14F-4D97-AF65-F5344CB8AC3E}">
+        <p14:creationId xmlns:p14="http://schemas.microsoft.com/office/powerpoint/2010/main" val="2839277671"/>
+      </p:ext>
+    </p:extLst>
+  </p:cSld>
+  <p:clrMapOvr>
+    <a:masterClrMapping/>
+  </p:clrMapOvr>
+</p:sld>
+</file>
+
+<file path=ppt/slides/slide20.xml><?xml version="1.0" encoding="utf-8"?>
 <p:sld xmlns:a="http://schemas.openxmlformats.org/drawingml/2006/main" xmlns:r="http://schemas.openxmlformats.org/officeDocument/2006/relationships" xmlns:p="http://schemas.openxmlformats.org/presentationml/2006/main">
   <p:cSld>
     <p:spTree>
@@ -21577,125 +22066,7 @@
 </p:sld>
 </file>
 
-<file path=ppt/slides/slide2.xml><?xml version="1.0" encoding="utf-8"?>
-<p:sld xmlns:a="http://schemas.openxmlformats.org/drawingml/2006/main" xmlns:r="http://schemas.openxmlformats.org/officeDocument/2006/relationships" xmlns:p="http://schemas.openxmlformats.org/presentationml/2006/main">
-  <p:cSld>
-    <p:spTree>
-      <p:nvGrpSpPr>
-        <p:cNvPr id="1" name=""/>
-        <p:cNvGrpSpPr/>
-        <p:nvPr/>
-      </p:nvGrpSpPr>
-      <p:grpSpPr>
-        <a:xfrm>
-          <a:off x="0" y="0"/>
-          <a:ext cx="0" cy="0"/>
-          <a:chOff x="0" y="0"/>
-          <a:chExt cx="0" cy="0"/>
-        </a:xfrm>
-      </p:grpSpPr>
-      <p:sp>
-        <p:nvSpPr>
-          <p:cNvPr id="2" name="Title 1"/>
-          <p:cNvSpPr>
-            <a:spLocks noGrp="1"/>
-          </p:cNvSpPr>
-          <p:nvPr>
-            <p:ph type="title"/>
-          </p:nvPr>
-        </p:nvSpPr>
-        <p:spPr/>
-        <p:txBody>
-          <a:bodyPr/>
-          <a:lstStyle/>
-          <a:p>
-            <a:r>
-              <a:rPr lang="de-DE" dirty="0" smtClean="0"/>
-              <a:t>Agenten und Simulation von AL</a:t>
-            </a:r>
-            <a:endParaRPr lang="de-DE" dirty="0"/>
-          </a:p>
-        </p:txBody>
-      </p:sp>
-      <p:sp>
-        <p:nvSpPr>
-          <p:cNvPr id="3" name="Content Placeholder 2"/>
-          <p:cNvSpPr>
-            <a:spLocks noGrp="1"/>
-          </p:cNvSpPr>
-          <p:nvPr>
-            <p:ph idx="1"/>
-          </p:nvPr>
-        </p:nvSpPr>
-        <p:spPr/>
-        <p:txBody>
-          <a:bodyPr/>
-          <a:lstStyle/>
-          <a:p>
-            <a:pPr>
-              <a:buFont typeface="Wingdings" panose="05000000000000000000" pitchFamily="2" charset="2"/>
-              <a:buChar char="§"/>
-            </a:pPr>
-            <a:r>
-              <a:rPr lang="de-DE" dirty="0" smtClean="0"/>
-              <a:t>Exkurs: </a:t>
-            </a:r>
-            <a:r>
-              <a:rPr lang="de-DE" dirty="0" err="1" smtClean="0"/>
-              <a:t>Hierarchical</a:t>
-            </a:r>
-            <a:r>
-              <a:rPr lang="de-DE" dirty="0" smtClean="0"/>
-              <a:t> Temporal Memory</a:t>
-            </a:r>
-          </a:p>
-          <a:p>
-            <a:pPr>
-              <a:buFont typeface="Wingdings" panose="05000000000000000000" pitchFamily="2" charset="2"/>
-              <a:buChar char="§"/>
-            </a:pPr>
-            <a:r>
-              <a:rPr lang="de-DE" dirty="0" smtClean="0"/>
-              <a:t>Simulation von Anwendungslandschaften</a:t>
-            </a:r>
-          </a:p>
-          <a:p>
-            <a:pPr>
-              <a:buFont typeface="Wingdings" panose="05000000000000000000" pitchFamily="2" charset="2"/>
-              <a:buChar char="§"/>
-            </a:pPr>
-            <a:r>
-              <a:rPr lang="de-DE" dirty="0" smtClean="0"/>
-              <a:t>Problem Statement</a:t>
-            </a:r>
-          </a:p>
-          <a:p>
-            <a:pPr>
-              <a:buFont typeface="Wingdings" panose="05000000000000000000" pitchFamily="2" charset="2"/>
-              <a:buChar char="§"/>
-            </a:pPr>
-            <a:r>
-              <a:rPr lang="de-DE" dirty="0" smtClean="0"/>
-              <a:t>Roadmap</a:t>
-            </a:r>
-            <a:endParaRPr lang="de-DE" dirty="0"/>
-          </a:p>
-        </p:txBody>
-      </p:sp>
-    </p:spTree>
-    <p:extLst>
-      <p:ext uri="{BB962C8B-B14F-4D97-AF65-F5344CB8AC3E}">
-        <p14:creationId xmlns:p14="http://schemas.microsoft.com/office/powerpoint/2010/main" val="2839277671"/>
-      </p:ext>
-    </p:extLst>
-  </p:cSld>
-  <p:clrMapOvr>
-    <a:masterClrMapping/>
-  </p:clrMapOvr>
-</p:sld>
-</file>
-
-<file path=ppt/slides/slide20.xml><?xml version="1.0" encoding="utf-8"?>
+<file path=ppt/slides/slide21.xml><?xml version="1.0" encoding="utf-8"?>
 <p:sld xmlns:a="http://schemas.openxmlformats.org/drawingml/2006/main" xmlns:r="http://schemas.openxmlformats.org/officeDocument/2006/relationships" xmlns:p="http://schemas.openxmlformats.org/presentationml/2006/main">
   <p:cSld>
     <p:spTree>
@@ -26202,7 +26573,7 @@
 </p:sld>
 </file>
 
-<file path=ppt/slides/slide21.xml><?xml version="1.0" encoding="utf-8"?>
+<file path=ppt/slides/slide22.xml><?xml version="1.0" encoding="utf-8"?>
 <p:sld xmlns:a="http://schemas.openxmlformats.org/drawingml/2006/main" xmlns:r="http://schemas.openxmlformats.org/officeDocument/2006/relationships" xmlns:p="http://schemas.openxmlformats.org/presentationml/2006/main">
   <p:cSld>
     <p:spTree>
@@ -30491,7 +30862,7 @@
 </p:sld>
 </file>
 
-<file path=ppt/slides/slide22.xml><?xml version="1.0" encoding="utf-8"?>
+<file path=ppt/slides/slide23.xml><?xml version="1.0" encoding="utf-8"?>
 <p:sld xmlns:a="http://schemas.openxmlformats.org/drawingml/2006/main" xmlns:r="http://schemas.openxmlformats.org/officeDocument/2006/relationships" xmlns:p="http://schemas.openxmlformats.org/presentationml/2006/main">
   <p:cSld>
     <p:spTree>
@@ -34812,7 +35183,7 @@
 </p:sld>
 </file>
 
-<file path=ppt/slides/slide23.xml><?xml version="1.0" encoding="utf-8"?>
+<file path=ppt/slides/slide24.xml><?xml version="1.0" encoding="utf-8"?>
 <p:sld xmlns:a="http://schemas.openxmlformats.org/drawingml/2006/main" xmlns:r="http://schemas.openxmlformats.org/officeDocument/2006/relationships" xmlns:p="http://schemas.openxmlformats.org/presentationml/2006/main">
   <p:cSld>
     <p:spTree>
@@ -39417,7 +39788,7 @@
 </p:sld>
 </file>
 
-<file path=ppt/slides/slide24.xml><?xml version="1.0" encoding="utf-8"?>
+<file path=ppt/slides/slide25.xml><?xml version="1.0" encoding="utf-8"?>
 <p:sld xmlns:a="http://schemas.openxmlformats.org/drawingml/2006/main" xmlns:r="http://schemas.openxmlformats.org/officeDocument/2006/relationships" xmlns:p="http://schemas.openxmlformats.org/presentationml/2006/main">
   <p:cSld>
     <p:spTree>
@@ -45312,71 +45683,6 @@
     <p:extLst>
       <p:ext uri="{BB962C8B-B14F-4D97-AF65-F5344CB8AC3E}">
         <p14:creationId xmlns:p14="http://schemas.microsoft.com/office/powerpoint/2010/main" val="875784200"/>
-      </p:ext>
-    </p:extLst>
-  </p:cSld>
-  <p:clrMapOvr>
-    <a:masterClrMapping/>
-  </p:clrMapOvr>
-</p:sld>
-</file>
-
-<file path=ppt/slides/slide25.xml><?xml version="1.0" encoding="utf-8"?>
-<p:sld xmlns:a="http://schemas.openxmlformats.org/drawingml/2006/main" xmlns:r="http://schemas.openxmlformats.org/officeDocument/2006/relationships" xmlns:p="http://schemas.openxmlformats.org/presentationml/2006/main">
-  <p:cSld>
-    <p:spTree>
-      <p:nvGrpSpPr>
-        <p:cNvPr id="1" name=""/>
-        <p:cNvGrpSpPr/>
-        <p:nvPr/>
-      </p:nvGrpSpPr>
-      <p:grpSpPr>
-        <a:xfrm>
-          <a:off x="0" y="0"/>
-          <a:ext cx="0" cy="0"/>
-          <a:chOff x="0" y="0"/>
-          <a:chExt cx="0" cy="0"/>
-        </a:xfrm>
-      </p:grpSpPr>
-      <p:sp>
-        <p:nvSpPr>
-          <p:cNvPr id="3" name="Content Placeholder 2"/>
-          <p:cNvSpPr>
-            <a:spLocks noGrp="1"/>
-          </p:cNvSpPr>
-          <p:nvPr>
-            <p:ph idx="1"/>
-          </p:nvPr>
-        </p:nvSpPr>
-        <p:spPr>
-          <a:xfrm>
-            <a:off x="838200" y="450376"/>
-            <a:ext cx="10515600" cy="5726587"/>
-          </a:xfrm>
-        </p:spPr>
-        <p:txBody>
-          <a:bodyPr/>
-          <a:lstStyle/>
-          <a:p>
-            <a:pPr marL="0" indent="0">
-              <a:buNone/>
-            </a:pPr>
-            <a:r>
-              <a:rPr lang="de-DE" dirty="0" smtClean="0"/>
-              <a:t>Quellen</a:t>
-            </a:r>
-            <a:r>
-              <a:rPr lang="de-DE" dirty="0" smtClean="0"/>
-              <a:t>:</a:t>
-            </a:r>
-            <a:endParaRPr lang="de-DE" dirty="0" smtClean="0"/>
-          </a:p>
-        </p:txBody>
-      </p:sp>
-    </p:spTree>
-    <p:extLst>
-      <p:ext uri="{BB962C8B-B14F-4D97-AF65-F5344CB8AC3E}">
-        <p14:creationId xmlns:p14="http://schemas.microsoft.com/office/powerpoint/2010/main" val="944380725"/>
       </p:ext>
     </p:extLst>
   </p:cSld>
@@ -45405,6 +45711,82 @@
       </p:grpSpPr>
       <p:sp>
         <p:nvSpPr>
+          <p:cNvPr id="2" name="Title 1"/>
+          <p:cNvSpPr>
+            <a:spLocks noGrp="1"/>
+          </p:cNvSpPr>
+          <p:nvPr>
+            <p:ph type="title"/>
+          </p:nvPr>
+        </p:nvSpPr>
+        <p:spPr/>
+        <p:txBody>
+          <a:bodyPr/>
+          <a:lstStyle/>
+          <a:p>
+            <a:r>
+              <a:rPr lang="de-DE" dirty="0" smtClean="0"/>
+              <a:t>Kapazität von SDRs</a:t>
+            </a:r>
+            <a:endParaRPr lang="de-DE" dirty="0"/>
+          </a:p>
+        </p:txBody>
+      </p:sp>
+    </p:spTree>
+    <p:extLst>
+      <p:ext uri="{BB962C8B-B14F-4D97-AF65-F5344CB8AC3E}">
+        <p14:creationId xmlns:p14="http://schemas.microsoft.com/office/powerpoint/2010/main" val="1295651948"/>
+      </p:ext>
+    </p:extLst>
+  </p:cSld>
+  <p:clrMapOvr>
+    <a:masterClrMapping/>
+  </p:clrMapOvr>
+</p:sld>
+</file>
+
+<file path=ppt/slides/slide27.xml><?xml version="1.0" encoding="utf-8"?>
+<p:sld xmlns:a="http://schemas.openxmlformats.org/drawingml/2006/main" xmlns:r="http://schemas.openxmlformats.org/officeDocument/2006/relationships" xmlns:p="http://schemas.openxmlformats.org/presentationml/2006/main">
+  <p:cSld>
+    <p:spTree>
+      <p:nvGrpSpPr>
+        <p:cNvPr id="1" name=""/>
+        <p:cNvGrpSpPr/>
+        <p:nvPr/>
+      </p:nvGrpSpPr>
+      <p:grpSpPr>
+        <a:xfrm>
+          <a:off x="0" y="0"/>
+          <a:ext cx="0" cy="0"/>
+          <a:chOff x="0" y="0"/>
+          <a:chExt cx="0" cy="0"/>
+        </a:xfrm>
+      </p:grpSpPr>
+      <p:sp>
+        <p:nvSpPr>
+          <p:cNvPr id="2" name="Title 1"/>
+          <p:cNvSpPr>
+            <a:spLocks noGrp="1"/>
+          </p:cNvSpPr>
+          <p:nvPr>
+            <p:ph type="title"/>
+          </p:nvPr>
+        </p:nvSpPr>
+        <p:spPr/>
+        <p:txBody>
+          <a:bodyPr/>
+          <a:lstStyle/>
+          <a:p>
+            <a:r>
+              <a:rPr lang="de-DE" dirty="0" smtClean="0"/>
+              <a:t>Kapazität von SDRs</a:t>
+            </a:r>
+            <a:endParaRPr lang="de-DE" dirty="0"/>
+          </a:p>
+        </p:txBody>
+      </p:sp>
+      <p:sp>
+        <p:nvSpPr>
           <p:cNvPr id="3" name="Content Placeholder 2"/>
           <p:cNvSpPr>
             <a:spLocks noGrp="1"/>
@@ -45415,8 +45797,8 @@
         </p:nvSpPr>
         <p:spPr>
           <a:xfrm>
-            <a:off x="838200" y="450376"/>
-            <a:ext cx="10515600" cy="5726587"/>
+            <a:off x="838200" y="1555845"/>
+            <a:ext cx="10515600" cy="4906370"/>
           </a:xfrm>
         </p:spPr>
         <p:txBody>
@@ -45427,9 +45809,31 @@
               <a:buNone/>
             </a:pPr>
             <a:r>
-              <a:rPr lang="de-DE" dirty="0"/>
-              <a:t>Weiterführende Informationen:</a:t>
+              <a:rPr lang="de-DE" dirty="0" smtClean="0"/>
+              <a:t>2048 </a:t>
             </a:r>
+            <a:r>
+              <a:rPr lang="de-DE" dirty="0" err="1" smtClean="0"/>
+              <a:t>Minicolumns</a:t>
+            </a:r>
+            <a:r>
+              <a:rPr lang="de-DE" dirty="0" smtClean="0"/>
+              <a:t> á 10 Neuronen</a:t>
+            </a:r>
+          </a:p>
+          <a:p>
+            <a:pPr marL="0" indent="0">
+              <a:buNone/>
+            </a:pPr>
+            <a:r>
+              <a:rPr lang="de-DE" dirty="0" smtClean="0"/>
+              <a:t>2% Aktivierungsquote („40 Einsen im Eingangsvektor“)</a:t>
+            </a:r>
+          </a:p>
+          <a:p>
+            <a:pPr marL="0" indent="0">
+              <a:buNone/>
+            </a:pPr>
             <a:endParaRPr lang="de-DE" dirty="0"/>
           </a:p>
         </p:txBody>
@@ -45437,7 +45841,284 @@
     </p:spTree>
     <p:extLst>
       <p:ext uri="{BB962C8B-B14F-4D97-AF65-F5344CB8AC3E}">
-        <p14:creationId xmlns:p14="http://schemas.microsoft.com/office/powerpoint/2010/main" val="3718436250"/>
+        <p14:creationId xmlns:p14="http://schemas.microsoft.com/office/powerpoint/2010/main" val="57363418"/>
+      </p:ext>
+    </p:extLst>
+  </p:cSld>
+  <p:clrMapOvr>
+    <a:masterClrMapping/>
+  </p:clrMapOvr>
+</p:sld>
+</file>
+
+<file path=ppt/slides/slide28.xml><?xml version="1.0" encoding="utf-8"?>
+<p:sld xmlns:a="http://schemas.openxmlformats.org/drawingml/2006/main" xmlns:r="http://schemas.openxmlformats.org/officeDocument/2006/relationships" xmlns:p="http://schemas.openxmlformats.org/presentationml/2006/main">
+  <p:cSld>
+    <p:spTree>
+      <p:nvGrpSpPr>
+        <p:cNvPr id="1" name=""/>
+        <p:cNvGrpSpPr/>
+        <p:nvPr/>
+      </p:nvGrpSpPr>
+      <p:grpSpPr>
+        <a:xfrm>
+          <a:off x="0" y="0"/>
+          <a:ext cx="0" cy="0"/>
+          <a:chOff x="0" y="0"/>
+          <a:chExt cx="0" cy="0"/>
+        </a:xfrm>
+      </p:grpSpPr>
+      <p:sp>
+        <p:nvSpPr>
+          <p:cNvPr id="2" name="Title 1"/>
+          <p:cNvSpPr>
+            <a:spLocks noGrp="1"/>
+          </p:cNvSpPr>
+          <p:nvPr>
+            <p:ph type="title"/>
+          </p:nvPr>
+        </p:nvSpPr>
+        <p:spPr/>
+        <p:txBody>
+          <a:bodyPr/>
+          <a:lstStyle/>
+          <a:p>
+            <a:r>
+              <a:rPr lang="de-DE" dirty="0" smtClean="0"/>
+              <a:t>Kapazität von SDRs</a:t>
+            </a:r>
+            <a:endParaRPr lang="de-DE" dirty="0"/>
+          </a:p>
+        </p:txBody>
+      </p:sp>
+      <p:sp>
+        <p:nvSpPr>
+          <p:cNvPr id="3" name="Content Placeholder 2"/>
+          <p:cNvSpPr>
+            <a:spLocks noGrp="1"/>
+          </p:cNvSpPr>
+          <p:nvPr>
+            <p:ph idx="1"/>
+          </p:nvPr>
+        </p:nvSpPr>
+        <p:spPr>
+          <a:xfrm>
+            <a:off x="838200" y="1555845"/>
+            <a:ext cx="10515600" cy="4906370"/>
+          </a:xfrm>
+        </p:spPr>
+        <p:txBody>
+          <a:bodyPr/>
+          <a:lstStyle/>
+          <a:p>
+            <a:pPr marL="0" indent="0">
+              <a:buNone/>
+            </a:pPr>
+            <a:r>
+              <a:rPr lang="de-DE" dirty="0" smtClean="0"/>
+              <a:t>2048 </a:t>
+            </a:r>
+            <a:r>
+              <a:rPr lang="de-DE" dirty="0" err="1" smtClean="0"/>
+              <a:t>Minicolumns</a:t>
+            </a:r>
+            <a:r>
+              <a:rPr lang="de-DE" dirty="0" smtClean="0"/>
+              <a:t> á 10 Neuronen</a:t>
+            </a:r>
+          </a:p>
+          <a:p>
+            <a:pPr marL="0" indent="0">
+              <a:buNone/>
+            </a:pPr>
+            <a:r>
+              <a:rPr lang="de-DE" dirty="0" smtClean="0"/>
+              <a:t>2% Aktivierungsquote („40 Einsen im Eingangsvektor“)</a:t>
+            </a:r>
+          </a:p>
+          <a:p>
+            <a:pPr marL="0" indent="0">
+              <a:buNone/>
+            </a:pPr>
+            <a:endParaRPr lang="de-DE" dirty="0"/>
+          </a:p>
+          <a:p>
+            <a:pPr marL="0" indent="0">
+              <a:buNone/>
+            </a:pPr>
+            <a:r>
+              <a:rPr lang="de-DE" dirty="0" smtClean="0"/>
+              <a:t>Jeder einzelne Eingangsvektor kann in bis zu 10^40 verschiedenen Kontexten repräsentiert werden.</a:t>
+            </a:r>
+          </a:p>
+          <a:p>
+            <a:pPr marL="0" indent="0">
+              <a:buNone/>
+            </a:pPr>
+            <a:endParaRPr lang="de-DE" dirty="0"/>
+          </a:p>
+        </p:txBody>
+      </p:sp>
+    </p:spTree>
+    <p:extLst>
+      <p:ext uri="{BB962C8B-B14F-4D97-AF65-F5344CB8AC3E}">
+        <p14:creationId xmlns:p14="http://schemas.microsoft.com/office/powerpoint/2010/main" val="4218555213"/>
+      </p:ext>
+    </p:extLst>
+  </p:cSld>
+  <p:clrMapOvr>
+    <a:masterClrMapping/>
+  </p:clrMapOvr>
+</p:sld>
+</file>
+
+<file path=ppt/slides/slide29.xml><?xml version="1.0" encoding="utf-8"?>
+<p:sld xmlns:a="http://schemas.openxmlformats.org/drawingml/2006/main" xmlns:r="http://schemas.openxmlformats.org/officeDocument/2006/relationships" xmlns:p="http://schemas.openxmlformats.org/presentationml/2006/main">
+  <p:cSld>
+    <p:spTree>
+      <p:nvGrpSpPr>
+        <p:cNvPr id="1" name=""/>
+        <p:cNvGrpSpPr/>
+        <p:nvPr/>
+      </p:nvGrpSpPr>
+      <p:grpSpPr>
+        <a:xfrm>
+          <a:off x="0" y="0"/>
+          <a:ext cx="0" cy="0"/>
+          <a:chOff x="0" y="0"/>
+          <a:chExt cx="0" cy="0"/>
+        </a:xfrm>
+      </p:grpSpPr>
+      <p:sp>
+        <p:nvSpPr>
+          <p:cNvPr id="2" name="Title 1"/>
+          <p:cNvSpPr>
+            <a:spLocks noGrp="1"/>
+          </p:cNvSpPr>
+          <p:nvPr>
+            <p:ph type="title"/>
+          </p:nvPr>
+        </p:nvSpPr>
+        <p:spPr/>
+        <p:txBody>
+          <a:bodyPr/>
+          <a:lstStyle/>
+          <a:p>
+            <a:r>
+              <a:rPr lang="de-DE" dirty="0" smtClean="0"/>
+              <a:t>Kapazität von SDRs</a:t>
+            </a:r>
+            <a:endParaRPr lang="de-DE" dirty="0"/>
+          </a:p>
+        </p:txBody>
+      </p:sp>
+      <p:sp>
+        <p:nvSpPr>
+          <p:cNvPr id="3" name="Content Placeholder 2"/>
+          <p:cNvSpPr>
+            <a:spLocks noGrp="1"/>
+          </p:cNvSpPr>
+          <p:nvPr>
+            <p:ph idx="1"/>
+          </p:nvPr>
+        </p:nvSpPr>
+        <p:spPr>
+          <a:xfrm>
+            <a:off x="838200" y="1555845"/>
+            <a:ext cx="10515600" cy="4906370"/>
+          </a:xfrm>
+        </p:spPr>
+        <p:txBody>
+          <a:bodyPr/>
+          <a:lstStyle/>
+          <a:p>
+            <a:pPr marL="0" indent="0">
+              <a:buNone/>
+            </a:pPr>
+            <a:r>
+              <a:rPr lang="de-DE" dirty="0" smtClean="0"/>
+              <a:t>2048 </a:t>
+            </a:r>
+            <a:r>
+              <a:rPr lang="de-DE" dirty="0" err="1" smtClean="0"/>
+              <a:t>Minicolumns</a:t>
+            </a:r>
+            <a:r>
+              <a:rPr lang="de-DE" dirty="0" smtClean="0"/>
+              <a:t> á 10 Neuronen</a:t>
+            </a:r>
+          </a:p>
+          <a:p>
+            <a:pPr marL="0" indent="0">
+              <a:buNone/>
+            </a:pPr>
+            <a:r>
+              <a:rPr lang="de-DE" dirty="0" smtClean="0"/>
+              <a:t>2% Aktivierungsquote („40 Einsen im Eingangsvektor“)</a:t>
+            </a:r>
+          </a:p>
+          <a:p>
+            <a:pPr marL="0" indent="0">
+              <a:buNone/>
+            </a:pPr>
+            <a:endParaRPr lang="de-DE" dirty="0"/>
+          </a:p>
+          <a:p>
+            <a:pPr marL="0" indent="0">
+              <a:buNone/>
+            </a:pPr>
+            <a:r>
+              <a:rPr lang="de-DE" dirty="0" smtClean="0"/>
+              <a:t>Jeder einzelne Eingangsvektor kann in bis zu 10^40 verschiedenen Kontexten repräsentiert werden (Einschränkungen in der Praxis).</a:t>
+            </a:r>
+          </a:p>
+          <a:p>
+            <a:pPr marL="0" indent="0">
+              <a:buNone/>
+            </a:pPr>
+            <a:endParaRPr lang="de-DE" dirty="0"/>
+          </a:p>
+          <a:p>
+            <a:pPr marL="0" indent="0">
+              <a:buNone/>
+            </a:pPr>
+            <a:r>
+              <a:rPr lang="de-DE" dirty="0" smtClean="0"/>
+              <a:t>Durch „</a:t>
+            </a:r>
+            <a:r>
+              <a:rPr lang="de-DE" dirty="0" err="1" smtClean="0"/>
+              <a:t>Sparsity</a:t>
+            </a:r>
+            <a:r>
+              <a:rPr lang="de-DE" dirty="0" smtClean="0"/>
+              <a:t>“ braucht man keine vollständige </a:t>
+            </a:r>
+            <a:r>
+              <a:rPr lang="de-DE" dirty="0" err="1" smtClean="0"/>
+              <a:t>Adjazenzmatrix</a:t>
+            </a:r>
+            <a:r>
+              <a:rPr lang="de-DE" dirty="0" smtClean="0"/>
+              <a:t>, sondern nur einen Bruchteil an Verbindungen.</a:t>
+            </a:r>
+          </a:p>
+          <a:p>
+            <a:pPr marL="0" indent="0">
+              <a:buNone/>
+            </a:pPr>
+            <a:r>
+              <a:rPr lang="de-DE" dirty="0" smtClean="0"/>
+              <a:t>Biologisch sind etwa 1000-3000 Synapsen pro Neuron bei 10-30 Synapsen pro aktivem dendritischem Segment.</a:t>
+            </a:r>
+            <a:endParaRPr lang="de-DE" dirty="0"/>
+          </a:p>
+        </p:txBody>
+      </p:sp>
+    </p:spTree>
+    <p:extLst>
+      <p:ext uri="{BB962C8B-B14F-4D97-AF65-F5344CB8AC3E}">
+        <p14:creationId xmlns:p14="http://schemas.microsoft.com/office/powerpoint/2010/main" val="3162890518"/>
       </p:ext>
     </p:extLst>
   </p:cSld>
@@ -45493,10 +46174,5463 @@
           </a:xfrm>
         </p:spPr>
       </p:pic>
+      <p:sp>
+        <p:nvSpPr>
+          <p:cNvPr id="2" name="Rectangle 1"/>
+          <p:cNvSpPr/>
+          <p:nvPr/>
+        </p:nvSpPr>
+        <p:spPr>
+          <a:xfrm>
+            <a:off x="191069" y="6401770"/>
+            <a:ext cx="12000931" cy="369332"/>
+          </a:xfrm>
+          <a:prstGeom prst="rect">
+            <a:avLst/>
+          </a:prstGeom>
+        </p:spPr>
+        <p:txBody>
+          <a:bodyPr wrap="square">
+            <a:spAutoFit/>
+          </a:bodyPr>
+          <a:lstStyle/>
+          <a:p>
+            <a:r>
+              <a:rPr lang="de-DE" dirty="0"/>
+              <a:t>http://www.slate.com/articles/health_and_science/the_mouse_trap/2011/11/rat_mazes_and_mouse_mazes_a_history_.html</a:t>
+            </a:r>
+          </a:p>
+        </p:txBody>
+      </p:sp>
     </p:spTree>
     <p:extLst>
       <p:ext uri="{BB962C8B-B14F-4D97-AF65-F5344CB8AC3E}">
         <p14:creationId xmlns:p14="http://schemas.microsoft.com/office/powerpoint/2010/main" val="3477420538"/>
+      </p:ext>
+    </p:extLst>
+  </p:cSld>
+  <p:clrMapOvr>
+    <a:masterClrMapping/>
+  </p:clrMapOvr>
+</p:sld>
+</file>
+
+<file path=ppt/slides/slide30.xml><?xml version="1.0" encoding="utf-8"?>
+<p:sld xmlns:a="http://schemas.openxmlformats.org/drawingml/2006/main" xmlns:r="http://schemas.openxmlformats.org/officeDocument/2006/relationships" xmlns:p="http://schemas.openxmlformats.org/presentationml/2006/main">
+  <p:cSld>
+    <p:spTree>
+      <p:nvGrpSpPr>
+        <p:cNvPr id="1" name=""/>
+        <p:cNvGrpSpPr/>
+        <p:nvPr/>
+      </p:nvGrpSpPr>
+      <p:grpSpPr>
+        <a:xfrm>
+          <a:off x="0" y="0"/>
+          <a:ext cx="0" cy="0"/>
+          <a:chOff x="0" y="0"/>
+          <a:chExt cx="0" cy="0"/>
+        </a:xfrm>
+      </p:grpSpPr>
+      <p:sp>
+        <p:nvSpPr>
+          <p:cNvPr id="2" name="Title 1"/>
+          <p:cNvSpPr>
+            <a:spLocks noGrp="1"/>
+          </p:cNvSpPr>
+          <p:nvPr>
+            <p:ph type="title"/>
+          </p:nvPr>
+        </p:nvSpPr>
+        <p:spPr/>
+        <p:txBody>
+          <a:bodyPr/>
+          <a:lstStyle/>
+          <a:p>
+            <a:r>
+              <a:rPr lang="de-DE" dirty="0" smtClean="0"/>
+              <a:t>Fehlertoleranz von SDRs</a:t>
+            </a:r>
+            <a:endParaRPr lang="de-DE" dirty="0"/>
+          </a:p>
+        </p:txBody>
+      </p:sp>
+      <p:sp>
+        <p:nvSpPr>
+          <p:cNvPr id="3" name="Content Placeholder 2"/>
+          <p:cNvSpPr>
+            <a:spLocks noGrp="1"/>
+          </p:cNvSpPr>
+          <p:nvPr>
+            <p:ph idx="1"/>
+          </p:nvPr>
+        </p:nvSpPr>
+        <p:spPr>
+          <a:xfrm>
+            <a:off x="838200" y="1555845"/>
+            <a:ext cx="10515600" cy="4906370"/>
+          </a:xfrm>
+        </p:spPr>
+        <p:txBody>
+          <a:bodyPr/>
+          <a:lstStyle/>
+          <a:p>
+            <a:pPr marL="0" indent="0">
+              <a:buNone/>
+            </a:pPr>
+            <a:endParaRPr lang="de-DE" dirty="0"/>
+          </a:p>
+          <a:p>
+            <a:pPr marL="0" indent="0">
+              <a:buNone/>
+            </a:pPr>
+            <a:r>
+              <a:rPr lang="de-DE" dirty="0" smtClean="0"/>
+              <a:t>Eingangssignale bilden keine klassische Codierung (etwa ASCII), sondern repräsentieren </a:t>
+            </a:r>
+            <a:r>
+              <a:rPr lang="de-DE" b="1" dirty="0" smtClean="0"/>
+              <a:t>semantische Features</a:t>
+            </a:r>
+            <a:r>
+              <a:rPr lang="de-DE" dirty="0" smtClean="0"/>
+              <a:t>.</a:t>
+            </a:r>
+          </a:p>
+          <a:p>
+            <a:pPr marL="0" indent="0">
+              <a:buNone/>
+            </a:pPr>
+            <a:endParaRPr lang="de-DE" dirty="0"/>
+          </a:p>
+          <a:p>
+            <a:pPr marL="0" indent="0">
+              <a:buNone/>
+            </a:pPr>
+            <a:r>
+              <a:rPr lang="de-DE" dirty="0" smtClean="0"/>
+              <a:t>Dadurch bleibt trotz einzelner Fehler immer eine semantische Ähnlichkeit erhalten.</a:t>
+            </a:r>
+          </a:p>
+          <a:p>
+            <a:pPr marL="0" indent="0">
+              <a:buNone/>
+            </a:pPr>
+            <a:endParaRPr lang="de-DE" dirty="0" smtClean="0"/>
+          </a:p>
+          <a:p>
+            <a:pPr marL="0" indent="0">
+              <a:buNone/>
+            </a:pPr>
+            <a:endParaRPr lang="de-DE" dirty="0"/>
+          </a:p>
+        </p:txBody>
+      </p:sp>
+      <p:sp>
+        <p:nvSpPr>
+          <p:cNvPr id="4" name="Oval 3"/>
+          <p:cNvSpPr/>
+          <p:nvPr/>
+        </p:nvSpPr>
+        <p:spPr>
+          <a:xfrm>
+            <a:off x="1288930" y="5909482"/>
+            <a:ext cx="464024" cy="464024"/>
+          </a:xfrm>
+          <a:prstGeom prst="ellipse">
+            <a:avLst/>
+          </a:prstGeom>
+          <a:solidFill>
+            <a:srgbClr val="FF0000"/>
+          </a:solidFill>
+          <a:ln w="57150">
+            <a:solidFill>
+              <a:schemeClr val="bg2">
+                <a:lumMod val="50000"/>
+              </a:schemeClr>
+            </a:solidFill>
+          </a:ln>
+        </p:spPr>
+        <p:style>
+          <a:lnRef idx="2">
+            <a:schemeClr val="accent1">
+              <a:shade val="50000"/>
+            </a:schemeClr>
+          </a:lnRef>
+          <a:fillRef idx="1">
+            <a:schemeClr val="accent1"/>
+          </a:fillRef>
+          <a:effectRef idx="0">
+            <a:schemeClr val="accent1"/>
+          </a:effectRef>
+          <a:fontRef idx="minor">
+            <a:schemeClr val="lt1"/>
+          </a:fontRef>
+        </p:style>
+        <p:txBody>
+          <a:bodyPr rtlCol="0" anchor="ctr"/>
+          <a:lstStyle/>
+          <a:p>
+            <a:pPr algn="ctr"/>
+            <a:endParaRPr lang="de-DE"/>
+          </a:p>
+        </p:txBody>
+      </p:sp>
+      <p:sp>
+        <p:nvSpPr>
+          <p:cNvPr id="5" name="Oval 4"/>
+          <p:cNvSpPr/>
+          <p:nvPr/>
+        </p:nvSpPr>
+        <p:spPr>
+          <a:xfrm>
+            <a:off x="1905354" y="5910620"/>
+            <a:ext cx="464024" cy="464024"/>
+          </a:xfrm>
+          <a:prstGeom prst="ellipse">
+            <a:avLst/>
+          </a:prstGeom>
+          <a:noFill/>
+          <a:ln w="57150">
+            <a:solidFill>
+              <a:schemeClr val="bg2">
+                <a:lumMod val="50000"/>
+              </a:schemeClr>
+            </a:solidFill>
+          </a:ln>
+        </p:spPr>
+        <p:style>
+          <a:lnRef idx="2">
+            <a:schemeClr val="accent1">
+              <a:shade val="50000"/>
+            </a:schemeClr>
+          </a:lnRef>
+          <a:fillRef idx="1">
+            <a:schemeClr val="accent1"/>
+          </a:fillRef>
+          <a:effectRef idx="0">
+            <a:schemeClr val="accent1"/>
+          </a:effectRef>
+          <a:fontRef idx="minor">
+            <a:schemeClr val="lt1"/>
+          </a:fontRef>
+        </p:style>
+        <p:txBody>
+          <a:bodyPr rtlCol="0" anchor="ctr"/>
+          <a:lstStyle/>
+          <a:p>
+            <a:pPr algn="ctr"/>
+            <a:endParaRPr lang="de-DE"/>
+          </a:p>
+        </p:txBody>
+      </p:sp>
+      <p:sp>
+        <p:nvSpPr>
+          <p:cNvPr id="6" name="Oval 5"/>
+          <p:cNvSpPr/>
+          <p:nvPr/>
+        </p:nvSpPr>
+        <p:spPr>
+          <a:xfrm>
+            <a:off x="2489934" y="5909482"/>
+            <a:ext cx="464024" cy="464024"/>
+          </a:xfrm>
+          <a:prstGeom prst="ellipse">
+            <a:avLst/>
+          </a:prstGeom>
+          <a:noFill/>
+          <a:ln w="57150">
+            <a:solidFill>
+              <a:schemeClr val="bg2">
+                <a:lumMod val="50000"/>
+              </a:schemeClr>
+            </a:solidFill>
+          </a:ln>
+        </p:spPr>
+        <p:style>
+          <a:lnRef idx="2">
+            <a:schemeClr val="accent1">
+              <a:shade val="50000"/>
+            </a:schemeClr>
+          </a:lnRef>
+          <a:fillRef idx="1">
+            <a:schemeClr val="accent1"/>
+          </a:fillRef>
+          <a:effectRef idx="0">
+            <a:schemeClr val="accent1"/>
+          </a:effectRef>
+          <a:fontRef idx="minor">
+            <a:schemeClr val="lt1"/>
+          </a:fontRef>
+        </p:style>
+        <p:txBody>
+          <a:bodyPr rtlCol="0" anchor="ctr"/>
+          <a:lstStyle/>
+          <a:p>
+            <a:pPr algn="ctr"/>
+            <a:endParaRPr lang="de-DE"/>
+          </a:p>
+        </p:txBody>
+      </p:sp>
+      <p:sp>
+        <p:nvSpPr>
+          <p:cNvPr id="7" name="Oval 6"/>
+          <p:cNvSpPr/>
+          <p:nvPr/>
+        </p:nvSpPr>
+        <p:spPr>
+          <a:xfrm>
+            <a:off x="3106358" y="5910620"/>
+            <a:ext cx="464024" cy="464024"/>
+          </a:xfrm>
+          <a:prstGeom prst="ellipse">
+            <a:avLst/>
+          </a:prstGeom>
+          <a:solidFill>
+            <a:srgbClr val="FF0000"/>
+          </a:solidFill>
+          <a:ln w="57150">
+            <a:solidFill>
+              <a:schemeClr val="bg2">
+                <a:lumMod val="50000"/>
+              </a:schemeClr>
+            </a:solidFill>
+          </a:ln>
+        </p:spPr>
+        <p:style>
+          <a:lnRef idx="2">
+            <a:schemeClr val="accent1">
+              <a:shade val="50000"/>
+            </a:schemeClr>
+          </a:lnRef>
+          <a:fillRef idx="1">
+            <a:schemeClr val="accent1"/>
+          </a:fillRef>
+          <a:effectRef idx="0">
+            <a:schemeClr val="accent1"/>
+          </a:effectRef>
+          <a:fontRef idx="minor">
+            <a:schemeClr val="lt1"/>
+          </a:fontRef>
+        </p:style>
+        <p:txBody>
+          <a:bodyPr rtlCol="0" anchor="ctr"/>
+          <a:lstStyle/>
+          <a:p>
+            <a:pPr algn="ctr"/>
+            <a:endParaRPr lang="de-DE"/>
+          </a:p>
+        </p:txBody>
+      </p:sp>
+      <p:cxnSp>
+        <p:nvCxnSpPr>
+          <p:cNvPr id="8" name="Straight Arrow Connector 7"/>
+          <p:cNvCxnSpPr>
+            <a:stCxn id="4" idx="0"/>
+          </p:cNvCxnSpPr>
+          <p:nvPr/>
+        </p:nvCxnSpPr>
+        <p:spPr>
+          <a:xfrm flipV="1">
+            <a:off x="1520942" y="5013279"/>
+            <a:ext cx="0" cy="896203"/>
+          </a:xfrm>
+          <a:prstGeom prst="straightConnector1">
+            <a:avLst/>
+          </a:prstGeom>
+          <a:ln w="57150">
+            <a:solidFill>
+              <a:schemeClr val="bg2">
+                <a:lumMod val="50000"/>
+              </a:schemeClr>
+            </a:solidFill>
+            <a:tailEnd type="triangle"/>
+          </a:ln>
+        </p:spPr>
+        <p:style>
+          <a:lnRef idx="1">
+            <a:schemeClr val="accent1"/>
+          </a:lnRef>
+          <a:fillRef idx="0">
+            <a:schemeClr val="accent1"/>
+          </a:fillRef>
+          <a:effectRef idx="0">
+            <a:schemeClr val="accent1"/>
+          </a:effectRef>
+          <a:fontRef idx="minor">
+            <a:schemeClr val="tx1"/>
+          </a:fontRef>
+        </p:style>
+      </p:cxnSp>
+      <p:cxnSp>
+        <p:nvCxnSpPr>
+          <p:cNvPr id="9" name="Straight Arrow Connector 8"/>
+          <p:cNvCxnSpPr>
+            <a:stCxn id="5" idx="0"/>
+          </p:cNvCxnSpPr>
+          <p:nvPr/>
+        </p:nvCxnSpPr>
+        <p:spPr>
+          <a:xfrm flipV="1">
+            <a:off x="2137366" y="5014417"/>
+            <a:ext cx="0" cy="896203"/>
+          </a:xfrm>
+          <a:prstGeom prst="straightConnector1">
+            <a:avLst/>
+          </a:prstGeom>
+          <a:ln w="57150">
+            <a:solidFill>
+              <a:schemeClr val="bg2">
+                <a:lumMod val="50000"/>
+              </a:schemeClr>
+            </a:solidFill>
+            <a:tailEnd type="triangle"/>
+          </a:ln>
+        </p:spPr>
+        <p:style>
+          <a:lnRef idx="1">
+            <a:schemeClr val="accent1"/>
+          </a:lnRef>
+          <a:fillRef idx="0">
+            <a:schemeClr val="accent1"/>
+          </a:fillRef>
+          <a:effectRef idx="0">
+            <a:schemeClr val="accent1"/>
+          </a:effectRef>
+          <a:fontRef idx="minor">
+            <a:schemeClr val="tx1"/>
+          </a:fontRef>
+        </p:style>
+      </p:cxnSp>
+      <p:cxnSp>
+        <p:nvCxnSpPr>
+          <p:cNvPr id="10" name="Straight Arrow Connector 9"/>
+          <p:cNvCxnSpPr>
+            <a:stCxn id="6" idx="0"/>
+          </p:cNvCxnSpPr>
+          <p:nvPr/>
+        </p:nvCxnSpPr>
+        <p:spPr>
+          <a:xfrm flipV="1">
+            <a:off x="2721946" y="5013279"/>
+            <a:ext cx="0" cy="896203"/>
+          </a:xfrm>
+          <a:prstGeom prst="straightConnector1">
+            <a:avLst/>
+          </a:prstGeom>
+          <a:ln w="57150">
+            <a:solidFill>
+              <a:schemeClr val="bg2">
+                <a:lumMod val="50000"/>
+              </a:schemeClr>
+            </a:solidFill>
+            <a:tailEnd type="triangle"/>
+          </a:ln>
+        </p:spPr>
+        <p:style>
+          <a:lnRef idx="1">
+            <a:schemeClr val="accent1"/>
+          </a:lnRef>
+          <a:fillRef idx="0">
+            <a:schemeClr val="accent1"/>
+          </a:fillRef>
+          <a:effectRef idx="0">
+            <a:schemeClr val="accent1"/>
+          </a:effectRef>
+          <a:fontRef idx="minor">
+            <a:schemeClr val="tx1"/>
+          </a:fontRef>
+        </p:style>
+      </p:cxnSp>
+      <p:cxnSp>
+        <p:nvCxnSpPr>
+          <p:cNvPr id="11" name="Straight Arrow Connector 10"/>
+          <p:cNvCxnSpPr>
+            <a:stCxn id="7" idx="0"/>
+          </p:cNvCxnSpPr>
+          <p:nvPr/>
+        </p:nvCxnSpPr>
+        <p:spPr>
+          <a:xfrm flipV="1">
+            <a:off x="3338370" y="5014417"/>
+            <a:ext cx="0" cy="896203"/>
+          </a:xfrm>
+          <a:prstGeom prst="straightConnector1">
+            <a:avLst/>
+          </a:prstGeom>
+          <a:ln w="57150">
+            <a:solidFill>
+              <a:schemeClr val="bg2">
+                <a:lumMod val="50000"/>
+              </a:schemeClr>
+            </a:solidFill>
+            <a:tailEnd type="triangle"/>
+          </a:ln>
+        </p:spPr>
+        <p:style>
+          <a:lnRef idx="1">
+            <a:schemeClr val="accent1"/>
+          </a:lnRef>
+          <a:fillRef idx="0">
+            <a:schemeClr val="accent1"/>
+          </a:fillRef>
+          <a:effectRef idx="0">
+            <a:schemeClr val="accent1"/>
+          </a:effectRef>
+          <a:fontRef idx="minor">
+            <a:schemeClr val="tx1"/>
+          </a:fontRef>
+        </p:style>
+      </p:cxnSp>
+      <p:sp>
+        <p:nvSpPr>
+          <p:cNvPr id="12" name="Oval 11"/>
+          <p:cNvSpPr/>
+          <p:nvPr/>
+        </p:nvSpPr>
+        <p:spPr>
+          <a:xfrm>
+            <a:off x="3722782" y="5909482"/>
+            <a:ext cx="464024" cy="464024"/>
+          </a:xfrm>
+          <a:prstGeom prst="ellipse">
+            <a:avLst/>
+          </a:prstGeom>
+          <a:noFill/>
+          <a:ln w="57150">
+            <a:solidFill>
+              <a:schemeClr val="bg2">
+                <a:lumMod val="50000"/>
+              </a:schemeClr>
+            </a:solidFill>
+          </a:ln>
+        </p:spPr>
+        <p:style>
+          <a:lnRef idx="2">
+            <a:schemeClr val="accent1">
+              <a:shade val="50000"/>
+            </a:schemeClr>
+          </a:lnRef>
+          <a:fillRef idx="1">
+            <a:schemeClr val="accent1"/>
+          </a:fillRef>
+          <a:effectRef idx="0">
+            <a:schemeClr val="accent1"/>
+          </a:effectRef>
+          <a:fontRef idx="minor">
+            <a:schemeClr val="lt1"/>
+          </a:fontRef>
+        </p:style>
+        <p:txBody>
+          <a:bodyPr rtlCol="0" anchor="ctr"/>
+          <a:lstStyle/>
+          <a:p>
+            <a:pPr algn="ctr"/>
+            <a:endParaRPr lang="de-DE"/>
+          </a:p>
+        </p:txBody>
+      </p:sp>
+      <p:sp>
+        <p:nvSpPr>
+          <p:cNvPr id="13" name="Oval 12"/>
+          <p:cNvSpPr/>
+          <p:nvPr/>
+        </p:nvSpPr>
+        <p:spPr>
+          <a:xfrm>
+            <a:off x="4339206" y="5910620"/>
+            <a:ext cx="464024" cy="464024"/>
+          </a:xfrm>
+          <a:prstGeom prst="ellipse">
+            <a:avLst/>
+          </a:prstGeom>
+          <a:noFill/>
+          <a:ln w="57150">
+            <a:solidFill>
+              <a:schemeClr val="bg2">
+                <a:lumMod val="50000"/>
+              </a:schemeClr>
+            </a:solidFill>
+          </a:ln>
+        </p:spPr>
+        <p:style>
+          <a:lnRef idx="2">
+            <a:schemeClr val="accent1">
+              <a:shade val="50000"/>
+            </a:schemeClr>
+          </a:lnRef>
+          <a:fillRef idx="1">
+            <a:schemeClr val="accent1"/>
+          </a:fillRef>
+          <a:effectRef idx="0">
+            <a:schemeClr val="accent1"/>
+          </a:effectRef>
+          <a:fontRef idx="minor">
+            <a:schemeClr val="lt1"/>
+          </a:fontRef>
+        </p:style>
+        <p:txBody>
+          <a:bodyPr rtlCol="0" anchor="ctr"/>
+          <a:lstStyle/>
+          <a:p>
+            <a:pPr algn="ctr"/>
+            <a:endParaRPr lang="de-DE"/>
+          </a:p>
+        </p:txBody>
+      </p:sp>
+      <p:sp>
+        <p:nvSpPr>
+          <p:cNvPr id="14" name="Oval 13"/>
+          <p:cNvSpPr/>
+          <p:nvPr/>
+        </p:nvSpPr>
+        <p:spPr>
+          <a:xfrm>
+            <a:off x="4923786" y="5909482"/>
+            <a:ext cx="464024" cy="464024"/>
+          </a:xfrm>
+          <a:prstGeom prst="ellipse">
+            <a:avLst/>
+          </a:prstGeom>
+          <a:noFill/>
+          <a:ln w="57150">
+            <a:solidFill>
+              <a:schemeClr val="bg2">
+                <a:lumMod val="50000"/>
+              </a:schemeClr>
+            </a:solidFill>
+          </a:ln>
+        </p:spPr>
+        <p:style>
+          <a:lnRef idx="2">
+            <a:schemeClr val="accent1">
+              <a:shade val="50000"/>
+            </a:schemeClr>
+          </a:lnRef>
+          <a:fillRef idx="1">
+            <a:schemeClr val="accent1"/>
+          </a:fillRef>
+          <a:effectRef idx="0">
+            <a:schemeClr val="accent1"/>
+          </a:effectRef>
+          <a:fontRef idx="minor">
+            <a:schemeClr val="lt1"/>
+          </a:fontRef>
+        </p:style>
+        <p:txBody>
+          <a:bodyPr rtlCol="0" anchor="ctr"/>
+          <a:lstStyle/>
+          <a:p>
+            <a:pPr algn="ctr"/>
+            <a:endParaRPr lang="de-DE"/>
+          </a:p>
+        </p:txBody>
+      </p:sp>
+      <p:sp>
+        <p:nvSpPr>
+          <p:cNvPr id="15" name="Oval 14"/>
+          <p:cNvSpPr/>
+          <p:nvPr/>
+        </p:nvSpPr>
+        <p:spPr>
+          <a:xfrm>
+            <a:off x="5540210" y="5910620"/>
+            <a:ext cx="464024" cy="464024"/>
+          </a:xfrm>
+          <a:prstGeom prst="ellipse">
+            <a:avLst/>
+          </a:prstGeom>
+          <a:solidFill>
+            <a:srgbClr val="FF0000"/>
+          </a:solidFill>
+          <a:ln w="57150">
+            <a:solidFill>
+              <a:schemeClr val="bg2">
+                <a:lumMod val="50000"/>
+              </a:schemeClr>
+            </a:solidFill>
+          </a:ln>
+        </p:spPr>
+        <p:style>
+          <a:lnRef idx="2">
+            <a:schemeClr val="accent1">
+              <a:shade val="50000"/>
+            </a:schemeClr>
+          </a:lnRef>
+          <a:fillRef idx="1">
+            <a:schemeClr val="accent1"/>
+          </a:fillRef>
+          <a:effectRef idx="0">
+            <a:schemeClr val="accent1"/>
+          </a:effectRef>
+          <a:fontRef idx="minor">
+            <a:schemeClr val="lt1"/>
+          </a:fontRef>
+        </p:style>
+        <p:txBody>
+          <a:bodyPr rtlCol="0" anchor="ctr"/>
+          <a:lstStyle/>
+          <a:p>
+            <a:pPr algn="ctr"/>
+            <a:endParaRPr lang="de-DE"/>
+          </a:p>
+        </p:txBody>
+      </p:sp>
+      <p:cxnSp>
+        <p:nvCxnSpPr>
+          <p:cNvPr id="16" name="Straight Arrow Connector 15"/>
+          <p:cNvCxnSpPr>
+            <a:stCxn id="12" idx="0"/>
+          </p:cNvCxnSpPr>
+          <p:nvPr/>
+        </p:nvCxnSpPr>
+        <p:spPr>
+          <a:xfrm flipV="1">
+            <a:off x="3954794" y="5013279"/>
+            <a:ext cx="0" cy="896203"/>
+          </a:xfrm>
+          <a:prstGeom prst="straightConnector1">
+            <a:avLst/>
+          </a:prstGeom>
+          <a:ln w="57150">
+            <a:solidFill>
+              <a:schemeClr val="bg2">
+                <a:lumMod val="50000"/>
+              </a:schemeClr>
+            </a:solidFill>
+            <a:tailEnd type="triangle"/>
+          </a:ln>
+        </p:spPr>
+        <p:style>
+          <a:lnRef idx="1">
+            <a:schemeClr val="accent1"/>
+          </a:lnRef>
+          <a:fillRef idx="0">
+            <a:schemeClr val="accent1"/>
+          </a:fillRef>
+          <a:effectRef idx="0">
+            <a:schemeClr val="accent1"/>
+          </a:effectRef>
+          <a:fontRef idx="minor">
+            <a:schemeClr val="tx1"/>
+          </a:fontRef>
+        </p:style>
+      </p:cxnSp>
+      <p:cxnSp>
+        <p:nvCxnSpPr>
+          <p:cNvPr id="17" name="Straight Arrow Connector 16"/>
+          <p:cNvCxnSpPr>
+            <a:stCxn id="13" idx="0"/>
+          </p:cNvCxnSpPr>
+          <p:nvPr/>
+        </p:nvCxnSpPr>
+        <p:spPr>
+          <a:xfrm flipV="1">
+            <a:off x="4571218" y="5014417"/>
+            <a:ext cx="0" cy="896203"/>
+          </a:xfrm>
+          <a:prstGeom prst="straightConnector1">
+            <a:avLst/>
+          </a:prstGeom>
+          <a:ln w="57150">
+            <a:solidFill>
+              <a:schemeClr val="bg2">
+                <a:lumMod val="50000"/>
+              </a:schemeClr>
+            </a:solidFill>
+            <a:tailEnd type="triangle"/>
+          </a:ln>
+        </p:spPr>
+        <p:style>
+          <a:lnRef idx="1">
+            <a:schemeClr val="accent1"/>
+          </a:lnRef>
+          <a:fillRef idx="0">
+            <a:schemeClr val="accent1"/>
+          </a:fillRef>
+          <a:effectRef idx="0">
+            <a:schemeClr val="accent1"/>
+          </a:effectRef>
+          <a:fontRef idx="minor">
+            <a:schemeClr val="tx1"/>
+          </a:fontRef>
+        </p:style>
+      </p:cxnSp>
+      <p:cxnSp>
+        <p:nvCxnSpPr>
+          <p:cNvPr id="18" name="Straight Arrow Connector 17"/>
+          <p:cNvCxnSpPr>
+            <a:stCxn id="14" idx="0"/>
+          </p:cNvCxnSpPr>
+          <p:nvPr/>
+        </p:nvCxnSpPr>
+        <p:spPr>
+          <a:xfrm flipV="1">
+            <a:off x="5155798" y="5013279"/>
+            <a:ext cx="0" cy="896203"/>
+          </a:xfrm>
+          <a:prstGeom prst="straightConnector1">
+            <a:avLst/>
+          </a:prstGeom>
+          <a:ln w="57150">
+            <a:solidFill>
+              <a:schemeClr val="bg2">
+                <a:lumMod val="50000"/>
+              </a:schemeClr>
+            </a:solidFill>
+            <a:tailEnd type="triangle"/>
+          </a:ln>
+        </p:spPr>
+        <p:style>
+          <a:lnRef idx="1">
+            <a:schemeClr val="accent1"/>
+          </a:lnRef>
+          <a:fillRef idx="0">
+            <a:schemeClr val="accent1"/>
+          </a:fillRef>
+          <a:effectRef idx="0">
+            <a:schemeClr val="accent1"/>
+          </a:effectRef>
+          <a:fontRef idx="minor">
+            <a:schemeClr val="tx1"/>
+          </a:fontRef>
+        </p:style>
+      </p:cxnSp>
+      <p:cxnSp>
+        <p:nvCxnSpPr>
+          <p:cNvPr id="19" name="Straight Arrow Connector 18"/>
+          <p:cNvCxnSpPr>
+            <a:stCxn id="15" idx="0"/>
+          </p:cNvCxnSpPr>
+          <p:nvPr/>
+        </p:nvCxnSpPr>
+        <p:spPr>
+          <a:xfrm flipV="1">
+            <a:off x="5772222" y="5014417"/>
+            <a:ext cx="0" cy="896203"/>
+          </a:xfrm>
+          <a:prstGeom prst="straightConnector1">
+            <a:avLst/>
+          </a:prstGeom>
+          <a:ln w="57150">
+            <a:solidFill>
+              <a:schemeClr val="bg2">
+                <a:lumMod val="50000"/>
+              </a:schemeClr>
+            </a:solidFill>
+            <a:tailEnd type="triangle"/>
+          </a:ln>
+        </p:spPr>
+        <p:style>
+          <a:lnRef idx="1">
+            <a:schemeClr val="accent1"/>
+          </a:lnRef>
+          <a:fillRef idx="0">
+            <a:schemeClr val="accent1"/>
+          </a:fillRef>
+          <a:effectRef idx="0">
+            <a:schemeClr val="accent1"/>
+          </a:effectRef>
+          <a:fontRef idx="minor">
+            <a:schemeClr val="tx1"/>
+          </a:fontRef>
+        </p:style>
+      </p:cxnSp>
+      <p:sp>
+        <p:nvSpPr>
+          <p:cNvPr id="20" name="Oval 19"/>
+          <p:cNvSpPr/>
+          <p:nvPr/>
+        </p:nvSpPr>
+        <p:spPr>
+          <a:xfrm>
+            <a:off x="6142203" y="5909482"/>
+            <a:ext cx="464024" cy="464024"/>
+          </a:xfrm>
+          <a:prstGeom prst="ellipse">
+            <a:avLst/>
+          </a:prstGeom>
+          <a:solidFill>
+            <a:srgbClr val="FF0000"/>
+          </a:solidFill>
+          <a:ln w="57150">
+            <a:solidFill>
+              <a:schemeClr val="bg2">
+                <a:lumMod val="50000"/>
+              </a:schemeClr>
+            </a:solidFill>
+          </a:ln>
+        </p:spPr>
+        <p:style>
+          <a:lnRef idx="2">
+            <a:schemeClr val="accent1">
+              <a:shade val="50000"/>
+            </a:schemeClr>
+          </a:lnRef>
+          <a:fillRef idx="1">
+            <a:schemeClr val="accent1"/>
+          </a:fillRef>
+          <a:effectRef idx="0">
+            <a:schemeClr val="accent1"/>
+          </a:effectRef>
+          <a:fontRef idx="minor">
+            <a:schemeClr val="lt1"/>
+          </a:fontRef>
+        </p:style>
+        <p:txBody>
+          <a:bodyPr rtlCol="0" anchor="ctr"/>
+          <a:lstStyle/>
+          <a:p>
+            <a:pPr algn="ctr"/>
+            <a:endParaRPr lang="de-DE"/>
+          </a:p>
+        </p:txBody>
+      </p:sp>
+      <p:sp>
+        <p:nvSpPr>
+          <p:cNvPr id="21" name="Oval 20"/>
+          <p:cNvSpPr/>
+          <p:nvPr/>
+        </p:nvSpPr>
+        <p:spPr>
+          <a:xfrm>
+            <a:off x="6758627" y="5910620"/>
+            <a:ext cx="464024" cy="464024"/>
+          </a:xfrm>
+          <a:prstGeom prst="ellipse">
+            <a:avLst/>
+          </a:prstGeom>
+          <a:noFill/>
+          <a:ln w="57150">
+            <a:solidFill>
+              <a:schemeClr val="bg2">
+                <a:lumMod val="50000"/>
+              </a:schemeClr>
+            </a:solidFill>
+          </a:ln>
+        </p:spPr>
+        <p:style>
+          <a:lnRef idx="2">
+            <a:schemeClr val="accent1">
+              <a:shade val="50000"/>
+            </a:schemeClr>
+          </a:lnRef>
+          <a:fillRef idx="1">
+            <a:schemeClr val="accent1"/>
+          </a:fillRef>
+          <a:effectRef idx="0">
+            <a:schemeClr val="accent1"/>
+          </a:effectRef>
+          <a:fontRef idx="minor">
+            <a:schemeClr val="lt1"/>
+          </a:fontRef>
+        </p:style>
+        <p:txBody>
+          <a:bodyPr rtlCol="0" anchor="ctr"/>
+          <a:lstStyle/>
+          <a:p>
+            <a:pPr algn="ctr"/>
+            <a:endParaRPr lang="de-DE"/>
+          </a:p>
+        </p:txBody>
+      </p:sp>
+      <p:sp>
+        <p:nvSpPr>
+          <p:cNvPr id="22" name="Oval 21"/>
+          <p:cNvSpPr/>
+          <p:nvPr/>
+        </p:nvSpPr>
+        <p:spPr>
+          <a:xfrm>
+            <a:off x="7343207" y="5909482"/>
+            <a:ext cx="464024" cy="464024"/>
+          </a:xfrm>
+          <a:prstGeom prst="ellipse">
+            <a:avLst/>
+          </a:prstGeom>
+          <a:noFill/>
+          <a:ln w="57150">
+            <a:solidFill>
+              <a:schemeClr val="bg2">
+                <a:lumMod val="50000"/>
+              </a:schemeClr>
+            </a:solidFill>
+          </a:ln>
+        </p:spPr>
+        <p:style>
+          <a:lnRef idx="2">
+            <a:schemeClr val="accent1">
+              <a:shade val="50000"/>
+            </a:schemeClr>
+          </a:lnRef>
+          <a:fillRef idx="1">
+            <a:schemeClr val="accent1"/>
+          </a:fillRef>
+          <a:effectRef idx="0">
+            <a:schemeClr val="accent1"/>
+          </a:effectRef>
+          <a:fontRef idx="minor">
+            <a:schemeClr val="lt1"/>
+          </a:fontRef>
+        </p:style>
+        <p:txBody>
+          <a:bodyPr rtlCol="0" anchor="ctr"/>
+          <a:lstStyle/>
+          <a:p>
+            <a:pPr algn="ctr"/>
+            <a:endParaRPr lang="de-DE"/>
+          </a:p>
+        </p:txBody>
+      </p:sp>
+      <p:sp>
+        <p:nvSpPr>
+          <p:cNvPr id="23" name="Oval 22"/>
+          <p:cNvSpPr/>
+          <p:nvPr/>
+        </p:nvSpPr>
+        <p:spPr>
+          <a:xfrm>
+            <a:off x="7959631" y="5910620"/>
+            <a:ext cx="464024" cy="464024"/>
+          </a:xfrm>
+          <a:prstGeom prst="ellipse">
+            <a:avLst/>
+          </a:prstGeom>
+          <a:noFill/>
+          <a:ln w="57150">
+            <a:solidFill>
+              <a:schemeClr val="bg2">
+                <a:lumMod val="50000"/>
+              </a:schemeClr>
+            </a:solidFill>
+          </a:ln>
+        </p:spPr>
+        <p:style>
+          <a:lnRef idx="2">
+            <a:schemeClr val="accent1">
+              <a:shade val="50000"/>
+            </a:schemeClr>
+          </a:lnRef>
+          <a:fillRef idx="1">
+            <a:schemeClr val="accent1"/>
+          </a:fillRef>
+          <a:effectRef idx="0">
+            <a:schemeClr val="accent1"/>
+          </a:effectRef>
+          <a:fontRef idx="minor">
+            <a:schemeClr val="lt1"/>
+          </a:fontRef>
+        </p:style>
+        <p:txBody>
+          <a:bodyPr rtlCol="0" anchor="ctr"/>
+          <a:lstStyle/>
+          <a:p>
+            <a:pPr algn="ctr"/>
+            <a:endParaRPr lang="de-DE"/>
+          </a:p>
+        </p:txBody>
+      </p:sp>
+      <p:cxnSp>
+        <p:nvCxnSpPr>
+          <p:cNvPr id="24" name="Straight Arrow Connector 23"/>
+          <p:cNvCxnSpPr>
+            <a:stCxn id="20" idx="0"/>
+          </p:cNvCxnSpPr>
+          <p:nvPr/>
+        </p:nvCxnSpPr>
+        <p:spPr>
+          <a:xfrm flipV="1">
+            <a:off x="6374215" y="5013279"/>
+            <a:ext cx="0" cy="896203"/>
+          </a:xfrm>
+          <a:prstGeom prst="straightConnector1">
+            <a:avLst/>
+          </a:prstGeom>
+          <a:ln w="57150">
+            <a:solidFill>
+              <a:schemeClr val="bg2">
+                <a:lumMod val="50000"/>
+              </a:schemeClr>
+            </a:solidFill>
+            <a:tailEnd type="triangle"/>
+          </a:ln>
+        </p:spPr>
+        <p:style>
+          <a:lnRef idx="1">
+            <a:schemeClr val="accent1"/>
+          </a:lnRef>
+          <a:fillRef idx="0">
+            <a:schemeClr val="accent1"/>
+          </a:fillRef>
+          <a:effectRef idx="0">
+            <a:schemeClr val="accent1"/>
+          </a:effectRef>
+          <a:fontRef idx="minor">
+            <a:schemeClr val="tx1"/>
+          </a:fontRef>
+        </p:style>
+      </p:cxnSp>
+      <p:cxnSp>
+        <p:nvCxnSpPr>
+          <p:cNvPr id="25" name="Straight Arrow Connector 24"/>
+          <p:cNvCxnSpPr>
+            <a:stCxn id="21" idx="0"/>
+          </p:cNvCxnSpPr>
+          <p:nvPr/>
+        </p:nvCxnSpPr>
+        <p:spPr>
+          <a:xfrm flipV="1">
+            <a:off x="6990639" y="5014417"/>
+            <a:ext cx="0" cy="896203"/>
+          </a:xfrm>
+          <a:prstGeom prst="straightConnector1">
+            <a:avLst/>
+          </a:prstGeom>
+          <a:ln w="57150">
+            <a:solidFill>
+              <a:schemeClr val="bg2">
+                <a:lumMod val="50000"/>
+              </a:schemeClr>
+            </a:solidFill>
+            <a:tailEnd type="triangle"/>
+          </a:ln>
+        </p:spPr>
+        <p:style>
+          <a:lnRef idx="1">
+            <a:schemeClr val="accent1"/>
+          </a:lnRef>
+          <a:fillRef idx="0">
+            <a:schemeClr val="accent1"/>
+          </a:fillRef>
+          <a:effectRef idx="0">
+            <a:schemeClr val="accent1"/>
+          </a:effectRef>
+          <a:fontRef idx="minor">
+            <a:schemeClr val="tx1"/>
+          </a:fontRef>
+        </p:style>
+      </p:cxnSp>
+      <p:cxnSp>
+        <p:nvCxnSpPr>
+          <p:cNvPr id="26" name="Straight Arrow Connector 25"/>
+          <p:cNvCxnSpPr>
+            <a:stCxn id="22" idx="0"/>
+          </p:cNvCxnSpPr>
+          <p:nvPr/>
+        </p:nvCxnSpPr>
+        <p:spPr>
+          <a:xfrm flipV="1">
+            <a:off x="7575219" y="5013279"/>
+            <a:ext cx="0" cy="896203"/>
+          </a:xfrm>
+          <a:prstGeom prst="straightConnector1">
+            <a:avLst/>
+          </a:prstGeom>
+          <a:ln w="57150">
+            <a:solidFill>
+              <a:schemeClr val="bg2">
+                <a:lumMod val="50000"/>
+              </a:schemeClr>
+            </a:solidFill>
+            <a:tailEnd type="triangle"/>
+          </a:ln>
+        </p:spPr>
+        <p:style>
+          <a:lnRef idx="1">
+            <a:schemeClr val="accent1"/>
+          </a:lnRef>
+          <a:fillRef idx="0">
+            <a:schemeClr val="accent1"/>
+          </a:fillRef>
+          <a:effectRef idx="0">
+            <a:schemeClr val="accent1"/>
+          </a:effectRef>
+          <a:fontRef idx="minor">
+            <a:schemeClr val="tx1"/>
+          </a:fontRef>
+        </p:style>
+      </p:cxnSp>
+      <p:cxnSp>
+        <p:nvCxnSpPr>
+          <p:cNvPr id="27" name="Straight Arrow Connector 26"/>
+          <p:cNvCxnSpPr>
+            <a:stCxn id="23" idx="0"/>
+          </p:cNvCxnSpPr>
+          <p:nvPr/>
+        </p:nvCxnSpPr>
+        <p:spPr>
+          <a:xfrm flipV="1">
+            <a:off x="8191643" y="5014417"/>
+            <a:ext cx="0" cy="896203"/>
+          </a:xfrm>
+          <a:prstGeom prst="straightConnector1">
+            <a:avLst/>
+          </a:prstGeom>
+          <a:ln w="57150">
+            <a:solidFill>
+              <a:schemeClr val="bg2">
+                <a:lumMod val="50000"/>
+              </a:schemeClr>
+            </a:solidFill>
+            <a:tailEnd type="triangle"/>
+          </a:ln>
+        </p:spPr>
+        <p:style>
+          <a:lnRef idx="1">
+            <a:schemeClr val="accent1"/>
+          </a:lnRef>
+          <a:fillRef idx="0">
+            <a:schemeClr val="accent1"/>
+          </a:fillRef>
+          <a:effectRef idx="0">
+            <a:schemeClr val="accent1"/>
+          </a:effectRef>
+          <a:fontRef idx="minor">
+            <a:schemeClr val="tx1"/>
+          </a:fontRef>
+        </p:style>
+      </p:cxnSp>
+      <p:sp>
+        <p:nvSpPr>
+          <p:cNvPr id="28" name="Oval 27"/>
+          <p:cNvSpPr/>
+          <p:nvPr/>
+        </p:nvSpPr>
+        <p:spPr>
+          <a:xfrm>
+            <a:off x="8572997" y="5918582"/>
+            <a:ext cx="464024" cy="464024"/>
+          </a:xfrm>
+          <a:prstGeom prst="ellipse">
+            <a:avLst/>
+          </a:prstGeom>
+          <a:noFill/>
+          <a:ln w="57150">
+            <a:solidFill>
+              <a:schemeClr val="bg2">
+                <a:lumMod val="50000"/>
+              </a:schemeClr>
+            </a:solidFill>
+          </a:ln>
+        </p:spPr>
+        <p:style>
+          <a:lnRef idx="2">
+            <a:schemeClr val="accent1">
+              <a:shade val="50000"/>
+            </a:schemeClr>
+          </a:lnRef>
+          <a:fillRef idx="1">
+            <a:schemeClr val="accent1"/>
+          </a:fillRef>
+          <a:effectRef idx="0">
+            <a:schemeClr val="accent1"/>
+          </a:effectRef>
+          <a:fontRef idx="minor">
+            <a:schemeClr val="lt1"/>
+          </a:fontRef>
+        </p:style>
+        <p:txBody>
+          <a:bodyPr rtlCol="0" anchor="ctr"/>
+          <a:lstStyle/>
+          <a:p>
+            <a:pPr algn="ctr"/>
+            <a:endParaRPr lang="de-DE"/>
+          </a:p>
+        </p:txBody>
+      </p:sp>
+      <p:sp>
+        <p:nvSpPr>
+          <p:cNvPr id="29" name="Oval 28"/>
+          <p:cNvSpPr/>
+          <p:nvPr/>
+        </p:nvSpPr>
+        <p:spPr>
+          <a:xfrm>
+            <a:off x="9189421" y="5919720"/>
+            <a:ext cx="464024" cy="464024"/>
+          </a:xfrm>
+          <a:prstGeom prst="ellipse">
+            <a:avLst/>
+          </a:prstGeom>
+          <a:noFill/>
+          <a:ln w="57150">
+            <a:solidFill>
+              <a:schemeClr val="bg2">
+                <a:lumMod val="50000"/>
+              </a:schemeClr>
+            </a:solidFill>
+          </a:ln>
+        </p:spPr>
+        <p:style>
+          <a:lnRef idx="2">
+            <a:schemeClr val="accent1">
+              <a:shade val="50000"/>
+            </a:schemeClr>
+          </a:lnRef>
+          <a:fillRef idx="1">
+            <a:schemeClr val="accent1"/>
+          </a:fillRef>
+          <a:effectRef idx="0">
+            <a:schemeClr val="accent1"/>
+          </a:effectRef>
+          <a:fontRef idx="minor">
+            <a:schemeClr val="lt1"/>
+          </a:fontRef>
+        </p:style>
+        <p:txBody>
+          <a:bodyPr rtlCol="0" anchor="ctr"/>
+          <a:lstStyle/>
+          <a:p>
+            <a:pPr algn="ctr"/>
+            <a:endParaRPr lang="de-DE"/>
+          </a:p>
+        </p:txBody>
+      </p:sp>
+      <p:sp>
+        <p:nvSpPr>
+          <p:cNvPr id="30" name="Oval 29"/>
+          <p:cNvSpPr/>
+          <p:nvPr/>
+        </p:nvSpPr>
+        <p:spPr>
+          <a:xfrm>
+            <a:off x="9774001" y="5918582"/>
+            <a:ext cx="464024" cy="464024"/>
+          </a:xfrm>
+          <a:prstGeom prst="ellipse">
+            <a:avLst/>
+          </a:prstGeom>
+          <a:noFill/>
+          <a:ln w="57150">
+            <a:solidFill>
+              <a:schemeClr val="bg2">
+                <a:lumMod val="50000"/>
+              </a:schemeClr>
+            </a:solidFill>
+          </a:ln>
+        </p:spPr>
+        <p:style>
+          <a:lnRef idx="2">
+            <a:schemeClr val="accent1">
+              <a:shade val="50000"/>
+            </a:schemeClr>
+          </a:lnRef>
+          <a:fillRef idx="1">
+            <a:schemeClr val="accent1"/>
+          </a:fillRef>
+          <a:effectRef idx="0">
+            <a:schemeClr val="accent1"/>
+          </a:effectRef>
+          <a:fontRef idx="minor">
+            <a:schemeClr val="lt1"/>
+          </a:fontRef>
+        </p:style>
+        <p:txBody>
+          <a:bodyPr rtlCol="0" anchor="ctr"/>
+          <a:lstStyle/>
+          <a:p>
+            <a:pPr algn="ctr"/>
+            <a:endParaRPr lang="de-DE"/>
+          </a:p>
+        </p:txBody>
+      </p:sp>
+      <p:sp>
+        <p:nvSpPr>
+          <p:cNvPr id="31" name="Oval 30"/>
+          <p:cNvSpPr/>
+          <p:nvPr/>
+        </p:nvSpPr>
+        <p:spPr>
+          <a:xfrm>
+            <a:off x="10390425" y="5919720"/>
+            <a:ext cx="464024" cy="464024"/>
+          </a:xfrm>
+          <a:prstGeom prst="ellipse">
+            <a:avLst/>
+          </a:prstGeom>
+          <a:noFill/>
+          <a:ln w="57150">
+            <a:solidFill>
+              <a:schemeClr val="bg2">
+                <a:lumMod val="50000"/>
+              </a:schemeClr>
+            </a:solidFill>
+          </a:ln>
+        </p:spPr>
+        <p:style>
+          <a:lnRef idx="2">
+            <a:schemeClr val="accent1">
+              <a:shade val="50000"/>
+            </a:schemeClr>
+          </a:lnRef>
+          <a:fillRef idx="1">
+            <a:schemeClr val="accent1"/>
+          </a:fillRef>
+          <a:effectRef idx="0">
+            <a:schemeClr val="accent1"/>
+          </a:effectRef>
+          <a:fontRef idx="minor">
+            <a:schemeClr val="lt1"/>
+          </a:fontRef>
+        </p:style>
+        <p:txBody>
+          <a:bodyPr rtlCol="0" anchor="ctr"/>
+          <a:lstStyle/>
+          <a:p>
+            <a:pPr algn="ctr"/>
+            <a:endParaRPr lang="de-DE"/>
+          </a:p>
+        </p:txBody>
+      </p:sp>
+      <p:cxnSp>
+        <p:nvCxnSpPr>
+          <p:cNvPr id="32" name="Straight Arrow Connector 31"/>
+          <p:cNvCxnSpPr>
+            <a:stCxn id="28" idx="0"/>
+          </p:cNvCxnSpPr>
+          <p:nvPr/>
+        </p:nvCxnSpPr>
+        <p:spPr>
+          <a:xfrm flipV="1">
+            <a:off x="8805009" y="5022379"/>
+            <a:ext cx="0" cy="896203"/>
+          </a:xfrm>
+          <a:prstGeom prst="straightConnector1">
+            <a:avLst/>
+          </a:prstGeom>
+          <a:ln w="57150">
+            <a:solidFill>
+              <a:schemeClr val="bg2">
+                <a:lumMod val="50000"/>
+              </a:schemeClr>
+            </a:solidFill>
+            <a:tailEnd type="triangle"/>
+          </a:ln>
+        </p:spPr>
+        <p:style>
+          <a:lnRef idx="1">
+            <a:schemeClr val="accent1"/>
+          </a:lnRef>
+          <a:fillRef idx="0">
+            <a:schemeClr val="accent1"/>
+          </a:fillRef>
+          <a:effectRef idx="0">
+            <a:schemeClr val="accent1"/>
+          </a:effectRef>
+          <a:fontRef idx="minor">
+            <a:schemeClr val="tx1"/>
+          </a:fontRef>
+        </p:style>
+      </p:cxnSp>
+      <p:cxnSp>
+        <p:nvCxnSpPr>
+          <p:cNvPr id="33" name="Straight Arrow Connector 32"/>
+          <p:cNvCxnSpPr>
+            <a:stCxn id="29" idx="0"/>
+          </p:cNvCxnSpPr>
+          <p:nvPr/>
+        </p:nvCxnSpPr>
+        <p:spPr>
+          <a:xfrm flipV="1">
+            <a:off x="9421433" y="5023517"/>
+            <a:ext cx="0" cy="896203"/>
+          </a:xfrm>
+          <a:prstGeom prst="straightConnector1">
+            <a:avLst/>
+          </a:prstGeom>
+          <a:ln w="57150">
+            <a:solidFill>
+              <a:schemeClr val="bg2">
+                <a:lumMod val="50000"/>
+              </a:schemeClr>
+            </a:solidFill>
+            <a:tailEnd type="triangle"/>
+          </a:ln>
+        </p:spPr>
+        <p:style>
+          <a:lnRef idx="1">
+            <a:schemeClr val="accent1"/>
+          </a:lnRef>
+          <a:fillRef idx="0">
+            <a:schemeClr val="accent1"/>
+          </a:fillRef>
+          <a:effectRef idx="0">
+            <a:schemeClr val="accent1"/>
+          </a:effectRef>
+          <a:fontRef idx="minor">
+            <a:schemeClr val="tx1"/>
+          </a:fontRef>
+        </p:style>
+      </p:cxnSp>
+      <p:cxnSp>
+        <p:nvCxnSpPr>
+          <p:cNvPr id="34" name="Straight Arrow Connector 33"/>
+          <p:cNvCxnSpPr>
+            <a:stCxn id="30" idx="0"/>
+          </p:cNvCxnSpPr>
+          <p:nvPr/>
+        </p:nvCxnSpPr>
+        <p:spPr>
+          <a:xfrm flipV="1">
+            <a:off x="10006013" y="5022379"/>
+            <a:ext cx="0" cy="896203"/>
+          </a:xfrm>
+          <a:prstGeom prst="straightConnector1">
+            <a:avLst/>
+          </a:prstGeom>
+          <a:ln w="57150">
+            <a:solidFill>
+              <a:schemeClr val="bg2">
+                <a:lumMod val="50000"/>
+              </a:schemeClr>
+            </a:solidFill>
+            <a:tailEnd type="triangle"/>
+          </a:ln>
+        </p:spPr>
+        <p:style>
+          <a:lnRef idx="1">
+            <a:schemeClr val="accent1"/>
+          </a:lnRef>
+          <a:fillRef idx="0">
+            <a:schemeClr val="accent1"/>
+          </a:fillRef>
+          <a:effectRef idx="0">
+            <a:schemeClr val="accent1"/>
+          </a:effectRef>
+          <a:fontRef idx="minor">
+            <a:schemeClr val="tx1"/>
+          </a:fontRef>
+        </p:style>
+      </p:cxnSp>
+      <p:cxnSp>
+        <p:nvCxnSpPr>
+          <p:cNvPr id="35" name="Straight Arrow Connector 34"/>
+          <p:cNvCxnSpPr>
+            <a:stCxn id="31" idx="0"/>
+          </p:cNvCxnSpPr>
+          <p:nvPr/>
+        </p:nvCxnSpPr>
+        <p:spPr>
+          <a:xfrm flipV="1">
+            <a:off x="10622437" y="5023517"/>
+            <a:ext cx="0" cy="896203"/>
+          </a:xfrm>
+          <a:prstGeom prst="straightConnector1">
+            <a:avLst/>
+          </a:prstGeom>
+          <a:ln w="57150">
+            <a:solidFill>
+              <a:schemeClr val="bg2">
+                <a:lumMod val="50000"/>
+              </a:schemeClr>
+            </a:solidFill>
+            <a:tailEnd type="triangle"/>
+          </a:ln>
+        </p:spPr>
+        <p:style>
+          <a:lnRef idx="1">
+            <a:schemeClr val="accent1"/>
+          </a:lnRef>
+          <a:fillRef idx="0">
+            <a:schemeClr val="accent1"/>
+          </a:fillRef>
+          <a:effectRef idx="0">
+            <a:schemeClr val="accent1"/>
+          </a:effectRef>
+          <a:fontRef idx="minor">
+            <a:schemeClr val="tx1"/>
+          </a:fontRef>
+        </p:style>
+      </p:cxnSp>
+    </p:spTree>
+    <p:extLst>
+      <p:ext uri="{BB962C8B-B14F-4D97-AF65-F5344CB8AC3E}">
+        <p14:creationId xmlns:p14="http://schemas.microsoft.com/office/powerpoint/2010/main" val="4011647275"/>
+      </p:ext>
+    </p:extLst>
+  </p:cSld>
+  <p:clrMapOvr>
+    <a:masterClrMapping/>
+  </p:clrMapOvr>
+</p:sld>
+</file>
+
+<file path=ppt/slides/slide31.xml><?xml version="1.0" encoding="utf-8"?>
+<p:sld xmlns:a="http://schemas.openxmlformats.org/drawingml/2006/main" xmlns:r="http://schemas.openxmlformats.org/officeDocument/2006/relationships" xmlns:p="http://schemas.openxmlformats.org/presentationml/2006/main">
+  <p:cSld>
+    <p:spTree>
+      <p:nvGrpSpPr>
+        <p:cNvPr id="1" name=""/>
+        <p:cNvGrpSpPr/>
+        <p:nvPr/>
+      </p:nvGrpSpPr>
+      <p:grpSpPr>
+        <a:xfrm>
+          <a:off x="0" y="0"/>
+          <a:ext cx="0" cy="0"/>
+          <a:chOff x="0" y="0"/>
+          <a:chExt cx="0" cy="0"/>
+        </a:xfrm>
+      </p:grpSpPr>
+      <p:sp>
+        <p:nvSpPr>
+          <p:cNvPr id="2" name="Title 1"/>
+          <p:cNvSpPr>
+            <a:spLocks noGrp="1"/>
+          </p:cNvSpPr>
+          <p:nvPr>
+            <p:ph type="title"/>
+          </p:nvPr>
+        </p:nvSpPr>
+        <p:spPr/>
+        <p:txBody>
+          <a:bodyPr/>
+          <a:lstStyle/>
+          <a:p>
+            <a:r>
+              <a:rPr lang="de-DE" dirty="0" smtClean="0"/>
+              <a:t>Simulation von Anwendungslandschaften</a:t>
+            </a:r>
+            <a:endParaRPr lang="de-DE" dirty="0"/>
+          </a:p>
+        </p:txBody>
+      </p:sp>
+    </p:spTree>
+    <p:extLst>
+      <p:ext uri="{BB962C8B-B14F-4D97-AF65-F5344CB8AC3E}">
+        <p14:creationId xmlns:p14="http://schemas.microsoft.com/office/powerpoint/2010/main" val="2569322258"/>
+      </p:ext>
+    </p:extLst>
+  </p:cSld>
+  <p:clrMapOvr>
+    <a:masterClrMapping/>
+  </p:clrMapOvr>
+</p:sld>
+</file>
+
+<file path=ppt/slides/slide32.xml><?xml version="1.0" encoding="utf-8"?>
+<p:sld xmlns:a="http://schemas.openxmlformats.org/drawingml/2006/main" xmlns:r="http://schemas.openxmlformats.org/officeDocument/2006/relationships" xmlns:p="http://schemas.openxmlformats.org/presentationml/2006/main">
+  <p:cSld>
+    <p:spTree>
+      <p:nvGrpSpPr>
+        <p:cNvPr id="1" name=""/>
+        <p:cNvGrpSpPr/>
+        <p:nvPr/>
+      </p:nvGrpSpPr>
+      <p:grpSpPr>
+        <a:xfrm>
+          <a:off x="0" y="0"/>
+          <a:ext cx="0" cy="0"/>
+          <a:chOff x="0" y="0"/>
+          <a:chExt cx="0" cy="0"/>
+        </a:xfrm>
+      </p:grpSpPr>
+      <p:sp>
+        <p:nvSpPr>
+          <p:cNvPr id="2" name="Title 1"/>
+          <p:cNvSpPr>
+            <a:spLocks noGrp="1"/>
+          </p:cNvSpPr>
+          <p:nvPr>
+            <p:ph type="title"/>
+          </p:nvPr>
+        </p:nvSpPr>
+        <p:spPr/>
+        <p:txBody>
+          <a:bodyPr/>
+          <a:lstStyle/>
+          <a:p>
+            <a:r>
+              <a:rPr lang="de-DE" dirty="0" smtClean="0"/>
+              <a:t>Simulation von Anwendungslandschaften</a:t>
+            </a:r>
+            <a:endParaRPr lang="de-DE" dirty="0"/>
+          </a:p>
+        </p:txBody>
+      </p:sp>
+      <p:sp>
+        <p:nvSpPr>
+          <p:cNvPr id="4" name="Rectangle 3"/>
+          <p:cNvSpPr/>
+          <p:nvPr/>
+        </p:nvSpPr>
+        <p:spPr>
+          <a:xfrm>
+            <a:off x="5997167" y="1690688"/>
+            <a:ext cx="5226069" cy="4568588"/>
+          </a:xfrm>
+          <a:prstGeom prst="rect">
+            <a:avLst/>
+          </a:prstGeom>
+          <a:solidFill>
+            <a:schemeClr val="bg1"/>
+          </a:solidFill>
+          <a:ln w="57150"/>
+        </p:spPr>
+        <p:style>
+          <a:lnRef idx="2">
+            <a:schemeClr val="accent1">
+              <a:shade val="50000"/>
+            </a:schemeClr>
+          </a:lnRef>
+          <a:fillRef idx="1">
+            <a:schemeClr val="accent1"/>
+          </a:fillRef>
+          <a:effectRef idx="0">
+            <a:schemeClr val="accent1"/>
+          </a:effectRef>
+          <a:fontRef idx="minor">
+            <a:schemeClr val="lt1"/>
+          </a:fontRef>
+        </p:style>
+        <p:txBody>
+          <a:bodyPr rtlCol="0" anchor="ctr"/>
+          <a:lstStyle/>
+          <a:p>
+            <a:pPr algn="ctr"/>
+            <a:r>
+              <a:rPr lang="de-DE" sz="2400" dirty="0" smtClean="0">
+                <a:solidFill>
+                  <a:schemeClr val="tx1"/>
+                </a:solidFill>
+              </a:rPr>
+              <a:t>Anwendungslandschaft</a:t>
+            </a:r>
+            <a:endParaRPr lang="de-DE" dirty="0">
+              <a:solidFill>
+                <a:schemeClr val="tx1"/>
+              </a:solidFill>
+            </a:endParaRPr>
+          </a:p>
+        </p:txBody>
+      </p:sp>
+      <p:sp>
+        <p:nvSpPr>
+          <p:cNvPr id="5" name="Rectangle 4"/>
+          <p:cNvSpPr/>
+          <p:nvPr/>
+        </p:nvSpPr>
+        <p:spPr>
+          <a:xfrm>
+            <a:off x="661006" y="1690688"/>
+            <a:ext cx="3849579" cy="1352763"/>
+          </a:xfrm>
+          <a:prstGeom prst="rect">
+            <a:avLst/>
+          </a:prstGeom>
+          <a:solidFill>
+            <a:schemeClr val="bg1"/>
+          </a:solidFill>
+          <a:ln w="57150"/>
+        </p:spPr>
+        <p:style>
+          <a:lnRef idx="2">
+            <a:schemeClr val="accent1">
+              <a:shade val="50000"/>
+            </a:schemeClr>
+          </a:lnRef>
+          <a:fillRef idx="1">
+            <a:schemeClr val="accent1"/>
+          </a:fillRef>
+          <a:effectRef idx="0">
+            <a:schemeClr val="accent1"/>
+          </a:effectRef>
+          <a:fontRef idx="minor">
+            <a:schemeClr val="lt1"/>
+          </a:fontRef>
+        </p:style>
+        <p:txBody>
+          <a:bodyPr rtlCol="0" anchor="ctr"/>
+          <a:lstStyle/>
+          <a:p>
+            <a:pPr algn="ctr"/>
+            <a:r>
+              <a:rPr lang="de-DE" sz="2400" dirty="0" smtClean="0">
+                <a:solidFill>
+                  <a:schemeClr val="tx1"/>
+                </a:solidFill>
+              </a:rPr>
+              <a:t>Agent</a:t>
+            </a:r>
+            <a:endParaRPr lang="de-DE" dirty="0">
+              <a:solidFill>
+                <a:schemeClr val="tx1"/>
+              </a:solidFill>
+            </a:endParaRPr>
+          </a:p>
+        </p:txBody>
+      </p:sp>
+      <p:sp>
+        <p:nvSpPr>
+          <p:cNvPr id="7" name="Rectangle 6"/>
+          <p:cNvSpPr/>
+          <p:nvPr/>
+        </p:nvSpPr>
+        <p:spPr>
+          <a:xfrm>
+            <a:off x="661006" y="3298600"/>
+            <a:ext cx="3849579" cy="1352763"/>
+          </a:xfrm>
+          <a:prstGeom prst="rect">
+            <a:avLst/>
+          </a:prstGeom>
+          <a:solidFill>
+            <a:schemeClr val="bg1"/>
+          </a:solidFill>
+          <a:ln w="57150"/>
+        </p:spPr>
+        <p:style>
+          <a:lnRef idx="2">
+            <a:schemeClr val="accent1">
+              <a:shade val="50000"/>
+            </a:schemeClr>
+          </a:lnRef>
+          <a:fillRef idx="1">
+            <a:schemeClr val="accent1"/>
+          </a:fillRef>
+          <a:effectRef idx="0">
+            <a:schemeClr val="accent1"/>
+          </a:effectRef>
+          <a:fontRef idx="minor">
+            <a:schemeClr val="lt1"/>
+          </a:fontRef>
+        </p:style>
+        <p:txBody>
+          <a:bodyPr rtlCol="0" anchor="ctr"/>
+          <a:lstStyle/>
+          <a:p>
+            <a:pPr algn="ctr"/>
+            <a:r>
+              <a:rPr lang="de-DE" sz="2400" dirty="0" smtClean="0">
+                <a:solidFill>
+                  <a:schemeClr val="tx1"/>
+                </a:solidFill>
+              </a:rPr>
+              <a:t>Agent</a:t>
+            </a:r>
+            <a:endParaRPr lang="de-DE" dirty="0">
+              <a:solidFill>
+                <a:schemeClr val="tx1"/>
+              </a:solidFill>
+            </a:endParaRPr>
+          </a:p>
+        </p:txBody>
+      </p:sp>
+      <p:sp>
+        <p:nvSpPr>
+          <p:cNvPr id="8" name="Rectangle 7"/>
+          <p:cNvSpPr/>
+          <p:nvPr/>
+        </p:nvSpPr>
+        <p:spPr>
+          <a:xfrm>
+            <a:off x="661006" y="4906512"/>
+            <a:ext cx="3849579" cy="1352763"/>
+          </a:xfrm>
+          <a:prstGeom prst="rect">
+            <a:avLst/>
+          </a:prstGeom>
+          <a:solidFill>
+            <a:schemeClr val="bg1"/>
+          </a:solidFill>
+          <a:ln w="57150"/>
+        </p:spPr>
+        <p:style>
+          <a:lnRef idx="2">
+            <a:schemeClr val="accent1">
+              <a:shade val="50000"/>
+            </a:schemeClr>
+          </a:lnRef>
+          <a:fillRef idx="1">
+            <a:schemeClr val="accent1"/>
+          </a:fillRef>
+          <a:effectRef idx="0">
+            <a:schemeClr val="accent1"/>
+          </a:effectRef>
+          <a:fontRef idx="minor">
+            <a:schemeClr val="lt1"/>
+          </a:fontRef>
+        </p:style>
+        <p:txBody>
+          <a:bodyPr rtlCol="0" anchor="ctr"/>
+          <a:lstStyle/>
+          <a:p>
+            <a:pPr algn="ctr"/>
+            <a:r>
+              <a:rPr lang="de-DE" sz="2400" dirty="0" smtClean="0">
+                <a:solidFill>
+                  <a:schemeClr val="tx1"/>
+                </a:solidFill>
+              </a:rPr>
+              <a:t>Agent</a:t>
+            </a:r>
+            <a:endParaRPr lang="de-DE" dirty="0">
+              <a:solidFill>
+                <a:schemeClr val="tx1"/>
+              </a:solidFill>
+            </a:endParaRPr>
+          </a:p>
+        </p:txBody>
+      </p:sp>
+      <p:cxnSp>
+        <p:nvCxnSpPr>
+          <p:cNvPr id="9" name="Straight Arrow Connector 8"/>
+          <p:cNvCxnSpPr>
+            <a:stCxn id="5" idx="3"/>
+          </p:cNvCxnSpPr>
+          <p:nvPr/>
+        </p:nvCxnSpPr>
+        <p:spPr>
+          <a:xfrm flipV="1">
+            <a:off x="4510585" y="2361063"/>
+            <a:ext cx="1486582" cy="6007"/>
+          </a:xfrm>
+          <a:prstGeom prst="straightConnector1">
+            <a:avLst/>
+          </a:prstGeom>
+          <a:ln w="57150">
+            <a:solidFill>
+              <a:schemeClr val="bg2">
+                <a:lumMod val="50000"/>
+              </a:schemeClr>
+            </a:solidFill>
+            <a:headEnd type="triangle" w="med" len="med"/>
+            <a:tailEnd type="triangle" w="med" len="med"/>
+          </a:ln>
+        </p:spPr>
+        <p:style>
+          <a:lnRef idx="1">
+            <a:schemeClr val="accent1"/>
+          </a:lnRef>
+          <a:fillRef idx="0">
+            <a:schemeClr val="accent1"/>
+          </a:fillRef>
+          <a:effectRef idx="0">
+            <a:schemeClr val="accent1"/>
+          </a:effectRef>
+          <a:fontRef idx="minor">
+            <a:schemeClr val="tx1"/>
+          </a:fontRef>
+        </p:style>
+      </p:cxnSp>
+      <p:cxnSp>
+        <p:nvCxnSpPr>
+          <p:cNvPr id="12" name="Straight Arrow Connector 11"/>
+          <p:cNvCxnSpPr/>
+          <p:nvPr/>
+        </p:nvCxnSpPr>
+        <p:spPr>
+          <a:xfrm flipV="1">
+            <a:off x="4510585" y="3965971"/>
+            <a:ext cx="1486582" cy="6007"/>
+          </a:xfrm>
+          <a:prstGeom prst="straightConnector1">
+            <a:avLst/>
+          </a:prstGeom>
+          <a:ln w="57150">
+            <a:solidFill>
+              <a:schemeClr val="bg2">
+                <a:lumMod val="50000"/>
+              </a:schemeClr>
+            </a:solidFill>
+            <a:headEnd type="triangle" w="med" len="med"/>
+            <a:tailEnd type="triangle" w="med" len="med"/>
+          </a:ln>
+        </p:spPr>
+        <p:style>
+          <a:lnRef idx="1">
+            <a:schemeClr val="accent1"/>
+          </a:lnRef>
+          <a:fillRef idx="0">
+            <a:schemeClr val="accent1"/>
+          </a:fillRef>
+          <a:effectRef idx="0">
+            <a:schemeClr val="accent1"/>
+          </a:effectRef>
+          <a:fontRef idx="minor">
+            <a:schemeClr val="tx1"/>
+          </a:fontRef>
+        </p:style>
+      </p:cxnSp>
+      <p:cxnSp>
+        <p:nvCxnSpPr>
+          <p:cNvPr id="13" name="Straight Arrow Connector 12"/>
+          <p:cNvCxnSpPr/>
+          <p:nvPr/>
+        </p:nvCxnSpPr>
+        <p:spPr>
+          <a:xfrm flipV="1">
+            <a:off x="4516897" y="5570879"/>
+            <a:ext cx="1486582" cy="6007"/>
+          </a:xfrm>
+          <a:prstGeom prst="straightConnector1">
+            <a:avLst/>
+          </a:prstGeom>
+          <a:ln w="57150">
+            <a:solidFill>
+              <a:schemeClr val="bg2">
+                <a:lumMod val="50000"/>
+              </a:schemeClr>
+            </a:solidFill>
+            <a:headEnd type="triangle" w="med" len="med"/>
+            <a:tailEnd type="triangle" w="med" len="med"/>
+          </a:ln>
+        </p:spPr>
+        <p:style>
+          <a:lnRef idx="1">
+            <a:schemeClr val="accent1"/>
+          </a:lnRef>
+          <a:fillRef idx="0">
+            <a:schemeClr val="accent1"/>
+          </a:fillRef>
+          <a:effectRef idx="0">
+            <a:schemeClr val="accent1"/>
+          </a:effectRef>
+          <a:fontRef idx="minor">
+            <a:schemeClr val="tx1"/>
+          </a:fontRef>
+        </p:style>
+      </p:cxnSp>
+    </p:spTree>
+    <p:extLst>
+      <p:ext uri="{BB962C8B-B14F-4D97-AF65-F5344CB8AC3E}">
+        <p14:creationId xmlns:p14="http://schemas.microsoft.com/office/powerpoint/2010/main" val="1217098104"/>
+      </p:ext>
+    </p:extLst>
+  </p:cSld>
+  <p:clrMapOvr>
+    <a:masterClrMapping/>
+  </p:clrMapOvr>
+</p:sld>
+</file>
+
+<file path=ppt/slides/slide33.xml><?xml version="1.0" encoding="utf-8"?>
+<p:sld xmlns:a="http://schemas.openxmlformats.org/drawingml/2006/main" xmlns:r="http://schemas.openxmlformats.org/officeDocument/2006/relationships" xmlns:p="http://schemas.openxmlformats.org/presentationml/2006/main">
+  <p:cSld>
+    <p:spTree>
+      <p:nvGrpSpPr>
+        <p:cNvPr id="1" name=""/>
+        <p:cNvGrpSpPr/>
+        <p:nvPr/>
+      </p:nvGrpSpPr>
+      <p:grpSpPr>
+        <a:xfrm>
+          <a:off x="0" y="0"/>
+          <a:ext cx="0" cy="0"/>
+          <a:chOff x="0" y="0"/>
+          <a:chExt cx="0" cy="0"/>
+        </a:xfrm>
+      </p:grpSpPr>
+      <p:sp>
+        <p:nvSpPr>
+          <p:cNvPr id="2" name="Title 1"/>
+          <p:cNvSpPr>
+            <a:spLocks noGrp="1"/>
+          </p:cNvSpPr>
+          <p:nvPr>
+            <p:ph type="title"/>
+          </p:nvPr>
+        </p:nvSpPr>
+        <p:spPr/>
+        <p:txBody>
+          <a:bodyPr/>
+          <a:lstStyle/>
+          <a:p>
+            <a:r>
+              <a:rPr lang="de-DE" dirty="0" smtClean="0"/>
+              <a:t>State </a:t>
+            </a:r>
+            <a:r>
+              <a:rPr lang="de-DE" dirty="0" err="1" smtClean="0"/>
+              <a:t>Machine</a:t>
+            </a:r>
+            <a:r>
+              <a:rPr lang="de-DE" dirty="0" smtClean="0"/>
+              <a:t> Agent</a:t>
+            </a:r>
+            <a:endParaRPr lang="de-DE" dirty="0"/>
+          </a:p>
+        </p:txBody>
+      </p:sp>
+      <p:sp>
+        <p:nvSpPr>
+          <p:cNvPr id="4" name="Rectangle 3"/>
+          <p:cNvSpPr/>
+          <p:nvPr/>
+        </p:nvSpPr>
+        <p:spPr>
+          <a:xfrm>
+            <a:off x="9321421" y="1690688"/>
+            <a:ext cx="1901815" cy="4568588"/>
+          </a:xfrm>
+          <a:prstGeom prst="rect">
+            <a:avLst/>
+          </a:prstGeom>
+          <a:solidFill>
+            <a:schemeClr val="bg1"/>
+          </a:solidFill>
+          <a:ln w="57150"/>
+        </p:spPr>
+        <p:style>
+          <a:lnRef idx="2">
+            <a:schemeClr val="accent1">
+              <a:shade val="50000"/>
+            </a:schemeClr>
+          </a:lnRef>
+          <a:fillRef idx="1">
+            <a:schemeClr val="accent1"/>
+          </a:fillRef>
+          <a:effectRef idx="0">
+            <a:schemeClr val="accent1"/>
+          </a:effectRef>
+          <a:fontRef idx="minor">
+            <a:schemeClr val="lt1"/>
+          </a:fontRef>
+        </p:style>
+        <p:txBody>
+          <a:bodyPr rtlCol="0" anchor="ctr"/>
+          <a:lstStyle/>
+          <a:p>
+            <a:pPr algn="ctr"/>
+            <a:r>
+              <a:rPr lang="de-DE" sz="2400" dirty="0" smtClean="0">
+                <a:solidFill>
+                  <a:schemeClr val="tx1"/>
+                </a:solidFill>
+              </a:rPr>
+              <a:t>Anwendungs- </a:t>
+            </a:r>
+            <a:r>
+              <a:rPr lang="de-DE" sz="2400" dirty="0" err="1" smtClean="0">
+                <a:solidFill>
+                  <a:schemeClr val="tx1"/>
+                </a:solidFill>
+              </a:rPr>
+              <a:t>landschaft</a:t>
+            </a:r>
+            <a:endParaRPr lang="de-DE" dirty="0">
+              <a:solidFill>
+                <a:schemeClr val="tx1"/>
+              </a:solidFill>
+            </a:endParaRPr>
+          </a:p>
+        </p:txBody>
+      </p:sp>
+      <p:sp>
+        <p:nvSpPr>
+          <p:cNvPr id="5" name="Rectangle 4"/>
+          <p:cNvSpPr/>
+          <p:nvPr/>
+        </p:nvSpPr>
+        <p:spPr>
+          <a:xfrm>
+            <a:off x="661006" y="1690688"/>
+            <a:ext cx="7466236" cy="4568588"/>
+          </a:xfrm>
+          <a:prstGeom prst="rect">
+            <a:avLst/>
+          </a:prstGeom>
+          <a:solidFill>
+            <a:schemeClr val="bg1"/>
+          </a:solidFill>
+          <a:ln w="57150"/>
+        </p:spPr>
+        <p:style>
+          <a:lnRef idx="2">
+            <a:schemeClr val="accent1">
+              <a:shade val="50000"/>
+            </a:schemeClr>
+          </a:lnRef>
+          <a:fillRef idx="1">
+            <a:schemeClr val="accent1"/>
+          </a:fillRef>
+          <a:effectRef idx="0">
+            <a:schemeClr val="accent1"/>
+          </a:effectRef>
+          <a:fontRef idx="minor">
+            <a:schemeClr val="lt1"/>
+          </a:fontRef>
+        </p:style>
+        <p:txBody>
+          <a:bodyPr rtlCol="0" anchor="ctr"/>
+          <a:lstStyle/>
+          <a:p>
+            <a:r>
+              <a:rPr lang="de-DE" sz="2400" dirty="0" smtClean="0">
+                <a:solidFill>
+                  <a:schemeClr val="tx1"/>
+                </a:solidFill>
+              </a:rPr>
+              <a:t>Agent</a:t>
+            </a:r>
+          </a:p>
+          <a:p>
+            <a:endParaRPr lang="de-DE" sz="2400" dirty="0">
+              <a:solidFill>
+                <a:schemeClr val="tx1"/>
+              </a:solidFill>
+            </a:endParaRPr>
+          </a:p>
+          <a:p>
+            <a:endParaRPr lang="de-DE" sz="2400" dirty="0" smtClean="0">
+              <a:solidFill>
+                <a:schemeClr val="tx1"/>
+              </a:solidFill>
+            </a:endParaRPr>
+          </a:p>
+          <a:p>
+            <a:endParaRPr lang="de-DE" sz="2400" dirty="0">
+              <a:solidFill>
+                <a:schemeClr val="tx1"/>
+              </a:solidFill>
+            </a:endParaRPr>
+          </a:p>
+          <a:p>
+            <a:endParaRPr lang="de-DE" sz="2400" dirty="0" smtClean="0">
+              <a:solidFill>
+                <a:schemeClr val="tx1"/>
+              </a:solidFill>
+            </a:endParaRPr>
+          </a:p>
+          <a:p>
+            <a:endParaRPr lang="de-DE" sz="2400" dirty="0">
+              <a:solidFill>
+                <a:schemeClr val="tx1"/>
+              </a:solidFill>
+            </a:endParaRPr>
+          </a:p>
+          <a:p>
+            <a:endParaRPr lang="de-DE" sz="2400" dirty="0" smtClean="0">
+              <a:solidFill>
+                <a:schemeClr val="tx1"/>
+              </a:solidFill>
+            </a:endParaRPr>
+          </a:p>
+          <a:p>
+            <a:endParaRPr lang="de-DE" sz="2400" dirty="0">
+              <a:solidFill>
+                <a:schemeClr val="tx1"/>
+              </a:solidFill>
+            </a:endParaRPr>
+          </a:p>
+          <a:p>
+            <a:endParaRPr lang="de-DE" sz="2400" dirty="0" smtClean="0">
+              <a:solidFill>
+                <a:schemeClr val="tx1"/>
+              </a:solidFill>
+            </a:endParaRPr>
+          </a:p>
+          <a:p>
+            <a:endParaRPr lang="de-DE" sz="2400" dirty="0">
+              <a:solidFill>
+                <a:schemeClr val="tx1"/>
+              </a:solidFill>
+            </a:endParaRPr>
+          </a:p>
+          <a:p>
+            <a:endParaRPr lang="de-DE" sz="2400" dirty="0" smtClean="0">
+              <a:solidFill>
+                <a:schemeClr val="tx1"/>
+              </a:solidFill>
+            </a:endParaRPr>
+          </a:p>
+          <a:p>
+            <a:endParaRPr lang="de-DE" dirty="0">
+              <a:solidFill>
+                <a:schemeClr val="tx1"/>
+              </a:solidFill>
+            </a:endParaRPr>
+          </a:p>
+        </p:txBody>
+      </p:sp>
+      <p:sp>
+        <p:nvSpPr>
+          <p:cNvPr id="6" name="Rounded Rectangle 5"/>
+          <p:cNvSpPr/>
+          <p:nvPr/>
+        </p:nvSpPr>
+        <p:spPr>
+          <a:xfrm>
+            <a:off x="914400" y="2647666"/>
+            <a:ext cx="1064525" cy="648268"/>
+          </a:xfrm>
+          <a:prstGeom prst="roundRect">
+            <a:avLst/>
+          </a:prstGeom>
+          <a:noFill/>
+          <a:ln w="57150">
+            <a:solidFill>
+              <a:srgbClr val="C00000"/>
+            </a:solidFill>
+          </a:ln>
+        </p:spPr>
+        <p:style>
+          <a:lnRef idx="2">
+            <a:schemeClr val="accent1">
+              <a:shade val="50000"/>
+            </a:schemeClr>
+          </a:lnRef>
+          <a:fillRef idx="1">
+            <a:schemeClr val="accent1"/>
+          </a:fillRef>
+          <a:effectRef idx="0">
+            <a:schemeClr val="accent1"/>
+          </a:effectRef>
+          <a:fontRef idx="minor">
+            <a:schemeClr val="lt1"/>
+          </a:fontRef>
+        </p:style>
+        <p:txBody>
+          <a:bodyPr rtlCol="0" anchor="ctr"/>
+          <a:lstStyle/>
+          <a:p>
+            <a:pPr algn="ctr"/>
+            <a:r>
+              <a:rPr lang="de-DE" dirty="0" smtClean="0">
+                <a:solidFill>
+                  <a:schemeClr val="tx1"/>
+                </a:solidFill>
+              </a:rPr>
+              <a:t>Log in</a:t>
+            </a:r>
+            <a:endParaRPr lang="de-DE" dirty="0">
+              <a:solidFill>
+                <a:schemeClr val="tx1"/>
+              </a:solidFill>
+            </a:endParaRPr>
+          </a:p>
+        </p:txBody>
+      </p:sp>
+      <p:sp>
+        <p:nvSpPr>
+          <p:cNvPr id="14" name="Rounded Rectangle 13"/>
+          <p:cNvSpPr/>
+          <p:nvPr/>
+        </p:nvSpPr>
+        <p:spPr>
+          <a:xfrm>
+            <a:off x="914400" y="3496102"/>
+            <a:ext cx="1187355" cy="648268"/>
+          </a:xfrm>
+          <a:prstGeom prst="roundRect">
+            <a:avLst/>
+          </a:prstGeom>
+          <a:noFill/>
+          <a:ln w="57150">
+            <a:solidFill>
+              <a:srgbClr val="C00000"/>
+            </a:solidFill>
+          </a:ln>
+        </p:spPr>
+        <p:style>
+          <a:lnRef idx="2">
+            <a:schemeClr val="accent1">
+              <a:shade val="50000"/>
+            </a:schemeClr>
+          </a:lnRef>
+          <a:fillRef idx="1">
+            <a:schemeClr val="accent1"/>
+          </a:fillRef>
+          <a:effectRef idx="0">
+            <a:schemeClr val="accent1"/>
+          </a:effectRef>
+          <a:fontRef idx="minor">
+            <a:schemeClr val="lt1"/>
+          </a:fontRef>
+        </p:style>
+        <p:txBody>
+          <a:bodyPr rtlCol="0" anchor="ctr"/>
+          <a:lstStyle/>
+          <a:p>
+            <a:pPr algn="ctr"/>
+            <a:r>
+              <a:rPr lang="de-DE" dirty="0" smtClean="0">
+                <a:solidFill>
+                  <a:schemeClr val="tx1"/>
+                </a:solidFill>
+              </a:rPr>
+              <a:t>Lege Kunde an</a:t>
+            </a:r>
+            <a:endParaRPr lang="de-DE" dirty="0">
+              <a:solidFill>
+                <a:schemeClr val="tx1"/>
+              </a:solidFill>
+            </a:endParaRPr>
+          </a:p>
+        </p:txBody>
+      </p:sp>
+      <p:sp>
+        <p:nvSpPr>
+          <p:cNvPr id="15" name="Rounded Rectangle 14"/>
+          <p:cNvSpPr/>
+          <p:nvPr/>
+        </p:nvSpPr>
+        <p:spPr>
+          <a:xfrm>
+            <a:off x="2232319" y="3496102"/>
+            <a:ext cx="1254684" cy="648268"/>
+          </a:xfrm>
+          <a:prstGeom prst="roundRect">
+            <a:avLst/>
+          </a:prstGeom>
+          <a:noFill/>
+          <a:ln w="57150">
+            <a:solidFill>
+              <a:srgbClr val="C00000"/>
+            </a:solidFill>
+          </a:ln>
+        </p:spPr>
+        <p:style>
+          <a:lnRef idx="2">
+            <a:schemeClr val="accent1">
+              <a:shade val="50000"/>
+            </a:schemeClr>
+          </a:lnRef>
+          <a:fillRef idx="1">
+            <a:schemeClr val="accent1"/>
+          </a:fillRef>
+          <a:effectRef idx="0">
+            <a:schemeClr val="accent1"/>
+          </a:effectRef>
+          <a:fontRef idx="minor">
+            <a:schemeClr val="lt1"/>
+          </a:fontRef>
+        </p:style>
+        <p:txBody>
+          <a:bodyPr rtlCol="0" anchor="ctr"/>
+          <a:lstStyle/>
+          <a:p>
+            <a:pPr algn="ctr"/>
+            <a:r>
+              <a:rPr lang="de-DE" dirty="0" smtClean="0">
+                <a:solidFill>
+                  <a:schemeClr val="tx1"/>
+                </a:solidFill>
+              </a:rPr>
+              <a:t>Lege Auftrag an</a:t>
+            </a:r>
+            <a:endParaRPr lang="de-DE" dirty="0">
+              <a:solidFill>
+                <a:schemeClr val="tx1"/>
+              </a:solidFill>
+            </a:endParaRPr>
+          </a:p>
+        </p:txBody>
+      </p:sp>
+      <p:sp>
+        <p:nvSpPr>
+          <p:cNvPr id="16" name="Rounded Rectangle 15"/>
+          <p:cNvSpPr/>
+          <p:nvPr/>
+        </p:nvSpPr>
+        <p:spPr>
+          <a:xfrm>
+            <a:off x="948519" y="4412777"/>
+            <a:ext cx="1153236" cy="648268"/>
+          </a:xfrm>
+          <a:prstGeom prst="roundRect">
+            <a:avLst/>
+          </a:prstGeom>
+          <a:noFill/>
+          <a:ln w="57150">
+            <a:solidFill>
+              <a:srgbClr val="C00000"/>
+            </a:solidFill>
+          </a:ln>
+        </p:spPr>
+        <p:style>
+          <a:lnRef idx="2">
+            <a:schemeClr val="accent1">
+              <a:shade val="50000"/>
+            </a:schemeClr>
+          </a:lnRef>
+          <a:fillRef idx="1">
+            <a:schemeClr val="accent1"/>
+          </a:fillRef>
+          <a:effectRef idx="0">
+            <a:schemeClr val="accent1"/>
+          </a:effectRef>
+          <a:fontRef idx="minor">
+            <a:schemeClr val="lt1"/>
+          </a:fontRef>
+        </p:style>
+        <p:txBody>
+          <a:bodyPr rtlCol="0" anchor="ctr"/>
+          <a:lstStyle/>
+          <a:p>
+            <a:pPr algn="ctr"/>
+            <a:r>
+              <a:rPr lang="de-DE" dirty="0" smtClean="0">
+                <a:solidFill>
+                  <a:schemeClr val="tx1"/>
+                </a:solidFill>
+              </a:rPr>
+              <a:t>Geh Facebook</a:t>
+            </a:r>
+            <a:endParaRPr lang="de-DE" dirty="0">
+              <a:solidFill>
+                <a:schemeClr val="tx1"/>
+              </a:solidFill>
+            </a:endParaRPr>
+          </a:p>
+        </p:txBody>
+      </p:sp>
+      <p:sp>
+        <p:nvSpPr>
+          <p:cNvPr id="17" name="Rounded Rectangle 16"/>
+          <p:cNvSpPr/>
+          <p:nvPr/>
+        </p:nvSpPr>
+        <p:spPr>
+          <a:xfrm>
+            <a:off x="2327398" y="4412777"/>
+            <a:ext cx="1064525" cy="648268"/>
+          </a:xfrm>
+          <a:prstGeom prst="roundRect">
+            <a:avLst/>
+          </a:prstGeom>
+          <a:noFill/>
+          <a:ln w="57150">
+            <a:solidFill>
+              <a:srgbClr val="C00000"/>
+            </a:solidFill>
+          </a:ln>
+        </p:spPr>
+        <p:style>
+          <a:lnRef idx="2">
+            <a:schemeClr val="accent1">
+              <a:shade val="50000"/>
+            </a:schemeClr>
+          </a:lnRef>
+          <a:fillRef idx="1">
+            <a:schemeClr val="accent1"/>
+          </a:fillRef>
+          <a:effectRef idx="0">
+            <a:schemeClr val="accent1"/>
+          </a:effectRef>
+          <a:fontRef idx="minor">
+            <a:schemeClr val="lt1"/>
+          </a:fontRef>
+        </p:style>
+        <p:txBody>
+          <a:bodyPr rtlCol="0" anchor="ctr"/>
+          <a:lstStyle/>
+          <a:p>
+            <a:pPr algn="ctr"/>
+            <a:r>
+              <a:rPr lang="de-DE" dirty="0" smtClean="0">
+                <a:solidFill>
+                  <a:schemeClr val="tx1"/>
+                </a:solidFill>
+              </a:rPr>
+              <a:t>Log out</a:t>
+            </a:r>
+            <a:endParaRPr lang="de-DE" dirty="0">
+              <a:solidFill>
+                <a:schemeClr val="tx1"/>
+              </a:solidFill>
+            </a:endParaRPr>
+          </a:p>
+        </p:txBody>
+      </p:sp>
+      <p:cxnSp>
+        <p:nvCxnSpPr>
+          <p:cNvPr id="11" name="Straight Arrow Connector 10"/>
+          <p:cNvCxnSpPr>
+            <a:endCxn id="14" idx="0"/>
+          </p:cNvCxnSpPr>
+          <p:nvPr/>
+        </p:nvCxnSpPr>
+        <p:spPr>
+          <a:xfrm>
+            <a:off x="1446662" y="3295934"/>
+            <a:ext cx="61416" cy="200168"/>
+          </a:xfrm>
+          <a:prstGeom prst="straightConnector1">
+            <a:avLst/>
+          </a:prstGeom>
+          <a:ln w="38100">
+            <a:solidFill>
+              <a:srgbClr val="C00000"/>
+            </a:solidFill>
+            <a:tailEnd type="triangle"/>
+          </a:ln>
+        </p:spPr>
+        <p:style>
+          <a:lnRef idx="1">
+            <a:schemeClr val="accent1"/>
+          </a:lnRef>
+          <a:fillRef idx="0">
+            <a:schemeClr val="accent1"/>
+          </a:fillRef>
+          <a:effectRef idx="0">
+            <a:schemeClr val="accent1"/>
+          </a:effectRef>
+          <a:fontRef idx="minor">
+            <a:schemeClr val="tx1"/>
+          </a:fontRef>
+        </p:style>
+      </p:cxnSp>
+      <p:cxnSp>
+        <p:nvCxnSpPr>
+          <p:cNvPr id="18" name="Straight Arrow Connector 17"/>
+          <p:cNvCxnSpPr>
+            <a:stCxn id="6" idx="3"/>
+            <a:endCxn id="15" idx="0"/>
+          </p:cNvCxnSpPr>
+          <p:nvPr/>
+        </p:nvCxnSpPr>
+        <p:spPr>
+          <a:xfrm>
+            <a:off x="1978925" y="2971800"/>
+            <a:ext cx="880736" cy="524302"/>
+          </a:xfrm>
+          <a:prstGeom prst="straightConnector1">
+            <a:avLst/>
+          </a:prstGeom>
+          <a:ln w="38100">
+            <a:solidFill>
+              <a:srgbClr val="C00000"/>
+            </a:solidFill>
+            <a:tailEnd type="triangle"/>
+          </a:ln>
+        </p:spPr>
+        <p:style>
+          <a:lnRef idx="1">
+            <a:schemeClr val="accent1"/>
+          </a:lnRef>
+          <a:fillRef idx="0">
+            <a:schemeClr val="accent1"/>
+          </a:fillRef>
+          <a:effectRef idx="0">
+            <a:schemeClr val="accent1"/>
+          </a:effectRef>
+          <a:fontRef idx="minor">
+            <a:schemeClr val="tx1"/>
+          </a:fontRef>
+        </p:style>
+      </p:cxnSp>
+      <p:cxnSp>
+        <p:nvCxnSpPr>
+          <p:cNvPr id="22" name="Straight Arrow Connector 21"/>
+          <p:cNvCxnSpPr>
+            <a:endCxn id="16" idx="0"/>
+          </p:cNvCxnSpPr>
+          <p:nvPr/>
+        </p:nvCxnSpPr>
+        <p:spPr>
+          <a:xfrm>
+            <a:off x="1473275" y="4144370"/>
+            <a:ext cx="51862" cy="268407"/>
+          </a:xfrm>
+          <a:prstGeom prst="straightConnector1">
+            <a:avLst/>
+          </a:prstGeom>
+          <a:ln w="38100">
+            <a:solidFill>
+              <a:srgbClr val="C00000"/>
+            </a:solidFill>
+            <a:tailEnd type="triangle"/>
+          </a:ln>
+        </p:spPr>
+        <p:style>
+          <a:lnRef idx="1">
+            <a:schemeClr val="accent1"/>
+          </a:lnRef>
+          <a:fillRef idx="0">
+            <a:schemeClr val="accent1"/>
+          </a:fillRef>
+          <a:effectRef idx="0">
+            <a:schemeClr val="accent1"/>
+          </a:effectRef>
+          <a:fontRef idx="minor">
+            <a:schemeClr val="tx1"/>
+          </a:fontRef>
+        </p:style>
+      </p:cxnSp>
+      <p:cxnSp>
+        <p:nvCxnSpPr>
+          <p:cNvPr id="25" name="Straight Arrow Connector 24"/>
+          <p:cNvCxnSpPr/>
+          <p:nvPr/>
+        </p:nvCxnSpPr>
+        <p:spPr>
+          <a:xfrm>
+            <a:off x="2807798" y="4162318"/>
+            <a:ext cx="51862" cy="268407"/>
+          </a:xfrm>
+          <a:prstGeom prst="straightConnector1">
+            <a:avLst/>
+          </a:prstGeom>
+          <a:ln w="38100">
+            <a:solidFill>
+              <a:srgbClr val="C00000"/>
+            </a:solidFill>
+            <a:tailEnd type="triangle"/>
+          </a:ln>
+        </p:spPr>
+        <p:style>
+          <a:lnRef idx="1">
+            <a:schemeClr val="accent1"/>
+          </a:lnRef>
+          <a:fillRef idx="0">
+            <a:schemeClr val="accent1"/>
+          </a:fillRef>
+          <a:effectRef idx="0">
+            <a:schemeClr val="accent1"/>
+          </a:effectRef>
+          <a:fontRef idx="minor">
+            <a:schemeClr val="tx1"/>
+          </a:fontRef>
+        </p:style>
+      </p:cxnSp>
+      <p:cxnSp>
+        <p:nvCxnSpPr>
+          <p:cNvPr id="26" name="Straight Arrow Connector 25"/>
+          <p:cNvCxnSpPr>
+            <a:stCxn id="14" idx="2"/>
+          </p:cNvCxnSpPr>
+          <p:nvPr/>
+        </p:nvCxnSpPr>
+        <p:spPr>
+          <a:xfrm>
+            <a:off x="1508078" y="4144370"/>
+            <a:ext cx="881190" cy="286355"/>
+          </a:xfrm>
+          <a:prstGeom prst="straightConnector1">
+            <a:avLst/>
+          </a:prstGeom>
+          <a:ln w="38100">
+            <a:solidFill>
+              <a:srgbClr val="C00000"/>
+            </a:solidFill>
+            <a:tailEnd type="triangle"/>
+          </a:ln>
+        </p:spPr>
+        <p:style>
+          <a:lnRef idx="1">
+            <a:schemeClr val="accent1"/>
+          </a:lnRef>
+          <a:fillRef idx="0">
+            <a:schemeClr val="accent1"/>
+          </a:fillRef>
+          <a:effectRef idx="0">
+            <a:schemeClr val="accent1"/>
+          </a:effectRef>
+          <a:fontRef idx="minor">
+            <a:schemeClr val="tx1"/>
+          </a:fontRef>
+        </p:style>
+      </p:cxnSp>
+      <p:cxnSp>
+        <p:nvCxnSpPr>
+          <p:cNvPr id="29" name="Straight Arrow Connector 28"/>
+          <p:cNvCxnSpPr>
+            <a:stCxn id="16" idx="3"/>
+            <a:endCxn id="17" idx="1"/>
+          </p:cNvCxnSpPr>
+          <p:nvPr/>
+        </p:nvCxnSpPr>
+        <p:spPr>
+          <a:xfrm>
+            <a:off x="2101755" y="4736911"/>
+            <a:ext cx="225643" cy="0"/>
+          </a:xfrm>
+          <a:prstGeom prst="straightConnector1">
+            <a:avLst/>
+          </a:prstGeom>
+          <a:ln w="38100">
+            <a:solidFill>
+              <a:srgbClr val="C00000"/>
+            </a:solidFill>
+            <a:tailEnd type="triangle"/>
+          </a:ln>
+        </p:spPr>
+        <p:style>
+          <a:lnRef idx="1">
+            <a:schemeClr val="accent1"/>
+          </a:lnRef>
+          <a:fillRef idx="0">
+            <a:schemeClr val="accent1"/>
+          </a:fillRef>
+          <a:effectRef idx="0">
+            <a:schemeClr val="accent1"/>
+          </a:effectRef>
+          <a:fontRef idx="minor">
+            <a:schemeClr val="tx1"/>
+          </a:fontRef>
+        </p:style>
+      </p:cxnSp>
+      <p:sp>
+        <p:nvSpPr>
+          <p:cNvPr id="34" name="Freeform 33"/>
+          <p:cNvSpPr/>
+          <p:nvPr/>
+        </p:nvSpPr>
+        <p:spPr>
+          <a:xfrm>
+            <a:off x="1978925" y="2763672"/>
+            <a:ext cx="2204114" cy="1992573"/>
+          </a:xfrm>
+          <a:custGeom>
+            <a:avLst/>
+            <a:gdLst>
+              <a:gd name="connsiteX0" fmla="*/ 1405720 w 2236059"/>
+              <a:gd name="connsiteY0" fmla="*/ 1969617 h 1969617"/>
+              <a:gd name="connsiteX1" fmla="*/ 2176818 w 2236059"/>
+              <a:gd name="connsiteY1" fmla="*/ 174936 h 1969617"/>
+              <a:gd name="connsiteX2" fmla="*/ 0 w 2236059"/>
+              <a:gd name="connsiteY2" fmla="*/ 168112 h 1969617"/>
+            </a:gdLst>
+            <a:ahLst/>
+            <a:cxnLst>
+              <a:cxn ang="0">
+                <a:pos x="connsiteX0" y="connsiteY0"/>
+              </a:cxn>
+              <a:cxn ang="0">
+                <a:pos x="connsiteX1" y="connsiteY1"/>
+              </a:cxn>
+              <a:cxn ang="0">
+                <a:pos x="connsiteX2" y="connsiteY2"/>
+              </a:cxn>
+            </a:cxnLst>
+            <a:rect l="l" t="t" r="r" b="b"/>
+            <a:pathLst>
+              <a:path w="2236059" h="1969617">
+                <a:moveTo>
+                  <a:pt x="1405720" y="1969617"/>
+                </a:moveTo>
+                <a:cubicBezTo>
+                  <a:pt x="1908412" y="1222402"/>
+                  <a:pt x="2411105" y="475187"/>
+                  <a:pt x="2176818" y="174936"/>
+                </a:cubicBezTo>
+                <a:cubicBezTo>
+                  <a:pt x="1942531" y="-125315"/>
+                  <a:pt x="971265" y="21398"/>
+                  <a:pt x="0" y="168112"/>
+                </a:cubicBezTo>
+              </a:path>
+            </a:pathLst>
+          </a:custGeom>
+          <a:noFill/>
+          <a:ln w="38100">
+            <a:solidFill>
+              <a:srgbClr val="C00000"/>
+            </a:solidFill>
+            <a:headEnd type="none" w="med" len="med"/>
+            <a:tailEnd type="triangle" w="med" len="med"/>
+          </a:ln>
+        </p:spPr>
+        <p:style>
+          <a:lnRef idx="2">
+            <a:schemeClr val="accent1">
+              <a:shade val="50000"/>
+            </a:schemeClr>
+          </a:lnRef>
+          <a:fillRef idx="1">
+            <a:schemeClr val="accent1"/>
+          </a:fillRef>
+          <a:effectRef idx="0">
+            <a:schemeClr val="accent1"/>
+          </a:effectRef>
+          <a:fontRef idx="minor">
+            <a:schemeClr val="lt1"/>
+          </a:fontRef>
+        </p:style>
+        <p:txBody>
+          <a:bodyPr rtlCol="0" anchor="ctr"/>
+          <a:lstStyle/>
+          <a:p>
+            <a:pPr algn="ctr"/>
+            <a:endParaRPr lang="de-DE"/>
+          </a:p>
+        </p:txBody>
+      </p:sp>
+      <p:sp>
+        <p:nvSpPr>
+          <p:cNvPr id="35" name="Rectangle 34"/>
+          <p:cNvSpPr/>
+          <p:nvPr/>
+        </p:nvSpPr>
+        <p:spPr>
+          <a:xfrm>
+            <a:off x="838201" y="2286000"/>
+            <a:ext cx="3460844" cy="3787254"/>
+          </a:xfrm>
+          <a:prstGeom prst="rect">
+            <a:avLst/>
+          </a:prstGeom>
+          <a:noFill/>
+          <a:ln w="57150"/>
+        </p:spPr>
+        <p:style>
+          <a:lnRef idx="2">
+            <a:schemeClr val="accent1">
+              <a:shade val="50000"/>
+            </a:schemeClr>
+          </a:lnRef>
+          <a:fillRef idx="1">
+            <a:schemeClr val="accent1"/>
+          </a:fillRef>
+          <a:effectRef idx="0">
+            <a:schemeClr val="accent1"/>
+          </a:effectRef>
+          <a:fontRef idx="minor">
+            <a:schemeClr val="lt1"/>
+          </a:fontRef>
+        </p:style>
+        <p:txBody>
+          <a:bodyPr rtlCol="0" anchor="ctr"/>
+          <a:lstStyle/>
+          <a:p>
+            <a:pPr algn="ctr"/>
+            <a:endParaRPr lang="de-DE" sz="2400" dirty="0" smtClean="0">
+              <a:solidFill>
+                <a:schemeClr val="tx1"/>
+              </a:solidFill>
+            </a:endParaRPr>
+          </a:p>
+          <a:p>
+            <a:pPr algn="ctr"/>
+            <a:endParaRPr lang="de-DE" sz="2400" dirty="0">
+              <a:solidFill>
+                <a:schemeClr val="tx1"/>
+              </a:solidFill>
+            </a:endParaRPr>
+          </a:p>
+          <a:p>
+            <a:pPr algn="ctr"/>
+            <a:endParaRPr lang="de-DE" sz="2400" dirty="0" smtClean="0">
+              <a:solidFill>
+                <a:schemeClr val="tx1"/>
+              </a:solidFill>
+            </a:endParaRPr>
+          </a:p>
+          <a:p>
+            <a:pPr algn="ctr"/>
+            <a:endParaRPr lang="de-DE" sz="2400" dirty="0">
+              <a:solidFill>
+                <a:schemeClr val="tx1"/>
+              </a:solidFill>
+            </a:endParaRPr>
+          </a:p>
+          <a:p>
+            <a:pPr algn="ctr"/>
+            <a:endParaRPr lang="de-DE" sz="2400" dirty="0" smtClean="0">
+              <a:solidFill>
+                <a:schemeClr val="tx1"/>
+              </a:solidFill>
+            </a:endParaRPr>
+          </a:p>
+          <a:p>
+            <a:pPr algn="ctr"/>
+            <a:endParaRPr lang="de-DE" sz="2400" dirty="0">
+              <a:solidFill>
+                <a:schemeClr val="tx1"/>
+              </a:solidFill>
+            </a:endParaRPr>
+          </a:p>
+          <a:p>
+            <a:pPr algn="ctr"/>
+            <a:endParaRPr lang="de-DE" sz="2400" dirty="0" smtClean="0">
+              <a:solidFill>
+                <a:schemeClr val="tx1"/>
+              </a:solidFill>
+            </a:endParaRPr>
+          </a:p>
+          <a:p>
+            <a:pPr algn="ctr"/>
+            <a:r>
+              <a:rPr lang="de-DE" sz="2400" dirty="0" smtClean="0">
+                <a:solidFill>
+                  <a:schemeClr val="tx1"/>
+                </a:solidFill>
+              </a:rPr>
+              <a:t>State </a:t>
+            </a:r>
+            <a:r>
+              <a:rPr lang="de-DE" sz="2400" dirty="0" err="1" smtClean="0">
+                <a:solidFill>
+                  <a:schemeClr val="tx1"/>
+                </a:solidFill>
+              </a:rPr>
+              <a:t>Machine</a:t>
+            </a:r>
+            <a:endParaRPr lang="de-DE" dirty="0">
+              <a:solidFill>
+                <a:schemeClr val="tx1"/>
+              </a:solidFill>
+            </a:endParaRPr>
+          </a:p>
+        </p:txBody>
+      </p:sp>
+      <p:sp>
+        <p:nvSpPr>
+          <p:cNvPr id="36" name="Rectangle 35"/>
+          <p:cNvSpPr/>
+          <p:nvPr/>
+        </p:nvSpPr>
+        <p:spPr>
+          <a:xfrm>
+            <a:off x="4717574" y="2286001"/>
+            <a:ext cx="2993411" cy="1712794"/>
+          </a:xfrm>
+          <a:prstGeom prst="rect">
+            <a:avLst/>
+          </a:prstGeom>
+          <a:noFill/>
+          <a:ln w="57150"/>
+        </p:spPr>
+        <p:style>
+          <a:lnRef idx="2">
+            <a:schemeClr val="accent1">
+              <a:shade val="50000"/>
+            </a:schemeClr>
+          </a:lnRef>
+          <a:fillRef idx="1">
+            <a:schemeClr val="accent1"/>
+          </a:fillRef>
+          <a:effectRef idx="0">
+            <a:schemeClr val="accent1"/>
+          </a:effectRef>
+          <a:fontRef idx="minor">
+            <a:schemeClr val="lt1"/>
+          </a:fontRef>
+        </p:style>
+        <p:txBody>
+          <a:bodyPr rtlCol="0" anchor="ctr"/>
+          <a:lstStyle/>
+          <a:p>
+            <a:pPr algn="ctr"/>
+            <a:r>
+              <a:rPr lang="de-DE" sz="2400" dirty="0" err="1" smtClean="0">
+                <a:solidFill>
+                  <a:schemeClr val="tx1"/>
+                </a:solidFill>
+              </a:rPr>
+              <a:t>Connectors</a:t>
+            </a:r>
+            <a:endParaRPr lang="de-DE" sz="2400" dirty="0" smtClean="0">
+              <a:solidFill>
+                <a:schemeClr val="tx1"/>
+              </a:solidFill>
+            </a:endParaRPr>
+          </a:p>
+        </p:txBody>
+      </p:sp>
+      <p:sp>
+        <p:nvSpPr>
+          <p:cNvPr id="37" name="Rectangle 36"/>
+          <p:cNvSpPr/>
+          <p:nvPr/>
+        </p:nvSpPr>
+        <p:spPr>
+          <a:xfrm>
+            <a:off x="4717574" y="4360460"/>
+            <a:ext cx="2993411" cy="1712794"/>
+          </a:xfrm>
+          <a:prstGeom prst="rect">
+            <a:avLst/>
+          </a:prstGeom>
+          <a:noFill/>
+          <a:ln w="57150"/>
+        </p:spPr>
+        <p:style>
+          <a:lnRef idx="2">
+            <a:schemeClr val="accent1">
+              <a:shade val="50000"/>
+            </a:schemeClr>
+          </a:lnRef>
+          <a:fillRef idx="1">
+            <a:schemeClr val="accent1"/>
+          </a:fillRef>
+          <a:effectRef idx="0">
+            <a:schemeClr val="accent1"/>
+          </a:effectRef>
+          <a:fontRef idx="minor">
+            <a:schemeClr val="lt1"/>
+          </a:fontRef>
+        </p:style>
+        <p:txBody>
+          <a:bodyPr rtlCol="0" anchor="ctr"/>
+          <a:lstStyle/>
+          <a:p>
+            <a:pPr algn="ctr"/>
+            <a:r>
+              <a:rPr lang="de-DE" sz="2400" dirty="0" smtClean="0">
+                <a:solidFill>
+                  <a:schemeClr val="tx1"/>
+                </a:solidFill>
+              </a:rPr>
+              <a:t>Kontext</a:t>
+            </a:r>
+          </a:p>
+          <a:p>
+            <a:pPr algn="ctr"/>
+            <a:r>
+              <a:rPr lang="de-DE" sz="2000" dirty="0" smtClean="0">
+                <a:solidFill>
+                  <a:schemeClr val="tx1"/>
+                </a:solidFill>
+              </a:rPr>
+              <a:t>(SLAs, Emotionsmodell)</a:t>
+            </a:r>
+            <a:endParaRPr lang="de-DE" sz="2400" dirty="0" smtClean="0">
+              <a:solidFill>
+                <a:schemeClr val="tx1"/>
+              </a:solidFill>
+            </a:endParaRPr>
+          </a:p>
+        </p:txBody>
+      </p:sp>
+      <p:cxnSp>
+        <p:nvCxnSpPr>
+          <p:cNvPr id="39" name="Straight Arrow Connector 38"/>
+          <p:cNvCxnSpPr/>
+          <p:nvPr/>
+        </p:nvCxnSpPr>
+        <p:spPr>
+          <a:xfrm flipV="1">
+            <a:off x="4299045" y="2879678"/>
+            <a:ext cx="418529" cy="6824"/>
+          </a:xfrm>
+          <a:prstGeom prst="straightConnector1">
+            <a:avLst/>
+          </a:prstGeom>
+          <a:ln w="57150">
+            <a:solidFill>
+              <a:schemeClr val="accent1">
+                <a:lumMod val="50000"/>
+              </a:schemeClr>
+            </a:solidFill>
+            <a:tailEnd type="triangle"/>
+          </a:ln>
+        </p:spPr>
+        <p:style>
+          <a:lnRef idx="1">
+            <a:schemeClr val="accent1"/>
+          </a:lnRef>
+          <a:fillRef idx="0">
+            <a:schemeClr val="accent1"/>
+          </a:fillRef>
+          <a:effectRef idx="0">
+            <a:schemeClr val="accent1"/>
+          </a:effectRef>
+          <a:fontRef idx="minor">
+            <a:schemeClr val="tx1"/>
+          </a:fontRef>
+        </p:style>
+      </p:cxnSp>
+      <p:cxnSp>
+        <p:nvCxnSpPr>
+          <p:cNvPr id="41" name="Straight Arrow Connector 40"/>
+          <p:cNvCxnSpPr/>
+          <p:nvPr/>
+        </p:nvCxnSpPr>
+        <p:spPr>
+          <a:xfrm flipH="1">
+            <a:off x="4299045" y="3295934"/>
+            <a:ext cx="418529" cy="0"/>
+          </a:xfrm>
+          <a:prstGeom prst="straightConnector1">
+            <a:avLst/>
+          </a:prstGeom>
+          <a:ln w="57150">
+            <a:solidFill>
+              <a:schemeClr val="accent1">
+                <a:lumMod val="50000"/>
+              </a:schemeClr>
+            </a:solidFill>
+            <a:tailEnd type="triangle"/>
+          </a:ln>
+        </p:spPr>
+        <p:style>
+          <a:lnRef idx="1">
+            <a:schemeClr val="accent1"/>
+          </a:lnRef>
+          <a:fillRef idx="0">
+            <a:schemeClr val="accent1"/>
+          </a:fillRef>
+          <a:effectRef idx="0">
+            <a:schemeClr val="accent1"/>
+          </a:effectRef>
+          <a:fontRef idx="minor">
+            <a:schemeClr val="tx1"/>
+          </a:fontRef>
+        </p:style>
+      </p:cxnSp>
+      <p:cxnSp>
+        <p:nvCxnSpPr>
+          <p:cNvPr id="46" name="Straight Arrow Connector 45"/>
+          <p:cNvCxnSpPr/>
+          <p:nvPr/>
+        </p:nvCxnSpPr>
+        <p:spPr>
+          <a:xfrm>
+            <a:off x="7710986" y="2879678"/>
+            <a:ext cx="1610435" cy="0"/>
+          </a:xfrm>
+          <a:prstGeom prst="straightConnector1">
+            <a:avLst/>
+          </a:prstGeom>
+          <a:ln w="57150">
+            <a:solidFill>
+              <a:schemeClr val="accent1">
+                <a:lumMod val="50000"/>
+              </a:schemeClr>
+            </a:solidFill>
+            <a:tailEnd type="triangle"/>
+          </a:ln>
+        </p:spPr>
+        <p:style>
+          <a:lnRef idx="1">
+            <a:schemeClr val="accent1"/>
+          </a:lnRef>
+          <a:fillRef idx="0">
+            <a:schemeClr val="accent1"/>
+          </a:fillRef>
+          <a:effectRef idx="0">
+            <a:schemeClr val="accent1"/>
+          </a:effectRef>
+          <a:fontRef idx="minor">
+            <a:schemeClr val="tx1"/>
+          </a:fontRef>
+        </p:style>
+      </p:cxnSp>
+      <p:cxnSp>
+        <p:nvCxnSpPr>
+          <p:cNvPr id="49" name="Straight Arrow Connector 48"/>
+          <p:cNvCxnSpPr/>
+          <p:nvPr/>
+        </p:nvCxnSpPr>
+        <p:spPr>
+          <a:xfrm flipH="1">
+            <a:off x="7710985" y="3295934"/>
+            <a:ext cx="1610436" cy="0"/>
+          </a:xfrm>
+          <a:prstGeom prst="straightConnector1">
+            <a:avLst/>
+          </a:prstGeom>
+          <a:ln w="57150">
+            <a:solidFill>
+              <a:schemeClr val="accent1">
+                <a:lumMod val="50000"/>
+              </a:schemeClr>
+            </a:solidFill>
+            <a:tailEnd type="triangle"/>
+          </a:ln>
+        </p:spPr>
+        <p:style>
+          <a:lnRef idx="1">
+            <a:schemeClr val="accent1"/>
+          </a:lnRef>
+          <a:fillRef idx="0">
+            <a:schemeClr val="accent1"/>
+          </a:fillRef>
+          <a:effectRef idx="0">
+            <a:schemeClr val="accent1"/>
+          </a:effectRef>
+          <a:fontRef idx="minor">
+            <a:schemeClr val="tx1"/>
+          </a:fontRef>
+        </p:style>
+      </p:cxnSp>
+      <p:cxnSp>
+        <p:nvCxnSpPr>
+          <p:cNvPr id="53" name="Straight Arrow Connector 52"/>
+          <p:cNvCxnSpPr/>
+          <p:nvPr/>
+        </p:nvCxnSpPr>
+        <p:spPr>
+          <a:xfrm flipV="1">
+            <a:off x="4299045" y="4908102"/>
+            <a:ext cx="418529" cy="6824"/>
+          </a:xfrm>
+          <a:prstGeom prst="straightConnector1">
+            <a:avLst/>
+          </a:prstGeom>
+          <a:ln w="57150">
+            <a:solidFill>
+              <a:schemeClr val="accent1">
+                <a:lumMod val="50000"/>
+              </a:schemeClr>
+            </a:solidFill>
+            <a:tailEnd type="triangle"/>
+          </a:ln>
+        </p:spPr>
+        <p:style>
+          <a:lnRef idx="1">
+            <a:schemeClr val="accent1"/>
+          </a:lnRef>
+          <a:fillRef idx="0">
+            <a:schemeClr val="accent1"/>
+          </a:fillRef>
+          <a:effectRef idx="0">
+            <a:schemeClr val="accent1"/>
+          </a:effectRef>
+          <a:fontRef idx="minor">
+            <a:schemeClr val="tx1"/>
+          </a:fontRef>
+        </p:style>
+      </p:cxnSp>
+      <p:cxnSp>
+        <p:nvCxnSpPr>
+          <p:cNvPr id="54" name="Straight Arrow Connector 53"/>
+          <p:cNvCxnSpPr/>
+          <p:nvPr/>
+        </p:nvCxnSpPr>
+        <p:spPr>
+          <a:xfrm flipH="1">
+            <a:off x="4299045" y="5324358"/>
+            <a:ext cx="418529" cy="0"/>
+          </a:xfrm>
+          <a:prstGeom prst="straightConnector1">
+            <a:avLst/>
+          </a:prstGeom>
+          <a:ln w="57150">
+            <a:solidFill>
+              <a:schemeClr val="accent1">
+                <a:lumMod val="50000"/>
+              </a:schemeClr>
+            </a:solidFill>
+            <a:tailEnd type="triangle"/>
+          </a:ln>
+        </p:spPr>
+        <p:style>
+          <a:lnRef idx="1">
+            <a:schemeClr val="accent1"/>
+          </a:lnRef>
+          <a:fillRef idx="0">
+            <a:schemeClr val="accent1"/>
+          </a:fillRef>
+          <a:effectRef idx="0">
+            <a:schemeClr val="accent1"/>
+          </a:effectRef>
+          <a:fontRef idx="minor">
+            <a:schemeClr val="tx1"/>
+          </a:fontRef>
+        </p:style>
+      </p:cxnSp>
+    </p:spTree>
+    <p:extLst>
+      <p:ext uri="{BB962C8B-B14F-4D97-AF65-F5344CB8AC3E}">
+        <p14:creationId xmlns:p14="http://schemas.microsoft.com/office/powerpoint/2010/main" val="2190142464"/>
+      </p:ext>
+    </p:extLst>
+  </p:cSld>
+  <p:clrMapOvr>
+    <a:masterClrMapping/>
+  </p:clrMapOvr>
+</p:sld>
+</file>
+
+<file path=ppt/slides/slide34.xml><?xml version="1.0" encoding="utf-8"?>
+<p:sld xmlns:a="http://schemas.openxmlformats.org/drawingml/2006/main" xmlns:r="http://schemas.openxmlformats.org/officeDocument/2006/relationships" xmlns:p="http://schemas.openxmlformats.org/presentationml/2006/main">
+  <p:cSld>
+    <p:spTree>
+      <p:nvGrpSpPr>
+        <p:cNvPr id="1" name=""/>
+        <p:cNvGrpSpPr/>
+        <p:nvPr/>
+      </p:nvGrpSpPr>
+      <p:grpSpPr>
+        <a:xfrm>
+          <a:off x="0" y="0"/>
+          <a:ext cx="0" cy="0"/>
+          <a:chOff x="0" y="0"/>
+          <a:chExt cx="0" cy="0"/>
+        </a:xfrm>
+      </p:grpSpPr>
+      <p:sp>
+        <p:nvSpPr>
+          <p:cNvPr id="3" name="Content Placeholder 2"/>
+          <p:cNvSpPr>
+            <a:spLocks noGrp="1"/>
+          </p:cNvSpPr>
+          <p:nvPr>
+            <p:ph idx="1"/>
+          </p:nvPr>
+        </p:nvSpPr>
+        <p:spPr/>
+        <p:txBody>
+          <a:bodyPr/>
+          <a:lstStyle/>
+          <a:p>
+            <a:pPr marL="0" indent="0">
+              <a:buNone/>
+            </a:pPr>
+            <a:r>
+              <a:rPr lang="de-DE" dirty="0" smtClean="0"/>
+              <a:t>Prüft Geschäftsprozesse und SLAs</a:t>
+            </a:r>
+          </a:p>
+          <a:p>
+            <a:pPr marL="0" indent="0">
+              <a:buNone/>
+            </a:pPr>
+            <a:endParaRPr lang="de-DE" dirty="0" smtClean="0"/>
+          </a:p>
+          <a:p>
+            <a:pPr marL="0" indent="0">
+              <a:buNone/>
+            </a:pPr>
+            <a:r>
+              <a:rPr lang="de-DE" dirty="0" smtClean="0"/>
+              <a:t>Agent handelt gezielt im Rahmen der Zustandsmaschine</a:t>
+            </a:r>
+          </a:p>
+          <a:p>
+            <a:pPr marL="0" indent="0">
+              <a:buNone/>
+            </a:pPr>
+            <a:endParaRPr lang="de-DE" dirty="0" smtClean="0"/>
+          </a:p>
+          <a:p>
+            <a:pPr marL="0" indent="0">
+              <a:buNone/>
+            </a:pPr>
+            <a:r>
+              <a:rPr lang="de-DE" dirty="0" smtClean="0"/>
+              <a:t>Kontextbezogene Reaktion möglich (z.B. durch Emotionsmodell)</a:t>
+            </a:r>
+          </a:p>
+          <a:p>
+            <a:pPr marL="0" indent="0">
+              <a:buNone/>
+            </a:pPr>
+            <a:endParaRPr lang="de-DE" dirty="0"/>
+          </a:p>
+        </p:txBody>
+      </p:sp>
+      <p:sp>
+        <p:nvSpPr>
+          <p:cNvPr id="4" name="Title 1"/>
+          <p:cNvSpPr>
+            <a:spLocks noGrp="1"/>
+          </p:cNvSpPr>
+          <p:nvPr>
+            <p:ph type="title"/>
+          </p:nvPr>
+        </p:nvSpPr>
+        <p:spPr>
+          <a:xfrm>
+            <a:off x="838200" y="365125"/>
+            <a:ext cx="10515600" cy="1325563"/>
+          </a:xfrm>
+        </p:spPr>
+        <p:txBody>
+          <a:bodyPr/>
+          <a:lstStyle/>
+          <a:p>
+            <a:r>
+              <a:rPr lang="de-DE" dirty="0" smtClean="0"/>
+              <a:t>State </a:t>
+            </a:r>
+            <a:r>
+              <a:rPr lang="de-DE" dirty="0" err="1" smtClean="0"/>
+              <a:t>Machine</a:t>
+            </a:r>
+            <a:r>
+              <a:rPr lang="de-DE" dirty="0" smtClean="0"/>
+              <a:t> Agent</a:t>
+            </a:r>
+            <a:endParaRPr lang="de-DE" dirty="0"/>
+          </a:p>
+        </p:txBody>
+      </p:sp>
+    </p:spTree>
+    <p:extLst>
+      <p:ext uri="{BB962C8B-B14F-4D97-AF65-F5344CB8AC3E}">
+        <p14:creationId xmlns:p14="http://schemas.microsoft.com/office/powerpoint/2010/main" val="3042028616"/>
+      </p:ext>
+    </p:extLst>
+  </p:cSld>
+  <p:clrMapOvr>
+    <a:masterClrMapping/>
+  </p:clrMapOvr>
+</p:sld>
+</file>
+
+<file path=ppt/slides/slide35.xml><?xml version="1.0" encoding="utf-8"?>
+<p:sld xmlns:a="http://schemas.openxmlformats.org/drawingml/2006/main" xmlns:r="http://schemas.openxmlformats.org/officeDocument/2006/relationships" xmlns:p="http://schemas.openxmlformats.org/presentationml/2006/main">
+  <p:cSld>
+    <p:spTree>
+      <p:nvGrpSpPr>
+        <p:cNvPr id="1" name=""/>
+        <p:cNvGrpSpPr/>
+        <p:nvPr/>
+      </p:nvGrpSpPr>
+      <p:grpSpPr>
+        <a:xfrm>
+          <a:off x="0" y="0"/>
+          <a:ext cx="0" cy="0"/>
+          <a:chOff x="0" y="0"/>
+          <a:chExt cx="0" cy="0"/>
+        </a:xfrm>
+      </p:grpSpPr>
+      <p:sp>
+        <p:nvSpPr>
+          <p:cNvPr id="35" name="Rectangle 34"/>
+          <p:cNvSpPr/>
+          <p:nvPr/>
+        </p:nvSpPr>
+        <p:spPr>
+          <a:xfrm>
+            <a:off x="838201" y="2286000"/>
+            <a:ext cx="3460844" cy="3787254"/>
+          </a:xfrm>
+          <a:prstGeom prst="rect">
+            <a:avLst/>
+          </a:prstGeom>
+          <a:noFill/>
+          <a:ln w="57150"/>
+        </p:spPr>
+        <p:style>
+          <a:lnRef idx="2">
+            <a:schemeClr val="accent1">
+              <a:shade val="50000"/>
+            </a:schemeClr>
+          </a:lnRef>
+          <a:fillRef idx="1">
+            <a:schemeClr val="accent1"/>
+          </a:fillRef>
+          <a:effectRef idx="0">
+            <a:schemeClr val="accent1"/>
+          </a:effectRef>
+          <a:fontRef idx="minor">
+            <a:schemeClr val="lt1"/>
+          </a:fontRef>
+        </p:style>
+        <p:txBody>
+          <a:bodyPr rtlCol="0" anchor="ctr"/>
+          <a:lstStyle/>
+          <a:p>
+            <a:pPr algn="ctr"/>
+            <a:endParaRPr lang="de-DE" sz="2400" dirty="0" smtClean="0">
+              <a:solidFill>
+                <a:schemeClr val="tx1"/>
+              </a:solidFill>
+            </a:endParaRPr>
+          </a:p>
+          <a:p>
+            <a:pPr algn="ctr"/>
+            <a:endParaRPr lang="de-DE" sz="2400" dirty="0">
+              <a:solidFill>
+                <a:schemeClr val="tx1"/>
+              </a:solidFill>
+            </a:endParaRPr>
+          </a:p>
+          <a:p>
+            <a:pPr algn="ctr"/>
+            <a:endParaRPr lang="de-DE" sz="2400" dirty="0" smtClean="0">
+              <a:solidFill>
+                <a:schemeClr val="tx1"/>
+              </a:solidFill>
+            </a:endParaRPr>
+          </a:p>
+          <a:p>
+            <a:pPr algn="ctr"/>
+            <a:endParaRPr lang="de-DE" sz="2400" dirty="0">
+              <a:solidFill>
+                <a:schemeClr val="tx1"/>
+              </a:solidFill>
+            </a:endParaRPr>
+          </a:p>
+          <a:p>
+            <a:pPr algn="ctr"/>
+            <a:endParaRPr lang="de-DE" sz="2400" dirty="0" smtClean="0">
+              <a:solidFill>
+                <a:schemeClr val="tx1"/>
+              </a:solidFill>
+            </a:endParaRPr>
+          </a:p>
+          <a:p>
+            <a:pPr algn="ctr"/>
+            <a:endParaRPr lang="de-DE" sz="2400" dirty="0">
+              <a:solidFill>
+                <a:schemeClr val="tx1"/>
+              </a:solidFill>
+            </a:endParaRPr>
+          </a:p>
+          <a:p>
+            <a:pPr algn="ctr"/>
+            <a:endParaRPr lang="de-DE" sz="2400" dirty="0" smtClean="0">
+              <a:solidFill>
+                <a:schemeClr val="tx1"/>
+              </a:solidFill>
+            </a:endParaRPr>
+          </a:p>
+          <a:p>
+            <a:pPr algn="ctr"/>
+            <a:r>
+              <a:rPr lang="de-DE" sz="2400" dirty="0" smtClean="0">
+                <a:solidFill>
+                  <a:schemeClr val="tx1"/>
+                </a:solidFill>
+              </a:rPr>
+              <a:t>Action Pool</a:t>
+            </a:r>
+            <a:endParaRPr lang="de-DE" dirty="0">
+              <a:solidFill>
+                <a:schemeClr val="tx1"/>
+              </a:solidFill>
+            </a:endParaRPr>
+          </a:p>
+        </p:txBody>
+      </p:sp>
+      <p:sp>
+        <p:nvSpPr>
+          <p:cNvPr id="2" name="Title 1"/>
+          <p:cNvSpPr>
+            <a:spLocks noGrp="1"/>
+          </p:cNvSpPr>
+          <p:nvPr>
+            <p:ph type="title"/>
+          </p:nvPr>
+        </p:nvSpPr>
+        <p:spPr/>
+        <p:txBody>
+          <a:bodyPr/>
+          <a:lstStyle/>
+          <a:p>
+            <a:r>
+              <a:rPr lang="de-DE" dirty="0" smtClean="0"/>
+              <a:t>HTM Agent</a:t>
+            </a:r>
+            <a:endParaRPr lang="de-DE" dirty="0"/>
+          </a:p>
+        </p:txBody>
+      </p:sp>
+      <p:sp>
+        <p:nvSpPr>
+          <p:cNvPr id="4" name="Rectangle 3"/>
+          <p:cNvSpPr/>
+          <p:nvPr/>
+        </p:nvSpPr>
+        <p:spPr>
+          <a:xfrm>
+            <a:off x="9321421" y="1690688"/>
+            <a:ext cx="1901815" cy="4568588"/>
+          </a:xfrm>
+          <a:prstGeom prst="rect">
+            <a:avLst/>
+          </a:prstGeom>
+          <a:solidFill>
+            <a:schemeClr val="bg1"/>
+          </a:solidFill>
+          <a:ln w="57150"/>
+        </p:spPr>
+        <p:style>
+          <a:lnRef idx="2">
+            <a:schemeClr val="accent1">
+              <a:shade val="50000"/>
+            </a:schemeClr>
+          </a:lnRef>
+          <a:fillRef idx="1">
+            <a:schemeClr val="accent1"/>
+          </a:fillRef>
+          <a:effectRef idx="0">
+            <a:schemeClr val="accent1"/>
+          </a:effectRef>
+          <a:fontRef idx="minor">
+            <a:schemeClr val="lt1"/>
+          </a:fontRef>
+        </p:style>
+        <p:txBody>
+          <a:bodyPr rtlCol="0" anchor="ctr"/>
+          <a:lstStyle/>
+          <a:p>
+            <a:pPr algn="ctr"/>
+            <a:r>
+              <a:rPr lang="de-DE" sz="2400" dirty="0" smtClean="0">
+                <a:solidFill>
+                  <a:schemeClr val="tx1"/>
+                </a:solidFill>
+              </a:rPr>
+              <a:t>Anwendungs- </a:t>
+            </a:r>
+            <a:r>
+              <a:rPr lang="de-DE" sz="2400" dirty="0" err="1" smtClean="0">
+                <a:solidFill>
+                  <a:schemeClr val="tx1"/>
+                </a:solidFill>
+              </a:rPr>
+              <a:t>landschaft</a:t>
+            </a:r>
+            <a:endParaRPr lang="de-DE" dirty="0">
+              <a:solidFill>
+                <a:schemeClr val="tx1"/>
+              </a:solidFill>
+            </a:endParaRPr>
+          </a:p>
+        </p:txBody>
+      </p:sp>
+      <p:sp>
+        <p:nvSpPr>
+          <p:cNvPr id="5" name="Rectangle 4"/>
+          <p:cNvSpPr/>
+          <p:nvPr/>
+        </p:nvSpPr>
+        <p:spPr>
+          <a:xfrm>
+            <a:off x="661006" y="1690688"/>
+            <a:ext cx="7466236" cy="4568588"/>
+          </a:xfrm>
+          <a:prstGeom prst="rect">
+            <a:avLst/>
+          </a:prstGeom>
+          <a:noFill/>
+          <a:ln w="57150"/>
+        </p:spPr>
+        <p:style>
+          <a:lnRef idx="2">
+            <a:schemeClr val="accent1">
+              <a:shade val="50000"/>
+            </a:schemeClr>
+          </a:lnRef>
+          <a:fillRef idx="1">
+            <a:schemeClr val="accent1"/>
+          </a:fillRef>
+          <a:effectRef idx="0">
+            <a:schemeClr val="accent1"/>
+          </a:effectRef>
+          <a:fontRef idx="minor">
+            <a:schemeClr val="lt1"/>
+          </a:fontRef>
+        </p:style>
+        <p:txBody>
+          <a:bodyPr rtlCol="0" anchor="ctr"/>
+          <a:lstStyle/>
+          <a:p>
+            <a:r>
+              <a:rPr lang="de-DE" sz="2400" dirty="0" smtClean="0">
+                <a:solidFill>
+                  <a:schemeClr val="tx1"/>
+                </a:solidFill>
+              </a:rPr>
+              <a:t>Agent</a:t>
+            </a:r>
+          </a:p>
+          <a:p>
+            <a:endParaRPr lang="de-DE" sz="2400" dirty="0">
+              <a:solidFill>
+                <a:schemeClr val="tx1"/>
+              </a:solidFill>
+            </a:endParaRPr>
+          </a:p>
+          <a:p>
+            <a:endParaRPr lang="de-DE" sz="2400" dirty="0" smtClean="0">
+              <a:solidFill>
+                <a:schemeClr val="tx1"/>
+              </a:solidFill>
+            </a:endParaRPr>
+          </a:p>
+          <a:p>
+            <a:endParaRPr lang="de-DE" sz="2400" dirty="0">
+              <a:solidFill>
+                <a:schemeClr val="tx1"/>
+              </a:solidFill>
+            </a:endParaRPr>
+          </a:p>
+          <a:p>
+            <a:endParaRPr lang="de-DE" sz="2400" dirty="0" smtClean="0">
+              <a:solidFill>
+                <a:schemeClr val="tx1"/>
+              </a:solidFill>
+            </a:endParaRPr>
+          </a:p>
+          <a:p>
+            <a:endParaRPr lang="de-DE" sz="2400" dirty="0">
+              <a:solidFill>
+                <a:schemeClr val="tx1"/>
+              </a:solidFill>
+            </a:endParaRPr>
+          </a:p>
+          <a:p>
+            <a:endParaRPr lang="de-DE" sz="2400" dirty="0" smtClean="0">
+              <a:solidFill>
+                <a:schemeClr val="tx1"/>
+              </a:solidFill>
+            </a:endParaRPr>
+          </a:p>
+          <a:p>
+            <a:endParaRPr lang="de-DE" sz="2400" dirty="0">
+              <a:solidFill>
+                <a:schemeClr val="tx1"/>
+              </a:solidFill>
+            </a:endParaRPr>
+          </a:p>
+          <a:p>
+            <a:endParaRPr lang="de-DE" sz="2400" dirty="0" smtClean="0">
+              <a:solidFill>
+                <a:schemeClr val="tx1"/>
+              </a:solidFill>
+            </a:endParaRPr>
+          </a:p>
+          <a:p>
+            <a:endParaRPr lang="de-DE" sz="2400" dirty="0">
+              <a:solidFill>
+                <a:schemeClr val="tx1"/>
+              </a:solidFill>
+            </a:endParaRPr>
+          </a:p>
+          <a:p>
+            <a:endParaRPr lang="de-DE" sz="2400" dirty="0" smtClean="0">
+              <a:solidFill>
+                <a:schemeClr val="tx1"/>
+              </a:solidFill>
+            </a:endParaRPr>
+          </a:p>
+          <a:p>
+            <a:endParaRPr lang="de-DE" dirty="0">
+              <a:solidFill>
+                <a:schemeClr val="tx1"/>
+              </a:solidFill>
+            </a:endParaRPr>
+          </a:p>
+        </p:txBody>
+      </p:sp>
+      <p:sp>
+        <p:nvSpPr>
+          <p:cNvPr id="6" name="Rounded Rectangle 5"/>
+          <p:cNvSpPr/>
+          <p:nvPr/>
+        </p:nvSpPr>
+        <p:spPr>
+          <a:xfrm>
+            <a:off x="2859660" y="3586087"/>
+            <a:ext cx="1064525" cy="648268"/>
+          </a:xfrm>
+          <a:prstGeom prst="roundRect">
+            <a:avLst/>
+          </a:prstGeom>
+          <a:noFill/>
+          <a:ln w="57150">
+            <a:solidFill>
+              <a:srgbClr val="C00000"/>
+            </a:solidFill>
+          </a:ln>
+        </p:spPr>
+        <p:style>
+          <a:lnRef idx="2">
+            <a:schemeClr val="accent1">
+              <a:shade val="50000"/>
+            </a:schemeClr>
+          </a:lnRef>
+          <a:fillRef idx="1">
+            <a:schemeClr val="accent1"/>
+          </a:fillRef>
+          <a:effectRef idx="0">
+            <a:schemeClr val="accent1"/>
+          </a:effectRef>
+          <a:fontRef idx="minor">
+            <a:schemeClr val="lt1"/>
+          </a:fontRef>
+        </p:style>
+        <p:txBody>
+          <a:bodyPr rtlCol="0" anchor="ctr"/>
+          <a:lstStyle/>
+          <a:p>
+            <a:pPr algn="ctr"/>
+            <a:r>
+              <a:rPr lang="de-DE" dirty="0" smtClean="0">
+                <a:solidFill>
+                  <a:schemeClr val="tx1"/>
+                </a:solidFill>
+              </a:rPr>
+              <a:t>Log in</a:t>
+            </a:r>
+            <a:endParaRPr lang="de-DE" dirty="0">
+              <a:solidFill>
+                <a:schemeClr val="tx1"/>
+              </a:solidFill>
+            </a:endParaRPr>
+          </a:p>
+        </p:txBody>
+      </p:sp>
+      <p:sp>
+        <p:nvSpPr>
+          <p:cNvPr id="14" name="Rounded Rectangle 13"/>
+          <p:cNvSpPr/>
+          <p:nvPr/>
+        </p:nvSpPr>
+        <p:spPr>
+          <a:xfrm>
+            <a:off x="1081584" y="3520373"/>
+            <a:ext cx="1187355" cy="648268"/>
+          </a:xfrm>
+          <a:prstGeom prst="roundRect">
+            <a:avLst/>
+          </a:prstGeom>
+          <a:noFill/>
+          <a:ln w="57150">
+            <a:solidFill>
+              <a:srgbClr val="C00000"/>
+            </a:solidFill>
+          </a:ln>
+        </p:spPr>
+        <p:style>
+          <a:lnRef idx="2">
+            <a:schemeClr val="accent1">
+              <a:shade val="50000"/>
+            </a:schemeClr>
+          </a:lnRef>
+          <a:fillRef idx="1">
+            <a:schemeClr val="accent1"/>
+          </a:fillRef>
+          <a:effectRef idx="0">
+            <a:schemeClr val="accent1"/>
+          </a:effectRef>
+          <a:fontRef idx="minor">
+            <a:schemeClr val="lt1"/>
+          </a:fontRef>
+        </p:style>
+        <p:txBody>
+          <a:bodyPr rtlCol="0" anchor="ctr"/>
+          <a:lstStyle/>
+          <a:p>
+            <a:pPr algn="ctr"/>
+            <a:r>
+              <a:rPr lang="de-DE" dirty="0" smtClean="0">
+                <a:solidFill>
+                  <a:schemeClr val="tx1"/>
+                </a:solidFill>
+              </a:rPr>
+              <a:t>Lege Kunde an</a:t>
+            </a:r>
+            <a:endParaRPr lang="de-DE" dirty="0">
+              <a:solidFill>
+                <a:schemeClr val="tx1"/>
+              </a:solidFill>
+            </a:endParaRPr>
+          </a:p>
+        </p:txBody>
+      </p:sp>
+      <p:sp>
+        <p:nvSpPr>
+          <p:cNvPr id="15" name="Rounded Rectangle 14"/>
+          <p:cNvSpPr/>
+          <p:nvPr/>
+        </p:nvSpPr>
+        <p:spPr>
+          <a:xfrm>
+            <a:off x="1900337" y="2601721"/>
+            <a:ext cx="1254684" cy="648268"/>
+          </a:xfrm>
+          <a:prstGeom prst="roundRect">
+            <a:avLst/>
+          </a:prstGeom>
+          <a:noFill/>
+          <a:ln w="57150">
+            <a:solidFill>
+              <a:srgbClr val="C00000"/>
+            </a:solidFill>
+          </a:ln>
+        </p:spPr>
+        <p:style>
+          <a:lnRef idx="2">
+            <a:schemeClr val="accent1">
+              <a:shade val="50000"/>
+            </a:schemeClr>
+          </a:lnRef>
+          <a:fillRef idx="1">
+            <a:schemeClr val="accent1"/>
+          </a:fillRef>
+          <a:effectRef idx="0">
+            <a:schemeClr val="accent1"/>
+          </a:effectRef>
+          <a:fontRef idx="minor">
+            <a:schemeClr val="lt1"/>
+          </a:fontRef>
+        </p:style>
+        <p:txBody>
+          <a:bodyPr rtlCol="0" anchor="ctr"/>
+          <a:lstStyle/>
+          <a:p>
+            <a:pPr algn="ctr"/>
+            <a:r>
+              <a:rPr lang="de-DE" dirty="0" smtClean="0">
+                <a:solidFill>
+                  <a:schemeClr val="tx1"/>
+                </a:solidFill>
+              </a:rPr>
+              <a:t>Lege Auftrag an</a:t>
+            </a:r>
+            <a:endParaRPr lang="de-DE" dirty="0">
+              <a:solidFill>
+                <a:schemeClr val="tx1"/>
+              </a:solidFill>
+            </a:endParaRPr>
+          </a:p>
+        </p:txBody>
+      </p:sp>
+      <p:sp>
+        <p:nvSpPr>
+          <p:cNvPr id="16" name="Rounded Rectangle 15"/>
+          <p:cNvSpPr/>
+          <p:nvPr/>
+        </p:nvSpPr>
+        <p:spPr>
+          <a:xfrm>
+            <a:off x="2626054" y="4505533"/>
+            <a:ext cx="1153236" cy="648268"/>
+          </a:xfrm>
+          <a:prstGeom prst="roundRect">
+            <a:avLst/>
+          </a:prstGeom>
+          <a:noFill/>
+          <a:ln w="57150">
+            <a:solidFill>
+              <a:srgbClr val="C00000"/>
+            </a:solidFill>
+          </a:ln>
+        </p:spPr>
+        <p:style>
+          <a:lnRef idx="2">
+            <a:schemeClr val="accent1">
+              <a:shade val="50000"/>
+            </a:schemeClr>
+          </a:lnRef>
+          <a:fillRef idx="1">
+            <a:schemeClr val="accent1"/>
+          </a:fillRef>
+          <a:effectRef idx="0">
+            <a:schemeClr val="accent1"/>
+          </a:effectRef>
+          <a:fontRef idx="minor">
+            <a:schemeClr val="lt1"/>
+          </a:fontRef>
+        </p:style>
+        <p:txBody>
+          <a:bodyPr rtlCol="0" anchor="ctr"/>
+          <a:lstStyle/>
+          <a:p>
+            <a:pPr algn="ctr"/>
+            <a:r>
+              <a:rPr lang="de-DE" dirty="0" smtClean="0">
+                <a:solidFill>
+                  <a:schemeClr val="tx1"/>
+                </a:solidFill>
+              </a:rPr>
+              <a:t>Geh Facebook</a:t>
+            </a:r>
+            <a:endParaRPr lang="de-DE" dirty="0">
+              <a:solidFill>
+                <a:schemeClr val="tx1"/>
+              </a:solidFill>
+            </a:endParaRPr>
+          </a:p>
+        </p:txBody>
+      </p:sp>
+      <p:sp>
+        <p:nvSpPr>
+          <p:cNvPr id="17" name="Rounded Rectangle 16"/>
+          <p:cNvSpPr/>
+          <p:nvPr/>
+        </p:nvSpPr>
+        <p:spPr>
+          <a:xfrm>
+            <a:off x="1143000" y="4507288"/>
+            <a:ext cx="1064525" cy="648268"/>
+          </a:xfrm>
+          <a:prstGeom prst="roundRect">
+            <a:avLst/>
+          </a:prstGeom>
+          <a:noFill/>
+          <a:ln w="57150">
+            <a:solidFill>
+              <a:srgbClr val="C00000"/>
+            </a:solidFill>
+          </a:ln>
+        </p:spPr>
+        <p:style>
+          <a:lnRef idx="2">
+            <a:schemeClr val="accent1">
+              <a:shade val="50000"/>
+            </a:schemeClr>
+          </a:lnRef>
+          <a:fillRef idx="1">
+            <a:schemeClr val="accent1"/>
+          </a:fillRef>
+          <a:effectRef idx="0">
+            <a:schemeClr val="accent1"/>
+          </a:effectRef>
+          <a:fontRef idx="minor">
+            <a:schemeClr val="lt1"/>
+          </a:fontRef>
+        </p:style>
+        <p:txBody>
+          <a:bodyPr rtlCol="0" anchor="ctr"/>
+          <a:lstStyle/>
+          <a:p>
+            <a:pPr algn="ctr"/>
+            <a:r>
+              <a:rPr lang="de-DE" dirty="0" smtClean="0">
+                <a:solidFill>
+                  <a:schemeClr val="tx1"/>
+                </a:solidFill>
+              </a:rPr>
+              <a:t>Log out</a:t>
+            </a:r>
+            <a:endParaRPr lang="de-DE" dirty="0">
+              <a:solidFill>
+                <a:schemeClr val="tx1"/>
+              </a:solidFill>
+            </a:endParaRPr>
+          </a:p>
+        </p:txBody>
+      </p:sp>
+      <p:sp>
+        <p:nvSpPr>
+          <p:cNvPr id="36" name="Rectangle 35"/>
+          <p:cNvSpPr/>
+          <p:nvPr/>
+        </p:nvSpPr>
+        <p:spPr>
+          <a:xfrm>
+            <a:off x="6320503" y="2286001"/>
+            <a:ext cx="1390481" cy="1712794"/>
+          </a:xfrm>
+          <a:prstGeom prst="rect">
+            <a:avLst/>
+          </a:prstGeom>
+          <a:noFill/>
+          <a:ln w="57150"/>
+        </p:spPr>
+        <p:style>
+          <a:lnRef idx="2">
+            <a:schemeClr val="accent1">
+              <a:shade val="50000"/>
+            </a:schemeClr>
+          </a:lnRef>
+          <a:fillRef idx="1">
+            <a:schemeClr val="accent1"/>
+          </a:fillRef>
+          <a:effectRef idx="0">
+            <a:schemeClr val="accent1"/>
+          </a:effectRef>
+          <a:fontRef idx="minor">
+            <a:schemeClr val="lt1"/>
+          </a:fontRef>
+        </p:style>
+        <p:txBody>
+          <a:bodyPr rtlCol="0" anchor="ctr"/>
+          <a:lstStyle/>
+          <a:p>
+            <a:pPr algn="ctr"/>
+            <a:r>
+              <a:rPr lang="de-DE" sz="2000" dirty="0" err="1" smtClean="0">
+                <a:solidFill>
+                  <a:schemeClr val="tx1"/>
+                </a:solidFill>
+              </a:rPr>
+              <a:t>Connectors</a:t>
+            </a:r>
+            <a:endParaRPr lang="de-DE" sz="2000" dirty="0" smtClean="0">
+              <a:solidFill>
+                <a:schemeClr val="tx1"/>
+              </a:solidFill>
+            </a:endParaRPr>
+          </a:p>
+        </p:txBody>
+      </p:sp>
+      <p:sp>
+        <p:nvSpPr>
+          <p:cNvPr id="37" name="Rectangle 36"/>
+          <p:cNvSpPr/>
+          <p:nvPr/>
+        </p:nvSpPr>
+        <p:spPr>
+          <a:xfrm>
+            <a:off x="4717574" y="4360460"/>
+            <a:ext cx="2993411" cy="1712794"/>
+          </a:xfrm>
+          <a:prstGeom prst="rect">
+            <a:avLst/>
+          </a:prstGeom>
+          <a:noFill/>
+          <a:ln w="57150">
+            <a:solidFill>
+              <a:schemeClr val="bg1">
+                <a:lumMod val="50000"/>
+              </a:schemeClr>
+            </a:solidFill>
+          </a:ln>
+        </p:spPr>
+        <p:style>
+          <a:lnRef idx="2">
+            <a:schemeClr val="accent1">
+              <a:shade val="50000"/>
+            </a:schemeClr>
+          </a:lnRef>
+          <a:fillRef idx="1">
+            <a:schemeClr val="accent1"/>
+          </a:fillRef>
+          <a:effectRef idx="0">
+            <a:schemeClr val="accent1"/>
+          </a:effectRef>
+          <a:fontRef idx="minor">
+            <a:schemeClr val="lt1"/>
+          </a:fontRef>
+        </p:style>
+        <p:txBody>
+          <a:bodyPr rtlCol="0" anchor="ctr"/>
+          <a:lstStyle/>
+          <a:p>
+            <a:pPr algn="ctr"/>
+            <a:r>
+              <a:rPr lang="de-DE" sz="2400" dirty="0" smtClean="0">
+                <a:solidFill>
+                  <a:schemeClr val="tx1"/>
+                </a:solidFill>
+              </a:rPr>
+              <a:t>HTM </a:t>
+            </a:r>
+            <a:r>
+              <a:rPr lang="de-DE" sz="2400" dirty="0" err="1" smtClean="0">
+                <a:solidFill>
+                  <a:schemeClr val="tx1"/>
+                </a:solidFill>
+              </a:rPr>
+              <a:t>Anomaly</a:t>
+            </a:r>
+            <a:r>
+              <a:rPr lang="de-DE" sz="2400" dirty="0" smtClean="0">
+                <a:solidFill>
+                  <a:schemeClr val="tx1"/>
+                </a:solidFill>
+              </a:rPr>
+              <a:t> </a:t>
+            </a:r>
+            <a:r>
+              <a:rPr lang="de-DE" sz="2400" dirty="0" err="1" smtClean="0">
+                <a:solidFill>
+                  <a:schemeClr val="tx1"/>
+                </a:solidFill>
+              </a:rPr>
+              <a:t>Detection</a:t>
+            </a:r>
+            <a:endParaRPr lang="de-DE" sz="2400" dirty="0" smtClean="0">
+              <a:solidFill>
+                <a:schemeClr val="tx1"/>
+              </a:solidFill>
+            </a:endParaRPr>
+          </a:p>
+        </p:txBody>
+      </p:sp>
+      <p:cxnSp>
+        <p:nvCxnSpPr>
+          <p:cNvPr id="39" name="Straight Arrow Connector 38"/>
+          <p:cNvCxnSpPr/>
+          <p:nvPr/>
+        </p:nvCxnSpPr>
+        <p:spPr>
+          <a:xfrm flipV="1">
+            <a:off x="4299045" y="2879678"/>
+            <a:ext cx="418529" cy="6824"/>
+          </a:xfrm>
+          <a:prstGeom prst="straightConnector1">
+            <a:avLst/>
+          </a:prstGeom>
+          <a:ln w="57150">
+            <a:solidFill>
+              <a:schemeClr val="accent1">
+                <a:lumMod val="50000"/>
+              </a:schemeClr>
+            </a:solidFill>
+            <a:tailEnd type="triangle"/>
+          </a:ln>
+        </p:spPr>
+        <p:style>
+          <a:lnRef idx="1">
+            <a:schemeClr val="accent1"/>
+          </a:lnRef>
+          <a:fillRef idx="0">
+            <a:schemeClr val="accent1"/>
+          </a:fillRef>
+          <a:effectRef idx="0">
+            <a:schemeClr val="accent1"/>
+          </a:effectRef>
+          <a:fontRef idx="minor">
+            <a:schemeClr val="tx1"/>
+          </a:fontRef>
+        </p:style>
+      </p:cxnSp>
+      <p:cxnSp>
+        <p:nvCxnSpPr>
+          <p:cNvPr id="41" name="Straight Arrow Connector 40"/>
+          <p:cNvCxnSpPr/>
+          <p:nvPr/>
+        </p:nvCxnSpPr>
+        <p:spPr>
+          <a:xfrm flipH="1">
+            <a:off x="4299045" y="3295934"/>
+            <a:ext cx="418529" cy="0"/>
+          </a:xfrm>
+          <a:prstGeom prst="straightConnector1">
+            <a:avLst/>
+          </a:prstGeom>
+          <a:ln w="57150">
+            <a:solidFill>
+              <a:schemeClr val="accent1">
+                <a:lumMod val="50000"/>
+              </a:schemeClr>
+            </a:solidFill>
+            <a:tailEnd type="triangle"/>
+          </a:ln>
+        </p:spPr>
+        <p:style>
+          <a:lnRef idx="1">
+            <a:schemeClr val="accent1"/>
+          </a:lnRef>
+          <a:fillRef idx="0">
+            <a:schemeClr val="accent1"/>
+          </a:fillRef>
+          <a:effectRef idx="0">
+            <a:schemeClr val="accent1"/>
+          </a:effectRef>
+          <a:fontRef idx="minor">
+            <a:schemeClr val="tx1"/>
+          </a:fontRef>
+        </p:style>
+      </p:cxnSp>
+      <p:cxnSp>
+        <p:nvCxnSpPr>
+          <p:cNvPr id="46" name="Straight Arrow Connector 45"/>
+          <p:cNvCxnSpPr/>
+          <p:nvPr/>
+        </p:nvCxnSpPr>
+        <p:spPr>
+          <a:xfrm>
+            <a:off x="7710986" y="2879678"/>
+            <a:ext cx="1610435" cy="0"/>
+          </a:xfrm>
+          <a:prstGeom prst="straightConnector1">
+            <a:avLst/>
+          </a:prstGeom>
+          <a:ln w="57150">
+            <a:solidFill>
+              <a:schemeClr val="accent1">
+                <a:lumMod val="50000"/>
+              </a:schemeClr>
+            </a:solidFill>
+            <a:tailEnd type="triangle"/>
+          </a:ln>
+        </p:spPr>
+        <p:style>
+          <a:lnRef idx="1">
+            <a:schemeClr val="accent1"/>
+          </a:lnRef>
+          <a:fillRef idx="0">
+            <a:schemeClr val="accent1"/>
+          </a:fillRef>
+          <a:effectRef idx="0">
+            <a:schemeClr val="accent1"/>
+          </a:effectRef>
+          <a:fontRef idx="minor">
+            <a:schemeClr val="tx1"/>
+          </a:fontRef>
+        </p:style>
+      </p:cxnSp>
+      <p:cxnSp>
+        <p:nvCxnSpPr>
+          <p:cNvPr id="49" name="Straight Arrow Connector 48"/>
+          <p:cNvCxnSpPr/>
+          <p:nvPr/>
+        </p:nvCxnSpPr>
+        <p:spPr>
+          <a:xfrm flipH="1">
+            <a:off x="7710985" y="3295934"/>
+            <a:ext cx="1610436" cy="0"/>
+          </a:xfrm>
+          <a:prstGeom prst="straightConnector1">
+            <a:avLst/>
+          </a:prstGeom>
+          <a:ln w="57150">
+            <a:solidFill>
+              <a:schemeClr val="accent1">
+                <a:lumMod val="50000"/>
+              </a:schemeClr>
+            </a:solidFill>
+            <a:tailEnd type="triangle"/>
+          </a:ln>
+        </p:spPr>
+        <p:style>
+          <a:lnRef idx="1">
+            <a:schemeClr val="accent1"/>
+          </a:lnRef>
+          <a:fillRef idx="0">
+            <a:schemeClr val="accent1"/>
+          </a:fillRef>
+          <a:effectRef idx="0">
+            <a:schemeClr val="accent1"/>
+          </a:effectRef>
+          <a:fontRef idx="minor">
+            <a:schemeClr val="tx1"/>
+          </a:fontRef>
+        </p:style>
+      </p:cxnSp>
+      <p:cxnSp>
+        <p:nvCxnSpPr>
+          <p:cNvPr id="53" name="Straight Arrow Connector 52"/>
+          <p:cNvCxnSpPr>
+            <a:stCxn id="27" idx="2"/>
+          </p:cNvCxnSpPr>
+          <p:nvPr/>
+        </p:nvCxnSpPr>
+        <p:spPr>
+          <a:xfrm>
+            <a:off x="5322624" y="3998795"/>
+            <a:ext cx="1" cy="338647"/>
+          </a:xfrm>
+          <a:prstGeom prst="straightConnector1">
+            <a:avLst/>
+          </a:prstGeom>
+          <a:ln w="57150">
+            <a:solidFill>
+              <a:schemeClr val="accent1">
+                <a:lumMod val="50000"/>
+              </a:schemeClr>
+            </a:solidFill>
+            <a:tailEnd type="triangle"/>
+          </a:ln>
+        </p:spPr>
+        <p:style>
+          <a:lnRef idx="1">
+            <a:schemeClr val="accent1"/>
+          </a:lnRef>
+          <a:fillRef idx="0">
+            <a:schemeClr val="accent1"/>
+          </a:fillRef>
+          <a:effectRef idx="0">
+            <a:schemeClr val="accent1"/>
+          </a:effectRef>
+          <a:fontRef idx="minor">
+            <a:schemeClr val="tx1"/>
+          </a:fontRef>
+        </p:style>
+      </p:cxnSp>
+      <p:sp>
+        <p:nvSpPr>
+          <p:cNvPr id="27" name="Rectangle 26"/>
+          <p:cNvSpPr/>
+          <p:nvPr/>
+        </p:nvSpPr>
+        <p:spPr>
+          <a:xfrm>
+            <a:off x="4699605" y="2286001"/>
+            <a:ext cx="1246038" cy="1712794"/>
+          </a:xfrm>
+          <a:prstGeom prst="rect">
+            <a:avLst/>
+          </a:prstGeom>
+          <a:noFill/>
+          <a:ln w="57150">
+            <a:solidFill>
+              <a:schemeClr val="bg1">
+                <a:lumMod val="50000"/>
+              </a:schemeClr>
+            </a:solidFill>
+          </a:ln>
+        </p:spPr>
+        <p:style>
+          <a:lnRef idx="2">
+            <a:schemeClr val="accent1">
+              <a:shade val="50000"/>
+            </a:schemeClr>
+          </a:lnRef>
+          <a:fillRef idx="1">
+            <a:schemeClr val="accent1"/>
+          </a:fillRef>
+          <a:effectRef idx="0">
+            <a:schemeClr val="accent1"/>
+          </a:effectRef>
+          <a:fontRef idx="minor">
+            <a:schemeClr val="lt1"/>
+          </a:fontRef>
+        </p:style>
+        <p:txBody>
+          <a:bodyPr rtlCol="0" anchor="ctr"/>
+          <a:lstStyle/>
+          <a:p>
+            <a:pPr algn="ctr"/>
+            <a:r>
+              <a:rPr lang="de-DE" sz="2000" dirty="0" smtClean="0">
+                <a:solidFill>
+                  <a:schemeClr val="tx1"/>
+                </a:solidFill>
+              </a:rPr>
+              <a:t>SDR</a:t>
+            </a:r>
+          </a:p>
+          <a:p>
+            <a:pPr algn="ctr"/>
+            <a:r>
+              <a:rPr lang="de-DE" sz="2000" dirty="0" smtClean="0">
+                <a:solidFill>
+                  <a:schemeClr val="tx1"/>
+                </a:solidFill>
+              </a:rPr>
+              <a:t>Encoder/Decoder</a:t>
+            </a:r>
+            <a:endParaRPr lang="de-DE" sz="2000" dirty="0" smtClean="0">
+              <a:solidFill>
+                <a:schemeClr val="tx1"/>
+              </a:solidFill>
+            </a:endParaRPr>
+          </a:p>
+        </p:txBody>
+      </p:sp>
+      <p:cxnSp>
+        <p:nvCxnSpPr>
+          <p:cNvPr id="28" name="Straight Arrow Connector 27"/>
+          <p:cNvCxnSpPr/>
+          <p:nvPr/>
+        </p:nvCxnSpPr>
+        <p:spPr>
+          <a:xfrm>
+            <a:off x="5944508" y="2886502"/>
+            <a:ext cx="358707" cy="0"/>
+          </a:xfrm>
+          <a:prstGeom prst="straightConnector1">
+            <a:avLst/>
+          </a:prstGeom>
+          <a:ln w="57150">
+            <a:solidFill>
+              <a:schemeClr val="accent1">
+                <a:lumMod val="50000"/>
+              </a:schemeClr>
+            </a:solidFill>
+            <a:tailEnd type="triangle"/>
+          </a:ln>
+        </p:spPr>
+        <p:style>
+          <a:lnRef idx="1">
+            <a:schemeClr val="accent1"/>
+          </a:lnRef>
+          <a:fillRef idx="0">
+            <a:schemeClr val="accent1"/>
+          </a:fillRef>
+          <a:effectRef idx="0">
+            <a:schemeClr val="accent1"/>
+          </a:effectRef>
+          <a:fontRef idx="minor">
+            <a:schemeClr val="tx1"/>
+          </a:fontRef>
+        </p:style>
+      </p:cxnSp>
+      <p:cxnSp>
+        <p:nvCxnSpPr>
+          <p:cNvPr id="30" name="Straight Arrow Connector 29"/>
+          <p:cNvCxnSpPr/>
+          <p:nvPr/>
+        </p:nvCxnSpPr>
+        <p:spPr>
+          <a:xfrm flipH="1">
+            <a:off x="5944508" y="3295934"/>
+            <a:ext cx="347335" cy="0"/>
+          </a:xfrm>
+          <a:prstGeom prst="straightConnector1">
+            <a:avLst/>
+          </a:prstGeom>
+          <a:ln w="57150">
+            <a:solidFill>
+              <a:schemeClr val="accent1">
+                <a:lumMod val="50000"/>
+              </a:schemeClr>
+            </a:solidFill>
+            <a:tailEnd type="triangle"/>
+          </a:ln>
+        </p:spPr>
+        <p:style>
+          <a:lnRef idx="1">
+            <a:schemeClr val="accent1"/>
+          </a:lnRef>
+          <a:fillRef idx="0">
+            <a:schemeClr val="accent1"/>
+          </a:fillRef>
+          <a:effectRef idx="0">
+            <a:schemeClr val="accent1"/>
+          </a:effectRef>
+          <a:fontRef idx="minor">
+            <a:schemeClr val="tx1"/>
+          </a:fontRef>
+        </p:style>
+      </p:cxnSp>
+    </p:spTree>
+    <p:extLst>
+      <p:ext uri="{BB962C8B-B14F-4D97-AF65-F5344CB8AC3E}">
+        <p14:creationId xmlns:p14="http://schemas.microsoft.com/office/powerpoint/2010/main" val="1820080279"/>
+      </p:ext>
+    </p:extLst>
+  </p:cSld>
+  <p:clrMapOvr>
+    <a:masterClrMapping/>
+  </p:clrMapOvr>
+</p:sld>
+</file>
+
+<file path=ppt/slides/slide36.xml><?xml version="1.0" encoding="utf-8"?>
+<p:sld xmlns:a="http://schemas.openxmlformats.org/drawingml/2006/main" xmlns:r="http://schemas.openxmlformats.org/officeDocument/2006/relationships" xmlns:p="http://schemas.openxmlformats.org/presentationml/2006/main">
+  <p:cSld>
+    <p:spTree>
+      <p:nvGrpSpPr>
+        <p:cNvPr id="1" name=""/>
+        <p:cNvGrpSpPr/>
+        <p:nvPr/>
+      </p:nvGrpSpPr>
+      <p:grpSpPr>
+        <a:xfrm>
+          <a:off x="0" y="0"/>
+          <a:ext cx="0" cy="0"/>
+          <a:chOff x="0" y="0"/>
+          <a:chExt cx="0" cy="0"/>
+        </a:xfrm>
+      </p:grpSpPr>
+      <p:sp>
+        <p:nvSpPr>
+          <p:cNvPr id="3" name="Content Placeholder 2"/>
+          <p:cNvSpPr>
+            <a:spLocks noGrp="1"/>
+          </p:cNvSpPr>
+          <p:nvPr>
+            <p:ph idx="1"/>
+          </p:nvPr>
+        </p:nvSpPr>
+        <p:spPr/>
+        <p:txBody>
+          <a:bodyPr/>
+          <a:lstStyle/>
+          <a:p>
+            <a:pPr marL="0" indent="0">
+              <a:buNone/>
+            </a:pPr>
+            <a:r>
+              <a:rPr lang="de-DE" dirty="0" smtClean="0"/>
+              <a:t>Agiert vollständig nicht-deterministisch innerhalb eines Action Pools</a:t>
+            </a:r>
+          </a:p>
+          <a:p>
+            <a:pPr marL="0" indent="0">
+              <a:buNone/>
+            </a:pPr>
+            <a:endParaRPr lang="de-DE" dirty="0" smtClean="0"/>
+          </a:p>
+          <a:p>
+            <a:pPr marL="0" indent="0">
+              <a:buNone/>
+            </a:pPr>
+            <a:r>
+              <a:rPr lang="de-DE" dirty="0" smtClean="0"/>
+              <a:t>Der Agent „lernt“ typische Reaktionen auf Sequenzen von Aktionen</a:t>
+            </a:r>
+          </a:p>
+          <a:p>
+            <a:pPr marL="0" indent="0">
+              <a:buNone/>
+            </a:pPr>
+            <a:endParaRPr lang="de-DE" dirty="0"/>
+          </a:p>
+          <a:p>
+            <a:pPr marL="0" indent="0">
+              <a:buNone/>
+            </a:pPr>
+            <a:r>
+              <a:rPr lang="de-DE" dirty="0" smtClean="0"/>
+              <a:t>Durch </a:t>
+            </a:r>
+            <a:r>
+              <a:rPr lang="de-DE" dirty="0" err="1" smtClean="0"/>
+              <a:t>Anomaly</a:t>
+            </a:r>
+            <a:r>
+              <a:rPr lang="de-DE" dirty="0" smtClean="0"/>
+              <a:t> </a:t>
+            </a:r>
+            <a:r>
+              <a:rPr lang="de-DE" dirty="0" err="1" smtClean="0"/>
+              <a:t>Detection</a:t>
+            </a:r>
+            <a:r>
+              <a:rPr lang="de-DE" dirty="0" smtClean="0"/>
+              <a:t> des Agenten können subtile Unterschiede im Verhalten von Anwendungslandschaften gefunden werden</a:t>
+            </a:r>
+          </a:p>
+          <a:p>
+            <a:pPr marL="0" indent="0">
+              <a:buNone/>
+            </a:pPr>
+            <a:endParaRPr lang="de-DE" dirty="0"/>
+          </a:p>
+          <a:p>
+            <a:pPr marL="0" indent="0">
+              <a:buNone/>
+            </a:pPr>
+            <a:endParaRPr lang="de-DE" dirty="0" smtClean="0"/>
+          </a:p>
+          <a:p>
+            <a:pPr marL="0" indent="0">
+              <a:buNone/>
+            </a:pPr>
+            <a:endParaRPr lang="de-DE" dirty="0"/>
+          </a:p>
+          <a:p>
+            <a:pPr marL="0" indent="0">
+              <a:buNone/>
+            </a:pPr>
+            <a:endParaRPr lang="de-DE" dirty="0" smtClean="0"/>
+          </a:p>
+          <a:p>
+            <a:pPr marL="0" indent="0">
+              <a:buNone/>
+            </a:pPr>
+            <a:endParaRPr lang="de-DE" dirty="0" smtClean="0"/>
+          </a:p>
+          <a:p>
+            <a:pPr marL="0" indent="0">
+              <a:buNone/>
+            </a:pPr>
+            <a:endParaRPr lang="de-DE" dirty="0"/>
+          </a:p>
+        </p:txBody>
+      </p:sp>
+      <p:sp>
+        <p:nvSpPr>
+          <p:cNvPr id="4" name="Title 1"/>
+          <p:cNvSpPr>
+            <a:spLocks noGrp="1"/>
+          </p:cNvSpPr>
+          <p:nvPr>
+            <p:ph type="title"/>
+          </p:nvPr>
+        </p:nvSpPr>
+        <p:spPr>
+          <a:xfrm>
+            <a:off x="838200" y="365125"/>
+            <a:ext cx="10515600" cy="1325563"/>
+          </a:xfrm>
+        </p:spPr>
+        <p:txBody>
+          <a:bodyPr/>
+          <a:lstStyle/>
+          <a:p>
+            <a:r>
+              <a:rPr lang="de-DE" dirty="0" smtClean="0"/>
+              <a:t>HTM Agent</a:t>
+            </a:r>
+            <a:endParaRPr lang="de-DE" dirty="0"/>
+          </a:p>
+        </p:txBody>
+      </p:sp>
+    </p:spTree>
+    <p:extLst>
+      <p:ext uri="{BB962C8B-B14F-4D97-AF65-F5344CB8AC3E}">
+        <p14:creationId xmlns:p14="http://schemas.microsoft.com/office/powerpoint/2010/main" val="2461973832"/>
+      </p:ext>
+    </p:extLst>
+  </p:cSld>
+  <p:clrMapOvr>
+    <a:masterClrMapping/>
+  </p:clrMapOvr>
+</p:sld>
+</file>
+
+<file path=ppt/slides/slide37.xml><?xml version="1.0" encoding="utf-8"?>
+<p:sld xmlns:a="http://schemas.openxmlformats.org/drawingml/2006/main" xmlns:r="http://schemas.openxmlformats.org/officeDocument/2006/relationships" xmlns:p="http://schemas.openxmlformats.org/presentationml/2006/main">
+  <p:cSld>
+    <p:spTree>
+      <p:nvGrpSpPr>
+        <p:cNvPr id="1" name=""/>
+        <p:cNvGrpSpPr/>
+        <p:nvPr/>
+      </p:nvGrpSpPr>
+      <p:grpSpPr>
+        <a:xfrm>
+          <a:off x="0" y="0"/>
+          <a:ext cx="0" cy="0"/>
+          <a:chOff x="0" y="0"/>
+          <a:chExt cx="0" cy="0"/>
+        </a:xfrm>
+      </p:grpSpPr>
+      <p:sp>
+        <p:nvSpPr>
+          <p:cNvPr id="2" name="Title 1"/>
+          <p:cNvSpPr>
+            <a:spLocks noGrp="1"/>
+          </p:cNvSpPr>
+          <p:nvPr>
+            <p:ph type="title"/>
+          </p:nvPr>
+        </p:nvSpPr>
+        <p:spPr/>
+        <p:txBody>
+          <a:bodyPr/>
+          <a:lstStyle/>
+          <a:p>
+            <a:r>
+              <a:rPr lang="de-DE" dirty="0" smtClean="0"/>
+              <a:t>Roadmap</a:t>
+            </a:r>
+            <a:endParaRPr lang="de-DE" dirty="0"/>
+          </a:p>
+        </p:txBody>
+      </p:sp>
+      <p:sp>
+        <p:nvSpPr>
+          <p:cNvPr id="3" name="Content Placeholder 2"/>
+          <p:cNvSpPr>
+            <a:spLocks noGrp="1"/>
+          </p:cNvSpPr>
+          <p:nvPr>
+            <p:ph idx="1"/>
+          </p:nvPr>
+        </p:nvSpPr>
+        <p:spPr>
+          <a:xfrm>
+            <a:off x="838200" y="1825624"/>
+            <a:ext cx="10515600" cy="4568351"/>
+          </a:xfrm>
+        </p:spPr>
+        <p:txBody>
+          <a:bodyPr/>
+          <a:lstStyle/>
+          <a:p>
+            <a:pPr>
+              <a:buFont typeface="Wingdings" panose="05000000000000000000" pitchFamily="2" charset="2"/>
+              <a:buChar char="ü"/>
+            </a:pPr>
+            <a:r>
+              <a:rPr lang="de-DE" dirty="0" smtClean="0"/>
+              <a:t>Infrastruktur für „reale“ Anwendungslandschaft schaffen</a:t>
+            </a:r>
+          </a:p>
+          <a:p>
+            <a:pPr>
+              <a:buFont typeface="Wingdings" panose="05000000000000000000" pitchFamily="2" charset="2"/>
+              <a:buChar char="ü"/>
+            </a:pPr>
+            <a:r>
+              <a:rPr lang="de-DE" dirty="0" smtClean="0"/>
+              <a:t>Dort Anwendungen ergänzen und Geschäftsprozesse implementieren</a:t>
+            </a:r>
+          </a:p>
+          <a:p>
+            <a:pPr>
+              <a:buFont typeface="Wingdings" panose="05000000000000000000" pitchFamily="2" charset="2"/>
+              <a:buChar char="ü"/>
+            </a:pPr>
+            <a:r>
+              <a:rPr lang="de-DE" dirty="0" smtClean="0"/>
+              <a:t>Prototyp eines State </a:t>
+            </a:r>
+            <a:r>
+              <a:rPr lang="de-DE" dirty="0" err="1" smtClean="0"/>
+              <a:t>Machine</a:t>
+            </a:r>
+            <a:r>
+              <a:rPr lang="de-DE" dirty="0" smtClean="0"/>
+              <a:t> Agenten entwickeln</a:t>
+            </a:r>
+          </a:p>
+          <a:p>
+            <a:pPr>
+              <a:buFont typeface="Wingdings" panose="05000000000000000000" pitchFamily="2" charset="2"/>
+              <a:buChar char="ü"/>
+            </a:pPr>
+            <a:endParaRPr lang="de-DE" dirty="0"/>
+          </a:p>
+          <a:p>
+            <a:pPr>
+              <a:buFont typeface="Courier New" panose="02070309020205020404" pitchFamily="49" charset="0"/>
+              <a:buChar char="o"/>
+            </a:pPr>
+            <a:r>
+              <a:rPr lang="de-DE" dirty="0" smtClean="0"/>
+              <a:t>Reproduzierbare ALs ermöglichen (Meta-Repository)</a:t>
+            </a:r>
+          </a:p>
+          <a:p>
+            <a:pPr>
+              <a:buFont typeface="Courier New" panose="02070309020205020404" pitchFamily="49" charset="0"/>
+              <a:buChar char="o"/>
+            </a:pPr>
+            <a:r>
+              <a:rPr lang="de-DE" dirty="0" smtClean="0"/>
+              <a:t>Effiziente HTM Implementation abschließen (notfalls existieren bereits </a:t>
+            </a:r>
+            <a:r>
+              <a:rPr lang="de-DE" dirty="0" err="1" smtClean="0"/>
+              <a:t>Referenzimplementationen</a:t>
+            </a:r>
+            <a:r>
+              <a:rPr lang="de-DE" dirty="0" smtClean="0"/>
+              <a:t>)</a:t>
+            </a:r>
+          </a:p>
+          <a:p>
+            <a:pPr>
+              <a:buFont typeface="Courier New" panose="02070309020205020404" pitchFamily="49" charset="0"/>
+              <a:buChar char="o"/>
+            </a:pPr>
+            <a:r>
+              <a:rPr lang="de-DE" dirty="0" smtClean="0"/>
+              <a:t>Agenten Modularisieren und </a:t>
+            </a:r>
+            <a:r>
+              <a:rPr lang="de-DE" b="1" dirty="0" smtClean="0"/>
+              <a:t>SDR Encoder/Decoder entwerfen</a:t>
+            </a:r>
+          </a:p>
+          <a:p>
+            <a:pPr>
+              <a:buFont typeface="Courier New" panose="02070309020205020404" pitchFamily="49" charset="0"/>
+              <a:buChar char="o"/>
+            </a:pPr>
+            <a:endParaRPr lang="de-DE" dirty="0"/>
+          </a:p>
+        </p:txBody>
+      </p:sp>
+    </p:spTree>
+    <p:extLst>
+      <p:ext uri="{BB962C8B-B14F-4D97-AF65-F5344CB8AC3E}">
+        <p14:creationId xmlns:p14="http://schemas.microsoft.com/office/powerpoint/2010/main" val="3734121564"/>
+      </p:ext>
+    </p:extLst>
+  </p:cSld>
+  <p:clrMapOvr>
+    <a:masterClrMapping/>
+  </p:clrMapOvr>
+</p:sld>
+</file>
+
+<file path=ppt/slides/slide38.xml><?xml version="1.0" encoding="utf-8"?>
+<p:sld xmlns:a="http://schemas.openxmlformats.org/drawingml/2006/main" xmlns:r="http://schemas.openxmlformats.org/officeDocument/2006/relationships" xmlns:p="http://schemas.openxmlformats.org/presentationml/2006/main">
+  <p:cSld>
+    <p:spTree>
+      <p:nvGrpSpPr>
+        <p:cNvPr id="1" name=""/>
+        <p:cNvGrpSpPr/>
+        <p:nvPr/>
+      </p:nvGrpSpPr>
+      <p:grpSpPr>
+        <a:xfrm>
+          <a:off x="0" y="0"/>
+          <a:ext cx="0" cy="0"/>
+          <a:chOff x="0" y="0"/>
+          <a:chExt cx="0" cy="0"/>
+        </a:xfrm>
+      </p:grpSpPr>
+      <p:sp>
+        <p:nvSpPr>
+          <p:cNvPr id="3" name="Content Placeholder 2"/>
+          <p:cNvSpPr>
+            <a:spLocks noGrp="1"/>
+          </p:cNvSpPr>
+          <p:nvPr>
+            <p:ph idx="1"/>
+          </p:nvPr>
+        </p:nvSpPr>
+        <p:spPr>
+          <a:xfrm>
+            <a:off x="838200" y="450376"/>
+            <a:ext cx="10515600" cy="5726587"/>
+          </a:xfrm>
+        </p:spPr>
+        <p:txBody>
+          <a:bodyPr/>
+          <a:lstStyle/>
+          <a:p>
+            <a:pPr marL="0" indent="0">
+              <a:buNone/>
+            </a:pPr>
+            <a:r>
+              <a:rPr lang="de-DE" dirty="0" smtClean="0"/>
+              <a:t>Quellen:</a:t>
+            </a:r>
+          </a:p>
+        </p:txBody>
+      </p:sp>
+      <p:sp>
+        <p:nvSpPr>
+          <p:cNvPr id="2" name="TextBox 1"/>
+          <p:cNvSpPr txBox="1"/>
+          <p:nvPr/>
+        </p:nvSpPr>
+        <p:spPr>
+          <a:xfrm>
+            <a:off x="838200" y="1255593"/>
+            <a:ext cx="9847997" cy="5078313"/>
+          </a:xfrm>
+          <a:prstGeom prst="rect">
+            <a:avLst/>
+          </a:prstGeom>
+          <a:noFill/>
+        </p:spPr>
+        <p:txBody>
+          <a:bodyPr wrap="square" rtlCol="0">
+            <a:spAutoFit/>
+          </a:bodyPr>
+          <a:lstStyle/>
+          <a:p>
+            <a:r>
+              <a:rPr lang="de-DE" dirty="0"/>
+              <a:t>Hawkins &amp; Ahmad 2016, </a:t>
+            </a:r>
+            <a:r>
+              <a:rPr lang="en-US" dirty="0"/>
+              <a:t>Why Neurons Have Thousands of Synapses, a Theory of Sequence Memory in Neocortex </a:t>
+            </a:r>
+            <a:endParaRPr lang="en-US" dirty="0" smtClean="0"/>
+          </a:p>
+          <a:p>
+            <a:r>
+              <a:rPr lang="de-DE" dirty="0" smtClean="0"/>
+              <a:t>(</a:t>
+            </a:r>
+            <a:r>
+              <a:rPr lang="de-DE" dirty="0">
+                <a:hlinkClick r:id="rId2"/>
+              </a:rPr>
+              <a:t>http://</a:t>
+            </a:r>
+            <a:r>
+              <a:rPr lang="de-DE" dirty="0" smtClean="0">
+                <a:hlinkClick r:id="rId2"/>
+              </a:rPr>
+              <a:t>journal.frontiersin.org/article/10.3389/fncir.2016.00023/full</a:t>
+            </a:r>
+            <a:r>
+              <a:rPr lang="de-DE" dirty="0" smtClean="0"/>
+              <a:t>)</a:t>
+            </a:r>
+          </a:p>
+          <a:p>
+            <a:endParaRPr lang="de-DE" dirty="0"/>
+          </a:p>
+          <a:p>
+            <a:r>
+              <a:rPr lang="de-DE" dirty="0" err="1" smtClean="0"/>
+              <a:t>Modha</a:t>
+            </a:r>
+            <a:r>
+              <a:rPr lang="de-DE" dirty="0" smtClean="0"/>
+              <a:t> </a:t>
+            </a:r>
+            <a:r>
+              <a:rPr lang="de-DE" dirty="0"/>
+              <a:t>&amp; Singh 2010, </a:t>
+            </a:r>
+            <a:r>
+              <a:rPr lang="en-US" dirty="0"/>
+              <a:t>Network architecture of the long-distance pathways in the macaque brain</a:t>
+            </a:r>
+          </a:p>
+          <a:p>
+            <a:r>
+              <a:rPr lang="de-DE" dirty="0" smtClean="0"/>
+              <a:t>(</a:t>
+            </a:r>
+            <a:r>
+              <a:rPr lang="de-DE" dirty="0" smtClean="0">
+                <a:hlinkClick r:id="rId3"/>
+              </a:rPr>
+              <a:t>http</a:t>
+            </a:r>
+            <a:r>
+              <a:rPr lang="de-DE" dirty="0">
+                <a:hlinkClick r:id="rId3"/>
+              </a:rPr>
+              <a:t>://</a:t>
+            </a:r>
+            <a:r>
+              <a:rPr lang="de-DE" dirty="0" smtClean="0">
+                <a:hlinkClick r:id="rId3"/>
+              </a:rPr>
+              <a:t>www.pnas.org/content/107/30/13485.full</a:t>
+            </a:r>
+            <a:r>
+              <a:rPr lang="de-DE" dirty="0" smtClean="0"/>
+              <a:t>)</a:t>
+            </a:r>
+          </a:p>
+          <a:p>
+            <a:endParaRPr lang="de-DE" dirty="0"/>
+          </a:p>
+          <a:p>
+            <a:r>
+              <a:rPr lang="de-DE" dirty="0" smtClean="0"/>
+              <a:t>Zhou et Al. 2010, The </a:t>
+            </a:r>
+            <a:r>
+              <a:rPr lang="de-DE" dirty="0" err="1" smtClean="0"/>
+              <a:t>Decade</a:t>
+            </a:r>
+            <a:r>
+              <a:rPr lang="de-DE" dirty="0" smtClean="0"/>
+              <a:t> </a:t>
+            </a:r>
+            <a:r>
+              <a:rPr lang="de-DE" dirty="0" err="1" smtClean="0"/>
+              <a:t>of</a:t>
+            </a:r>
+            <a:r>
+              <a:rPr lang="de-DE" dirty="0" smtClean="0"/>
+              <a:t> </a:t>
+            </a:r>
+            <a:r>
+              <a:rPr lang="de-DE" dirty="0" err="1" smtClean="0"/>
+              <a:t>the</a:t>
+            </a:r>
+            <a:r>
+              <a:rPr lang="de-DE" dirty="0" smtClean="0"/>
+              <a:t> NMDA Spike</a:t>
+            </a:r>
+          </a:p>
+          <a:p>
+            <a:r>
+              <a:rPr lang="de-DE" dirty="0"/>
+              <a:t>(</a:t>
+            </a:r>
+            <a:r>
+              <a:rPr lang="de-DE" dirty="0">
+                <a:hlinkClick r:id="rId4"/>
+              </a:rPr>
+              <a:t>https://</a:t>
+            </a:r>
+            <a:r>
+              <a:rPr lang="de-DE" dirty="0" smtClean="0">
+                <a:hlinkClick r:id="rId4"/>
+              </a:rPr>
+              <a:t>www.researchgate.net/publication/44670091_The_decade_of_the_dendritic_NMDA_spike</a:t>
+            </a:r>
+            <a:r>
+              <a:rPr lang="de-DE" dirty="0" smtClean="0"/>
+              <a:t>)</a:t>
+            </a:r>
+          </a:p>
+          <a:p>
+            <a:endParaRPr lang="de-DE" dirty="0"/>
+          </a:p>
+          <a:p>
+            <a:r>
+              <a:rPr lang="de-DE" dirty="0" err="1" smtClean="0"/>
+              <a:t>Buxhoeveden</a:t>
+            </a:r>
+            <a:r>
+              <a:rPr lang="de-DE" dirty="0" smtClean="0"/>
+              <a:t> &amp; Casanova 2002, The </a:t>
+            </a:r>
+            <a:r>
+              <a:rPr lang="de-DE" dirty="0" err="1" smtClean="0"/>
+              <a:t>Minicolumn</a:t>
+            </a:r>
+            <a:r>
+              <a:rPr lang="de-DE" dirty="0" smtClean="0"/>
+              <a:t> Hypothesis in </a:t>
+            </a:r>
+            <a:r>
+              <a:rPr lang="de-DE" dirty="0" err="1" smtClean="0"/>
+              <a:t>Neuroscience</a:t>
+            </a:r>
+            <a:r>
+              <a:rPr lang="de-DE" dirty="0" smtClean="0"/>
+              <a:t>,</a:t>
+            </a:r>
+          </a:p>
+          <a:p>
+            <a:r>
+              <a:rPr lang="de-DE" dirty="0"/>
+              <a:t>(</a:t>
+            </a:r>
+            <a:r>
+              <a:rPr lang="de-DE" dirty="0">
+                <a:hlinkClick r:id="rId5"/>
+              </a:rPr>
+              <a:t>http://</a:t>
+            </a:r>
+            <a:r>
+              <a:rPr lang="de-DE" dirty="0" smtClean="0">
+                <a:hlinkClick r:id="rId5"/>
+              </a:rPr>
+              <a:t>brain.oxfordjournals.org/content/125/5/935</a:t>
+            </a:r>
+            <a:r>
+              <a:rPr lang="de-DE" dirty="0" smtClean="0"/>
+              <a:t>)</a:t>
+            </a:r>
+          </a:p>
+          <a:p>
+            <a:endParaRPr lang="de-DE" dirty="0"/>
+          </a:p>
+          <a:p>
+            <a:r>
+              <a:rPr lang="de-DE" dirty="0" err="1" smtClean="0"/>
+              <a:t>Allene</a:t>
+            </a:r>
+            <a:r>
+              <a:rPr lang="de-DE" dirty="0" smtClean="0"/>
+              <a:t> et Al. 2015, The Neuronal Identity Bias </a:t>
+            </a:r>
+            <a:r>
+              <a:rPr lang="de-DE" dirty="0" err="1" smtClean="0"/>
+              <a:t>behind</a:t>
+            </a:r>
+            <a:r>
+              <a:rPr lang="de-DE" dirty="0" smtClean="0"/>
+              <a:t> </a:t>
+            </a:r>
+            <a:r>
+              <a:rPr lang="de-DE" dirty="0" err="1" smtClean="0"/>
+              <a:t>Necortical</a:t>
+            </a:r>
+            <a:r>
+              <a:rPr lang="de-DE" dirty="0" smtClean="0"/>
+              <a:t>  </a:t>
+            </a:r>
+            <a:r>
+              <a:rPr lang="de-DE" dirty="0" err="1" smtClean="0"/>
+              <a:t>GABAergic</a:t>
+            </a:r>
+            <a:r>
+              <a:rPr lang="de-DE" dirty="0" smtClean="0"/>
+              <a:t> </a:t>
+            </a:r>
+            <a:r>
+              <a:rPr lang="de-DE" dirty="0" err="1" smtClean="0"/>
+              <a:t>plasticity</a:t>
+            </a:r>
+            <a:r>
+              <a:rPr lang="de-DE" dirty="0" smtClean="0"/>
+              <a:t>,</a:t>
+            </a:r>
+          </a:p>
+          <a:p>
+            <a:r>
+              <a:rPr lang="de-DE" dirty="0"/>
+              <a:t>(</a:t>
+            </a:r>
+            <a:r>
+              <a:rPr lang="de-DE" dirty="0">
+                <a:hlinkClick r:id="rId6"/>
+              </a:rPr>
+              <a:t>http://</a:t>
+            </a:r>
+            <a:r>
+              <a:rPr lang="de-DE" dirty="0" smtClean="0">
+                <a:hlinkClick r:id="rId6"/>
+              </a:rPr>
+              <a:t>dx.doi.org/10.1016/j.tins.2015.07.008</a:t>
+            </a:r>
+            <a:r>
+              <a:rPr lang="de-DE" dirty="0" smtClean="0"/>
+              <a:t>)</a:t>
+            </a:r>
+          </a:p>
+          <a:p>
+            <a:endParaRPr lang="de-DE" dirty="0" smtClean="0"/>
+          </a:p>
+          <a:p>
+            <a:endParaRPr lang="de-DE" dirty="0" smtClean="0"/>
+          </a:p>
+          <a:p>
+            <a:endParaRPr lang="de-DE" dirty="0"/>
+          </a:p>
+        </p:txBody>
+      </p:sp>
+    </p:spTree>
+    <p:extLst>
+      <p:ext uri="{BB962C8B-B14F-4D97-AF65-F5344CB8AC3E}">
+        <p14:creationId xmlns:p14="http://schemas.microsoft.com/office/powerpoint/2010/main" val="944380725"/>
+      </p:ext>
+    </p:extLst>
+  </p:cSld>
+  <p:clrMapOvr>
+    <a:masterClrMapping/>
+  </p:clrMapOvr>
+</p:sld>
+</file>
+
+<file path=ppt/slides/slide39.xml><?xml version="1.0" encoding="utf-8"?>
+<p:sld xmlns:a="http://schemas.openxmlformats.org/drawingml/2006/main" xmlns:r="http://schemas.openxmlformats.org/officeDocument/2006/relationships" xmlns:p="http://schemas.openxmlformats.org/presentationml/2006/main">
+  <p:cSld>
+    <p:spTree>
+      <p:nvGrpSpPr>
+        <p:cNvPr id="1" name=""/>
+        <p:cNvGrpSpPr/>
+        <p:nvPr/>
+      </p:nvGrpSpPr>
+      <p:grpSpPr>
+        <a:xfrm>
+          <a:off x="0" y="0"/>
+          <a:ext cx="0" cy="0"/>
+          <a:chOff x="0" y="0"/>
+          <a:chExt cx="0" cy="0"/>
+        </a:xfrm>
+      </p:grpSpPr>
+      <p:sp>
+        <p:nvSpPr>
+          <p:cNvPr id="3" name="Content Placeholder 2"/>
+          <p:cNvSpPr>
+            <a:spLocks noGrp="1"/>
+          </p:cNvSpPr>
+          <p:nvPr>
+            <p:ph idx="1"/>
+          </p:nvPr>
+        </p:nvSpPr>
+        <p:spPr>
+          <a:xfrm>
+            <a:off x="838200" y="450376"/>
+            <a:ext cx="10515600" cy="5726587"/>
+          </a:xfrm>
+        </p:spPr>
+        <p:txBody>
+          <a:bodyPr/>
+          <a:lstStyle/>
+          <a:p>
+            <a:pPr marL="0" indent="0">
+              <a:buNone/>
+            </a:pPr>
+            <a:r>
+              <a:rPr lang="de-DE" dirty="0"/>
+              <a:t>Weiterführende Informationen:</a:t>
+            </a:r>
+          </a:p>
+        </p:txBody>
+      </p:sp>
+      <p:sp>
+        <p:nvSpPr>
+          <p:cNvPr id="2" name="Rectangle 1"/>
+          <p:cNvSpPr/>
+          <p:nvPr/>
+        </p:nvSpPr>
+        <p:spPr>
+          <a:xfrm>
+            <a:off x="838200" y="1285880"/>
+            <a:ext cx="8196618" cy="3693319"/>
+          </a:xfrm>
+          <a:prstGeom prst="rect">
+            <a:avLst/>
+          </a:prstGeom>
+        </p:spPr>
+        <p:txBody>
+          <a:bodyPr wrap="square">
+            <a:spAutoFit/>
+          </a:bodyPr>
+          <a:lstStyle/>
+          <a:p>
+            <a:r>
+              <a:rPr lang="de-DE" dirty="0" err="1" smtClean="0"/>
+              <a:t>Numenta</a:t>
+            </a:r>
+            <a:r>
+              <a:rPr lang="de-DE" dirty="0" smtClean="0"/>
+              <a:t> HTM Learning Center</a:t>
+            </a:r>
+            <a:endParaRPr lang="de-DE" dirty="0" smtClean="0">
+              <a:hlinkClick r:id="rId2"/>
+            </a:endParaRPr>
+          </a:p>
+          <a:p>
+            <a:r>
+              <a:rPr lang="de-DE" dirty="0" smtClean="0">
+                <a:hlinkClick r:id="rId2"/>
+              </a:rPr>
+              <a:t>http</a:t>
+            </a:r>
+            <a:r>
+              <a:rPr lang="de-DE" dirty="0">
+                <a:hlinkClick r:id="rId2"/>
+              </a:rPr>
+              <a:t>://numenta.com/learn</a:t>
+            </a:r>
+            <a:r>
+              <a:rPr lang="de-DE" dirty="0" smtClean="0">
+                <a:hlinkClick r:id="rId2"/>
+              </a:rPr>
+              <a:t>/</a:t>
+            </a:r>
+            <a:endParaRPr lang="de-DE" dirty="0" smtClean="0"/>
+          </a:p>
+          <a:p>
+            <a:endParaRPr lang="de-DE" dirty="0" smtClean="0"/>
+          </a:p>
+          <a:p>
+            <a:r>
+              <a:rPr lang="de-DE" dirty="0" smtClean="0"/>
+              <a:t>IBM Research: Jeff Hawkins on </a:t>
+            </a:r>
+            <a:r>
+              <a:rPr lang="de-DE" dirty="0" err="1" smtClean="0"/>
+              <a:t>Machine</a:t>
+            </a:r>
+            <a:r>
+              <a:rPr lang="de-DE" dirty="0" smtClean="0"/>
+              <a:t> </a:t>
+            </a:r>
+            <a:r>
+              <a:rPr lang="de-DE" dirty="0" err="1" smtClean="0"/>
+              <a:t>Intelligence</a:t>
+            </a:r>
+            <a:endParaRPr lang="de-DE" dirty="0"/>
+          </a:p>
+          <a:p>
+            <a:r>
+              <a:rPr lang="de-DE" dirty="0">
+                <a:hlinkClick r:id="rId3"/>
+              </a:rPr>
+              <a:t>https://</a:t>
+            </a:r>
+            <a:r>
+              <a:rPr lang="de-DE" dirty="0" smtClean="0">
+                <a:hlinkClick r:id="rId3"/>
+              </a:rPr>
+              <a:t>www.youtube.com/watch?v=0SroCjwkSFc</a:t>
+            </a:r>
+            <a:endParaRPr lang="de-DE" dirty="0" smtClean="0"/>
+          </a:p>
+          <a:p>
+            <a:endParaRPr lang="de-DE" dirty="0"/>
+          </a:p>
+          <a:p>
+            <a:r>
+              <a:rPr lang="de-DE" dirty="0" smtClean="0"/>
+              <a:t>UC Berkeley NICE Workshop</a:t>
+            </a:r>
+          </a:p>
+          <a:p>
+            <a:r>
+              <a:rPr lang="de-DE" dirty="0">
+                <a:hlinkClick r:id="rId4"/>
+              </a:rPr>
+              <a:t>https://</a:t>
+            </a:r>
+            <a:r>
+              <a:rPr lang="de-DE" dirty="0" smtClean="0">
+                <a:hlinkClick r:id="rId4"/>
+              </a:rPr>
+              <a:t>www.youtube.com/watch?v=LalFsN2XZtA&amp;list=PLOyuQaVrp4qqkSep0TP20Gw9mzFyp-GH9</a:t>
+            </a:r>
+            <a:endParaRPr lang="de-DE" dirty="0" smtClean="0"/>
+          </a:p>
+          <a:p>
+            <a:endParaRPr lang="de-DE" dirty="0"/>
+          </a:p>
+          <a:p>
+            <a:endParaRPr lang="de-DE" dirty="0" smtClean="0"/>
+          </a:p>
+          <a:p>
+            <a:endParaRPr lang="de-DE" dirty="0"/>
+          </a:p>
+          <a:p>
+            <a:endParaRPr lang="de-DE" dirty="0"/>
+          </a:p>
+        </p:txBody>
+      </p:sp>
+    </p:spTree>
+    <p:extLst>
+      <p:ext uri="{BB962C8B-B14F-4D97-AF65-F5344CB8AC3E}">
+        <p14:creationId xmlns:p14="http://schemas.microsoft.com/office/powerpoint/2010/main" val="3718436250"/>
       </p:ext>
     </p:extLst>
   </p:cSld>
@@ -45552,6 +51686,34 @@
           </a:xfrm>
         </p:spPr>
       </p:pic>
+      <p:sp>
+        <p:nvSpPr>
+          <p:cNvPr id="2" name="Rectangle 1"/>
+          <p:cNvSpPr/>
+          <p:nvPr/>
+        </p:nvSpPr>
+        <p:spPr>
+          <a:xfrm>
+            <a:off x="3609833" y="6299412"/>
+            <a:ext cx="8475260" cy="369332"/>
+          </a:xfrm>
+          <a:prstGeom prst="rect">
+            <a:avLst/>
+          </a:prstGeom>
+        </p:spPr>
+        <p:txBody>
+          <a:bodyPr wrap="square">
+            <a:spAutoFit/>
+          </a:bodyPr>
+          <a:lstStyle/>
+          <a:p>
+            <a:r>
+              <a:rPr lang="de-DE" dirty="0"/>
+              <a:t>http://www.weallhaveuniquebrains.com/brain_anatomy/amygdala_and_hippocampus/</a:t>
+            </a:r>
+          </a:p>
+        </p:txBody>
+      </p:sp>
     </p:spTree>
     <p:extLst>
       <p:ext uri="{BB962C8B-B14F-4D97-AF65-F5344CB8AC3E}">
@@ -45728,6 +51890,34 @@
                 <a:srgbClr val="C00000"/>
               </a:solidFill>
             </a:endParaRPr>
+          </a:p>
+        </p:txBody>
+      </p:sp>
+      <p:sp>
+        <p:nvSpPr>
+          <p:cNvPr id="6" name="Rectangle 5"/>
+          <p:cNvSpPr/>
+          <p:nvPr/>
+        </p:nvSpPr>
+        <p:spPr>
+          <a:xfrm>
+            <a:off x="3609833" y="6299412"/>
+            <a:ext cx="8475260" cy="369332"/>
+          </a:xfrm>
+          <a:prstGeom prst="rect">
+            <a:avLst/>
+          </a:prstGeom>
+        </p:spPr>
+        <p:txBody>
+          <a:bodyPr wrap="square">
+            <a:spAutoFit/>
+          </a:bodyPr>
+          <a:lstStyle/>
+          <a:p>
+            <a:r>
+              <a:rPr lang="de-DE" dirty="0"/>
+              <a:t>http://www.weallhaveuniquebrains.com/brain_anatomy/amygdala_and_hippocampus/</a:t>
+            </a:r>
           </a:p>
         </p:txBody>
       </p:sp>
@@ -46033,6 +52223,34 @@
           </a:p>
         </p:txBody>
       </p:sp>
+      <p:sp>
+        <p:nvSpPr>
+          <p:cNvPr id="11" name="Rectangle 10"/>
+          <p:cNvSpPr/>
+          <p:nvPr/>
+        </p:nvSpPr>
+        <p:spPr>
+          <a:xfrm>
+            <a:off x="3609833" y="6299412"/>
+            <a:ext cx="8475260" cy="369332"/>
+          </a:xfrm>
+          <a:prstGeom prst="rect">
+            <a:avLst/>
+          </a:prstGeom>
+        </p:spPr>
+        <p:txBody>
+          <a:bodyPr wrap="square">
+            <a:spAutoFit/>
+          </a:bodyPr>
+          <a:lstStyle/>
+          <a:p>
+            <a:r>
+              <a:rPr lang="de-DE" dirty="0"/>
+              <a:t>http://www.weallhaveuniquebrains.com/brain_anatomy/amygdala_and_hippocampus/</a:t>
+            </a:r>
+          </a:p>
+        </p:txBody>
+      </p:sp>
     </p:spTree>
     <p:extLst>
       <p:ext uri="{BB962C8B-B14F-4D97-AF65-F5344CB8AC3E}">
@@ -47145,14 +53363,62 @@
         </p:blipFill>
         <p:spPr>
           <a:xfrm>
-            <a:off x="109181" y="171417"/>
-            <a:ext cx="11948615" cy="6501552"/>
+            <a:off x="423079" y="144121"/>
+            <a:ext cx="11430001" cy="6219361"/>
           </a:xfrm>
           <a:prstGeom prst="rect">
             <a:avLst/>
           </a:prstGeom>
         </p:spPr>
       </p:pic>
+      <p:sp>
+        <p:nvSpPr>
+          <p:cNvPr id="2" name="Rectangle 1"/>
+          <p:cNvSpPr/>
+          <p:nvPr/>
+        </p:nvSpPr>
+        <p:spPr>
+          <a:xfrm>
+            <a:off x="4562877" y="6363482"/>
+            <a:ext cx="7373750" cy="369332"/>
+          </a:xfrm>
+          <a:prstGeom prst="rect">
+            <a:avLst/>
+          </a:prstGeom>
+        </p:spPr>
+        <p:txBody>
+          <a:bodyPr wrap="none">
+            <a:spAutoFit/>
+          </a:bodyPr>
+          <a:lstStyle/>
+          <a:p>
+            <a:r>
+              <a:rPr lang="de-DE" dirty="0" smtClean="0"/>
+              <a:t>Allen Institute </a:t>
+            </a:r>
+            <a:r>
+              <a:rPr lang="de-DE" dirty="0" err="1" smtClean="0"/>
+              <a:t>for</a:t>
+            </a:r>
+            <a:r>
+              <a:rPr lang="de-DE" dirty="0" smtClean="0"/>
+              <a:t> </a:t>
+            </a:r>
+            <a:r>
+              <a:rPr lang="de-DE" dirty="0" err="1" smtClean="0"/>
+              <a:t>Neuroscience</a:t>
+            </a:r>
+            <a:r>
+              <a:rPr lang="de-DE" dirty="0" smtClean="0"/>
+              <a:t>, 2016, http</a:t>
+            </a:r>
+            <a:r>
+              <a:rPr lang="de-DE" dirty="0"/>
+              <a:t>://casestudies.brain-map.org/ggb</a:t>
+            </a:r>
+          </a:p>
+        </p:txBody>
+      </p:sp>
     </p:spTree>
     <p:extLst>
       <p:ext uri="{BB962C8B-B14F-4D97-AF65-F5344CB8AC3E}">
